--- a/Samba KCC.pptx
+++ b/Samba KCC.pptx
@@ -6,10 +6,10 @@
     <p:sldMasterId id="2147483660" r:id="rId2"/>
   </p:sldMasterIdLst>
   <p:notesMasterIdLst>
-    <p:notesMasterId r:id="rId24"/>
+    <p:notesMasterId r:id="rId25"/>
   </p:notesMasterIdLst>
   <p:handoutMasterIdLst>
-    <p:handoutMasterId r:id="rId25"/>
+    <p:handoutMasterId r:id="rId26"/>
   </p:handoutMasterIdLst>
   <p:sldIdLst>
     <p:sldId id="256" r:id="rId3"/>
@@ -25,14 +25,15 @@
     <p:sldId id="270" r:id="rId13"/>
     <p:sldId id="267" r:id="rId14"/>
     <p:sldId id="268" r:id="rId15"/>
-    <p:sldId id="257" r:id="rId16"/>
-    <p:sldId id="258" r:id="rId17"/>
-    <p:sldId id="259" r:id="rId18"/>
-    <p:sldId id="260" r:id="rId19"/>
-    <p:sldId id="261" r:id="rId20"/>
-    <p:sldId id="262" r:id="rId21"/>
-    <p:sldId id="263" r:id="rId22"/>
-    <p:sldId id="264" r:id="rId23"/>
+    <p:sldId id="277" r:id="rId16"/>
+    <p:sldId id="257" r:id="rId17"/>
+    <p:sldId id="258" r:id="rId18"/>
+    <p:sldId id="259" r:id="rId19"/>
+    <p:sldId id="260" r:id="rId20"/>
+    <p:sldId id="261" r:id="rId21"/>
+    <p:sldId id="262" r:id="rId22"/>
+    <p:sldId id="263" r:id="rId23"/>
+    <p:sldId id="264" r:id="rId24"/>
   </p:sldIdLst>
   <p:sldSz cx="10080625" cy="7559675"/>
   <p:notesSz cx="7559675" cy="10691813"/>
@@ -131,6 +132,11 @@
       </a:defRPr>
     </a:lvl9pPr>
   </p:defaultTextStyle>
+  <p:extLst>
+    <p:ext uri="{EFAFB233-063F-42B5-8137-9DF3F51BA10A}">
+      <p15:sldGuideLst xmlns:p15="http://schemas.microsoft.com/office/powerpoint/2012/main"/>
+    </p:ext>
+  </p:extLst>
 </p:presentation>
 </file>
 
@@ -1847,7 +1853,7 @@
                 <a:uFillTx/>
               </a:defRPr>
             </a:pPr>
-            <a:fld id="{6C98130F-D7DE-4EB1-B7F6-8E40EFEC5E84}" type="slidenum">
+            <a:fld id="{094BBDE3-104D-4E11-BAEE-4FA9483F2E6F}" type="slidenum">
               <a:t>14</a:t>
             </a:fld>
             <a:endParaRPr lang="en-NZ" sz="1400" b="0" i="0" u="none" strike="noStrike" kern="1200" cap="none" spc="0" baseline="0">
@@ -1906,7 +1912,7 @@
                 <a:uFillTx/>
               </a:defRPr>
             </a:pPr>
-            <a:fld id="{1A394901-0413-4828-9A43-6B6C347413D0}" type="slidenum">
+            <a:fld id="{201A4D39-07AB-4670-8920-2D323DB570EC}" type="slidenum">
               <a:t>14</a:t>
             </a:fld>
             <a:endParaRPr lang="en-NZ" sz="1400" b="0" i="0" u="none" strike="noStrike" kern="1200" cap="none" spc="0" baseline="0">
@@ -1933,8 +1939,8 @@
         </p:nvSpPr>
         <p:spPr>
           <a:xfrm>
-            <a:off x="1106488" y="812801"/>
-            <a:ext cx="5345116" cy="4008436"/>
+            <a:off x="1106488" y="812800"/>
+            <a:ext cx="5345112" cy="4008438"/>
           </a:xfrm>
           <a:solidFill>
             <a:srgbClr val="5B9BD5"/>
@@ -1968,6 +1974,11 @@
         </p:txBody>
       </p:sp>
     </p:spTree>
+    <p:extLst>
+      <p:ext uri="{BB962C8B-B14F-4D97-AF65-F5344CB8AC3E}">
+        <p14:creationId xmlns:p14="http://schemas.microsoft.com/office/powerpoint/2010/main" val="2148235567"/>
+      </p:ext>
+    </p:extLst>
   </p:cSld>
   <p:clrMapOvr>
     <a:masterClrMapping/>
@@ -2036,7 +2047,7 @@
                 <a:uFillTx/>
               </a:defRPr>
             </a:pPr>
-            <a:fld id="{49C68ABB-10FB-41C9-A59D-A5723A060D75}" type="slidenum">
+            <a:fld id="{6C98130F-D7DE-4EB1-B7F6-8E40EFEC5E84}" type="slidenum">
               <a:t>15</a:t>
             </a:fld>
             <a:endParaRPr lang="en-NZ" sz="1400" b="0" i="0" u="none" strike="noStrike" kern="1200" cap="none" spc="0" baseline="0">
@@ -2095,7 +2106,7 @@
                 <a:uFillTx/>
               </a:defRPr>
             </a:pPr>
-            <a:fld id="{8DD9A074-D987-40B6-97F2-17C15392431D}" type="slidenum">
+            <a:fld id="{1A394901-0413-4828-9A43-6B6C347413D0}" type="slidenum">
               <a:t>15</a:t>
             </a:fld>
             <a:endParaRPr lang="en-NZ" sz="1400" b="0" i="0" u="none" strike="noStrike" kern="1200" cap="none" spc="0" baseline="0">
@@ -2225,7 +2236,7 @@
                 <a:uFillTx/>
               </a:defRPr>
             </a:pPr>
-            <a:fld id="{C24BEE23-50A3-4728-BACD-DB13D0D751EB}" type="slidenum">
+            <a:fld id="{49C68ABB-10FB-41C9-A59D-A5723A060D75}" type="slidenum">
               <a:t>16</a:t>
             </a:fld>
             <a:endParaRPr lang="en-NZ" sz="1400" b="0" i="0" u="none" strike="noStrike" kern="1200" cap="none" spc="0" baseline="0">
@@ -2284,7 +2295,7 @@
                 <a:uFillTx/>
               </a:defRPr>
             </a:pPr>
-            <a:fld id="{AE5BAAFB-EA41-4973-9F00-9EEEDD491570}" type="slidenum">
+            <a:fld id="{8DD9A074-D987-40B6-97F2-17C15392431D}" type="slidenum">
               <a:t>16</a:t>
             </a:fld>
             <a:endParaRPr lang="en-NZ" sz="1400" b="0" i="0" u="none" strike="noStrike" kern="1200" cap="none" spc="0" baseline="0">
@@ -2414,7 +2425,7 @@
                 <a:uFillTx/>
               </a:defRPr>
             </a:pPr>
-            <a:fld id="{2EF2692C-6AFC-4035-9070-85412B1FB20A}" type="slidenum">
+            <a:fld id="{C24BEE23-50A3-4728-BACD-DB13D0D751EB}" type="slidenum">
               <a:t>17</a:t>
             </a:fld>
             <a:endParaRPr lang="en-NZ" sz="1400" b="0" i="0" u="none" strike="noStrike" kern="1200" cap="none" spc="0" baseline="0">
@@ -2473,7 +2484,7 @@
                 <a:uFillTx/>
               </a:defRPr>
             </a:pPr>
-            <a:fld id="{4C5373CE-5463-4EF6-BFCD-7809A59515D3}" type="slidenum">
+            <a:fld id="{AE5BAAFB-EA41-4973-9F00-9EEEDD491570}" type="slidenum">
               <a:t>17</a:t>
             </a:fld>
             <a:endParaRPr lang="en-NZ" sz="1400" b="0" i="0" u="none" strike="noStrike" kern="1200" cap="none" spc="0" baseline="0">
@@ -2603,7 +2614,7 @@
                 <a:uFillTx/>
               </a:defRPr>
             </a:pPr>
-            <a:fld id="{C3E1E518-6AE3-4679-8B85-58756417B71A}" type="slidenum">
+            <a:fld id="{2EF2692C-6AFC-4035-9070-85412B1FB20A}" type="slidenum">
               <a:t>18</a:t>
             </a:fld>
             <a:endParaRPr lang="en-NZ" sz="1400" b="0" i="0" u="none" strike="noStrike" kern="1200" cap="none" spc="0" baseline="0">
@@ -2662,7 +2673,7 @@
                 <a:uFillTx/>
               </a:defRPr>
             </a:pPr>
-            <a:fld id="{0826726E-05C2-4E27-B03B-6B6D617357C0}" type="slidenum">
+            <a:fld id="{4C5373CE-5463-4EF6-BFCD-7809A59515D3}" type="slidenum">
               <a:t>18</a:t>
             </a:fld>
             <a:endParaRPr lang="en-NZ" sz="1400" b="0" i="0" u="none" strike="noStrike" kern="1200" cap="none" spc="0" baseline="0">
@@ -2792,7 +2803,7 @@
                 <a:uFillTx/>
               </a:defRPr>
             </a:pPr>
-            <a:fld id="{99D040D3-60FF-4D3A-8F04-DC5256BD7485}" type="slidenum">
+            <a:fld id="{C3E1E518-6AE3-4679-8B85-58756417B71A}" type="slidenum">
               <a:t>19</a:t>
             </a:fld>
             <a:endParaRPr lang="en-NZ" sz="1400" b="0" i="0" u="none" strike="noStrike" kern="1200" cap="none" spc="0" baseline="0">
@@ -2851,7 +2862,7 @@
                 <a:uFillTx/>
               </a:defRPr>
             </a:pPr>
-            <a:fld id="{A5C2506B-087E-4026-AF3F-04C455DD9D36}" type="slidenum">
+            <a:fld id="{0826726E-05C2-4E27-B03B-6B6D617357C0}" type="slidenum">
               <a:t>19</a:t>
             </a:fld>
             <a:endParaRPr lang="en-NZ" sz="1400" b="0" i="0" u="none" strike="noStrike" kern="1200" cap="none" spc="0" baseline="0">
@@ -3170,7 +3181,7 @@
                 <a:uFillTx/>
               </a:defRPr>
             </a:pPr>
-            <a:fld id="{FBDC3CEA-D1C2-416B-96E2-BE677EAEA120}" type="slidenum">
+            <a:fld id="{99D040D3-60FF-4D3A-8F04-DC5256BD7485}" type="slidenum">
               <a:t>20</a:t>
             </a:fld>
             <a:endParaRPr lang="en-NZ" sz="1400" b="0" i="0" u="none" strike="noStrike" kern="1200" cap="none" spc="0" baseline="0">
@@ -3229,7 +3240,7 @@
                 <a:uFillTx/>
               </a:defRPr>
             </a:pPr>
-            <a:fld id="{66961107-6156-4542-827E-D352CC731626}" type="slidenum">
+            <a:fld id="{A5C2506B-087E-4026-AF3F-04C455DD9D36}" type="slidenum">
               <a:t>20</a:t>
             </a:fld>
             <a:endParaRPr lang="en-NZ" sz="1400" b="0" i="0" u="none" strike="noStrike" kern="1200" cap="none" spc="0" baseline="0">
@@ -3359,8 +3370,197 @@
                 <a:uFillTx/>
               </a:defRPr>
             </a:pPr>
+            <a:fld id="{FBDC3CEA-D1C2-416B-96E2-BE677EAEA120}" type="slidenum">
+              <a:t>21</a:t>
+            </a:fld>
+            <a:endParaRPr lang="en-NZ" sz="1400" b="0" i="0" u="none" strike="noStrike" kern="1200" cap="none" spc="0" baseline="0">
+              <a:solidFill>
+                <a:srgbClr val="000000"/>
+              </a:solidFill>
+              <a:uFillTx/>
+              <a:latin typeface="Times New Roman" pitchFamily="18"/>
+              <a:ea typeface="Segoe UI" pitchFamily="2"/>
+              <a:cs typeface="Tahoma" pitchFamily="2"/>
+            </a:endParaRPr>
+          </a:p>
+        </p:txBody>
+      </p:sp>
+      <p:sp>
+        <p:nvSpPr>
+          <p:cNvPr id="3" name="Slide Number Placeholder 6"/>
+          <p:cNvSpPr txBox="1"/>
+          <p:nvPr/>
+        </p:nvSpPr>
+        <p:spPr>
+          <a:xfrm>
+            <a:off x="4278962" y="10157402"/>
+            <a:ext cx="3280684" cy="534238"/>
+          </a:xfrm>
+          <a:prstGeom prst="rect">
+            <a:avLst/>
+          </a:prstGeom>
+          <a:noFill/>
+          <a:ln cap="flat">
+            <a:noFill/>
+          </a:ln>
+        </p:spPr>
+        <p:txBody>
+          <a:bodyPr vert="horz" wrap="square" lIns="0" tIns="0" rIns="0" bIns="0" anchor="b" anchorCtr="0" compatLnSpc="0">
+            <a:noAutofit/>
+          </a:bodyPr>
+          <a:lstStyle/>
+          <a:p>
+            <a:pPr marL="0" marR="0" lvl="0" indent="0" algn="r" defTabSz="914400" rtl="0" fontAlgn="auto" hangingPunct="0">
+              <a:lnSpc>
+                <a:spcPct val="100000"/>
+              </a:lnSpc>
+              <a:spcBef>
+                <a:spcPts val="0"/>
+              </a:spcBef>
+              <a:spcAft>
+                <a:spcPts val="0"/>
+              </a:spcAft>
+              <a:buNone/>
+              <a:tabLst/>
+              <a:defRPr sz="1800" b="0" i="0" u="none" strike="noStrike" kern="0" cap="none" spc="0" baseline="0">
+                <a:solidFill>
+                  <a:srgbClr val="000000"/>
+                </a:solidFill>
+                <a:uFillTx/>
+              </a:defRPr>
+            </a:pPr>
+            <a:fld id="{66961107-6156-4542-827E-D352CC731626}" type="slidenum">
+              <a:t>21</a:t>
+            </a:fld>
+            <a:endParaRPr lang="en-NZ" sz="1400" b="0" i="0" u="none" strike="noStrike" kern="1200" cap="none" spc="0" baseline="0">
+              <a:solidFill>
+                <a:srgbClr val="000000"/>
+              </a:solidFill>
+              <a:uFillTx/>
+              <a:latin typeface="Times New Roman" pitchFamily="18"/>
+              <a:ea typeface="Segoe UI" pitchFamily="2"/>
+              <a:cs typeface="Tahoma" pitchFamily="2"/>
+            </a:endParaRPr>
+          </a:p>
+        </p:txBody>
+      </p:sp>
+      <p:sp>
+        <p:nvSpPr>
+          <p:cNvPr id="4" name="Slide Image Placeholder 1"/>
+          <p:cNvSpPr>
+            <a:spLocks noGrp="1" noRot="1" noChangeAspect="1"/>
+          </p:cNvSpPr>
+          <p:nvPr>
+            <p:ph type="sldImg"/>
+          </p:nvPr>
+        </p:nvSpPr>
+        <p:spPr>
+          <a:xfrm>
+            <a:off x="1106488" y="812801"/>
+            <a:ext cx="5345116" cy="4008436"/>
+          </a:xfrm>
+          <a:solidFill>
+            <a:srgbClr val="5B9BD5"/>
+          </a:solidFill>
+          <a:ln w="12701" cap="flat">
+            <a:solidFill>
+              <a:srgbClr val="41719C"/>
+            </a:solidFill>
+            <a:prstDash val="solid"/>
+            <a:miter/>
+          </a:ln>
+        </p:spPr>
+      </p:sp>
+      <p:sp>
+        <p:nvSpPr>
+          <p:cNvPr id="5" name="Notes Placeholder 2"/>
+          <p:cNvSpPr txBox="1">
+            <a:spLocks noGrp="1"/>
+          </p:cNvSpPr>
+          <p:nvPr>
+            <p:ph type="body" sz="quarter" idx="1"/>
+          </p:nvPr>
+        </p:nvSpPr>
+        <p:spPr/>
+        <p:txBody>
+          <a:bodyPr/>
+          <a:lstStyle/>
+          <a:p>
+            <a:endParaRPr lang="en-NZ"/>
+          </a:p>
+        </p:txBody>
+      </p:sp>
+    </p:spTree>
+  </p:cSld>
+  <p:clrMapOvr>
+    <a:masterClrMapping/>
+  </p:clrMapOvr>
+</p:notes>
+</file>
+
+<file path=ppt/notesSlides/notesSlide22.xml><?xml version="1.0" encoding="utf-8"?>
+<p:notes xmlns:a="http://schemas.openxmlformats.org/drawingml/2006/main" xmlns:r="http://schemas.openxmlformats.org/officeDocument/2006/relationships" xmlns:p="http://schemas.openxmlformats.org/presentationml/2006/main">
+  <p:cSld>
+    <p:spTree>
+      <p:nvGrpSpPr>
+        <p:cNvPr id="1" name=""/>
+        <p:cNvGrpSpPr/>
+        <p:nvPr/>
+      </p:nvGrpSpPr>
+      <p:grpSpPr>
+        <a:xfrm>
+          <a:off x="0" y="0"/>
+          <a:ext cx="0" cy="0"/>
+          <a:chOff x="0" y="0"/>
+          <a:chExt cx="0" cy="0"/>
+        </a:xfrm>
+      </p:grpSpPr>
+      <p:sp>
+        <p:nvSpPr>
+          <p:cNvPr id="2" name="Slide Number Placeholder 6"/>
+          <p:cNvSpPr txBox="1"/>
+          <p:nvPr/>
+        </p:nvSpPr>
+        <p:spPr>
+          <a:xfrm>
+            <a:off x="4278962" y="10157402"/>
+            <a:ext cx="3280684" cy="534238"/>
+          </a:xfrm>
+          <a:prstGeom prst="rect">
+            <a:avLst/>
+          </a:prstGeom>
+          <a:noFill/>
+          <a:ln cap="flat">
+            <a:noFill/>
+          </a:ln>
+        </p:spPr>
+        <p:txBody>
+          <a:bodyPr vert="horz" wrap="square" lIns="0" tIns="0" rIns="0" bIns="0" anchor="b" anchorCtr="0" compatLnSpc="1">
+            <a:noAutofit/>
+          </a:bodyPr>
+          <a:lstStyle/>
+          <a:p>
+            <a:pPr marL="0" marR="0" lvl="0" indent="0" algn="r" defTabSz="914400" rtl="0" fontAlgn="auto" hangingPunct="0">
+              <a:lnSpc>
+                <a:spcPct val="100000"/>
+              </a:lnSpc>
+              <a:spcBef>
+                <a:spcPts val="0"/>
+              </a:spcBef>
+              <a:spcAft>
+                <a:spcPts val="0"/>
+              </a:spcAft>
+              <a:buNone/>
+              <a:tabLst/>
+              <a:defRPr sz="1800" b="0" i="0" u="none" strike="noStrike" kern="0" cap="none" spc="0" baseline="0">
+                <a:solidFill>
+                  <a:srgbClr val="000000"/>
+                </a:solidFill>
+                <a:uFillTx/>
+              </a:defRPr>
+            </a:pPr>
             <a:fld id="{DD0AE3C7-712B-423A-9193-4E06D5164807}" type="slidenum">
-              <a:t>21</a:t>
+              <a:t>22</a:t>
             </a:fld>
             <a:endParaRPr lang="en-NZ" sz="1400" b="0" i="0" u="none" strike="noStrike" kern="1200" cap="none" spc="0" baseline="0">
               <a:solidFill>
@@ -3419,7 +3619,7 @@
               </a:defRPr>
             </a:pPr>
             <a:fld id="{DEFA93FA-1F67-424E-8F86-CAD4FF1238D4}" type="slidenum">
-              <a:t>21</a:t>
+              <a:t>22</a:t>
             </a:fld>
             <a:endParaRPr lang="en-NZ" sz="1400" b="0" i="0" u="none" strike="noStrike" kern="1200" cap="none" spc="0" baseline="0">
               <a:solidFill>
@@ -9680,7 +9880,7 @@
       </p:sp>
       <p:pic>
         <p:nvPicPr>
-          <p:cNvPr id="7" name=""/>
+          <p:cNvPr id="7" name="Picture 6"/>
           <p:cNvPicPr>
             <a:picLocks noChangeAspect="1"/>
           </p:cNvPicPr>
@@ -10069,7 +10269,7 @@
       </p:grpSpPr>
       <p:pic>
         <p:nvPicPr>
-          <p:cNvPr id="2" name=""/>
+          <p:cNvPr id="2" name="Picture 1"/>
           <p:cNvPicPr>
             <a:picLocks noChangeAspect="1"/>
           </p:cNvPicPr>
@@ -12861,6 +13061,647 @@
 
 <file path=ppt/slides/slide14.xml><?xml version="1.0" encoding="utf-8"?>
 <p:sld xmlns:a="http://schemas.openxmlformats.org/drawingml/2006/main" xmlns:r="http://schemas.openxmlformats.org/officeDocument/2006/relationships" xmlns:p="http://schemas.openxmlformats.org/presentationml/2006/main">
+  <p:cSld>
+    <p:spTree>
+      <p:nvGrpSpPr>
+        <p:cNvPr id="1" name=""/>
+        <p:cNvGrpSpPr/>
+        <p:nvPr/>
+      </p:nvGrpSpPr>
+      <p:grpSpPr>
+        <a:xfrm>
+          <a:off x="0" y="0"/>
+          <a:ext cx="0" cy="0"/>
+          <a:chOff x="0" y="0"/>
+          <a:chExt cx="0" cy="0"/>
+        </a:xfrm>
+      </p:grpSpPr>
+      <p:sp>
+        <p:nvSpPr>
+          <p:cNvPr id="2" name="Title 1"/>
+          <p:cNvSpPr txBox="1">
+            <a:spLocks noGrp="1"/>
+          </p:cNvSpPr>
+          <p:nvPr>
+            <p:ph type="title" idx="4294967295"/>
+          </p:nvPr>
+        </p:nvSpPr>
+        <p:spPr>
+          <a:xfrm>
+            <a:off x="503998" y="301322"/>
+            <a:ext cx="9072000" cy="1261798"/>
+          </a:xfrm>
+        </p:spPr>
+        <p:txBody>
+          <a:bodyPr/>
+          <a:lstStyle/>
+          <a:p>
+            <a:pPr lvl="0"/>
+            <a:r>
+              <a:rPr lang="en-NZ" sz="3200" b="1" dirty="0">
+                <a:solidFill>
+                  <a:srgbClr val="BB2025"/>
+                </a:solidFill>
+                <a:latin typeface="Lato" pitchFamily="34"/>
+                <a:ea typeface="Lato" pitchFamily="34"/>
+                <a:cs typeface="Lato" pitchFamily="34"/>
+              </a:rPr>
+              <a:t>Challenges</a:t>
+            </a:r>
+          </a:p>
+        </p:txBody>
+      </p:sp>
+      <p:sp>
+        <p:nvSpPr>
+          <p:cNvPr id="3" name="Text Placeholder 2"/>
+          <p:cNvSpPr txBox="1">
+            <a:spLocks noGrp="1"/>
+          </p:cNvSpPr>
+          <p:nvPr>
+            <p:ph type="body" idx="4294967295"/>
+          </p:nvPr>
+        </p:nvSpPr>
+        <p:spPr>
+          <a:xfrm>
+            <a:off x="685800" y="1443215"/>
+            <a:ext cx="8667753" cy="4384081"/>
+          </a:xfrm>
+        </p:spPr>
+        <p:txBody>
+          <a:bodyPr/>
+          <a:lstStyle/>
+          <a:p>
+            <a:pPr marL="342900" lvl="0" indent="-342900">
+              <a:buSzPct val="100000"/>
+              <a:buFont typeface="Arial" pitchFamily="34"/>
+              <a:buChar char="•"/>
+            </a:pPr>
+            <a:r>
+              <a:rPr lang="en-NZ" sz="2400"/>
+              <a:t>Stable answer across entire DC network</a:t>
+            </a:r>
+          </a:p>
+          <a:p>
+            <a:pPr marL="342900" lvl="0" indent="-342900">
+              <a:buSzPct val="100000"/>
+              <a:buFont typeface="Arial" pitchFamily="34"/>
+              <a:buChar char="•"/>
+            </a:pPr>
+            <a:r>
+              <a:rPr lang="en-NZ" sz="2400"/>
+              <a:t>Used to manage replication connections in AD</a:t>
+            </a:r>
+          </a:p>
+          <a:p>
+            <a:pPr marL="342900" lvl="0" indent="-342900">
+              <a:buSzPct val="100000"/>
+              <a:buFont typeface="Arial" pitchFamily="34"/>
+              <a:buChar char="•"/>
+            </a:pPr>
+            <a:r>
+              <a:rPr lang="en-NZ" sz="2400"/>
+              <a:t>Set of algorithms to calculate efficient network topologies</a:t>
+            </a:r>
+          </a:p>
+        </p:txBody>
+      </p:sp>
+      <p:grpSp>
+        <p:nvGrpSpPr>
+          <p:cNvPr id="8" name="Group 7"/>
+          <p:cNvGrpSpPr/>
+          <p:nvPr/>
+        </p:nvGrpSpPr>
+        <p:grpSpPr>
+          <a:xfrm>
+            <a:off x="1473200" y="4849414"/>
+            <a:ext cx="2108200" cy="1778250"/>
+            <a:chOff x="1656080" y="4331254"/>
+            <a:chExt cx="2108200" cy="1778250"/>
+          </a:xfrm>
+        </p:grpSpPr>
+        <p:sp>
+          <p:nvSpPr>
+            <p:cNvPr id="7" name="Arc 6"/>
+            <p:cNvSpPr/>
+            <p:nvPr/>
+          </p:nvSpPr>
+          <p:spPr>
+            <a:xfrm>
+              <a:off x="2059672" y="5083344"/>
+              <a:ext cx="1301017" cy="1026160"/>
+            </a:xfrm>
+            <a:prstGeom prst="arc">
+              <a:avLst>
+                <a:gd name="adj1" fmla="val 11227501"/>
+                <a:gd name="adj2" fmla="val 21346983"/>
+              </a:avLst>
+            </a:prstGeom>
+            <a:ln w="79375">
+              <a:solidFill>
+                <a:schemeClr val="tx1"/>
+              </a:solidFill>
+            </a:ln>
+            <a:scene3d>
+              <a:camera prst="orthographicFront">
+                <a:rot lat="0" lon="0" rev="10800000"/>
+              </a:camera>
+              <a:lightRig rig="threePt" dir="t"/>
+            </a:scene3d>
+          </p:spPr>
+          <p:style>
+            <a:lnRef idx="1">
+              <a:schemeClr val="accent1"/>
+            </a:lnRef>
+            <a:fillRef idx="0">
+              <a:schemeClr val="accent1"/>
+            </a:fillRef>
+            <a:effectRef idx="0">
+              <a:schemeClr val="accent1"/>
+            </a:effectRef>
+            <a:fontRef idx="minor">
+              <a:schemeClr val="tx1"/>
+            </a:fontRef>
+          </p:style>
+          <p:txBody>
+            <a:bodyPr rtlCol="0" anchor="ctr"/>
+            <a:lstStyle/>
+            <a:p>
+              <a:pPr algn="ctr"/>
+              <a:endParaRPr lang="en-NZ"/>
+            </a:p>
+          </p:txBody>
+        </p:sp>
+        <p:sp>
+          <p:nvSpPr>
+            <p:cNvPr id="6" name="Arc 5"/>
+            <p:cNvSpPr/>
+            <p:nvPr/>
+          </p:nvSpPr>
+          <p:spPr>
+            <a:xfrm>
+              <a:off x="2069832" y="4331254"/>
+              <a:ext cx="1301017" cy="1026160"/>
+            </a:xfrm>
+            <a:prstGeom prst="arc">
+              <a:avLst>
+                <a:gd name="adj1" fmla="val 11227501"/>
+                <a:gd name="adj2" fmla="val 21346983"/>
+              </a:avLst>
+            </a:prstGeom>
+            <a:ln w="79375">
+              <a:solidFill>
+                <a:schemeClr val="tx1"/>
+              </a:solidFill>
+            </a:ln>
+          </p:spPr>
+          <p:style>
+            <a:lnRef idx="1">
+              <a:schemeClr val="accent1"/>
+            </a:lnRef>
+            <a:fillRef idx="0">
+              <a:schemeClr val="accent1"/>
+            </a:fillRef>
+            <a:effectRef idx="0">
+              <a:schemeClr val="accent1"/>
+            </a:effectRef>
+            <a:fontRef idx="minor">
+              <a:schemeClr val="tx1"/>
+            </a:fontRef>
+          </p:style>
+          <p:txBody>
+            <a:bodyPr rtlCol="0" anchor="ctr"/>
+            <a:lstStyle/>
+            <a:p>
+              <a:pPr algn="ctr"/>
+              <a:endParaRPr lang="en-NZ"/>
+            </a:p>
+          </p:txBody>
+        </p:sp>
+        <p:sp>
+          <p:nvSpPr>
+            <p:cNvPr id="4" name="Oval 3"/>
+            <p:cNvSpPr/>
+            <p:nvPr/>
+          </p:nvSpPr>
+          <p:spPr>
+            <a:xfrm>
+              <a:off x="1656080" y="4693920"/>
+              <a:ext cx="568960" cy="568960"/>
+            </a:xfrm>
+            <a:prstGeom prst="ellipse">
+              <a:avLst/>
+            </a:prstGeom>
+            <a:solidFill>
+              <a:srgbClr val="00B050"/>
+            </a:solidFill>
+            <a:ln>
+              <a:solidFill>
+                <a:schemeClr val="accent6">
+                  <a:lumMod val="75000"/>
+                </a:schemeClr>
+              </a:solidFill>
+            </a:ln>
+          </p:spPr>
+          <p:style>
+            <a:lnRef idx="2">
+              <a:schemeClr val="accent1">
+                <a:shade val="50000"/>
+              </a:schemeClr>
+            </a:lnRef>
+            <a:fillRef idx="1">
+              <a:schemeClr val="accent1"/>
+            </a:fillRef>
+            <a:effectRef idx="0">
+              <a:schemeClr val="accent1"/>
+            </a:effectRef>
+            <a:fontRef idx="minor">
+              <a:schemeClr val="lt1"/>
+            </a:fontRef>
+          </p:style>
+          <p:txBody>
+            <a:bodyPr rtlCol="0" anchor="ctr"/>
+            <a:lstStyle/>
+            <a:p>
+              <a:pPr algn="ctr"/>
+              <a:endParaRPr lang="en-NZ"/>
+            </a:p>
+          </p:txBody>
+        </p:sp>
+        <p:sp>
+          <p:nvSpPr>
+            <p:cNvPr id="5" name="Oval 4"/>
+            <p:cNvSpPr/>
+            <p:nvPr/>
+          </p:nvSpPr>
+          <p:spPr>
+            <a:xfrm>
+              <a:off x="3195320" y="4693920"/>
+              <a:ext cx="568960" cy="568960"/>
+            </a:xfrm>
+            <a:prstGeom prst="ellipse">
+              <a:avLst/>
+            </a:prstGeom>
+            <a:solidFill>
+              <a:srgbClr val="00B050"/>
+            </a:solidFill>
+            <a:ln>
+              <a:solidFill>
+                <a:schemeClr val="accent6">
+                  <a:lumMod val="75000"/>
+                </a:schemeClr>
+              </a:solidFill>
+            </a:ln>
+          </p:spPr>
+          <p:style>
+            <a:lnRef idx="2">
+              <a:schemeClr val="accent1">
+                <a:shade val="50000"/>
+              </a:schemeClr>
+            </a:lnRef>
+            <a:fillRef idx="1">
+              <a:schemeClr val="accent1"/>
+            </a:fillRef>
+            <a:effectRef idx="0">
+              <a:schemeClr val="accent1"/>
+            </a:effectRef>
+            <a:fontRef idx="minor">
+              <a:schemeClr val="lt1"/>
+            </a:fontRef>
+          </p:style>
+          <p:txBody>
+            <a:bodyPr rtlCol="0" anchor="ctr"/>
+            <a:lstStyle/>
+            <a:p>
+              <a:pPr algn="ctr"/>
+              <a:endParaRPr lang="en-NZ"/>
+            </a:p>
+          </p:txBody>
+        </p:sp>
+      </p:grpSp>
+      <p:sp>
+        <p:nvSpPr>
+          <p:cNvPr id="12" name="Arc 11"/>
+          <p:cNvSpPr/>
+          <p:nvPr/>
+        </p:nvSpPr>
+        <p:spPr>
+          <a:xfrm rot="3159311">
+            <a:off x="4827907" y="5265871"/>
+            <a:ext cx="1301017" cy="1026160"/>
+          </a:xfrm>
+          <a:prstGeom prst="arc">
+            <a:avLst>
+              <a:gd name="adj1" fmla="val 11227501"/>
+              <a:gd name="adj2" fmla="val 21346983"/>
+            </a:avLst>
+          </a:prstGeom>
+          <a:ln w="161925">
+            <a:solidFill>
+              <a:schemeClr val="tx1"/>
+            </a:solidFill>
+          </a:ln>
+        </p:spPr>
+        <p:style>
+          <a:lnRef idx="1">
+            <a:schemeClr val="accent1"/>
+          </a:lnRef>
+          <a:fillRef idx="0">
+            <a:schemeClr val="accent1"/>
+          </a:fillRef>
+          <a:effectRef idx="0">
+            <a:schemeClr val="accent1"/>
+          </a:effectRef>
+          <a:fontRef idx="minor">
+            <a:schemeClr val="tx1"/>
+          </a:fontRef>
+        </p:style>
+        <p:txBody>
+          <a:bodyPr rtlCol="0" anchor="ctr"/>
+          <a:lstStyle/>
+          <a:p>
+            <a:pPr algn="ctr"/>
+            <a:endParaRPr lang="en-NZ"/>
+          </a:p>
+        </p:txBody>
+      </p:sp>
+      <p:sp>
+        <p:nvSpPr>
+          <p:cNvPr id="13" name="Arc 12"/>
+          <p:cNvSpPr/>
+          <p:nvPr/>
+        </p:nvSpPr>
+        <p:spPr>
+          <a:xfrm rot="17960833">
+            <a:off x="5864361" y="5237559"/>
+            <a:ext cx="1301017" cy="1026160"/>
+          </a:xfrm>
+          <a:prstGeom prst="arc">
+            <a:avLst>
+              <a:gd name="adj1" fmla="val 11227501"/>
+              <a:gd name="adj2" fmla="val 21346983"/>
+            </a:avLst>
+          </a:prstGeom>
+          <a:ln w="161925">
+            <a:solidFill>
+              <a:schemeClr val="tx1"/>
+            </a:solidFill>
+          </a:ln>
+        </p:spPr>
+        <p:style>
+          <a:lnRef idx="1">
+            <a:schemeClr val="accent1"/>
+          </a:lnRef>
+          <a:fillRef idx="0">
+            <a:schemeClr val="accent1"/>
+          </a:fillRef>
+          <a:effectRef idx="0">
+            <a:schemeClr val="accent1"/>
+          </a:effectRef>
+          <a:fontRef idx="minor">
+            <a:schemeClr val="tx1"/>
+          </a:fontRef>
+        </p:style>
+        <p:txBody>
+          <a:bodyPr rtlCol="0" anchor="ctr"/>
+          <a:lstStyle/>
+          <a:p>
+            <a:pPr algn="ctr"/>
+            <a:endParaRPr lang="en-NZ"/>
+          </a:p>
+        </p:txBody>
+      </p:sp>
+      <p:grpSp>
+        <p:nvGrpSpPr>
+          <p:cNvPr id="15" name="Group 14"/>
+          <p:cNvGrpSpPr/>
+          <p:nvPr/>
+        </p:nvGrpSpPr>
+        <p:grpSpPr>
+          <a:xfrm>
+            <a:off x="5039998" y="4793534"/>
+            <a:ext cx="1925320" cy="1651000"/>
+            <a:chOff x="5039998" y="4793534"/>
+            <a:chExt cx="1925320" cy="1651000"/>
+          </a:xfrm>
+        </p:grpSpPr>
+        <p:sp>
+          <p:nvSpPr>
+            <p:cNvPr id="14" name="Arc 13"/>
+            <p:cNvSpPr/>
+            <p:nvPr/>
+          </p:nvSpPr>
+          <p:spPr>
+            <a:xfrm>
+              <a:off x="5324478" y="4991654"/>
+              <a:ext cx="1301017" cy="1026160"/>
+            </a:xfrm>
+            <a:prstGeom prst="arc">
+              <a:avLst>
+                <a:gd name="adj1" fmla="val 11227501"/>
+                <a:gd name="adj2" fmla="val 21346983"/>
+              </a:avLst>
+            </a:prstGeom>
+            <a:ln w="161925">
+              <a:solidFill>
+                <a:schemeClr val="tx1"/>
+              </a:solidFill>
+            </a:ln>
+            <a:scene3d>
+              <a:camera prst="orthographicFront">
+                <a:rot lat="0" lon="0" rev="10800000"/>
+              </a:camera>
+              <a:lightRig rig="threePt" dir="t"/>
+            </a:scene3d>
+          </p:spPr>
+          <p:style>
+            <a:lnRef idx="1">
+              <a:schemeClr val="accent1"/>
+            </a:lnRef>
+            <a:fillRef idx="0">
+              <a:schemeClr val="accent1"/>
+            </a:fillRef>
+            <a:effectRef idx="0">
+              <a:schemeClr val="accent1"/>
+            </a:effectRef>
+            <a:fontRef idx="minor">
+              <a:schemeClr val="tx1"/>
+            </a:fontRef>
+          </p:style>
+          <p:txBody>
+            <a:bodyPr rtlCol="0" anchor="ctr"/>
+            <a:lstStyle/>
+            <a:p>
+              <a:pPr algn="ctr"/>
+              <a:endParaRPr lang="en-NZ"/>
+            </a:p>
+          </p:txBody>
+        </p:sp>
+        <p:sp>
+          <p:nvSpPr>
+            <p:cNvPr id="10" name="Oval 9"/>
+            <p:cNvSpPr/>
+            <p:nvPr/>
+          </p:nvSpPr>
+          <p:spPr>
+            <a:xfrm>
+              <a:off x="6396358" y="4814676"/>
+              <a:ext cx="568960" cy="568960"/>
+            </a:xfrm>
+            <a:prstGeom prst="ellipse">
+              <a:avLst/>
+            </a:prstGeom>
+            <a:solidFill>
+              <a:srgbClr val="00B050"/>
+            </a:solidFill>
+            <a:ln>
+              <a:solidFill>
+                <a:schemeClr val="accent6">
+                  <a:lumMod val="75000"/>
+                </a:schemeClr>
+              </a:solidFill>
+            </a:ln>
+          </p:spPr>
+          <p:style>
+            <a:lnRef idx="2">
+              <a:schemeClr val="accent1">
+                <a:shade val="50000"/>
+              </a:schemeClr>
+            </a:lnRef>
+            <a:fillRef idx="1">
+              <a:schemeClr val="accent1"/>
+            </a:fillRef>
+            <a:effectRef idx="0">
+              <a:schemeClr val="accent1"/>
+            </a:effectRef>
+            <a:fontRef idx="minor">
+              <a:schemeClr val="lt1"/>
+            </a:fontRef>
+          </p:style>
+          <p:txBody>
+            <a:bodyPr rtlCol="0" anchor="ctr"/>
+            <a:lstStyle/>
+            <a:p>
+              <a:pPr algn="ctr"/>
+              <a:endParaRPr lang="en-NZ"/>
+            </a:p>
+          </p:txBody>
+        </p:sp>
+        <p:sp>
+          <p:nvSpPr>
+            <p:cNvPr id="9" name="Oval 8"/>
+            <p:cNvSpPr/>
+            <p:nvPr/>
+          </p:nvSpPr>
+          <p:spPr>
+            <a:xfrm>
+              <a:off x="5039998" y="4793534"/>
+              <a:ext cx="568960" cy="568960"/>
+            </a:xfrm>
+            <a:prstGeom prst="ellipse">
+              <a:avLst/>
+            </a:prstGeom>
+            <a:solidFill>
+              <a:srgbClr val="00B050"/>
+            </a:solidFill>
+            <a:ln>
+              <a:solidFill>
+                <a:schemeClr val="accent6">
+                  <a:lumMod val="75000"/>
+                </a:schemeClr>
+              </a:solidFill>
+            </a:ln>
+          </p:spPr>
+          <p:style>
+            <a:lnRef idx="2">
+              <a:schemeClr val="accent1">
+                <a:shade val="50000"/>
+              </a:schemeClr>
+            </a:lnRef>
+            <a:fillRef idx="1">
+              <a:schemeClr val="accent1"/>
+            </a:fillRef>
+            <a:effectRef idx="0">
+              <a:schemeClr val="accent1"/>
+            </a:effectRef>
+            <a:fontRef idx="minor">
+              <a:schemeClr val="lt1"/>
+            </a:fontRef>
+          </p:style>
+          <p:txBody>
+            <a:bodyPr rtlCol="0" anchor="ctr"/>
+            <a:lstStyle/>
+            <a:p>
+              <a:pPr algn="ctr"/>
+              <a:endParaRPr lang="en-NZ"/>
+            </a:p>
+          </p:txBody>
+        </p:sp>
+        <p:sp>
+          <p:nvSpPr>
+            <p:cNvPr id="11" name="Oval 10"/>
+            <p:cNvSpPr/>
+            <p:nvPr/>
+          </p:nvSpPr>
+          <p:spPr>
+            <a:xfrm>
+              <a:off x="5701801" y="5875574"/>
+              <a:ext cx="568960" cy="568960"/>
+            </a:xfrm>
+            <a:prstGeom prst="ellipse">
+              <a:avLst/>
+            </a:prstGeom>
+            <a:solidFill>
+              <a:srgbClr val="00B050"/>
+            </a:solidFill>
+            <a:ln>
+              <a:solidFill>
+                <a:schemeClr val="accent6">
+                  <a:lumMod val="75000"/>
+                </a:schemeClr>
+              </a:solidFill>
+            </a:ln>
+          </p:spPr>
+          <p:style>
+            <a:lnRef idx="2">
+              <a:schemeClr val="accent1">
+                <a:shade val="50000"/>
+              </a:schemeClr>
+            </a:lnRef>
+            <a:fillRef idx="1">
+              <a:schemeClr val="accent1"/>
+            </a:fillRef>
+            <a:effectRef idx="0">
+              <a:schemeClr val="accent1"/>
+            </a:effectRef>
+            <a:fontRef idx="minor">
+              <a:schemeClr val="lt1"/>
+            </a:fontRef>
+          </p:style>
+          <p:txBody>
+            <a:bodyPr rtlCol="0" anchor="ctr"/>
+            <a:lstStyle/>
+            <a:p>
+              <a:pPr algn="ctr"/>
+              <a:endParaRPr lang="en-NZ"/>
+            </a:p>
+          </p:txBody>
+        </p:sp>
+      </p:grpSp>
+    </p:spTree>
+    <p:extLst>
+      <p:ext uri="{BB962C8B-B14F-4D97-AF65-F5344CB8AC3E}">
+        <p14:creationId xmlns:p14="http://schemas.microsoft.com/office/powerpoint/2010/main" val="4123147467"/>
+      </p:ext>
+    </p:extLst>
+  </p:cSld>
+  <p:clrMapOvr>
+    <a:masterClrMapping/>
+  </p:clrMapOvr>
+</p:sld>
+</file>
+
+<file path=ppt/slides/slide15.xml><?xml version="1.0" encoding="utf-8"?>
+<p:sld xmlns:a="http://schemas.openxmlformats.org/drawingml/2006/main" xmlns:r="http://schemas.openxmlformats.org/officeDocument/2006/relationships" xmlns:p="http://schemas.openxmlformats.org/presentationml/2006/main">
   <p:cSld name="page2">
     <p:spTree>
       <p:nvGrpSpPr>
@@ -12961,7 +13802,7 @@
 </p:sld>
 </file>
 
-<file path=ppt/slides/slide15.xml><?xml version="1.0" encoding="utf-8"?>
+<file path=ppt/slides/slide16.xml><?xml version="1.0" encoding="utf-8"?>
 <p:sld xmlns:a="http://schemas.openxmlformats.org/drawingml/2006/main" xmlns:r="http://schemas.openxmlformats.org/officeDocument/2006/relationships" xmlns:p="http://schemas.openxmlformats.org/presentationml/2006/main">
   <p:cSld name="page3">
     <p:spTree>
@@ -13032,7 +13873,7 @@
 </p:sld>
 </file>
 
-<file path=ppt/slides/slide16.xml><?xml version="1.0" encoding="utf-8"?>
+<file path=ppt/slides/slide17.xml><?xml version="1.0" encoding="utf-8"?>
 <p:sld xmlns:a="http://schemas.openxmlformats.org/drawingml/2006/main" xmlns:r="http://schemas.openxmlformats.org/officeDocument/2006/relationships" xmlns:p="http://schemas.openxmlformats.org/presentationml/2006/main">
   <p:cSld name="page4">
     <p:spTree>
@@ -13131,7 +13972,7 @@
 </p:sld>
 </file>
 
-<file path=ppt/slides/slide17.xml><?xml version="1.0" encoding="utf-8"?>
+<file path=ppt/slides/slide18.xml><?xml version="1.0" encoding="utf-8"?>
 <p:sld xmlns:a="http://schemas.openxmlformats.org/drawingml/2006/main" xmlns:r="http://schemas.openxmlformats.org/officeDocument/2006/relationships" xmlns:p="http://schemas.openxmlformats.org/presentationml/2006/main">
   <p:cSld name="page5">
     <p:spTree>
@@ -13246,7 +14087,7 @@
 </p:sld>
 </file>
 
-<file path=ppt/slides/slide18.xml><?xml version="1.0" encoding="utf-8"?>
+<file path=ppt/slides/slide19.xml><?xml version="1.0" encoding="utf-8"?>
 <p:sld xmlns:a="http://schemas.openxmlformats.org/drawingml/2006/main" xmlns:r="http://schemas.openxmlformats.org/officeDocument/2006/relationships" xmlns:p="http://schemas.openxmlformats.org/presentationml/2006/main">
   <p:cSld name="page6">
     <p:spTree>
@@ -13448,121 +14289,6 @@
             <a:r>
               <a:rPr lang="en-NZ"/>
               <a:t>2656             self.update_rodc_connection()</a:t>
-            </a:r>
-          </a:p>
-        </p:txBody>
-      </p:sp>
-    </p:spTree>
-  </p:cSld>
-  <p:clrMapOvr>
-    <a:masterClrMapping/>
-  </p:clrMapOvr>
-</p:sld>
-</file>
-
-<file path=ppt/slides/slide19.xml><?xml version="1.0" encoding="utf-8"?>
-<p:sld xmlns:a="http://schemas.openxmlformats.org/drawingml/2006/main" xmlns:r="http://schemas.openxmlformats.org/officeDocument/2006/relationships" xmlns:p="http://schemas.openxmlformats.org/presentationml/2006/main">
-  <p:cSld name="page7">
-    <p:spTree>
-      <p:nvGrpSpPr>
-        <p:cNvPr id="1" name=""/>
-        <p:cNvGrpSpPr/>
-        <p:nvPr/>
-      </p:nvGrpSpPr>
-      <p:grpSpPr>
-        <a:xfrm>
-          <a:off x="0" y="0"/>
-          <a:ext cx="0" cy="0"/>
-          <a:chOff x="0" y="0"/>
-          <a:chExt cx="0" cy="0"/>
-        </a:xfrm>
-      </p:grpSpPr>
-      <p:sp>
-        <p:nvSpPr>
-          <p:cNvPr id="2" name="Title 1"/>
-          <p:cNvSpPr txBox="1">
-            <a:spLocks noGrp="1"/>
-          </p:cNvSpPr>
-          <p:nvPr>
-            <p:ph type="title" idx="4294967295"/>
-          </p:nvPr>
-        </p:nvSpPr>
-        <p:spPr/>
-        <p:txBody>
-          <a:bodyPr/>
-          <a:lstStyle/>
-          <a:p>
-            <a:endParaRPr lang="en-NZ"/>
-          </a:p>
-        </p:txBody>
-      </p:sp>
-      <p:sp>
-        <p:nvSpPr>
-          <p:cNvPr id="3" name="Text Placeholder 2"/>
-          <p:cNvSpPr txBox="1">
-            <a:spLocks noGrp="1"/>
-          </p:cNvSpPr>
-          <p:nvPr>
-            <p:ph type="body" idx="4294967295"/>
-          </p:nvPr>
-        </p:nvSpPr>
-        <p:spPr/>
-        <p:txBody>
-          <a:bodyPr/>
-          <a:lstStyle/>
-          <a:p>
-            <a:pPr lvl="0">
-              <a:buSzPct val="45000"/>
-              <a:buFont typeface="StarSymbol"/>
-              <a:buChar char="●"/>
-            </a:pPr>
-            <a:r>
-              <a:rPr lang="en-NZ"/>
-              <a:t>i1929         The KCC does not create more than 50 edges directed to a</a:t>
-            </a:r>
-          </a:p>
-          <a:p>
-            <a:pPr lvl="0">
-              <a:buSzPct val="45000"/>
-              <a:buFont typeface="StarSymbol"/>
-              <a:buChar char="●"/>
-            </a:pPr>
-            <a:r>
-              <a:rPr lang="en-NZ"/>
-              <a:t>1930         single DC. To optimize replication, we compute that each node</a:t>
-            </a:r>
-          </a:p>
-          <a:p>
-            <a:pPr lvl="0">
-              <a:buSzPct val="45000"/>
-              <a:buFont typeface="StarSymbol"/>
-              <a:buChar char="●"/>
-            </a:pPr>
-            <a:r>
-              <a:rPr lang="en-NZ"/>
-              <a:t>1931         should have n+2 total edges directed to it such that (n) is</a:t>
-            </a:r>
-          </a:p>
-          <a:p>
-            <a:pPr lvl="0">
-              <a:buSzPct val="45000"/>
-              <a:buFont typeface="StarSymbol"/>
-              <a:buChar char="●"/>
-            </a:pPr>
-            <a:r>
-              <a:rPr lang="en-NZ"/>
-              <a:t>1932         the smallest non-negative integer satisfying</a:t>
-            </a:r>
-          </a:p>
-          <a:p>
-            <a:pPr lvl="0">
-              <a:buSzPct val="45000"/>
-              <a:buFont typeface="StarSymbol"/>
-              <a:buChar char="●"/>
-            </a:pPr>
-            <a:r>
-              <a:rPr lang="en-NZ"/>
-              <a:t>1933         (node_count &lt;= 2*(n*n) + 6*n + 7)</a:t>
             </a:r>
           </a:p>
         </p:txBody>
@@ -14111,6 +14837,121 @@
 
 <file path=ppt/slides/slide20.xml><?xml version="1.0" encoding="utf-8"?>
 <p:sld xmlns:a="http://schemas.openxmlformats.org/drawingml/2006/main" xmlns:r="http://schemas.openxmlformats.org/officeDocument/2006/relationships" xmlns:p="http://schemas.openxmlformats.org/presentationml/2006/main">
+  <p:cSld name="page7">
+    <p:spTree>
+      <p:nvGrpSpPr>
+        <p:cNvPr id="1" name=""/>
+        <p:cNvGrpSpPr/>
+        <p:nvPr/>
+      </p:nvGrpSpPr>
+      <p:grpSpPr>
+        <a:xfrm>
+          <a:off x="0" y="0"/>
+          <a:ext cx="0" cy="0"/>
+          <a:chOff x="0" y="0"/>
+          <a:chExt cx="0" cy="0"/>
+        </a:xfrm>
+      </p:grpSpPr>
+      <p:sp>
+        <p:nvSpPr>
+          <p:cNvPr id="2" name="Title 1"/>
+          <p:cNvSpPr txBox="1">
+            <a:spLocks noGrp="1"/>
+          </p:cNvSpPr>
+          <p:nvPr>
+            <p:ph type="title" idx="4294967295"/>
+          </p:nvPr>
+        </p:nvSpPr>
+        <p:spPr/>
+        <p:txBody>
+          <a:bodyPr/>
+          <a:lstStyle/>
+          <a:p>
+            <a:endParaRPr lang="en-NZ"/>
+          </a:p>
+        </p:txBody>
+      </p:sp>
+      <p:sp>
+        <p:nvSpPr>
+          <p:cNvPr id="3" name="Text Placeholder 2"/>
+          <p:cNvSpPr txBox="1">
+            <a:spLocks noGrp="1"/>
+          </p:cNvSpPr>
+          <p:nvPr>
+            <p:ph type="body" idx="4294967295"/>
+          </p:nvPr>
+        </p:nvSpPr>
+        <p:spPr/>
+        <p:txBody>
+          <a:bodyPr/>
+          <a:lstStyle/>
+          <a:p>
+            <a:pPr lvl="0">
+              <a:buSzPct val="45000"/>
+              <a:buFont typeface="StarSymbol"/>
+              <a:buChar char="●"/>
+            </a:pPr>
+            <a:r>
+              <a:rPr lang="en-NZ"/>
+              <a:t>i1929         The KCC does not create more than 50 edges directed to a</a:t>
+            </a:r>
+          </a:p>
+          <a:p>
+            <a:pPr lvl="0">
+              <a:buSzPct val="45000"/>
+              <a:buFont typeface="StarSymbol"/>
+              <a:buChar char="●"/>
+            </a:pPr>
+            <a:r>
+              <a:rPr lang="en-NZ"/>
+              <a:t>1930         single DC. To optimize replication, we compute that each node</a:t>
+            </a:r>
+          </a:p>
+          <a:p>
+            <a:pPr lvl="0">
+              <a:buSzPct val="45000"/>
+              <a:buFont typeface="StarSymbol"/>
+              <a:buChar char="●"/>
+            </a:pPr>
+            <a:r>
+              <a:rPr lang="en-NZ"/>
+              <a:t>1931         should have n+2 total edges directed to it such that (n) is</a:t>
+            </a:r>
+          </a:p>
+          <a:p>
+            <a:pPr lvl="0">
+              <a:buSzPct val="45000"/>
+              <a:buFont typeface="StarSymbol"/>
+              <a:buChar char="●"/>
+            </a:pPr>
+            <a:r>
+              <a:rPr lang="en-NZ"/>
+              <a:t>1932         the smallest non-negative integer satisfying</a:t>
+            </a:r>
+          </a:p>
+          <a:p>
+            <a:pPr lvl="0">
+              <a:buSzPct val="45000"/>
+              <a:buFont typeface="StarSymbol"/>
+              <a:buChar char="●"/>
+            </a:pPr>
+            <a:r>
+              <a:rPr lang="en-NZ"/>
+              <a:t>1933         (node_count &lt;= 2*(n*n) + 6*n + 7)</a:t>
+            </a:r>
+          </a:p>
+        </p:txBody>
+      </p:sp>
+    </p:spTree>
+  </p:cSld>
+  <p:clrMapOvr>
+    <a:masterClrMapping/>
+  </p:clrMapOvr>
+</p:sld>
+</file>
+
+<file path=ppt/slides/slide21.xml><?xml version="1.0" encoding="utf-8"?>
+<p:sld xmlns:a="http://schemas.openxmlformats.org/drawingml/2006/main" xmlns:r="http://schemas.openxmlformats.org/officeDocument/2006/relationships" xmlns:p="http://schemas.openxmlformats.org/presentationml/2006/main">
   <p:cSld name="page8">
     <p:spTree>
       <p:nvGrpSpPr>
@@ -14235,7 +15076,7 @@
 </p:sld>
 </file>
 
-<file path=ppt/slides/slide21.xml><?xml version="1.0" encoding="utf-8"?>
+<file path=ppt/slides/slide22.xml><?xml version="1.0" encoding="utf-8"?>
 <p:sld xmlns:a="http://schemas.openxmlformats.org/drawingml/2006/main" xmlns:r="http://schemas.openxmlformats.org/officeDocument/2006/relationships" xmlns:p="http://schemas.openxmlformats.org/presentationml/2006/main">
   <p:cSld name="page9">
     <p:spTree>

--- a/Samba KCC.pptx
+++ b/Samba KCC.pptx
@@ -6,10 +6,10 @@
     <p:sldMasterId id="2147483660" r:id="rId2"/>
   </p:sldMasterIdLst>
   <p:notesMasterIdLst>
-    <p:notesMasterId r:id="rId36"/>
+    <p:notesMasterId r:id="rId37"/>
   </p:notesMasterIdLst>
   <p:handoutMasterIdLst>
-    <p:handoutMasterId r:id="rId37"/>
+    <p:handoutMasterId r:id="rId38"/>
   </p:handoutMasterIdLst>
   <p:sldIdLst>
     <p:sldId id="256" r:id="rId3"/>
@@ -20,9 +20,9 @@
     <p:sldId id="276" r:id="rId8"/>
     <p:sldId id="272" r:id="rId9"/>
     <p:sldId id="279" r:id="rId10"/>
-    <p:sldId id="284" r:id="rId11"/>
-    <p:sldId id="269" r:id="rId12"/>
-    <p:sldId id="282" r:id="rId13"/>
+    <p:sldId id="269" r:id="rId11"/>
+    <p:sldId id="282" r:id="rId12"/>
+    <p:sldId id="290" r:id="rId13"/>
     <p:sldId id="280" r:id="rId14"/>
     <p:sldId id="266" r:id="rId15"/>
     <p:sldId id="271" r:id="rId16"/>
@@ -34,17 +34,18 @@
     <p:sldId id="288" r:id="rId22"/>
     <p:sldId id="289" r:id="rId23"/>
     <p:sldId id="285" r:id="rId24"/>
-    <p:sldId id="268" r:id="rId25"/>
-    <p:sldId id="277" r:id="rId26"/>
-    <p:sldId id="278" r:id="rId27"/>
-    <p:sldId id="257" r:id="rId28"/>
-    <p:sldId id="258" r:id="rId29"/>
-    <p:sldId id="259" r:id="rId30"/>
-    <p:sldId id="260" r:id="rId31"/>
-    <p:sldId id="261" r:id="rId32"/>
-    <p:sldId id="262" r:id="rId33"/>
-    <p:sldId id="263" r:id="rId34"/>
-    <p:sldId id="264" r:id="rId35"/>
+    <p:sldId id="284" r:id="rId25"/>
+    <p:sldId id="268" r:id="rId26"/>
+    <p:sldId id="277" r:id="rId27"/>
+    <p:sldId id="278" r:id="rId28"/>
+    <p:sldId id="257" r:id="rId29"/>
+    <p:sldId id="258" r:id="rId30"/>
+    <p:sldId id="259" r:id="rId31"/>
+    <p:sldId id="260" r:id="rId32"/>
+    <p:sldId id="261" r:id="rId33"/>
+    <p:sldId id="262" r:id="rId34"/>
+    <p:sldId id="263" r:id="rId35"/>
+    <p:sldId id="264" r:id="rId36"/>
   </p:sldIdLst>
   <p:sldSz cx="10080625" cy="7559675"/>
   <p:notesSz cx="7559675" cy="10691813"/>
@@ -1194,8 +1195,8 @@
         </p:nvSpPr>
         <p:spPr>
           <a:xfrm>
-            <a:off x="1106488" y="812801"/>
-            <a:ext cx="5345116" cy="4008436"/>
+            <a:off x="1106488" y="812800"/>
+            <a:ext cx="5345112" cy="4008438"/>
           </a:xfrm>
           <a:solidFill>
             <a:srgbClr val="5B9BD5"/>
@@ -1229,6 +1230,11 @@
         </p:txBody>
       </p:sp>
     </p:spTree>
+    <p:extLst>
+      <p:ext uri="{BB962C8B-B14F-4D97-AF65-F5344CB8AC3E}">
+        <p14:creationId xmlns:p14="http://schemas.microsoft.com/office/powerpoint/2010/main" val="2668140090"/>
+      </p:ext>
+    </p:extLst>
   </p:cSld>
   <p:clrMapOvr>
     <a:masterClrMapping/>
@@ -1420,7 +1426,7 @@
     </p:spTree>
     <p:extLst>
       <p:ext uri="{BB962C8B-B14F-4D97-AF65-F5344CB8AC3E}">
-        <p14:creationId xmlns:p14="http://schemas.microsoft.com/office/powerpoint/2010/main" val="2668140090"/>
+        <p14:creationId xmlns:p14="http://schemas.microsoft.com/office/powerpoint/2010/main" val="1674605137"/>
       </p:ext>
     </p:extLst>
   </p:cSld>
@@ -1960,8 +1966,8 @@
         </p:nvSpPr>
         <p:spPr>
           <a:xfrm>
-            <a:off x="1106488" y="812801"/>
-            <a:ext cx="5345116" cy="4008436"/>
+            <a:off x="1106488" y="812800"/>
+            <a:ext cx="5345112" cy="4008438"/>
           </a:xfrm>
           <a:solidFill>
             <a:srgbClr val="5B9BD5"/>
@@ -2343,8 +2349,8 @@
         </p:nvSpPr>
         <p:spPr>
           <a:xfrm>
-            <a:off x="1106488" y="812801"/>
-            <a:ext cx="5345116" cy="4008436"/>
+            <a:off x="1106488" y="812800"/>
+            <a:ext cx="5345112" cy="4008438"/>
           </a:xfrm>
           <a:solidFill>
             <a:srgbClr val="5B9BD5"/>
@@ -2532,8 +2538,8 @@
         </p:nvSpPr>
         <p:spPr>
           <a:xfrm>
-            <a:off x="1106488" y="812801"/>
-            <a:ext cx="5345116" cy="4008436"/>
+            <a:off x="1106488" y="812800"/>
+            <a:ext cx="5345112" cy="4008438"/>
           </a:xfrm>
           <a:solidFill>
             <a:srgbClr val="5B9BD5"/>
@@ -3799,7 +3805,7 @@
                 <a:uFillTx/>
               </a:defRPr>
             </a:pPr>
-            <a:fld id="{094BBDE3-104D-4E11-BAEE-4FA9483F2E6F}" type="slidenum">
+            <a:fld id="{E07804F2-1004-48FC-A309-4A02D208F313}" type="slidenum">
               <a:t>23</a:t>
             </a:fld>
             <a:endParaRPr lang="en-NZ" sz="1400" b="0" i="0" u="none" strike="noStrike" kern="1200" cap="none" spc="0" baseline="0">
@@ -3858,7 +3864,7 @@
                 <a:uFillTx/>
               </a:defRPr>
             </a:pPr>
-            <a:fld id="{201A4D39-07AB-4670-8920-2D323DB570EC}" type="slidenum">
+            <a:fld id="{588F9D95-14EC-41EA-BD71-2A1BB271DC90}" type="slidenum">
               <a:t>23</a:t>
             </a:fld>
             <a:endParaRPr lang="en-NZ" sz="1400" b="0" i="0" u="none" strike="noStrike" kern="1200" cap="none" spc="0" baseline="0">
@@ -3885,8 +3891,8 @@
         </p:nvSpPr>
         <p:spPr>
           <a:xfrm>
-            <a:off x="1106488" y="812801"/>
-            <a:ext cx="5345116" cy="4008436"/>
+            <a:off x="1106488" y="812800"/>
+            <a:ext cx="5345112" cy="4008438"/>
           </a:xfrm>
           <a:solidFill>
             <a:srgbClr val="5B9BD5"/>
@@ -3920,6 +3926,11 @@
         </p:txBody>
       </p:sp>
     </p:spTree>
+    <p:extLst>
+      <p:ext uri="{BB962C8B-B14F-4D97-AF65-F5344CB8AC3E}">
+        <p14:creationId xmlns:p14="http://schemas.microsoft.com/office/powerpoint/2010/main" val="4037223513"/>
+      </p:ext>
+    </p:extLst>
   </p:cSld>
   <p:clrMapOvr>
     <a:masterClrMapping/>
@@ -4074,8 +4085,8 @@
         </p:nvSpPr>
         <p:spPr>
           <a:xfrm>
-            <a:off x="1106488" y="812800"/>
-            <a:ext cx="5345112" cy="4008438"/>
+            <a:off x="1106488" y="812801"/>
+            <a:ext cx="5345116" cy="4008436"/>
           </a:xfrm>
           <a:solidFill>
             <a:srgbClr val="5B9BD5"/>
@@ -4109,11 +4120,6 @@
         </p:txBody>
       </p:sp>
     </p:spTree>
-    <p:extLst>
-      <p:ext uri="{BB962C8B-B14F-4D97-AF65-F5344CB8AC3E}">
-        <p14:creationId xmlns:p14="http://schemas.microsoft.com/office/powerpoint/2010/main" val="2148235567"/>
-      </p:ext>
-    </p:extLst>
   </p:cSld>
   <p:clrMapOvr>
     <a:masterClrMapping/>
@@ -4305,7 +4311,7 @@
     </p:spTree>
     <p:extLst>
       <p:ext uri="{BB962C8B-B14F-4D97-AF65-F5344CB8AC3E}">
-        <p14:creationId xmlns:p14="http://schemas.microsoft.com/office/powerpoint/2010/main" val="281072244"/>
+        <p14:creationId xmlns:p14="http://schemas.microsoft.com/office/powerpoint/2010/main" val="2148235567"/>
       </p:ext>
     </p:extLst>
   </p:cSld>
@@ -4376,7 +4382,7 @@
                 <a:uFillTx/>
               </a:defRPr>
             </a:pPr>
-            <a:fld id="{6C98130F-D7DE-4EB1-B7F6-8E40EFEC5E84}" type="slidenum">
+            <a:fld id="{094BBDE3-104D-4E11-BAEE-4FA9483F2E6F}" type="slidenum">
               <a:t>26</a:t>
             </a:fld>
             <a:endParaRPr lang="en-NZ" sz="1400" b="0" i="0" u="none" strike="noStrike" kern="1200" cap="none" spc="0" baseline="0">
@@ -4435,7 +4441,7 @@
                 <a:uFillTx/>
               </a:defRPr>
             </a:pPr>
-            <a:fld id="{1A394901-0413-4828-9A43-6B6C347413D0}" type="slidenum">
+            <a:fld id="{201A4D39-07AB-4670-8920-2D323DB570EC}" type="slidenum">
               <a:t>26</a:t>
             </a:fld>
             <a:endParaRPr lang="en-NZ" sz="1400" b="0" i="0" u="none" strike="noStrike" kern="1200" cap="none" spc="0" baseline="0">
@@ -4462,8 +4468,8 @@
         </p:nvSpPr>
         <p:spPr>
           <a:xfrm>
-            <a:off x="1106488" y="812801"/>
-            <a:ext cx="5345116" cy="4008436"/>
+            <a:off x="1106488" y="812800"/>
+            <a:ext cx="5345112" cy="4008438"/>
           </a:xfrm>
           <a:solidFill>
             <a:srgbClr val="5B9BD5"/>
@@ -4497,6 +4503,11 @@
         </p:txBody>
       </p:sp>
     </p:spTree>
+    <p:extLst>
+      <p:ext uri="{BB962C8B-B14F-4D97-AF65-F5344CB8AC3E}">
+        <p14:creationId xmlns:p14="http://schemas.microsoft.com/office/powerpoint/2010/main" val="281072244"/>
+      </p:ext>
+    </p:extLst>
   </p:cSld>
   <p:clrMapOvr>
     <a:masterClrMapping/>
@@ -4565,7 +4576,7 @@
                 <a:uFillTx/>
               </a:defRPr>
             </a:pPr>
-            <a:fld id="{49C68ABB-10FB-41C9-A59D-A5723A060D75}" type="slidenum">
+            <a:fld id="{6C98130F-D7DE-4EB1-B7F6-8E40EFEC5E84}" type="slidenum">
               <a:t>27</a:t>
             </a:fld>
             <a:endParaRPr lang="en-NZ" sz="1400" b="0" i="0" u="none" strike="noStrike" kern="1200" cap="none" spc="0" baseline="0">
@@ -4624,7 +4635,7 @@
                 <a:uFillTx/>
               </a:defRPr>
             </a:pPr>
-            <a:fld id="{8DD9A074-D987-40B6-97F2-17C15392431D}" type="slidenum">
+            <a:fld id="{1A394901-0413-4828-9A43-6B6C347413D0}" type="slidenum">
               <a:t>27</a:t>
             </a:fld>
             <a:endParaRPr lang="en-NZ" sz="1400" b="0" i="0" u="none" strike="noStrike" kern="1200" cap="none" spc="0" baseline="0">
@@ -4754,7 +4765,7 @@
                 <a:uFillTx/>
               </a:defRPr>
             </a:pPr>
-            <a:fld id="{C24BEE23-50A3-4728-BACD-DB13D0D751EB}" type="slidenum">
+            <a:fld id="{49C68ABB-10FB-41C9-A59D-A5723A060D75}" type="slidenum">
               <a:t>28</a:t>
             </a:fld>
             <a:endParaRPr lang="en-NZ" sz="1400" b="0" i="0" u="none" strike="noStrike" kern="1200" cap="none" spc="0" baseline="0">
@@ -4813,7 +4824,7 @@
                 <a:uFillTx/>
               </a:defRPr>
             </a:pPr>
-            <a:fld id="{AE5BAAFB-EA41-4973-9F00-9EEEDD491570}" type="slidenum">
+            <a:fld id="{8DD9A074-D987-40B6-97F2-17C15392431D}" type="slidenum">
               <a:t>28</a:t>
             </a:fld>
             <a:endParaRPr lang="en-NZ" sz="1400" b="0" i="0" u="none" strike="noStrike" kern="1200" cap="none" spc="0" baseline="0">
@@ -4943,7 +4954,7 @@
                 <a:uFillTx/>
               </a:defRPr>
             </a:pPr>
-            <a:fld id="{2EF2692C-6AFC-4035-9070-85412B1FB20A}" type="slidenum">
+            <a:fld id="{C24BEE23-50A3-4728-BACD-DB13D0D751EB}" type="slidenum">
               <a:t>29</a:t>
             </a:fld>
             <a:endParaRPr lang="en-NZ" sz="1400" b="0" i="0" u="none" strike="noStrike" kern="1200" cap="none" spc="0" baseline="0">
@@ -5002,7 +5013,7 @@
                 <a:uFillTx/>
               </a:defRPr>
             </a:pPr>
-            <a:fld id="{4C5373CE-5463-4EF6-BFCD-7809A59515D3}" type="slidenum">
+            <a:fld id="{AE5BAAFB-EA41-4973-9F00-9EEEDD491570}" type="slidenum">
               <a:t>29</a:t>
             </a:fld>
             <a:endParaRPr lang="en-NZ" sz="1400" b="0" i="0" u="none" strike="noStrike" kern="1200" cap="none" spc="0" baseline="0">
@@ -5321,7 +5332,7 @@
                 <a:uFillTx/>
               </a:defRPr>
             </a:pPr>
-            <a:fld id="{C3E1E518-6AE3-4679-8B85-58756417B71A}" type="slidenum">
+            <a:fld id="{2EF2692C-6AFC-4035-9070-85412B1FB20A}" type="slidenum">
               <a:t>30</a:t>
             </a:fld>
             <a:endParaRPr lang="en-NZ" sz="1400" b="0" i="0" u="none" strike="noStrike" kern="1200" cap="none" spc="0" baseline="0">
@@ -5380,7 +5391,7 @@
                 <a:uFillTx/>
               </a:defRPr>
             </a:pPr>
-            <a:fld id="{0826726E-05C2-4E27-B03B-6B6D617357C0}" type="slidenum">
+            <a:fld id="{4C5373CE-5463-4EF6-BFCD-7809A59515D3}" type="slidenum">
               <a:t>30</a:t>
             </a:fld>
             <a:endParaRPr lang="en-NZ" sz="1400" b="0" i="0" u="none" strike="noStrike" kern="1200" cap="none" spc="0" baseline="0">
@@ -5510,7 +5521,7 @@
                 <a:uFillTx/>
               </a:defRPr>
             </a:pPr>
-            <a:fld id="{99D040D3-60FF-4D3A-8F04-DC5256BD7485}" type="slidenum">
+            <a:fld id="{C3E1E518-6AE3-4679-8B85-58756417B71A}" type="slidenum">
               <a:t>31</a:t>
             </a:fld>
             <a:endParaRPr lang="en-NZ" sz="1400" b="0" i="0" u="none" strike="noStrike" kern="1200" cap="none" spc="0" baseline="0">
@@ -5569,7 +5580,7 @@
                 <a:uFillTx/>
               </a:defRPr>
             </a:pPr>
-            <a:fld id="{A5C2506B-087E-4026-AF3F-04C455DD9D36}" type="slidenum">
+            <a:fld id="{0826726E-05C2-4E27-B03B-6B6D617357C0}" type="slidenum">
               <a:t>31</a:t>
             </a:fld>
             <a:endParaRPr lang="en-NZ" sz="1400" b="0" i="0" u="none" strike="noStrike" kern="1200" cap="none" spc="0" baseline="0">
@@ -5699,7 +5710,7 @@
                 <a:uFillTx/>
               </a:defRPr>
             </a:pPr>
-            <a:fld id="{FBDC3CEA-D1C2-416B-96E2-BE677EAEA120}" type="slidenum">
+            <a:fld id="{99D040D3-60FF-4D3A-8F04-DC5256BD7485}" type="slidenum">
               <a:t>32</a:t>
             </a:fld>
             <a:endParaRPr lang="en-NZ" sz="1400" b="0" i="0" u="none" strike="noStrike" kern="1200" cap="none" spc="0" baseline="0">
@@ -5758,7 +5769,7 @@
                 <a:uFillTx/>
               </a:defRPr>
             </a:pPr>
-            <a:fld id="{66961107-6156-4542-827E-D352CC731626}" type="slidenum">
+            <a:fld id="{A5C2506B-087E-4026-AF3F-04C455DD9D36}" type="slidenum">
               <a:t>32</a:t>
             </a:fld>
             <a:endParaRPr lang="en-NZ" sz="1400" b="0" i="0" u="none" strike="noStrike" kern="1200" cap="none" spc="0" baseline="0">
@@ -5888,8 +5899,197 @@
                 <a:uFillTx/>
               </a:defRPr>
             </a:pPr>
+            <a:fld id="{FBDC3CEA-D1C2-416B-96E2-BE677EAEA120}" type="slidenum">
+              <a:t>33</a:t>
+            </a:fld>
+            <a:endParaRPr lang="en-NZ" sz="1400" b="0" i="0" u="none" strike="noStrike" kern="1200" cap="none" spc="0" baseline="0">
+              <a:solidFill>
+                <a:srgbClr val="000000"/>
+              </a:solidFill>
+              <a:uFillTx/>
+              <a:latin typeface="Times New Roman" pitchFamily="18"/>
+              <a:ea typeface="Segoe UI" pitchFamily="2"/>
+              <a:cs typeface="Tahoma" pitchFamily="2"/>
+            </a:endParaRPr>
+          </a:p>
+        </p:txBody>
+      </p:sp>
+      <p:sp>
+        <p:nvSpPr>
+          <p:cNvPr id="3" name="Slide Number Placeholder 6"/>
+          <p:cNvSpPr txBox="1"/>
+          <p:nvPr/>
+        </p:nvSpPr>
+        <p:spPr>
+          <a:xfrm>
+            <a:off x="4278962" y="10157402"/>
+            <a:ext cx="3280684" cy="534238"/>
+          </a:xfrm>
+          <a:prstGeom prst="rect">
+            <a:avLst/>
+          </a:prstGeom>
+          <a:noFill/>
+          <a:ln cap="flat">
+            <a:noFill/>
+          </a:ln>
+        </p:spPr>
+        <p:txBody>
+          <a:bodyPr vert="horz" wrap="square" lIns="0" tIns="0" rIns="0" bIns="0" anchor="b" anchorCtr="0" compatLnSpc="0">
+            <a:noAutofit/>
+          </a:bodyPr>
+          <a:lstStyle/>
+          <a:p>
+            <a:pPr marL="0" marR="0" lvl="0" indent="0" algn="r" defTabSz="914400" rtl="0" fontAlgn="auto" hangingPunct="0">
+              <a:lnSpc>
+                <a:spcPct val="100000"/>
+              </a:lnSpc>
+              <a:spcBef>
+                <a:spcPts val="0"/>
+              </a:spcBef>
+              <a:spcAft>
+                <a:spcPts val="0"/>
+              </a:spcAft>
+              <a:buNone/>
+              <a:tabLst/>
+              <a:defRPr sz="1800" b="0" i="0" u="none" strike="noStrike" kern="0" cap="none" spc="0" baseline="0">
+                <a:solidFill>
+                  <a:srgbClr val="000000"/>
+                </a:solidFill>
+                <a:uFillTx/>
+              </a:defRPr>
+            </a:pPr>
+            <a:fld id="{66961107-6156-4542-827E-D352CC731626}" type="slidenum">
+              <a:t>33</a:t>
+            </a:fld>
+            <a:endParaRPr lang="en-NZ" sz="1400" b="0" i="0" u="none" strike="noStrike" kern="1200" cap="none" spc="0" baseline="0">
+              <a:solidFill>
+                <a:srgbClr val="000000"/>
+              </a:solidFill>
+              <a:uFillTx/>
+              <a:latin typeface="Times New Roman" pitchFamily="18"/>
+              <a:ea typeface="Segoe UI" pitchFamily="2"/>
+              <a:cs typeface="Tahoma" pitchFamily="2"/>
+            </a:endParaRPr>
+          </a:p>
+        </p:txBody>
+      </p:sp>
+      <p:sp>
+        <p:nvSpPr>
+          <p:cNvPr id="4" name="Slide Image Placeholder 1"/>
+          <p:cNvSpPr>
+            <a:spLocks noGrp="1" noRot="1" noChangeAspect="1"/>
+          </p:cNvSpPr>
+          <p:nvPr>
+            <p:ph type="sldImg"/>
+          </p:nvPr>
+        </p:nvSpPr>
+        <p:spPr>
+          <a:xfrm>
+            <a:off x="1106488" y="812801"/>
+            <a:ext cx="5345116" cy="4008436"/>
+          </a:xfrm>
+          <a:solidFill>
+            <a:srgbClr val="5B9BD5"/>
+          </a:solidFill>
+          <a:ln w="12701" cap="flat">
+            <a:solidFill>
+              <a:srgbClr val="41719C"/>
+            </a:solidFill>
+            <a:prstDash val="solid"/>
+            <a:miter/>
+          </a:ln>
+        </p:spPr>
+      </p:sp>
+      <p:sp>
+        <p:nvSpPr>
+          <p:cNvPr id="5" name="Notes Placeholder 2"/>
+          <p:cNvSpPr txBox="1">
+            <a:spLocks noGrp="1"/>
+          </p:cNvSpPr>
+          <p:nvPr>
+            <p:ph type="body" sz="quarter" idx="1"/>
+          </p:nvPr>
+        </p:nvSpPr>
+        <p:spPr/>
+        <p:txBody>
+          <a:bodyPr/>
+          <a:lstStyle/>
+          <a:p>
+            <a:endParaRPr lang="en-NZ"/>
+          </a:p>
+        </p:txBody>
+      </p:sp>
+    </p:spTree>
+  </p:cSld>
+  <p:clrMapOvr>
+    <a:masterClrMapping/>
+  </p:clrMapOvr>
+</p:notes>
+</file>
+
+<file path=ppt/notesSlides/notesSlide34.xml><?xml version="1.0" encoding="utf-8"?>
+<p:notes xmlns:a="http://schemas.openxmlformats.org/drawingml/2006/main" xmlns:r="http://schemas.openxmlformats.org/officeDocument/2006/relationships" xmlns:p="http://schemas.openxmlformats.org/presentationml/2006/main">
+  <p:cSld>
+    <p:spTree>
+      <p:nvGrpSpPr>
+        <p:cNvPr id="1" name=""/>
+        <p:cNvGrpSpPr/>
+        <p:nvPr/>
+      </p:nvGrpSpPr>
+      <p:grpSpPr>
+        <a:xfrm>
+          <a:off x="0" y="0"/>
+          <a:ext cx="0" cy="0"/>
+          <a:chOff x="0" y="0"/>
+          <a:chExt cx="0" cy="0"/>
+        </a:xfrm>
+      </p:grpSpPr>
+      <p:sp>
+        <p:nvSpPr>
+          <p:cNvPr id="2" name="Slide Number Placeholder 6"/>
+          <p:cNvSpPr txBox="1"/>
+          <p:nvPr/>
+        </p:nvSpPr>
+        <p:spPr>
+          <a:xfrm>
+            <a:off x="4278962" y="10157402"/>
+            <a:ext cx="3280684" cy="534238"/>
+          </a:xfrm>
+          <a:prstGeom prst="rect">
+            <a:avLst/>
+          </a:prstGeom>
+          <a:noFill/>
+          <a:ln cap="flat">
+            <a:noFill/>
+          </a:ln>
+        </p:spPr>
+        <p:txBody>
+          <a:bodyPr vert="horz" wrap="square" lIns="0" tIns="0" rIns="0" bIns="0" anchor="b" anchorCtr="0" compatLnSpc="1">
+            <a:noAutofit/>
+          </a:bodyPr>
+          <a:lstStyle/>
+          <a:p>
+            <a:pPr marL="0" marR="0" lvl="0" indent="0" algn="r" defTabSz="914400" rtl="0" fontAlgn="auto" hangingPunct="0">
+              <a:lnSpc>
+                <a:spcPct val="100000"/>
+              </a:lnSpc>
+              <a:spcBef>
+                <a:spcPts val="0"/>
+              </a:spcBef>
+              <a:spcAft>
+                <a:spcPts val="0"/>
+              </a:spcAft>
+              <a:buNone/>
+              <a:tabLst/>
+              <a:defRPr sz="1800" b="0" i="0" u="none" strike="noStrike" kern="0" cap="none" spc="0" baseline="0">
+                <a:solidFill>
+                  <a:srgbClr val="000000"/>
+                </a:solidFill>
+                <a:uFillTx/>
+              </a:defRPr>
+            </a:pPr>
             <a:fld id="{DD0AE3C7-712B-423A-9193-4E06D5164807}" type="slidenum">
-              <a:t>33</a:t>
+              <a:t>34</a:t>
             </a:fld>
             <a:endParaRPr lang="en-NZ" sz="1400" b="0" i="0" u="none" strike="noStrike" kern="1200" cap="none" spc="0" baseline="0">
               <a:solidFill>
@@ -5948,7 +6148,7 @@
               </a:defRPr>
             </a:pPr>
             <a:fld id="{DEFA93FA-1F67-424E-8F86-CAD4FF1238D4}" type="slidenum">
-              <a:t>33</a:t>
+              <a:t>34</a:t>
             </a:fld>
             <a:endParaRPr lang="en-NZ" sz="1400" b="0" i="0" u="none" strike="noStrike" kern="1200" cap="none" spc="0" baseline="0">
               <a:solidFill>
@@ -7027,7 +7227,7 @@
                 <a:uFillTx/>
               </a:defRPr>
             </a:pPr>
-            <a:fld id="{E07804F2-1004-48FC-A309-4A02D208F313}" type="slidenum">
+            <a:fld id="{2EDBE238-B750-4D8A-90B8-9DA44F87284D}" type="slidenum">
               <a:t>9</a:t>
             </a:fld>
             <a:endParaRPr lang="en-NZ" sz="1400" b="0" i="0" u="none" strike="noStrike" kern="1200" cap="none" spc="0" baseline="0">
@@ -7086,7 +7286,7 @@
                 <a:uFillTx/>
               </a:defRPr>
             </a:pPr>
-            <a:fld id="{588F9D95-14EC-41EA-BD71-2A1BB271DC90}" type="slidenum">
+            <a:fld id="{697E85B5-6BE2-4159-967C-C523EF37BB82}" type="slidenum">
               <a:t>9</a:t>
             </a:fld>
             <a:endParaRPr lang="en-NZ" sz="1400" b="0" i="0" u="none" strike="noStrike" kern="1200" cap="none" spc="0" baseline="0">
@@ -7148,11 +7348,6 @@
         </p:txBody>
       </p:sp>
     </p:spTree>
-    <p:extLst>
-      <p:ext uri="{BB962C8B-B14F-4D97-AF65-F5344CB8AC3E}">
-        <p14:creationId xmlns:p14="http://schemas.microsoft.com/office/powerpoint/2010/main" val="4037223513"/>
-      </p:ext>
-    </p:extLst>
   </p:cSld>
   <p:clrMapOvr>
     <a:masterClrMapping/>
@@ -13167,7 +13362,7 @@
 
 <file path=ppt/slides/slide10.xml><?xml version="1.0" encoding="utf-8"?>
 <p:sld xmlns:a="http://schemas.openxmlformats.org/drawingml/2006/main" xmlns:r="http://schemas.openxmlformats.org/officeDocument/2006/relationships" xmlns:p="http://schemas.openxmlformats.org/presentationml/2006/main">
-  <p:cSld name="Slide14">
+  <p:cSld>
     <p:spTree>
       <p:nvGrpSpPr>
         <p:cNvPr id="1" name=""/>
@@ -13182,34 +13377,6 @@
           <a:chExt cx="0" cy="0"/>
         </a:xfrm>
       </p:grpSpPr>
-      <p:pic>
-        <p:nvPicPr>
-          <p:cNvPr id="2" name="Picture 6"/>
-          <p:cNvPicPr>
-            <a:picLocks noChangeAspect="1"/>
-          </p:cNvPicPr>
-          <p:nvPr/>
-        </p:nvPicPr>
-        <p:blipFill>
-          <a:blip r:embed="rId3"/>
-          <a:stretch>
-            <a:fillRect/>
-          </a:stretch>
-        </p:blipFill>
-        <p:spPr>
-          <a:xfrm>
-            <a:off x="5790556" y="3473174"/>
-            <a:ext cx="726957" cy="980721"/>
-          </a:xfrm>
-          <a:prstGeom prst="rect">
-            <a:avLst/>
-          </a:prstGeom>
-          <a:noFill/>
-          <a:ln cap="flat">
-            <a:noFill/>
-          </a:ln>
-        </p:spPr>
-      </p:pic>
       <p:sp>
         <p:nvSpPr>
           <p:cNvPr id="3" name="Title 1"/>
@@ -13551,21 +13718,21 @@
             </a:solidFill>
             <a:prstDash val="solid"/>
             <a:miter/>
-            <a:headEnd type="arrow"/>
+            <a:headEnd type="none"/>
             <a:tailEnd type="arrow"/>
           </a:ln>
         </p:spPr>
       </p:cxnSp>
       <p:cxnSp>
         <p:nvCxnSpPr>
-          <p:cNvPr id="10" name="Straight Connector 24"/>
+          <p:cNvPr id="16" name="Straight Connector 21"/>
           <p:cNvCxnSpPr/>
           <p:nvPr/>
         </p:nvCxnSpPr>
         <p:spPr>
           <a:xfrm flipV="1">
-            <a:off x="5360084" y="4154814"/>
-            <a:ext cx="904781" cy="869932"/>
+            <a:off x="3783255" y="3468632"/>
+            <a:ext cx="904772" cy="869923"/>
           </a:xfrm>
           <a:prstGeom prst="straightConnector1">
             <a:avLst/>
@@ -13578,7 +13745,7 @@
             <a:prstDash val="solid"/>
             <a:miter/>
             <a:headEnd type="arrow"/>
-            <a:tailEnd type="arrow"/>
+            <a:tailEnd type="none"/>
           </a:ln>
         </p:spPr>
       </p:cxnSp>
@@ -13632,11 +13799,148 @@
             <a:prstDash val="solid"/>
             <a:miter/>
             <a:headEnd type="arrow"/>
+            <a:tailEnd type="none"/>
+          </a:ln>
+        </p:spPr>
+      </p:cxnSp>
+      <p:cxnSp>
+        <p:nvCxnSpPr>
+          <p:cNvPr id="13" name="Straight Connector 20"/>
+          <p:cNvCxnSpPr/>
+          <p:nvPr/>
+        </p:nvCxnSpPr>
+        <p:spPr>
+          <a:xfrm>
+            <a:off x="4972497" y="3542558"/>
+            <a:ext cx="800374" cy="435318"/>
+          </a:xfrm>
+          <a:prstGeom prst="straightConnector1">
+            <a:avLst/>
+          </a:prstGeom>
+          <a:noFill/>
+          <a:ln w="38103" cap="flat">
+            <a:solidFill>
+              <a:srgbClr val="92D050"/>
+            </a:solidFill>
+            <a:prstDash val="solid"/>
+            <a:miter/>
+            <a:headEnd type="arrow"/>
+            <a:tailEnd type="none"/>
+          </a:ln>
+        </p:spPr>
+      </p:cxnSp>
+      <p:cxnSp>
+        <p:nvCxnSpPr>
+          <p:cNvPr id="14" name="Straight Connector 24"/>
+          <p:cNvCxnSpPr/>
+          <p:nvPr/>
+        </p:nvCxnSpPr>
+        <p:spPr>
+          <a:xfrm flipV="1">
+            <a:off x="5461684" y="4266574"/>
+            <a:ext cx="904781" cy="869932"/>
+          </a:xfrm>
+          <a:prstGeom prst="straightConnector1">
+            <a:avLst/>
+          </a:prstGeom>
+          <a:noFill/>
+          <a:ln w="38103" cap="flat">
+            <a:solidFill>
+              <a:srgbClr val="92D050"/>
+            </a:solidFill>
+            <a:prstDash val="solid"/>
+            <a:miter/>
+            <a:headEnd type="arrow"/>
+            <a:tailEnd type="none"/>
+          </a:ln>
+        </p:spPr>
+      </p:cxnSp>
+      <p:cxnSp>
+        <p:nvCxnSpPr>
+          <p:cNvPr id="15" name="Straight Connector 23"/>
+          <p:cNvCxnSpPr/>
+          <p:nvPr/>
+        </p:nvCxnSpPr>
+        <p:spPr>
+          <a:xfrm>
+            <a:off x="3962451" y="4685825"/>
+            <a:ext cx="800127" cy="520760"/>
+          </a:xfrm>
+          <a:prstGeom prst="straightConnector1">
+            <a:avLst/>
+          </a:prstGeom>
+          <a:noFill/>
+          <a:ln w="38103" cap="flat">
+            <a:solidFill>
+              <a:srgbClr val="92D050"/>
+            </a:solidFill>
+            <a:prstDash val="solid"/>
+            <a:miter/>
+            <a:headEnd type="none"/>
             <a:tailEnd type="arrow"/>
           </a:ln>
         </p:spPr>
       </p:cxnSp>
+      <p:pic>
+        <p:nvPicPr>
+          <p:cNvPr id="2" name="Picture 6"/>
+          <p:cNvPicPr>
+            <a:picLocks noChangeAspect="1"/>
+          </p:cNvPicPr>
+          <p:nvPr/>
+        </p:nvPicPr>
+        <p:blipFill>
+          <a:blip r:embed="rId3"/>
+          <a:stretch>
+            <a:fillRect/>
+          </a:stretch>
+        </p:blipFill>
+        <p:spPr>
+          <a:xfrm>
+            <a:off x="5790556" y="3473174"/>
+            <a:ext cx="726957" cy="980721"/>
+          </a:xfrm>
+          <a:prstGeom prst="rect">
+            <a:avLst/>
+          </a:prstGeom>
+          <a:noFill/>
+          <a:ln cap="flat">
+            <a:noFill/>
+          </a:ln>
+        </p:spPr>
+      </p:pic>
+      <p:cxnSp>
+        <p:nvCxnSpPr>
+          <p:cNvPr id="10" name="Straight Connector 24"/>
+          <p:cNvCxnSpPr/>
+          <p:nvPr/>
+        </p:nvCxnSpPr>
+        <p:spPr>
+          <a:xfrm flipV="1">
+            <a:off x="5360084" y="4154814"/>
+            <a:ext cx="904781" cy="869932"/>
+          </a:xfrm>
+          <a:prstGeom prst="straightConnector1">
+            <a:avLst/>
+          </a:prstGeom>
+          <a:noFill/>
+          <a:ln w="38103" cap="flat">
+            <a:solidFill>
+              <a:srgbClr val="92D050"/>
+            </a:solidFill>
+            <a:prstDash val="solid"/>
+            <a:miter/>
+            <a:headEnd type="none"/>
+            <a:tailEnd type="arrow"/>
+          </a:ln>
+        </p:spPr>
+      </p:cxnSp>
     </p:spTree>
+    <p:extLst>
+      <p:ext uri="{BB962C8B-B14F-4D97-AF65-F5344CB8AC3E}">
+        <p14:creationId xmlns:p14="http://schemas.microsoft.com/office/powerpoint/2010/main" val="2214118930"/>
+      </p:ext>
+    </p:extLst>
   </p:cSld>
   <p:clrMapOvr>
     <a:masterClrMapping/>
@@ -13661,34 +13965,6 @@
           <a:chExt cx="0" cy="0"/>
         </a:xfrm>
       </p:grpSpPr>
-      <p:pic>
-        <p:nvPicPr>
-          <p:cNvPr id="2" name="Picture 6"/>
-          <p:cNvPicPr>
-            <a:picLocks noChangeAspect="1"/>
-          </p:cNvPicPr>
-          <p:nvPr/>
-        </p:nvPicPr>
-        <p:blipFill>
-          <a:blip r:embed="rId3"/>
-          <a:stretch>
-            <a:fillRect/>
-          </a:stretch>
-        </p:blipFill>
-        <p:spPr>
-          <a:xfrm>
-            <a:off x="5790556" y="3473174"/>
-            <a:ext cx="726957" cy="980721"/>
-          </a:xfrm>
-          <a:prstGeom prst="rect">
-            <a:avLst/>
-          </a:prstGeom>
-          <a:noFill/>
-          <a:ln cap="flat">
-            <a:noFill/>
-          </a:ln>
-        </p:spPr>
-      </p:pic>
       <p:sp>
         <p:nvSpPr>
           <p:cNvPr id="3" name="Title 1"/>
@@ -13750,8 +14026,8 @@
               <a:buChar char="•"/>
             </a:pPr>
             <a:r>
-              <a:rPr lang="en-NZ" sz="2400"/>
-              <a:t>Ring topology, with a few extra connections</a:t>
+              <a:rPr lang="en-NZ" sz="2400" dirty="0"/>
+              <a:t>Every DC in the site has a sorted list of site DCs</a:t>
             </a:r>
           </a:p>
         </p:txBody>
@@ -14037,32 +14313,6 @@
       </p:cxnSp>
       <p:cxnSp>
         <p:nvCxnSpPr>
-          <p:cNvPr id="10" name="Straight Connector 24"/>
-          <p:cNvCxnSpPr/>
-          <p:nvPr/>
-        </p:nvCxnSpPr>
-        <p:spPr>
-          <a:xfrm flipV="1">
-            <a:off x="5360084" y="4154814"/>
-            <a:ext cx="904781" cy="869932"/>
-          </a:xfrm>
-          <a:prstGeom prst="straightConnector1">
-            <a:avLst/>
-          </a:prstGeom>
-          <a:noFill/>
-          <a:ln w="38103" cap="flat">
-            <a:solidFill>
-              <a:srgbClr val="92D050"/>
-            </a:solidFill>
-            <a:prstDash val="solid"/>
-            <a:miter/>
-            <a:headEnd type="none"/>
-            <a:tailEnd type="arrow"/>
-          </a:ln>
-        </p:spPr>
-      </p:cxnSp>
-      <p:cxnSp>
-        <p:nvCxnSpPr>
           <p:cNvPr id="16" name="Straight Connector 21"/>
           <p:cNvCxnSpPr/>
           <p:nvPr/>
@@ -14158,7 +14408,7 @@
           <a:noFill/>
           <a:ln w="38103" cap="flat">
             <a:solidFill>
-              <a:srgbClr val="92D050"/>
+              <a:srgbClr val="FF0000"/>
             </a:solidFill>
             <a:prstDash val="solid"/>
             <a:miter/>
@@ -14184,7 +14434,7 @@
           <a:noFill/>
           <a:ln w="38103" cap="flat">
             <a:solidFill>
-              <a:srgbClr val="92D050"/>
+              <a:srgbClr val="FF0000"/>
             </a:solidFill>
             <a:prstDash val="solid"/>
             <a:miter/>
@@ -14219,10 +14469,72 @@
           </a:ln>
         </p:spPr>
       </p:cxnSp>
+      <p:pic>
+        <p:nvPicPr>
+          <p:cNvPr id="2" name="Picture 6"/>
+          <p:cNvPicPr>
+            <a:picLocks noChangeAspect="1"/>
+          </p:cNvPicPr>
+          <p:nvPr/>
+        </p:nvPicPr>
+        <p:blipFill>
+          <a:blip r:embed="rId3"/>
+          <a:stretch>
+            <a:fillRect/>
+          </a:stretch>
+        </p:blipFill>
+        <p:spPr>
+          <a:xfrm>
+            <a:off x="5790556" y="3473174"/>
+            <a:ext cx="726957" cy="980721"/>
+          </a:xfrm>
+          <a:prstGeom prst="rect">
+            <a:avLst/>
+          </a:prstGeom>
+          <a:noFill/>
+          <a:ln cap="flat">
+            <a:noFill/>
+          </a:ln>
+          <a:effectLst>
+            <a:glow rad="228600">
+              <a:schemeClr val="accent2">
+                <a:satMod val="175000"/>
+                <a:alpha val="40000"/>
+              </a:schemeClr>
+            </a:glow>
+          </a:effectLst>
+        </p:spPr>
+      </p:pic>
+      <p:cxnSp>
+        <p:nvCxnSpPr>
+          <p:cNvPr id="10" name="Straight Connector 24"/>
+          <p:cNvCxnSpPr/>
+          <p:nvPr/>
+        </p:nvCxnSpPr>
+        <p:spPr>
+          <a:xfrm flipV="1">
+            <a:off x="5360084" y="4154814"/>
+            <a:ext cx="904781" cy="869932"/>
+          </a:xfrm>
+          <a:prstGeom prst="straightConnector1">
+            <a:avLst/>
+          </a:prstGeom>
+          <a:noFill/>
+          <a:ln w="38103" cap="flat">
+            <a:solidFill>
+              <a:srgbClr val="92D050"/>
+            </a:solidFill>
+            <a:prstDash val="solid"/>
+            <a:miter/>
+            <a:headEnd type="none"/>
+            <a:tailEnd type="arrow"/>
+          </a:ln>
+        </p:spPr>
+      </p:cxnSp>
     </p:spTree>
     <p:extLst>
       <p:ext uri="{BB962C8B-B14F-4D97-AF65-F5344CB8AC3E}">
-        <p14:creationId xmlns:p14="http://schemas.microsoft.com/office/powerpoint/2010/main" val="2214118930"/>
+        <p14:creationId xmlns:p14="http://schemas.microsoft.com/office/powerpoint/2010/main" val="3689660778"/>
       </p:ext>
     </p:extLst>
   </p:cSld>
@@ -14281,14 +14593,6 @@
               </a:rPr>
               <a:t>Inter-site algorithm</a:t>
             </a:r>
-            <a:endParaRPr lang="en-NZ" sz="3200" b="1" dirty="0">
-              <a:solidFill>
-                <a:srgbClr val="BB2025"/>
-              </a:solidFill>
-              <a:latin typeface="Lato" pitchFamily="34"/>
-              <a:ea typeface="Lato" pitchFamily="34"/>
-              <a:cs typeface="Lato" pitchFamily="34"/>
-            </a:endParaRPr>
           </a:p>
         </p:txBody>
       </p:sp>
@@ -14942,7 +15246,7 @@
         </p:blipFill>
         <p:spPr>
           <a:xfrm>
-            <a:off x="3402957" y="3209013"/>
+            <a:off x="3402957" y="2985493"/>
             <a:ext cx="726957" cy="980721"/>
           </a:xfrm>
           <a:prstGeom prst="rect">
@@ -14997,7 +15301,7 @@
         </p:nvSpPr>
         <p:spPr>
           <a:xfrm>
-            <a:off x="823362" y="2184483"/>
+            <a:off x="823362" y="1960963"/>
             <a:ext cx="3600001" cy="3600001"/>
           </a:xfrm>
           <a:custGeom>
@@ -15168,7 +15472,7 @@
         </p:nvCxnSpPr>
         <p:spPr>
           <a:xfrm flipV="1">
-            <a:off x="1314376" y="3092711"/>
+            <a:off x="1314376" y="2869191"/>
             <a:ext cx="904772" cy="869923"/>
           </a:xfrm>
           <a:prstGeom prst="straightConnector1">
@@ -15202,7 +15506,7 @@
         </p:blipFill>
         <p:spPr>
           <a:xfrm>
-            <a:off x="2137181" y="2542507"/>
+            <a:off x="2137181" y="2318987"/>
             <a:ext cx="684675" cy="923681"/>
           </a:xfrm>
           <a:prstGeom prst="rect">
@@ -15230,7 +15534,7 @@
         </p:blipFill>
         <p:spPr>
           <a:xfrm>
-            <a:off x="2441667" y="4291096"/>
+            <a:off x="2441667" y="4067576"/>
             <a:ext cx="726957" cy="980721"/>
           </a:xfrm>
           <a:prstGeom prst="rect">
@@ -15250,7 +15554,7 @@
         </p:nvCxnSpPr>
         <p:spPr>
           <a:xfrm>
-            <a:off x="2602583" y="3153381"/>
+            <a:off x="2602583" y="2929861"/>
             <a:ext cx="800374" cy="435318"/>
           </a:xfrm>
           <a:prstGeom prst="straightConnector1">
@@ -15276,7 +15580,7 @@
         </p:nvCxnSpPr>
         <p:spPr>
           <a:xfrm flipV="1">
-            <a:off x="2972485" y="3890653"/>
+            <a:off x="2972485" y="3667133"/>
             <a:ext cx="904781" cy="869932"/>
           </a:xfrm>
           <a:prstGeom prst="straightConnector1">
@@ -15310,7 +15614,7 @@
         </p:blipFill>
         <p:spPr>
           <a:xfrm>
-            <a:off x="1117204" y="3567796"/>
+            <a:off x="1117204" y="3344276"/>
             <a:ext cx="726957" cy="980721"/>
           </a:xfrm>
           <a:prstGeom prst="rect">
@@ -15330,7 +15634,7 @@
         </p:nvCxnSpPr>
         <p:spPr>
           <a:xfrm>
-            <a:off x="1626132" y="4260692"/>
+            <a:off x="1626132" y="4037172"/>
             <a:ext cx="800127" cy="520760"/>
           </a:xfrm>
           <a:prstGeom prst="straightConnector1">
@@ -15364,7 +15668,7 @@
         </p:blipFill>
         <p:spPr>
           <a:xfrm>
-            <a:off x="5266166" y="3070143"/>
+            <a:off x="5266166" y="2846623"/>
             <a:ext cx="704691" cy="950683"/>
           </a:xfrm>
           <a:prstGeom prst="rect">
@@ -15392,7 +15696,7 @@
         </p:blipFill>
         <p:spPr>
           <a:xfrm>
-            <a:off x="6398678" y="4101815"/>
+            <a:off x="6398678" y="3878295"/>
             <a:ext cx="704691" cy="950683"/>
           </a:xfrm>
           <a:prstGeom prst="rect">
@@ -15420,7 +15724,7 @@
         </p:blipFill>
         <p:spPr>
           <a:xfrm>
-            <a:off x="7029075" y="2594802"/>
+            <a:off x="7029075" y="2371282"/>
             <a:ext cx="704691" cy="950683"/>
           </a:xfrm>
           <a:prstGeom prst="rect">
@@ -15442,7 +15746,7 @@
         </p:nvCxnSpPr>
         <p:spPr>
           <a:xfrm flipV="1">
-            <a:off x="4025508" y="3545485"/>
+            <a:off x="4025508" y="3321965"/>
             <a:ext cx="1240658" cy="98490"/>
           </a:xfrm>
           <a:prstGeom prst="straightConnector1">
@@ -15468,7 +15772,7 @@
         </p:nvCxnSpPr>
         <p:spPr>
           <a:xfrm>
-            <a:off x="5618512" y="3643975"/>
+            <a:off x="5618512" y="3420455"/>
             <a:ext cx="780166" cy="877102"/>
           </a:xfrm>
           <a:prstGeom prst="straightConnector1">
@@ -15494,7 +15798,7 @@
         </p:nvCxnSpPr>
         <p:spPr>
           <a:xfrm flipV="1">
-            <a:off x="5895365" y="3153381"/>
+            <a:off x="5895365" y="2929861"/>
             <a:ext cx="1208005" cy="243907"/>
           </a:xfrm>
           <a:prstGeom prst="straightConnector1">
@@ -15520,7 +15824,7 @@
         </p:nvSpPr>
         <p:spPr>
           <a:xfrm>
-            <a:off x="5231401" y="2615814"/>
+            <a:off x="5231401" y="2392294"/>
             <a:ext cx="719166" cy="369335"/>
           </a:xfrm>
           <a:prstGeom prst="rect">
@@ -15577,7 +15881,7 @@
         </p:nvSpPr>
         <p:spPr>
           <a:xfrm>
-            <a:off x="7029075" y="2173172"/>
+            <a:off x="7029075" y="1949652"/>
             <a:ext cx="711156" cy="369335"/>
           </a:xfrm>
           <a:prstGeom prst="rect">
@@ -15634,7 +15938,7 @@
         </p:nvSpPr>
         <p:spPr>
           <a:xfrm>
-            <a:off x="6449409" y="3750155"/>
+            <a:off x="6449409" y="3526635"/>
             <a:ext cx="709556" cy="369335"/>
           </a:xfrm>
           <a:prstGeom prst="rect">
@@ -15691,7 +15995,7 @@
         </p:nvSpPr>
         <p:spPr>
           <a:xfrm>
-            <a:off x="1407179" y="4863245"/>
+            <a:off x="1407179" y="4639725"/>
             <a:ext cx="728785" cy="369335"/>
           </a:xfrm>
           <a:prstGeom prst="rect">
@@ -15838,7 +16142,7 @@
         </p:blipFill>
         <p:spPr>
           <a:xfrm>
-            <a:off x="3402957" y="3209013"/>
+            <a:off x="3402957" y="2985493"/>
             <a:ext cx="726957" cy="980721"/>
           </a:xfrm>
           <a:prstGeom prst="rect">
@@ -15893,7 +16197,7 @@
         </p:nvSpPr>
         <p:spPr>
           <a:xfrm>
-            <a:off x="823362" y="2184483"/>
+            <a:off x="823362" y="1960963"/>
             <a:ext cx="3600001" cy="3600001"/>
           </a:xfrm>
           <a:custGeom>
@@ -16064,7 +16368,7 @@
         </p:nvCxnSpPr>
         <p:spPr>
           <a:xfrm flipV="1">
-            <a:off x="1314376" y="3092711"/>
+            <a:off x="1314376" y="2869191"/>
             <a:ext cx="904772" cy="869923"/>
           </a:xfrm>
           <a:prstGeom prst="straightConnector1">
@@ -16098,7 +16402,7 @@
         </p:blipFill>
         <p:spPr>
           <a:xfrm>
-            <a:off x="2137181" y="2542507"/>
+            <a:off x="2137181" y="2318987"/>
             <a:ext cx="684675" cy="923681"/>
           </a:xfrm>
           <a:prstGeom prst="rect">
@@ -16126,7 +16430,7 @@
         </p:blipFill>
         <p:spPr>
           <a:xfrm>
-            <a:off x="2441667" y="4291096"/>
+            <a:off x="2441667" y="4067576"/>
             <a:ext cx="726957" cy="980721"/>
           </a:xfrm>
           <a:prstGeom prst="rect">
@@ -16146,7 +16450,7 @@
         </p:nvCxnSpPr>
         <p:spPr>
           <a:xfrm>
-            <a:off x="2602583" y="3153381"/>
+            <a:off x="2602583" y="2929861"/>
             <a:ext cx="800374" cy="435318"/>
           </a:xfrm>
           <a:prstGeom prst="straightConnector1">
@@ -16172,7 +16476,7 @@
         </p:nvCxnSpPr>
         <p:spPr>
           <a:xfrm flipV="1">
-            <a:off x="2972485" y="3890653"/>
+            <a:off x="2972485" y="3667133"/>
             <a:ext cx="904781" cy="869932"/>
           </a:xfrm>
           <a:prstGeom prst="straightConnector1">
@@ -16206,7 +16510,7 @@
         </p:blipFill>
         <p:spPr>
           <a:xfrm>
-            <a:off x="1117204" y="3567796"/>
+            <a:off x="1117204" y="3344276"/>
             <a:ext cx="726957" cy="980721"/>
           </a:xfrm>
           <a:prstGeom prst="rect">
@@ -16226,7 +16530,7 @@
         </p:nvCxnSpPr>
         <p:spPr>
           <a:xfrm>
-            <a:off x="1626132" y="4260692"/>
+            <a:off x="1626132" y="4037172"/>
             <a:ext cx="800127" cy="520760"/>
           </a:xfrm>
           <a:prstGeom prst="straightConnector1">
@@ -16260,7 +16564,7 @@
         </p:blipFill>
         <p:spPr>
           <a:xfrm>
-            <a:off x="5266166" y="3070143"/>
+            <a:off x="5266166" y="2846623"/>
             <a:ext cx="704691" cy="950683"/>
           </a:xfrm>
           <a:prstGeom prst="rect">
@@ -16288,7 +16592,7 @@
         </p:blipFill>
         <p:spPr>
           <a:xfrm>
-            <a:off x="6398678" y="4101815"/>
+            <a:off x="6398678" y="3878295"/>
             <a:ext cx="704691" cy="950683"/>
           </a:xfrm>
           <a:prstGeom prst="rect">
@@ -16316,7 +16620,7 @@
         </p:blipFill>
         <p:spPr>
           <a:xfrm>
-            <a:off x="7029075" y="2594802"/>
+            <a:off x="7029075" y="2371282"/>
             <a:ext cx="704691" cy="950683"/>
           </a:xfrm>
           <a:prstGeom prst="rect">
@@ -16338,7 +16642,7 @@
         </p:nvCxnSpPr>
         <p:spPr>
           <a:xfrm flipV="1">
-            <a:off x="4025508" y="3545485"/>
+            <a:off x="4025508" y="3321965"/>
             <a:ext cx="1240658" cy="98490"/>
           </a:xfrm>
           <a:prstGeom prst="straightConnector1">
@@ -16364,7 +16668,7 @@
         </p:nvCxnSpPr>
         <p:spPr>
           <a:xfrm>
-            <a:off x="5618512" y="3643975"/>
+            <a:off x="5618512" y="3420455"/>
             <a:ext cx="780166" cy="877102"/>
           </a:xfrm>
           <a:prstGeom prst="straightConnector1">
@@ -16390,7 +16694,7 @@
         </p:nvCxnSpPr>
         <p:spPr>
           <a:xfrm flipV="1">
-            <a:off x="5895365" y="3153381"/>
+            <a:off x="5895365" y="2929861"/>
             <a:ext cx="1208005" cy="243907"/>
           </a:xfrm>
           <a:prstGeom prst="straightConnector1">
@@ -16416,7 +16720,7 @@
         </p:nvSpPr>
         <p:spPr>
           <a:xfrm>
-            <a:off x="5231401" y="2615814"/>
+            <a:off x="5231401" y="2392294"/>
             <a:ext cx="719166" cy="369335"/>
           </a:xfrm>
           <a:prstGeom prst="rect">
@@ -16473,7 +16777,7 @@
         </p:nvSpPr>
         <p:spPr>
           <a:xfrm>
-            <a:off x="7029075" y="2173172"/>
+            <a:off x="7029075" y="1949652"/>
             <a:ext cx="711156" cy="369335"/>
           </a:xfrm>
           <a:prstGeom prst="rect">
@@ -16530,7 +16834,7 @@
         </p:nvSpPr>
         <p:spPr>
           <a:xfrm>
-            <a:off x="6449409" y="3750155"/>
+            <a:off x="6449409" y="3526635"/>
             <a:ext cx="709556" cy="369335"/>
           </a:xfrm>
           <a:prstGeom prst="rect">
@@ -16587,7 +16891,7 @@
         </p:nvSpPr>
         <p:spPr>
           <a:xfrm>
-            <a:off x="1407179" y="4863245"/>
+            <a:off x="1407179" y="4639725"/>
             <a:ext cx="728785" cy="369335"/>
           </a:xfrm>
           <a:prstGeom prst="rect">
@@ -16739,7 +17043,7 @@
         </p:blipFill>
         <p:spPr>
           <a:xfrm>
-            <a:off x="2441667" y="4291096"/>
+            <a:off x="2441667" y="4067576"/>
             <a:ext cx="726957" cy="980721"/>
           </a:xfrm>
           <a:prstGeom prst="rect">
@@ -16767,7 +17071,7 @@
         </p:blipFill>
         <p:spPr>
           <a:xfrm>
-            <a:off x="3402957" y="3209013"/>
+            <a:off x="3402957" y="2985493"/>
             <a:ext cx="726957" cy="980721"/>
           </a:xfrm>
           <a:prstGeom prst="rect">
@@ -16822,7 +17126,7 @@
         </p:nvSpPr>
         <p:spPr>
           <a:xfrm>
-            <a:off x="823362" y="2184483"/>
+            <a:off x="823362" y="1960963"/>
             <a:ext cx="3600001" cy="3600001"/>
           </a:xfrm>
           <a:custGeom>
@@ -16993,7 +17297,7 @@
         </p:nvCxnSpPr>
         <p:spPr>
           <a:xfrm flipV="1">
-            <a:off x="1314376" y="3092711"/>
+            <a:off x="1314376" y="2869191"/>
             <a:ext cx="904772" cy="869923"/>
           </a:xfrm>
           <a:prstGeom prst="straightConnector1">
@@ -17027,7 +17331,7 @@
         </p:blipFill>
         <p:spPr>
           <a:xfrm>
-            <a:off x="2137181" y="2542507"/>
+            <a:off x="2137181" y="2318987"/>
             <a:ext cx="684675" cy="923681"/>
           </a:xfrm>
           <a:prstGeom prst="rect">
@@ -17047,7 +17351,7 @@
         </p:nvCxnSpPr>
         <p:spPr>
           <a:xfrm>
-            <a:off x="2602583" y="3153381"/>
+            <a:off x="2602583" y="2929861"/>
             <a:ext cx="800374" cy="435318"/>
           </a:xfrm>
           <a:prstGeom prst="straightConnector1">
@@ -17073,7 +17377,7 @@
         </p:nvCxnSpPr>
         <p:spPr>
           <a:xfrm flipV="1">
-            <a:off x="2972485" y="3890653"/>
+            <a:off x="2972485" y="3667133"/>
             <a:ext cx="904781" cy="869932"/>
           </a:xfrm>
           <a:prstGeom prst="straightConnector1">
@@ -17107,7 +17411,7 @@
         </p:blipFill>
         <p:spPr>
           <a:xfrm>
-            <a:off x="1117204" y="3567796"/>
+            <a:off x="1117204" y="3344276"/>
             <a:ext cx="726957" cy="980721"/>
           </a:xfrm>
           <a:prstGeom prst="rect">
@@ -17127,7 +17431,7 @@
         </p:nvCxnSpPr>
         <p:spPr>
           <a:xfrm>
-            <a:off x="1626132" y="4260692"/>
+            <a:off x="1626132" y="4037172"/>
             <a:ext cx="800127" cy="520760"/>
           </a:xfrm>
           <a:prstGeom prst="straightConnector1">
@@ -17161,7 +17465,7 @@
         </p:blipFill>
         <p:spPr>
           <a:xfrm>
-            <a:off x="5266166" y="3070143"/>
+            <a:off x="5266166" y="2846623"/>
             <a:ext cx="704691" cy="950683"/>
           </a:xfrm>
           <a:prstGeom prst="rect">
@@ -17189,7 +17493,7 @@
         </p:blipFill>
         <p:spPr>
           <a:xfrm>
-            <a:off x="6398678" y="4101815"/>
+            <a:off x="6398678" y="3878295"/>
             <a:ext cx="704691" cy="950683"/>
           </a:xfrm>
           <a:prstGeom prst="rect">
@@ -17217,7 +17521,7 @@
         </p:blipFill>
         <p:spPr>
           <a:xfrm>
-            <a:off x="7029075" y="2594802"/>
+            <a:off x="7029075" y="2371282"/>
             <a:ext cx="704691" cy="950683"/>
           </a:xfrm>
           <a:prstGeom prst="rect">
@@ -17239,7 +17543,7 @@
         </p:nvCxnSpPr>
         <p:spPr>
           <a:xfrm flipV="1">
-            <a:off x="4025508" y="3545485"/>
+            <a:off x="4025508" y="3321965"/>
             <a:ext cx="1240658" cy="98490"/>
           </a:xfrm>
           <a:prstGeom prst="straightConnector1">
@@ -17264,7 +17568,7 @@
         </p:nvCxnSpPr>
         <p:spPr>
           <a:xfrm>
-            <a:off x="5618512" y="3643975"/>
+            <a:off x="5618512" y="3420455"/>
             <a:ext cx="780166" cy="877102"/>
           </a:xfrm>
           <a:prstGeom prst="straightConnector1">
@@ -17290,7 +17594,7 @@
         </p:nvCxnSpPr>
         <p:spPr>
           <a:xfrm flipV="1">
-            <a:off x="5895365" y="3153381"/>
+            <a:off x="5895365" y="2929861"/>
             <a:ext cx="1208005" cy="243907"/>
           </a:xfrm>
           <a:prstGeom prst="straightConnector1">
@@ -17316,7 +17620,7 @@
         </p:nvSpPr>
         <p:spPr>
           <a:xfrm>
-            <a:off x="5231401" y="2615814"/>
+            <a:off x="5231401" y="2392294"/>
             <a:ext cx="719166" cy="369335"/>
           </a:xfrm>
           <a:prstGeom prst="rect">
@@ -17373,7 +17677,7 @@
         </p:nvSpPr>
         <p:spPr>
           <a:xfrm>
-            <a:off x="7029075" y="2173172"/>
+            <a:off x="7029075" y="1949652"/>
             <a:ext cx="711156" cy="369335"/>
           </a:xfrm>
           <a:prstGeom prst="rect">
@@ -17430,7 +17734,7 @@
         </p:nvSpPr>
         <p:spPr>
           <a:xfrm>
-            <a:off x="6449409" y="3750155"/>
+            <a:off x="6449409" y="3526635"/>
             <a:ext cx="709556" cy="369335"/>
           </a:xfrm>
           <a:prstGeom prst="rect">
@@ -17487,7 +17791,7 @@
         </p:nvSpPr>
         <p:spPr>
           <a:xfrm>
-            <a:off x="1407179" y="4863245"/>
+            <a:off x="1407179" y="4639725"/>
             <a:ext cx="728785" cy="369335"/>
           </a:xfrm>
           <a:prstGeom prst="rect">
@@ -17544,7 +17848,7 @@
         </p:nvSpPr>
         <p:spPr>
           <a:xfrm>
-            <a:off x="2842988" y="6221184"/>
+            <a:off x="2842988" y="6160224"/>
             <a:ext cx="4897233" cy="369335"/>
           </a:xfrm>
           <a:prstGeom prst="rect">
@@ -17581,7 +17885,7 @@
               </a:defRPr>
             </a:pPr>
             <a:r>
-              <a:rPr lang="en-NZ" sz="1800" b="0" i="0" u="none" strike="noStrike" kern="1200" cap="none" spc="0" baseline="0">
+              <a:rPr lang="en-NZ" sz="1800" b="0" i="0" u="none" strike="noStrike" kern="1200" cap="none" spc="0" baseline="0" dirty="0">
                 <a:solidFill>
                   <a:srgbClr val="000000"/>
                 </a:solidFill>
@@ -17601,7 +17905,7 @@
         </p:nvCxnSpPr>
         <p:spPr>
           <a:xfrm flipV="1">
-            <a:off x="2956017" y="3664814"/>
+            <a:off x="2956017" y="3441294"/>
             <a:ext cx="2247513" cy="1120268"/>
           </a:xfrm>
           <a:prstGeom prst="straightConnector1">
@@ -17659,7 +17963,7 @@
         </p:blipFill>
         <p:spPr>
           <a:xfrm>
-            <a:off x="2441667" y="4291096"/>
+            <a:off x="2441667" y="4026936"/>
             <a:ext cx="726957" cy="980721"/>
           </a:xfrm>
           <a:prstGeom prst="rect">
@@ -17687,7 +17991,7 @@
         </p:blipFill>
         <p:spPr>
           <a:xfrm>
-            <a:off x="3402957" y="3209013"/>
+            <a:off x="3402957" y="2944853"/>
             <a:ext cx="726957" cy="980721"/>
           </a:xfrm>
           <a:prstGeom prst="rect">
@@ -17742,7 +18046,7 @@
         </p:nvSpPr>
         <p:spPr>
           <a:xfrm>
-            <a:off x="823362" y="2184483"/>
+            <a:off x="823362" y="1920323"/>
             <a:ext cx="3600001" cy="3600001"/>
           </a:xfrm>
           <a:custGeom>
@@ -17913,7 +18217,7 @@
         </p:nvCxnSpPr>
         <p:spPr>
           <a:xfrm flipV="1">
-            <a:off x="1314376" y="3092711"/>
+            <a:off x="1314376" y="2828551"/>
             <a:ext cx="904772" cy="869923"/>
           </a:xfrm>
           <a:prstGeom prst="straightConnector1">
@@ -17947,7 +18251,7 @@
         </p:blipFill>
         <p:spPr>
           <a:xfrm>
-            <a:off x="2137181" y="2542507"/>
+            <a:off x="2137181" y="2278347"/>
             <a:ext cx="684675" cy="923681"/>
           </a:xfrm>
           <a:prstGeom prst="rect">
@@ -17967,7 +18271,7 @@
         </p:nvCxnSpPr>
         <p:spPr>
           <a:xfrm>
-            <a:off x="2602583" y="3153381"/>
+            <a:off x="2602583" y="2889221"/>
             <a:ext cx="800374" cy="435318"/>
           </a:xfrm>
           <a:prstGeom prst="straightConnector1">
@@ -17993,7 +18297,7 @@
         </p:nvCxnSpPr>
         <p:spPr>
           <a:xfrm flipV="1">
-            <a:off x="2972485" y="3890653"/>
+            <a:off x="2972485" y="3626493"/>
             <a:ext cx="904781" cy="869932"/>
           </a:xfrm>
           <a:prstGeom prst="straightConnector1">
@@ -18027,7 +18331,7 @@
         </p:blipFill>
         <p:spPr>
           <a:xfrm>
-            <a:off x="1117204" y="3567796"/>
+            <a:off x="1117204" y="3303636"/>
             <a:ext cx="726957" cy="980721"/>
           </a:xfrm>
           <a:prstGeom prst="rect">
@@ -18047,7 +18351,7 @@
         </p:nvCxnSpPr>
         <p:spPr>
           <a:xfrm>
-            <a:off x="1626132" y="4260692"/>
+            <a:off x="1626132" y="3996532"/>
             <a:ext cx="800127" cy="520760"/>
           </a:xfrm>
           <a:prstGeom prst="straightConnector1">
@@ -18081,7 +18385,7 @@
         </p:blipFill>
         <p:spPr>
           <a:xfrm>
-            <a:off x="5266166" y="3070143"/>
+            <a:off x="5266166" y="2805983"/>
             <a:ext cx="704691" cy="950683"/>
           </a:xfrm>
           <a:prstGeom prst="rect">
@@ -18109,7 +18413,7 @@
         </p:blipFill>
         <p:spPr>
           <a:xfrm>
-            <a:off x="6398678" y="4101815"/>
+            <a:off x="6398678" y="3837655"/>
             <a:ext cx="704691" cy="950683"/>
           </a:xfrm>
           <a:prstGeom prst="rect">
@@ -18137,7 +18441,7 @@
         </p:blipFill>
         <p:spPr>
           <a:xfrm>
-            <a:off x="7029075" y="2594802"/>
+            <a:off x="7029075" y="2330642"/>
             <a:ext cx="704691" cy="950683"/>
           </a:xfrm>
           <a:prstGeom prst="rect">
@@ -18159,7 +18463,7 @@
         </p:nvCxnSpPr>
         <p:spPr>
           <a:xfrm flipV="1">
-            <a:off x="4025508" y="3545485"/>
+            <a:off x="4025508" y="3281325"/>
             <a:ext cx="1240658" cy="98490"/>
           </a:xfrm>
           <a:prstGeom prst="straightConnector1">
@@ -18184,7 +18488,7 @@
         </p:nvCxnSpPr>
         <p:spPr>
           <a:xfrm>
-            <a:off x="5618512" y="3643975"/>
+            <a:off x="5618512" y="3379815"/>
             <a:ext cx="780166" cy="877102"/>
           </a:xfrm>
           <a:prstGeom prst="straightConnector1">
@@ -18210,7 +18514,7 @@
         </p:nvCxnSpPr>
         <p:spPr>
           <a:xfrm flipV="1">
-            <a:off x="5895365" y="3153381"/>
+            <a:off x="5895365" y="2889221"/>
             <a:ext cx="1208005" cy="243907"/>
           </a:xfrm>
           <a:prstGeom prst="straightConnector1">
@@ -18236,7 +18540,7 @@
         </p:nvSpPr>
         <p:spPr>
           <a:xfrm>
-            <a:off x="5231401" y="2615814"/>
+            <a:off x="5231401" y="2351654"/>
             <a:ext cx="719166" cy="369335"/>
           </a:xfrm>
           <a:prstGeom prst="rect">
@@ -18293,7 +18597,7 @@
         </p:nvSpPr>
         <p:spPr>
           <a:xfrm>
-            <a:off x="7029075" y="2173172"/>
+            <a:off x="7029075" y="1909012"/>
             <a:ext cx="711156" cy="369335"/>
           </a:xfrm>
           <a:prstGeom prst="rect">
@@ -18350,7 +18654,7 @@
         </p:nvSpPr>
         <p:spPr>
           <a:xfrm>
-            <a:off x="6449409" y="3750155"/>
+            <a:off x="6449409" y="3485995"/>
             <a:ext cx="709556" cy="369335"/>
           </a:xfrm>
           <a:prstGeom prst="rect">
@@ -18407,7 +18711,7 @@
         </p:nvSpPr>
         <p:spPr>
           <a:xfrm>
-            <a:off x="1407179" y="4863245"/>
+            <a:off x="1407179" y="4599085"/>
             <a:ext cx="728785" cy="369335"/>
           </a:xfrm>
           <a:prstGeom prst="rect">
@@ -18521,7 +18825,7 @@
         </p:nvCxnSpPr>
         <p:spPr>
           <a:xfrm flipV="1">
-            <a:off x="2956017" y="3664814"/>
+            <a:off x="2956017" y="3400654"/>
             <a:ext cx="2247513" cy="1120268"/>
           </a:xfrm>
           <a:prstGeom prst="straightConnector1">
@@ -18584,7 +18888,7 @@
         </p:blipFill>
         <p:spPr>
           <a:xfrm>
-            <a:off x="2441667" y="4291096"/>
+            <a:off x="2441667" y="4037096"/>
             <a:ext cx="726957" cy="980721"/>
           </a:xfrm>
           <a:prstGeom prst="rect">
@@ -18612,7 +18916,7 @@
         </p:blipFill>
         <p:spPr>
           <a:xfrm>
-            <a:off x="3402957" y="3209013"/>
+            <a:off x="3402957" y="2955013"/>
             <a:ext cx="726957" cy="980721"/>
           </a:xfrm>
           <a:prstGeom prst="rect">
@@ -18667,7 +18971,7 @@
         </p:nvSpPr>
         <p:spPr>
           <a:xfrm>
-            <a:off x="823362" y="2184483"/>
+            <a:off x="823362" y="1930483"/>
             <a:ext cx="3600001" cy="3600001"/>
           </a:xfrm>
           <a:custGeom>
@@ -18838,7 +19142,7 @@
         </p:nvCxnSpPr>
         <p:spPr>
           <a:xfrm flipV="1">
-            <a:off x="1314376" y="3092711"/>
+            <a:off x="1314376" y="2838711"/>
             <a:ext cx="904772" cy="869923"/>
           </a:xfrm>
           <a:prstGeom prst="straightConnector1">
@@ -18872,7 +19176,7 @@
         </p:blipFill>
         <p:spPr>
           <a:xfrm>
-            <a:off x="2137181" y="2542507"/>
+            <a:off x="2137181" y="2288507"/>
             <a:ext cx="684675" cy="923681"/>
           </a:xfrm>
           <a:prstGeom prst="rect">
@@ -18892,7 +19196,7 @@
         </p:nvCxnSpPr>
         <p:spPr>
           <a:xfrm>
-            <a:off x="2602583" y="3153381"/>
+            <a:off x="2602583" y="2899381"/>
             <a:ext cx="800374" cy="435318"/>
           </a:xfrm>
           <a:prstGeom prst="straightConnector1">
@@ -18918,7 +19222,7 @@
         </p:nvCxnSpPr>
         <p:spPr>
           <a:xfrm flipV="1">
-            <a:off x="2972485" y="3890653"/>
+            <a:off x="2972485" y="3636653"/>
             <a:ext cx="904781" cy="869932"/>
           </a:xfrm>
           <a:prstGeom prst="straightConnector1">
@@ -18952,7 +19256,7 @@
         </p:blipFill>
         <p:spPr>
           <a:xfrm>
-            <a:off x="1117204" y="3567796"/>
+            <a:off x="1117204" y="3313796"/>
             <a:ext cx="726957" cy="980721"/>
           </a:xfrm>
           <a:prstGeom prst="rect">
@@ -18980,7 +19284,7 @@
         </p:nvCxnSpPr>
         <p:spPr>
           <a:xfrm>
-            <a:off x="1626132" y="4260692"/>
+            <a:off x="1626132" y="4006692"/>
             <a:ext cx="800127" cy="520760"/>
           </a:xfrm>
           <a:prstGeom prst="straightConnector1">
@@ -19014,7 +19318,7 @@
         </p:blipFill>
         <p:spPr>
           <a:xfrm>
-            <a:off x="5266166" y="3070143"/>
+            <a:off x="5266166" y="2816143"/>
             <a:ext cx="704691" cy="950683"/>
           </a:xfrm>
           <a:prstGeom prst="rect">
@@ -19050,7 +19354,7 @@
         </p:blipFill>
         <p:spPr>
           <a:xfrm>
-            <a:off x="6398678" y="4101815"/>
+            <a:off x="6398678" y="3847815"/>
             <a:ext cx="704691" cy="950683"/>
           </a:xfrm>
           <a:prstGeom prst="rect">
@@ -19086,7 +19390,7 @@
         </p:blipFill>
         <p:spPr>
           <a:xfrm>
-            <a:off x="7029075" y="2594802"/>
+            <a:off x="7029075" y="2340802"/>
             <a:ext cx="704691" cy="950683"/>
           </a:xfrm>
           <a:prstGeom prst="rect">
@@ -19116,7 +19420,7 @@
         </p:nvCxnSpPr>
         <p:spPr>
           <a:xfrm flipV="1">
-            <a:off x="4025508" y="3545485"/>
+            <a:off x="4025508" y="3291485"/>
             <a:ext cx="1240658" cy="98490"/>
           </a:xfrm>
           <a:prstGeom prst="straightConnector1">
@@ -19141,7 +19445,7 @@
         </p:nvCxnSpPr>
         <p:spPr>
           <a:xfrm>
-            <a:off x="5618512" y="3643975"/>
+            <a:off x="5618512" y="3389975"/>
             <a:ext cx="780166" cy="877102"/>
           </a:xfrm>
           <a:prstGeom prst="straightConnector1">
@@ -19167,7 +19471,7 @@
         </p:nvCxnSpPr>
         <p:spPr>
           <a:xfrm flipV="1">
-            <a:off x="5895365" y="3153381"/>
+            <a:off x="5895365" y="2899381"/>
             <a:ext cx="1208005" cy="243907"/>
           </a:xfrm>
           <a:prstGeom prst="straightConnector1">
@@ -19193,7 +19497,7 @@
         </p:nvSpPr>
         <p:spPr>
           <a:xfrm>
-            <a:off x="5231401" y="2615814"/>
+            <a:off x="5231401" y="2361814"/>
             <a:ext cx="719166" cy="369335"/>
           </a:xfrm>
           <a:prstGeom prst="rect">
@@ -19250,7 +19554,7 @@
         </p:nvSpPr>
         <p:spPr>
           <a:xfrm>
-            <a:off x="7029075" y="2173172"/>
+            <a:off x="7029075" y="1919172"/>
             <a:ext cx="711156" cy="369335"/>
           </a:xfrm>
           <a:prstGeom prst="rect">
@@ -19307,7 +19611,7 @@
         </p:nvSpPr>
         <p:spPr>
           <a:xfrm>
-            <a:off x="6449409" y="3750155"/>
+            <a:off x="6449409" y="3496155"/>
             <a:ext cx="709556" cy="369335"/>
           </a:xfrm>
           <a:prstGeom prst="rect">
@@ -19364,7 +19668,7 @@
         </p:nvSpPr>
         <p:spPr>
           <a:xfrm>
-            <a:off x="1407179" y="4863245"/>
+            <a:off x="1407179" y="4609245"/>
             <a:ext cx="728785" cy="369335"/>
           </a:xfrm>
           <a:prstGeom prst="rect">
@@ -19495,7 +19799,7 @@
         </p:nvCxnSpPr>
         <p:spPr>
           <a:xfrm flipV="1">
-            <a:off x="2956017" y="3664814"/>
+            <a:off x="2956017" y="3410814"/>
             <a:ext cx="2247513" cy="1120268"/>
           </a:xfrm>
           <a:prstGeom prst="straightConnector1">
@@ -19558,7 +19862,7 @@
         </p:blipFill>
         <p:spPr>
           <a:xfrm>
-            <a:off x="2441667" y="4291096"/>
+            <a:off x="2441667" y="4057416"/>
             <a:ext cx="726957" cy="980721"/>
           </a:xfrm>
           <a:prstGeom prst="rect">
@@ -19586,7 +19890,7 @@
         </p:blipFill>
         <p:spPr>
           <a:xfrm>
-            <a:off x="3402957" y="3209013"/>
+            <a:off x="3402957" y="2975333"/>
             <a:ext cx="726957" cy="980721"/>
           </a:xfrm>
           <a:prstGeom prst="rect">
@@ -19641,7 +19945,7 @@
         </p:nvSpPr>
         <p:spPr>
           <a:xfrm>
-            <a:off x="823362" y="2184483"/>
+            <a:off x="823362" y="1950803"/>
             <a:ext cx="3600001" cy="3600001"/>
           </a:xfrm>
           <a:custGeom>
@@ -19812,7 +20116,7 @@
         </p:nvCxnSpPr>
         <p:spPr>
           <a:xfrm flipV="1">
-            <a:off x="1314376" y="3092711"/>
+            <a:off x="1314376" y="2859031"/>
             <a:ext cx="904772" cy="869923"/>
           </a:xfrm>
           <a:prstGeom prst="straightConnector1">
@@ -19846,7 +20150,7 @@
         </p:blipFill>
         <p:spPr>
           <a:xfrm>
-            <a:off x="2137181" y="2542507"/>
+            <a:off x="2137181" y="2308827"/>
             <a:ext cx="684675" cy="923681"/>
           </a:xfrm>
           <a:prstGeom prst="rect">
@@ -19866,7 +20170,7 @@
         </p:nvCxnSpPr>
         <p:spPr>
           <a:xfrm>
-            <a:off x="2602583" y="3153381"/>
+            <a:off x="2602583" y="2919701"/>
             <a:ext cx="800374" cy="435318"/>
           </a:xfrm>
           <a:prstGeom prst="straightConnector1">
@@ -19892,7 +20196,7 @@
         </p:nvCxnSpPr>
         <p:spPr>
           <a:xfrm flipV="1">
-            <a:off x="2972485" y="3890653"/>
+            <a:off x="2972485" y="3656973"/>
             <a:ext cx="904781" cy="869932"/>
           </a:xfrm>
           <a:prstGeom prst="straightConnector1">
@@ -19926,7 +20230,7 @@
         </p:blipFill>
         <p:spPr>
           <a:xfrm>
-            <a:off x="1117204" y="3567796"/>
+            <a:off x="1117204" y="3334116"/>
             <a:ext cx="726957" cy="980721"/>
           </a:xfrm>
           <a:prstGeom prst="rect">
@@ -19954,7 +20258,7 @@
         </p:nvCxnSpPr>
         <p:spPr>
           <a:xfrm>
-            <a:off x="1626132" y="4260692"/>
+            <a:off x="1626132" y="4027012"/>
             <a:ext cx="800127" cy="520760"/>
           </a:xfrm>
           <a:prstGeom prst="straightConnector1">
@@ -19988,7 +20292,7 @@
         </p:blipFill>
         <p:spPr>
           <a:xfrm>
-            <a:off x="5266166" y="3070143"/>
+            <a:off x="5266166" y="2836463"/>
             <a:ext cx="704691" cy="950683"/>
           </a:xfrm>
           <a:prstGeom prst="rect">
@@ -20024,7 +20328,7 @@
         </p:blipFill>
         <p:spPr>
           <a:xfrm>
-            <a:off x="6398678" y="4101815"/>
+            <a:off x="6398678" y="3868135"/>
             <a:ext cx="704691" cy="950683"/>
           </a:xfrm>
           <a:prstGeom prst="rect">
@@ -20060,7 +20364,7 @@
         </p:blipFill>
         <p:spPr>
           <a:xfrm>
-            <a:off x="7029075" y="2594802"/>
+            <a:off x="7029075" y="2361122"/>
             <a:ext cx="704691" cy="950683"/>
           </a:xfrm>
           <a:prstGeom prst="rect">
@@ -20088,7 +20392,7 @@
         </p:nvCxnSpPr>
         <p:spPr>
           <a:xfrm>
-            <a:off x="5618512" y="3643975"/>
+            <a:off x="5618512" y="3410295"/>
             <a:ext cx="780166" cy="877102"/>
           </a:xfrm>
           <a:prstGeom prst="straightConnector1">
@@ -20114,7 +20418,7 @@
         </p:nvCxnSpPr>
         <p:spPr>
           <a:xfrm flipV="1">
-            <a:off x="5895365" y="3153381"/>
+            <a:off x="5895365" y="2919701"/>
             <a:ext cx="1208005" cy="243907"/>
           </a:xfrm>
           <a:prstGeom prst="straightConnector1">
@@ -20140,7 +20444,7 @@
         </p:nvSpPr>
         <p:spPr>
           <a:xfrm>
-            <a:off x="5231401" y="2615814"/>
+            <a:off x="5231401" y="2382134"/>
             <a:ext cx="719166" cy="369335"/>
           </a:xfrm>
           <a:prstGeom prst="rect">
@@ -20197,7 +20501,7 @@
         </p:nvSpPr>
         <p:spPr>
           <a:xfrm>
-            <a:off x="7029075" y="2173172"/>
+            <a:off x="7029075" y="1939492"/>
             <a:ext cx="711156" cy="369335"/>
           </a:xfrm>
           <a:prstGeom prst="rect">
@@ -20254,7 +20558,7 @@
         </p:nvSpPr>
         <p:spPr>
           <a:xfrm>
-            <a:off x="6449409" y="3750155"/>
+            <a:off x="6449409" y="3516475"/>
             <a:ext cx="709556" cy="369335"/>
           </a:xfrm>
           <a:prstGeom prst="rect">
@@ -20311,7 +20615,7 @@
         </p:nvSpPr>
         <p:spPr>
           <a:xfrm>
-            <a:off x="1407179" y="4863245"/>
+            <a:off x="1407179" y="4629565"/>
             <a:ext cx="728785" cy="369335"/>
           </a:xfrm>
           <a:prstGeom prst="rect">
@@ -20368,7 +20672,7 @@
         </p:nvCxnSpPr>
         <p:spPr>
           <a:xfrm flipV="1">
-            <a:off x="2956017" y="3664814"/>
+            <a:off x="2956017" y="3431134"/>
             <a:ext cx="2247513" cy="1120268"/>
           </a:xfrm>
           <a:prstGeom prst="straightConnector1">
@@ -20965,7 +21269,7 @@
         </p:blipFill>
         <p:spPr>
           <a:xfrm>
-            <a:off x="2441667" y="4291096"/>
+            <a:off x="2441667" y="4057416"/>
             <a:ext cx="726957" cy="980721"/>
           </a:xfrm>
           <a:prstGeom prst="rect">
@@ -20993,7 +21297,7 @@
         </p:blipFill>
         <p:spPr>
           <a:xfrm>
-            <a:off x="3402957" y="3209013"/>
+            <a:off x="3402957" y="2975333"/>
             <a:ext cx="726957" cy="980721"/>
           </a:xfrm>
           <a:prstGeom prst="rect">
@@ -21048,7 +21352,7 @@
         </p:nvSpPr>
         <p:spPr>
           <a:xfrm>
-            <a:off x="823362" y="2184483"/>
+            <a:off x="823362" y="1950803"/>
             <a:ext cx="3600001" cy="3600001"/>
           </a:xfrm>
           <a:custGeom>
@@ -21219,7 +21523,7 @@
         </p:nvCxnSpPr>
         <p:spPr>
           <a:xfrm flipV="1">
-            <a:off x="1314376" y="3092711"/>
+            <a:off x="1314376" y="2859031"/>
             <a:ext cx="904772" cy="869923"/>
           </a:xfrm>
           <a:prstGeom prst="straightConnector1">
@@ -21253,7 +21557,7 @@
         </p:blipFill>
         <p:spPr>
           <a:xfrm>
-            <a:off x="2137181" y="2542507"/>
+            <a:off x="2137181" y="2308827"/>
             <a:ext cx="684675" cy="923681"/>
           </a:xfrm>
           <a:prstGeom prst="rect">
@@ -21273,7 +21577,7 @@
         </p:nvCxnSpPr>
         <p:spPr>
           <a:xfrm>
-            <a:off x="2602583" y="3153381"/>
+            <a:off x="2602583" y="2919701"/>
             <a:ext cx="800374" cy="435318"/>
           </a:xfrm>
           <a:prstGeom prst="straightConnector1">
@@ -21299,7 +21603,7 @@
         </p:nvCxnSpPr>
         <p:spPr>
           <a:xfrm flipV="1">
-            <a:off x="2972485" y="3890653"/>
+            <a:off x="2972485" y="3656973"/>
             <a:ext cx="904781" cy="869932"/>
           </a:xfrm>
           <a:prstGeom prst="straightConnector1">
@@ -21333,7 +21637,7 @@
         </p:blipFill>
         <p:spPr>
           <a:xfrm>
-            <a:off x="1117204" y="3567796"/>
+            <a:off x="1117204" y="3334116"/>
             <a:ext cx="726957" cy="980721"/>
           </a:xfrm>
           <a:prstGeom prst="rect">
@@ -21361,7 +21665,7 @@
         </p:nvCxnSpPr>
         <p:spPr>
           <a:xfrm>
-            <a:off x="1626132" y="4260692"/>
+            <a:off x="1626132" y="4027012"/>
             <a:ext cx="800127" cy="520760"/>
           </a:xfrm>
           <a:prstGeom prst="straightConnector1">
@@ -21395,7 +21699,7 @@
         </p:blipFill>
         <p:spPr>
           <a:xfrm>
-            <a:off x="5266166" y="3070143"/>
+            <a:off x="5266166" y="2836463"/>
             <a:ext cx="704691" cy="950683"/>
           </a:xfrm>
           <a:prstGeom prst="rect">
@@ -21431,7 +21735,7 @@
         </p:blipFill>
         <p:spPr>
           <a:xfrm>
-            <a:off x="6398678" y="4101815"/>
+            <a:off x="6398678" y="3868135"/>
             <a:ext cx="704691" cy="950683"/>
           </a:xfrm>
           <a:prstGeom prst="rect">
@@ -21467,7 +21771,7 @@
         </p:blipFill>
         <p:spPr>
           <a:xfrm>
-            <a:off x="7029075" y="2594802"/>
+            <a:off x="7029075" y="2361122"/>
             <a:ext cx="704691" cy="950683"/>
           </a:xfrm>
           <a:prstGeom prst="rect">
@@ -21497,7 +21801,7 @@
         </p:nvCxnSpPr>
         <p:spPr>
           <a:xfrm flipV="1">
-            <a:off x="4025508" y="3545485"/>
+            <a:off x="4025508" y="3311805"/>
             <a:ext cx="1240658" cy="98490"/>
           </a:xfrm>
           <a:prstGeom prst="straightConnector1">
@@ -21522,7 +21826,7 @@
         </p:nvCxnSpPr>
         <p:spPr>
           <a:xfrm>
-            <a:off x="5618512" y="3643975"/>
+            <a:off x="5618512" y="3410295"/>
             <a:ext cx="780166" cy="877102"/>
           </a:xfrm>
           <a:prstGeom prst="straightConnector1">
@@ -21550,7 +21854,7 @@
         </p:nvCxnSpPr>
         <p:spPr>
           <a:xfrm flipV="1">
-            <a:off x="5895365" y="3153381"/>
+            <a:off x="5895365" y="2919701"/>
             <a:ext cx="1208005" cy="243907"/>
           </a:xfrm>
           <a:prstGeom prst="straightConnector1">
@@ -21578,7 +21882,7 @@
         </p:nvSpPr>
         <p:spPr>
           <a:xfrm>
-            <a:off x="5231401" y="2615814"/>
+            <a:off x="5231401" y="2382134"/>
             <a:ext cx="719166" cy="369335"/>
           </a:xfrm>
           <a:prstGeom prst="rect">
@@ -21635,7 +21939,7 @@
         </p:nvSpPr>
         <p:spPr>
           <a:xfrm>
-            <a:off x="7029075" y="2173172"/>
+            <a:off x="7029075" y="1939492"/>
             <a:ext cx="711156" cy="369335"/>
           </a:xfrm>
           <a:prstGeom prst="rect">
@@ -21692,7 +21996,7 @@
         </p:nvSpPr>
         <p:spPr>
           <a:xfrm>
-            <a:off x="6449409" y="3750155"/>
+            <a:off x="6449409" y="3516475"/>
             <a:ext cx="709556" cy="369335"/>
           </a:xfrm>
           <a:prstGeom prst="rect">
@@ -21749,7 +22053,7 @@
         </p:nvSpPr>
         <p:spPr>
           <a:xfrm>
-            <a:off x="1407179" y="4863245"/>
+            <a:off x="1407179" y="4629565"/>
             <a:ext cx="728785" cy="369335"/>
           </a:xfrm>
           <a:prstGeom prst="rect">
@@ -21899,7 +22203,7 @@
         </p:nvCxnSpPr>
         <p:spPr>
           <a:xfrm flipV="1">
-            <a:off x="2956017" y="3664814"/>
+            <a:off x="2956017" y="3431134"/>
             <a:ext cx="2247513" cy="1120268"/>
           </a:xfrm>
           <a:prstGeom prst="straightConnector1">
@@ -21964,7 +22268,7 @@
         </p:blipFill>
         <p:spPr>
           <a:xfrm>
-            <a:off x="2441667" y="4291096"/>
+            <a:off x="2441667" y="4057416"/>
             <a:ext cx="726957" cy="980721"/>
           </a:xfrm>
           <a:prstGeom prst="rect">
@@ -21992,7 +22296,7 @@
         </p:blipFill>
         <p:spPr>
           <a:xfrm>
-            <a:off x="3402957" y="3209013"/>
+            <a:off x="3402957" y="2975333"/>
             <a:ext cx="726957" cy="980721"/>
           </a:xfrm>
           <a:prstGeom prst="rect">
@@ -22055,7 +22359,7 @@
         </p:nvSpPr>
         <p:spPr>
           <a:xfrm>
-            <a:off x="823362" y="2184483"/>
+            <a:off x="823362" y="1950803"/>
             <a:ext cx="3600001" cy="3600001"/>
           </a:xfrm>
           <a:custGeom>
@@ -22226,7 +22530,7 @@
         </p:nvCxnSpPr>
         <p:spPr>
           <a:xfrm flipV="1">
-            <a:off x="1314376" y="3092711"/>
+            <a:off x="1314376" y="2859031"/>
             <a:ext cx="904772" cy="869923"/>
           </a:xfrm>
           <a:prstGeom prst="straightConnector1">
@@ -22260,7 +22564,7 @@
         </p:blipFill>
         <p:spPr>
           <a:xfrm>
-            <a:off x="2137181" y="2542507"/>
+            <a:off x="2137181" y="2308827"/>
             <a:ext cx="684675" cy="923681"/>
           </a:xfrm>
           <a:prstGeom prst="rect">
@@ -22280,7 +22584,7 @@
         </p:nvCxnSpPr>
         <p:spPr>
           <a:xfrm>
-            <a:off x="2602583" y="3153381"/>
+            <a:off x="2602583" y="2919701"/>
             <a:ext cx="800374" cy="435318"/>
           </a:xfrm>
           <a:prstGeom prst="straightConnector1">
@@ -22306,7 +22610,7 @@
         </p:nvCxnSpPr>
         <p:spPr>
           <a:xfrm flipV="1">
-            <a:off x="2972485" y="3890653"/>
+            <a:off x="2972485" y="3656973"/>
             <a:ext cx="904781" cy="869932"/>
           </a:xfrm>
           <a:prstGeom prst="straightConnector1">
@@ -22340,7 +22644,7 @@
         </p:blipFill>
         <p:spPr>
           <a:xfrm>
-            <a:off x="1117204" y="3567796"/>
+            <a:off x="1117204" y="3334116"/>
             <a:ext cx="726957" cy="980721"/>
           </a:xfrm>
           <a:prstGeom prst="rect">
@@ -22361,7 +22665,7 @@
         </p:nvCxnSpPr>
         <p:spPr>
           <a:xfrm>
-            <a:off x="1626132" y="4260692"/>
+            <a:off x="1626132" y="4027012"/>
             <a:ext cx="800127" cy="520760"/>
           </a:xfrm>
           <a:prstGeom prst="straightConnector1">
@@ -22395,7 +22699,7 @@
         </p:blipFill>
         <p:spPr>
           <a:xfrm>
-            <a:off x="5266166" y="3070143"/>
+            <a:off x="5266166" y="2836463"/>
             <a:ext cx="704691" cy="950683"/>
           </a:xfrm>
           <a:prstGeom prst="rect">
@@ -22424,7 +22728,7 @@
         </p:blipFill>
         <p:spPr>
           <a:xfrm>
-            <a:off x="6398678" y="4101815"/>
+            <a:off x="6398678" y="3868135"/>
             <a:ext cx="704691" cy="950683"/>
           </a:xfrm>
           <a:prstGeom prst="rect">
@@ -22453,7 +22757,7 @@
         </p:blipFill>
         <p:spPr>
           <a:xfrm>
-            <a:off x="7029075" y="2594802"/>
+            <a:off x="7029075" y="2361122"/>
             <a:ext cx="704691" cy="950683"/>
           </a:xfrm>
           <a:prstGeom prst="rect">
@@ -22476,7 +22780,7 @@
         </p:nvCxnSpPr>
         <p:spPr>
           <a:xfrm flipV="1">
-            <a:off x="4025508" y="3545485"/>
+            <a:off x="4025508" y="3311805"/>
             <a:ext cx="1240658" cy="98490"/>
           </a:xfrm>
           <a:prstGeom prst="straightConnector1">
@@ -22487,7 +22791,7 @@
             <a:solidFill>
               <a:srgbClr val="2E75B6"/>
             </a:solidFill>
-            <a:prstDash val="sysDash"/>
+            <a:prstDash val="solid"/>
             <a:miter/>
             <a:tailEnd type="arrow"/>
           </a:ln>
@@ -22501,7 +22805,7 @@
         </p:nvCxnSpPr>
         <p:spPr>
           <a:xfrm>
-            <a:off x="5618512" y="3643975"/>
+            <a:off x="5618512" y="3410295"/>
             <a:ext cx="780166" cy="877102"/>
           </a:xfrm>
           <a:prstGeom prst="straightConnector1">
@@ -22529,7 +22833,7 @@
         </p:nvCxnSpPr>
         <p:spPr>
           <a:xfrm flipV="1">
-            <a:off x="5895365" y="3153381"/>
+            <a:off x="5895365" y="2919701"/>
             <a:ext cx="1208005" cy="243907"/>
           </a:xfrm>
           <a:prstGeom prst="straightConnector1">
@@ -22557,7 +22861,7 @@
         </p:nvSpPr>
         <p:spPr>
           <a:xfrm>
-            <a:off x="5231401" y="2615814"/>
+            <a:off x="5231401" y="2382134"/>
             <a:ext cx="719166" cy="369335"/>
           </a:xfrm>
           <a:prstGeom prst="rect">
@@ -22614,7 +22918,7 @@
         </p:nvSpPr>
         <p:spPr>
           <a:xfrm>
-            <a:off x="7029075" y="2173172"/>
+            <a:off x="7029075" y="1939492"/>
             <a:ext cx="711156" cy="369335"/>
           </a:xfrm>
           <a:prstGeom prst="rect">
@@ -22671,7 +22975,7 @@
         </p:nvSpPr>
         <p:spPr>
           <a:xfrm>
-            <a:off x="6449409" y="3750155"/>
+            <a:off x="6449409" y="3516475"/>
             <a:ext cx="709556" cy="369335"/>
           </a:xfrm>
           <a:prstGeom prst="rect">
@@ -22728,7 +23032,7 @@
         </p:nvSpPr>
         <p:spPr>
           <a:xfrm>
-            <a:off x="1407179" y="4863245"/>
+            <a:off x="1407179" y="4629565"/>
             <a:ext cx="728785" cy="369335"/>
           </a:xfrm>
           <a:prstGeom prst="rect">
@@ -22785,8 +23089,8 @@
         </p:nvSpPr>
         <p:spPr>
           <a:xfrm>
-            <a:off x="902500" y="5935260"/>
-            <a:ext cx="8698471" cy="646331"/>
+            <a:off x="1766793" y="5878771"/>
+            <a:ext cx="6930423" cy="646331"/>
           </a:xfrm>
           <a:prstGeom prst="rect">
             <a:avLst/>
@@ -22839,29 +23143,17 @@
                 <a:uFillTx/>
                 <a:latin typeface="Calibri"/>
               </a:rPr>
-              <a:t> bridgehead notices the new connection, will perform connection translation.</a:t>
+              <a:t> bridgehead runs the KCC and notices the new connection.</a:t>
             </a:r>
-          </a:p>
-          <a:p>
-            <a:pPr marL="0" marR="0" lvl="0" indent="0" algn="l" defTabSz="914400" rtl="0" fontAlgn="auto" hangingPunct="1">
-              <a:lnSpc>
-                <a:spcPct val="100000"/>
-              </a:lnSpc>
-              <a:spcBef>
-                <a:spcPts val="0"/>
-              </a:spcBef>
-              <a:spcAft>
-                <a:spcPts val="0"/>
-              </a:spcAft>
-              <a:buNone/>
-              <a:tabLst/>
-              <a:defRPr sz="1800" b="0" i="0" u="none" strike="noStrike" kern="0" cap="none" spc="0" baseline="0">
+            <a:br>
+              <a:rPr lang="en-NZ" sz="1800" b="0" i="0" u="none" strike="noStrike" kern="1200" cap="none" spc="0" dirty="0">
                 <a:solidFill>
                   <a:srgbClr val="000000"/>
                 </a:solidFill>
                 <a:uFillTx/>
-              </a:defRPr>
-            </a:pPr>
+                <a:latin typeface="Calibri"/>
+              </a:rPr>
+            </a:br>
             <a:r>
               <a:rPr lang="en-NZ" baseline="0" dirty="0">
                 <a:solidFill>
@@ -22898,7 +23190,7 @@
         </p:nvCxnSpPr>
         <p:spPr>
           <a:xfrm flipV="1">
-            <a:off x="2956017" y="3664814"/>
+            <a:off x="2956017" y="3431134"/>
             <a:ext cx="2247513" cy="1120268"/>
           </a:xfrm>
           <a:prstGeom prst="straightConnector1">
@@ -23082,7 +23374,6 @@
               <a:rPr lang="en-NZ" sz="2400" dirty="0"/>
               <a:t>Overlapping schedule…</a:t>
             </a:r>
-            <a:endParaRPr lang="en-NZ" sz="2400" dirty="0"/>
           </a:p>
         </p:txBody>
       </p:sp>
@@ -23100,6 +23391,236 @@
 </file>
 
 <file path=ppt/slides/slide23.xml><?xml version="1.0" encoding="utf-8"?>
+<p:sld xmlns:a="http://schemas.openxmlformats.org/drawingml/2006/main" xmlns:r="http://schemas.openxmlformats.org/officeDocument/2006/relationships" xmlns:p="http://schemas.openxmlformats.org/presentationml/2006/main">
+  <p:cSld>
+    <p:spTree>
+      <p:nvGrpSpPr>
+        <p:cNvPr id="1" name=""/>
+        <p:cNvGrpSpPr/>
+        <p:nvPr/>
+      </p:nvGrpSpPr>
+      <p:grpSpPr>
+        <a:xfrm>
+          <a:off x="0" y="0"/>
+          <a:ext cx="0" cy="0"/>
+          <a:chOff x="0" y="0"/>
+          <a:chExt cx="0" cy="0"/>
+        </a:xfrm>
+      </p:grpSpPr>
+      <p:sp>
+        <p:nvSpPr>
+          <p:cNvPr id="2" name="Title 1"/>
+          <p:cNvSpPr txBox="1">
+            <a:spLocks noGrp="1"/>
+          </p:cNvSpPr>
+          <p:nvPr>
+            <p:ph type="title" idx="4294967295"/>
+          </p:nvPr>
+        </p:nvSpPr>
+        <p:spPr>
+          <a:xfrm>
+            <a:off x="503998" y="301322"/>
+            <a:ext cx="9072000" cy="1261798"/>
+          </a:xfrm>
+        </p:spPr>
+        <p:txBody>
+          <a:bodyPr/>
+          <a:lstStyle/>
+          <a:p>
+            <a:pPr lvl="0"/>
+            <a:r>
+              <a:rPr lang="en-NZ" sz="3200" b="1" dirty="0">
+                <a:solidFill>
+                  <a:srgbClr val="BB2025"/>
+                </a:solidFill>
+                <a:latin typeface="Lato" pitchFamily="34"/>
+                <a:ea typeface="Lato" pitchFamily="34"/>
+                <a:cs typeface="Lato" pitchFamily="34"/>
+              </a:rPr>
+              <a:t>Two independent tasks running</a:t>
+            </a:r>
+          </a:p>
+        </p:txBody>
+      </p:sp>
+      <p:sp>
+        <p:nvSpPr>
+          <p:cNvPr id="3" name="Text Placeholder 2"/>
+          <p:cNvSpPr txBox="1">
+            <a:spLocks noGrp="1"/>
+          </p:cNvSpPr>
+          <p:nvPr>
+            <p:ph type="body" idx="4294967295"/>
+          </p:nvPr>
+        </p:nvSpPr>
+        <p:spPr>
+          <a:xfrm>
+            <a:off x="685800" y="1443215"/>
+            <a:ext cx="8667753" cy="4384081"/>
+          </a:xfrm>
+        </p:spPr>
+        <p:txBody>
+          <a:bodyPr/>
+          <a:lstStyle/>
+          <a:p>
+            <a:pPr marL="342900" lvl="0" indent="-342900">
+              <a:buSzPct val="100000"/>
+              <a:buFont typeface="Arial" pitchFamily="34"/>
+              <a:buChar char="•"/>
+            </a:pPr>
+            <a:r>
+              <a:rPr lang="en-NZ" sz="2400" dirty="0">
+                <a:latin typeface="Lato" panose="020F0502020204030203" pitchFamily="34" charset="0"/>
+                <a:ea typeface="Lato" panose="020F0502020204030203" pitchFamily="34" charset="0"/>
+                <a:cs typeface="Lato" panose="020F0502020204030203" pitchFamily="34" charset="0"/>
+              </a:rPr>
+              <a:t>KCC running periodically</a:t>
+            </a:r>
+          </a:p>
+          <a:p>
+            <a:pPr marL="1028700" lvl="1" indent="-342900"/>
+            <a:r>
+              <a:rPr lang="en-NZ" dirty="0">
+                <a:latin typeface="Lato" panose="020F0502020204030203" pitchFamily="34" charset="0"/>
+                <a:ea typeface="Lato" panose="020F0502020204030203" pitchFamily="34" charset="0"/>
+                <a:cs typeface="Lato" panose="020F0502020204030203" pitchFamily="34" charset="0"/>
+              </a:rPr>
+              <a:t>Creating NTDS Connection objects (ITSG or </a:t>
+            </a:r>
+            <a:r>
+              <a:rPr lang="en-NZ" dirty="0" err="1">
+                <a:latin typeface="Lato" panose="020F0502020204030203" pitchFamily="34" charset="0"/>
+                <a:ea typeface="Lato" panose="020F0502020204030203" pitchFamily="34" charset="0"/>
+                <a:cs typeface="Lato" panose="020F0502020204030203" pitchFamily="34" charset="0"/>
+              </a:rPr>
+              <a:t>intrasite</a:t>
+            </a:r>
+            <a:r>
+              <a:rPr lang="en-NZ" dirty="0">
+                <a:latin typeface="Lato" panose="020F0502020204030203" pitchFamily="34" charset="0"/>
+                <a:ea typeface="Lato" panose="020F0502020204030203" pitchFamily="34" charset="0"/>
+                <a:cs typeface="Lato" panose="020F0502020204030203" pitchFamily="34" charset="0"/>
+              </a:rPr>
+              <a:t>)</a:t>
+            </a:r>
+          </a:p>
+          <a:p>
+            <a:pPr marL="1028700" lvl="1" indent="-342900"/>
+            <a:r>
+              <a:rPr lang="en-NZ" dirty="0">
+                <a:latin typeface="Lato" panose="020F0502020204030203" pitchFamily="34" charset="0"/>
+                <a:ea typeface="Lato" panose="020F0502020204030203" pitchFamily="34" charset="0"/>
+                <a:cs typeface="Lato" panose="020F0502020204030203" pitchFamily="34" charset="0"/>
+              </a:rPr>
+              <a:t>Translating NTDS Connections to </a:t>
+            </a:r>
+            <a:r>
+              <a:rPr lang="en-NZ" dirty="0" err="1">
+                <a:latin typeface="Lato" panose="020F0502020204030203" pitchFamily="34" charset="0"/>
+                <a:ea typeface="Lato" panose="020F0502020204030203" pitchFamily="34" charset="0"/>
+                <a:cs typeface="Lato" panose="020F0502020204030203" pitchFamily="34" charset="0"/>
+              </a:rPr>
+              <a:t>repsFrom</a:t>
+            </a:r>
+            <a:endParaRPr lang="en-NZ" dirty="0">
+              <a:latin typeface="Lato" panose="020F0502020204030203" pitchFamily="34" charset="0"/>
+              <a:ea typeface="Lato" panose="020F0502020204030203" pitchFamily="34" charset="0"/>
+              <a:cs typeface="Lato" panose="020F0502020204030203" pitchFamily="34" charset="0"/>
+            </a:endParaRPr>
+          </a:p>
+          <a:p>
+            <a:pPr marL="1028700" lvl="1" indent="-342900"/>
+            <a:endParaRPr lang="en-NZ" dirty="0">
+              <a:latin typeface="Lato" panose="020F0502020204030203" pitchFamily="34" charset="0"/>
+              <a:ea typeface="Lato" panose="020F0502020204030203" pitchFamily="34" charset="0"/>
+              <a:cs typeface="Lato" panose="020F0502020204030203" pitchFamily="34" charset="0"/>
+            </a:endParaRPr>
+          </a:p>
+          <a:p>
+            <a:pPr marL="342900" lvl="0" indent="-342900">
+              <a:buSzPct val="100000"/>
+              <a:buFont typeface="Arial" pitchFamily="34"/>
+              <a:buChar char="•"/>
+            </a:pPr>
+            <a:r>
+              <a:rPr lang="en-NZ" sz="2400" dirty="0">
+                <a:latin typeface="Lato" panose="020F0502020204030203" pitchFamily="34" charset="0"/>
+                <a:ea typeface="Lato" panose="020F0502020204030203" pitchFamily="34" charset="0"/>
+                <a:cs typeface="Lato" panose="020F0502020204030203" pitchFamily="34" charset="0"/>
+              </a:rPr>
+              <a:t>DREPL server</a:t>
+            </a:r>
+          </a:p>
+          <a:p>
+            <a:pPr marL="1028700" lvl="1" indent="-342900"/>
+            <a:r>
+              <a:rPr lang="en-NZ" dirty="0">
+                <a:latin typeface="Lato" panose="020F0502020204030203" pitchFamily="34" charset="0"/>
+                <a:ea typeface="Lato" panose="020F0502020204030203" pitchFamily="34" charset="0"/>
+                <a:cs typeface="Lato" panose="020F0502020204030203" pitchFamily="34" charset="0"/>
+              </a:rPr>
+              <a:t>Reading </a:t>
+            </a:r>
+            <a:r>
+              <a:rPr lang="en-NZ" dirty="0" err="1">
+                <a:latin typeface="Lato" panose="020F0502020204030203" pitchFamily="34" charset="0"/>
+                <a:ea typeface="Lato" panose="020F0502020204030203" pitchFamily="34" charset="0"/>
+                <a:cs typeface="Lato" panose="020F0502020204030203" pitchFamily="34" charset="0"/>
+              </a:rPr>
+              <a:t>repsFrom</a:t>
+            </a:r>
+            <a:r>
+              <a:rPr lang="en-NZ" dirty="0">
+                <a:latin typeface="Lato" panose="020F0502020204030203" pitchFamily="34" charset="0"/>
+                <a:ea typeface="Lato" panose="020F0502020204030203" pitchFamily="34" charset="0"/>
+                <a:cs typeface="Lato" panose="020F0502020204030203" pitchFamily="34" charset="0"/>
+              </a:rPr>
+              <a:t> and pulling from the target</a:t>
+            </a:r>
+          </a:p>
+          <a:p>
+            <a:pPr lvl="1" indent="0">
+              <a:buNone/>
+            </a:pPr>
+            <a:endParaRPr lang="en-NZ" dirty="0">
+              <a:latin typeface="Lato" panose="020F0502020204030203" pitchFamily="34" charset="0"/>
+              <a:ea typeface="Lato" panose="020F0502020204030203" pitchFamily="34" charset="0"/>
+              <a:cs typeface="Lato" panose="020F0502020204030203" pitchFamily="34" charset="0"/>
+            </a:endParaRPr>
+          </a:p>
+          <a:p>
+            <a:r>
+              <a:rPr lang="en-NZ" sz="2400" dirty="0">
+                <a:latin typeface="Lato" panose="020F0502020204030203" pitchFamily="34" charset="0"/>
+                <a:ea typeface="Lato" panose="020F0502020204030203" pitchFamily="34" charset="0"/>
+                <a:cs typeface="Lato" panose="020F0502020204030203" pitchFamily="34" charset="0"/>
+              </a:rPr>
+              <a:t>This means it can take some time to propagate.</a:t>
+            </a:r>
+          </a:p>
+          <a:p>
+            <a:pPr marL="342900" lvl="0" indent="-342900">
+              <a:buSzPct val="100000"/>
+              <a:buFont typeface="Arial" pitchFamily="34"/>
+              <a:buChar char="•"/>
+            </a:pPr>
+            <a:endParaRPr lang="en-NZ" sz="2400" dirty="0"/>
+          </a:p>
+        </p:txBody>
+      </p:sp>
+    </p:spTree>
+    <p:extLst>
+      <p:ext uri="{BB962C8B-B14F-4D97-AF65-F5344CB8AC3E}">
+        <p14:creationId xmlns:p14="http://schemas.microsoft.com/office/powerpoint/2010/main" val="1762937167"/>
+      </p:ext>
+    </p:extLst>
+  </p:cSld>
+  <p:clrMapOvr>
+    <a:masterClrMapping/>
+  </p:clrMapOvr>
+</p:sld>
+</file>
+
+<file path=ppt/slides/slide24.xml><?xml version="1.0" encoding="utf-8"?>
 <p:sld xmlns:a="http://schemas.openxmlformats.org/drawingml/2006/main" xmlns:r="http://schemas.openxmlformats.org/officeDocument/2006/relationships" xmlns:p="http://schemas.openxmlformats.org/presentationml/2006/main">
   <p:cSld name="Slide13">
     <p:spTree>
@@ -23213,7 +23734,7 @@
 </p:sld>
 </file>
 
-<file path=ppt/slides/slide24.xml><?xml version="1.0" encoding="utf-8"?>
+<file path=ppt/slides/slide25.xml><?xml version="1.0" encoding="utf-8"?>
 <p:sld xmlns:a="http://schemas.openxmlformats.org/drawingml/2006/main" xmlns:r="http://schemas.openxmlformats.org/officeDocument/2006/relationships" xmlns:p="http://schemas.openxmlformats.org/presentationml/2006/main">
   <p:cSld>
     <p:spTree>
@@ -23858,7 +24379,7 @@
 </p:sld>
 </file>
 
-<file path=ppt/slides/slide25.xml><?xml version="1.0" encoding="utf-8"?>
+<file path=ppt/slides/slide26.xml><?xml version="1.0" encoding="utf-8"?>
 <p:sld xmlns:a="http://schemas.openxmlformats.org/drawingml/2006/main" xmlns:r="http://schemas.openxmlformats.org/officeDocument/2006/relationships" xmlns:p="http://schemas.openxmlformats.org/presentationml/2006/main">
   <p:cSld>
     <p:spTree>
@@ -23982,7 +24503,7 @@
 </p:sld>
 </file>
 
-<file path=ppt/slides/slide26.xml><?xml version="1.0" encoding="utf-8"?>
+<file path=ppt/slides/slide27.xml><?xml version="1.0" encoding="utf-8"?>
 <p:sld xmlns:a="http://schemas.openxmlformats.org/drawingml/2006/main" xmlns:r="http://schemas.openxmlformats.org/officeDocument/2006/relationships" xmlns:p="http://schemas.openxmlformats.org/presentationml/2006/main">
   <p:cSld name="page2">
     <p:spTree>
@@ -24084,7 +24605,7 @@
 </p:sld>
 </file>
 
-<file path=ppt/slides/slide27.xml><?xml version="1.0" encoding="utf-8"?>
+<file path=ppt/slides/slide28.xml><?xml version="1.0" encoding="utf-8"?>
 <p:sld xmlns:a="http://schemas.openxmlformats.org/drawingml/2006/main" xmlns:r="http://schemas.openxmlformats.org/officeDocument/2006/relationships" xmlns:p="http://schemas.openxmlformats.org/presentationml/2006/main">
   <p:cSld name="page3">
     <p:spTree>
@@ -24155,7 +24676,7 @@
 </p:sld>
 </file>
 
-<file path=ppt/slides/slide28.xml><?xml version="1.0" encoding="utf-8"?>
+<file path=ppt/slides/slide29.xml><?xml version="1.0" encoding="utf-8"?>
 <p:sld xmlns:a="http://schemas.openxmlformats.org/drawingml/2006/main" xmlns:r="http://schemas.openxmlformats.org/officeDocument/2006/relationships" xmlns:p="http://schemas.openxmlformats.org/presentationml/2006/main">
   <p:cSld name="page4">
     <p:spTree>
@@ -24236,121 +24757,6 @@
           <a:xfrm>
             <a:off x="6868789" y="3860797"/>
             <a:ext cx="1006480" cy="1006480"/>
-          </a:xfrm>
-          <a:prstGeom prst="rect">
-            <a:avLst/>
-          </a:prstGeom>
-          <a:noFill/>
-          <a:ln cap="flat">
-            <a:noFill/>
-          </a:ln>
-        </p:spPr>
-      </p:pic>
-    </p:spTree>
-  </p:cSld>
-  <p:clrMapOvr>
-    <a:masterClrMapping/>
-  </p:clrMapOvr>
-</p:sld>
-</file>
-
-<file path=ppt/slides/slide29.xml><?xml version="1.0" encoding="utf-8"?>
-<p:sld xmlns:a="http://schemas.openxmlformats.org/drawingml/2006/main" xmlns:r="http://schemas.openxmlformats.org/officeDocument/2006/relationships" xmlns:p="http://schemas.openxmlformats.org/presentationml/2006/main">
-  <p:cSld name="page5">
-    <p:spTree>
-      <p:nvGrpSpPr>
-        <p:cNvPr id="1" name=""/>
-        <p:cNvGrpSpPr/>
-        <p:nvPr/>
-      </p:nvGrpSpPr>
-      <p:grpSpPr>
-        <a:xfrm>
-          <a:off x="0" y="0"/>
-          <a:ext cx="0" cy="0"/>
-          <a:chOff x="0" y="0"/>
-          <a:chExt cx="0" cy="0"/>
-        </a:xfrm>
-      </p:grpSpPr>
-      <p:sp>
-        <p:nvSpPr>
-          <p:cNvPr id="2" name="Title 1"/>
-          <p:cNvSpPr txBox="1">
-            <a:spLocks noGrp="1"/>
-          </p:cNvSpPr>
-          <p:nvPr>
-            <p:ph type="title" idx="4294967295"/>
-          </p:nvPr>
-        </p:nvSpPr>
-        <p:spPr/>
-        <p:txBody>
-          <a:bodyPr/>
-          <a:lstStyle/>
-          <a:p>
-            <a:endParaRPr lang="en-NZ"/>
-          </a:p>
-        </p:txBody>
-      </p:sp>
-      <p:sp>
-        <p:nvSpPr>
-          <p:cNvPr id="3" name="Text Placeholder 2"/>
-          <p:cNvSpPr txBox="1">
-            <a:spLocks noGrp="1"/>
-          </p:cNvSpPr>
-          <p:nvPr>
-            <p:ph type="body" idx="4294967295"/>
-          </p:nvPr>
-        </p:nvSpPr>
-        <p:spPr/>
-        <p:txBody>
-          <a:bodyPr/>
-          <a:lstStyle/>
-          <a:p>
-            <a:pPr lvl="0">
-              <a:buSzPct val="45000"/>
-              <a:buFont typeface="StarSymbol"/>
-              <a:buChar char="●"/>
-            </a:pPr>
-            <a:r>
-              <a:rPr lang="en-NZ"/>
-              <a:t>Internal consitencies, it's hard to say what actually needs to be corrected.</a:t>
-            </a:r>
-          </a:p>
-          <a:p>
-            <a:pPr lvl="0">
-              <a:buSzPct val="45000"/>
-              <a:buFont typeface="StarSymbol"/>
-              <a:buChar char="●"/>
-            </a:pPr>
-            <a:endParaRPr lang="en-NZ"/>
-          </a:p>
-          <a:p>
-            <a:pPr lvl="0">
-              <a:buSzPct val="45000"/>
-              <a:buFont typeface="StarSymbol"/>
-              <a:buChar char="●"/>
-            </a:pPr>
-            <a:endParaRPr lang="en-NZ"/>
-          </a:p>
-        </p:txBody>
-      </p:sp>
-      <p:pic>
-        <p:nvPicPr>
-          <p:cNvPr id="4" name="Picture 6"/>
-          <p:cNvPicPr>
-            <a:picLocks noChangeAspect="1"/>
-          </p:cNvPicPr>
-          <p:nvPr/>
-        </p:nvPicPr>
-        <p:blipFill>
-          <a:blip r:embed="rId3"/>
-          <a:stretch>
-            <a:fillRect/>
-          </a:stretch>
-        </p:blipFill>
-        <p:spPr>
-          <a:xfrm>
-            <a:off x="3500643" y="2736003"/>
-            <a:ext cx="1395356" cy="1882438"/>
           </a:xfrm>
           <a:prstGeom prst="rect">
             <a:avLst/>
@@ -25759,6 +26165,121 @@
 
 <file path=ppt/slides/slide30.xml><?xml version="1.0" encoding="utf-8"?>
 <p:sld xmlns:a="http://schemas.openxmlformats.org/drawingml/2006/main" xmlns:r="http://schemas.openxmlformats.org/officeDocument/2006/relationships" xmlns:p="http://schemas.openxmlformats.org/presentationml/2006/main">
+  <p:cSld name="page5">
+    <p:spTree>
+      <p:nvGrpSpPr>
+        <p:cNvPr id="1" name=""/>
+        <p:cNvGrpSpPr/>
+        <p:nvPr/>
+      </p:nvGrpSpPr>
+      <p:grpSpPr>
+        <a:xfrm>
+          <a:off x="0" y="0"/>
+          <a:ext cx="0" cy="0"/>
+          <a:chOff x="0" y="0"/>
+          <a:chExt cx="0" cy="0"/>
+        </a:xfrm>
+      </p:grpSpPr>
+      <p:sp>
+        <p:nvSpPr>
+          <p:cNvPr id="2" name="Title 1"/>
+          <p:cNvSpPr txBox="1">
+            <a:spLocks noGrp="1"/>
+          </p:cNvSpPr>
+          <p:nvPr>
+            <p:ph type="title" idx="4294967295"/>
+          </p:nvPr>
+        </p:nvSpPr>
+        <p:spPr/>
+        <p:txBody>
+          <a:bodyPr/>
+          <a:lstStyle/>
+          <a:p>
+            <a:endParaRPr lang="en-NZ"/>
+          </a:p>
+        </p:txBody>
+      </p:sp>
+      <p:sp>
+        <p:nvSpPr>
+          <p:cNvPr id="3" name="Text Placeholder 2"/>
+          <p:cNvSpPr txBox="1">
+            <a:spLocks noGrp="1"/>
+          </p:cNvSpPr>
+          <p:nvPr>
+            <p:ph type="body" idx="4294967295"/>
+          </p:nvPr>
+        </p:nvSpPr>
+        <p:spPr/>
+        <p:txBody>
+          <a:bodyPr/>
+          <a:lstStyle/>
+          <a:p>
+            <a:pPr lvl="0">
+              <a:buSzPct val="45000"/>
+              <a:buFont typeface="StarSymbol"/>
+              <a:buChar char="●"/>
+            </a:pPr>
+            <a:r>
+              <a:rPr lang="en-NZ"/>
+              <a:t>Internal consitencies, it's hard to say what actually needs to be corrected.</a:t>
+            </a:r>
+          </a:p>
+          <a:p>
+            <a:pPr lvl="0">
+              <a:buSzPct val="45000"/>
+              <a:buFont typeface="StarSymbol"/>
+              <a:buChar char="●"/>
+            </a:pPr>
+            <a:endParaRPr lang="en-NZ"/>
+          </a:p>
+          <a:p>
+            <a:pPr lvl="0">
+              <a:buSzPct val="45000"/>
+              <a:buFont typeface="StarSymbol"/>
+              <a:buChar char="●"/>
+            </a:pPr>
+            <a:endParaRPr lang="en-NZ"/>
+          </a:p>
+        </p:txBody>
+      </p:sp>
+      <p:pic>
+        <p:nvPicPr>
+          <p:cNvPr id="4" name="Picture 6"/>
+          <p:cNvPicPr>
+            <a:picLocks noChangeAspect="1"/>
+          </p:cNvPicPr>
+          <p:nvPr/>
+        </p:nvPicPr>
+        <p:blipFill>
+          <a:blip r:embed="rId3"/>
+          <a:stretch>
+            <a:fillRect/>
+          </a:stretch>
+        </p:blipFill>
+        <p:spPr>
+          <a:xfrm>
+            <a:off x="3500643" y="2736003"/>
+            <a:ext cx="1395356" cy="1882438"/>
+          </a:xfrm>
+          <a:prstGeom prst="rect">
+            <a:avLst/>
+          </a:prstGeom>
+          <a:noFill/>
+          <a:ln cap="flat">
+            <a:noFill/>
+          </a:ln>
+        </p:spPr>
+      </p:pic>
+    </p:spTree>
+  </p:cSld>
+  <p:clrMapOvr>
+    <a:masterClrMapping/>
+  </p:clrMapOvr>
+</p:sld>
+</file>
+
+<file path=ppt/slides/slide31.xml><?xml version="1.0" encoding="utf-8"?>
+<p:sld xmlns:a="http://schemas.openxmlformats.org/drawingml/2006/main" xmlns:r="http://schemas.openxmlformats.org/officeDocument/2006/relationships" xmlns:p="http://schemas.openxmlformats.org/presentationml/2006/main">
   <p:cSld name="page6">
     <p:spTree>
       <p:nvGrpSpPr>
@@ -25971,7 +26492,7 @@
 </p:sld>
 </file>
 
-<file path=ppt/slides/slide31.xml><?xml version="1.0" encoding="utf-8"?>
+<file path=ppt/slides/slide32.xml><?xml version="1.0" encoding="utf-8"?>
 <p:sld xmlns:a="http://schemas.openxmlformats.org/drawingml/2006/main" xmlns:r="http://schemas.openxmlformats.org/officeDocument/2006/relationships" xmlns:p="http://schemas.openxmlformats.org/presentationml/2006/main">
   <p:cSld name="page7">
     <p:spTree>
@@ -26086,7 +26607,7 @@
 </p:sld>
 </file>
 
-<file path=ppt/slides/slide32.xml><?xml version="1.0" encoding="utf-8"?>
+<file path=ppt/slides/slide33.xml><?xml version="1.0" encoding="utf-8"?>
 <p:sld xmlns:a="http://schemas.openxmlformats.org/drawingml/2006/main" xmlns:r="http://schemas.openxmlformats.org/officeDocument/2006/relationships" xmlns:p="http://schemas.openxmlformats.org/presentationml/2006/main">
   <p:cSld name="page8">
     <p:spTree>
@@ -26212,7 +26733,7 @@
 </p:sld>
 </file>
 
-<file path=ppt/slides/slide33.xml><?xml version="1.0" encoding="utf-8"?>
+<file path=ppt/slides/slide34.xml><?xml version="1.0" encoding="utf-8"?>
 <p:sld xmlns:a="http://schemas.openxmlformats.org/drawingml/2006/main" xmlns:r="http://schemas.openxmlformats.org/officeDocument/2006/relationships" xmlns:p="http://schemas.openxmlformats.org/presentationml/2006/main">
   <p:cSld name="page9">
     <p:spTree>
@@ -35737,7 +36258,7 @@
 
 <file path=ppt/slides/slide9.xml><?xml version="1.0" encoding="utf-8"?>
 <p:sld xmlns:a="http://schemas.openxmlformats.org/drawingml/2006/main" xmlns:r="http://schemas.openxmlformats.org/officeDocument/2006/relationships" xmlns:p="http://schemas.openxmlformats.org/presentationml/2006/main">
-  <p:cSld>
+  <p:cSld name="Slide14">
     <p:spTree>
       <p:nvGrpSpPr>
         <p:cNvPr id="1" name=""/>
@@ -35754,7 +36275,7 @@
       </p:grpSpPr>
       <p:sp>
         <p:nvSpPr>
-          <p:cNvPr id="2" name="Title 1"/>
+          <p:cNvPr id="3" name="Title 1"/>
           <p:cNvSpPr txBox="1">
             <a:spLocks noGrp="1"/>
           </p:cNvSpPr>
@@ -35774,7 +36295,7 @@
           <a:p>
             <a:pPr lvl="0"/>
             <a:r>
-              <a:rPr lang="en-NZ" sz="3200" b="1" dirty="0">
+              <a:rPr lang="en-NZ" sz="3200" b="1">
                 <a:solidFill>
                   <a:srgbClr val="BB2025"/>
                 </a:solidFill>
@@ -35782,14 +36303,14 @@
                 <a:ea typeface="Lato" pitchFamily="34"/>
                 <a:cs typeface="Lato" pitchFamily="34"/>
               </a:rPr>
-              <a:t>Stages of the algorithm</a:t>
+              <a:t>Intra-site algorithm</a:t>
             </a:r>
           </a:p>
         </p:txBody>
       </p:sp>
       <p:sp>
         <p:nvSpPr>
-          <p:cNvPr id="3" name="Text Placeholder 2"/>
+          <p:cNvPr id="4" name="Text Placeholder 2"/>
           <p:cNvSpPr txBox="1">
             <a:spLocks noGrp="1"/>
           </p:cNvSpPr>
@@ -35813,51 +36334,400 @@
               <a:buChar char="•"/>
             </a:pPr>
             <a:r>
-              <a:rPr lang="en-NZ" sz="2400" dirty="0"/>
-              <a:t>Intra-site algorithm</a:t>
+              <a:rPr lang="en-NZ" sz="2400"/>
+              <a:t>Ring topology, with a few extra connections</a:t>
             </a:r>
           </a:p>
-          <a:p>
-            <a:pPr marL="342900" lvl="0" indent="-342900">
-              <a:buSzPct val="100000"/>
-              <a:buFont typeface="Arial" pitchFamily="34"/>
-              <a:buChar char="•"/>
+        </p:txBody>
+      </p:sp>
+      <p:sp>
+        <p:nvSpPr>
+          <p:cNvPr id="5" name="Oval 17"/>
+          <p:cNvSpPr/>
+          <p:nvPr/>
+        </p:nvSpPr>
+        <p:spPr>
+          <a:xfrm>
+            <a:off x="3210961" y="2448644"/>
+            <a:ext cx="3600001" cy="3600001"/>
+          </a:xfrm>
+          <a:custGeom>
+            <a:avLst/>
+            <a:gdLst>
+              <a:gd name="f0" fmla="val 21600000"/>
+              <a:gd name="f1" fmla="val 10800000"/>
+              <a:gd name="f2" fmla="val 5400000"/>
+              <a:gd name="f3" fmla="val 180"/>
+              <a:gd name="f4" fmla="val w"/>
+              <a:gd name="f5" fmla="val h"/>
+              <a:gd name="f6" fmla="val ss"/>
+              <a:gd name="f7" fmla="val 0"/>
+              <a:gd name="f8" fmla="*/ 5419351 1 1725033"/>
+              <a:gd name="f9" fmla="+- 0 0 -360"/>
+              <a:gd name="f10" fmla="+- 0 0 -180"/>
+              <a:gd name="f11" fmla="abs f4"/>
+              <a:gd name="f12" fmla="abs f5"/>
+              <a:gd name="f13" fmla="abs f6"/>
+              <a:gd name="f14" fmla="+- 2700000 f2 0"/>
+              <a:gd name="f15" fmla="*/ f9 f1 1"/>
+              <a:gd name="f16" fmla="*/ f10 f1 1"/>
+              <a:gd name="f17" fmla="?: f11 f4 1"/>
+              <a:gd name="f18" fmla="?: f12 f5 1"/>
+              <a:gd name="f19" fmla="?: f13 f6 1"/>
+              <a:gd name="f20" fmla="+- f14 0 f2"/>
+              <a:gd name="f21" fmla="*/ f15 1 f3"/>
+              <a:gd name="f22" fmla="*/ f16 1 f3"/>
+              <a:gd name="f23" fmla="*/ f17 1 21600"/>
+              <a:gd name="f24" fmla="*/ f18 1 21600"/>
+              <a:gd name="f25" fmla="*/ 21600 f17 1"/>
+              <a:gd name="f26" fmla="*/ 21600 f18 1"/>
+              <a:gd name="f27" fmla="+- f20 f2 0"/>
+              <a:gd name="f28" fmla="+- f21 0 f2"/>
+              <a:gd name="f29" fmla="+- f22 0 f2"/>
+              <a:gd name="f30" fmla="min f24 f23"/>
+              <a:gd name="f31" fmla="*/ f25 1 f19"/>
+              <a:gd name="f32" fmla="*/ f26 1 f19"/>
+              <a:gd name="f33" fmla="*/ f27 f8 1"/>
+              <a:gd name="f34" fmla="val f31"/>
+              <a:gd name="f35" fmla="val f32"/>
+              <a:gd name="f36" fmla="*/ f33 1 f1"/>
+              <a:gd name="f37" fmla="*/ f7 f30 1"/>
+              <a:gd name="f38" fmla="+- f35 0 f7"/>
+              <a:gd name="f39" fmla="+- f34 0 f7"/>
+              <a:gd name="f40" fmla="+- 0 0 f36"/>
+              <a:gd name="f41" fmla="*/ f38 1 2"/>
+              <a:gd name="f42" fmla="*/ f39 1 2"/>
+              <a:gd name="f43" fmla="+- 0 0 f40"/>
+              <a:gd name="f44" fmla="+- f7 f41 0"/>
+              <a:gd name="f45" fmla="+- f7 f42 0"/>
+              <a:gd name="f46" fmla="*/ f43 f1 1"/>
+              <a:gd name="f47" fmla="*/ f42 f30 1"/>
+              <a:gd name="f48" fmla="*/ f41 f30 1"/>
+              <a:gd name="f49" fmla="*/ f46 1 f8"/>
+              <a:gd name="f50" fmla="*/ f44 f30 1"/>
+              <a:gd name="f51" fmla="+- f49 0 f2"/>
+              <a:gd name="f52" fmla="cos 1 f51"/>
+              <a:gd name="f53" fmla="sin 1 f51"/>
+              <a:gd name="f54" fmla="+- 0 0 f52"/>
+              <a:gd name="f55" fmla="+- 0 0 f53"/>
+              <a:gd name="f56" fmla="+- 0 0 f54"/>
+              <a:gd name="f57" fmla="+- 0 0 f55"/>
+              <a:gd name="f58" fmla="val f56"/>
+              <a:gd name="f59" fmla="val f57"/>
+              <a:gd name="f60" fmla="*/ f58 f42 1"/>
+              <a:gd name="f61" fmla="*/ f59 f41 1"/>
+              <a:gd name="f62" fmla="+- f45 0 f60"/>
+              <a:gd name="f63" fmla="+- f45 f60 0"/>
+              <a:gd name="f64" fmla="+- f44 0 f61"/>
+              <a:gd name="f65" fmla="+- f44 f61 0"/>
+              <a:gd name="f66" fmla="*/ f62 f30 1"/>
+              <a:gd name="f67" fmla="*/ f64 f30 1"/>
+              <a:gd name="f68" fmla="*/ f63 f30 1"/>
+              <a:gd name="f69" fmla="*/ f65 f30 1"/>
+            </a:gdLst>
+            <a:ahLst/>
+            <a:cxnLst>
+              <a:cxn ang="3cd4">
+                <a:pos x="hc" y="t"/>
+              </a:cxn>
+              <a:cxn ang="0">
+                <a:pos x="r" y="vc"/>
+              </a:cxn>
+              <a:cxn ang="cd4">
+                <a:pos x="hc" y="b"/>
+              </a:cxn>
+              <a:cxn ang="cd2">
+                <a:pos x="l" y="vc"/>
+              </a:cxn>
+              <a:cxn ang="f28">
+                <a:pos x="f66" y="f67"/>
+              </a:cxn>
+              <a:cxn ang="f29">
+                <a:pos x="f66" y="f69"/>
+              </a:cxn>
+              <a:cxn ang="f29">
+                <a:pos x="f68" y="f69"/>
+              </a:cxn>
+              <a:cxn ang="f28">
+                <a:pos x="f68" y="f67"/>
+              </a:cxn>
+            </a:cxnLst>
+            <a:rect l="f66" t="f67" r="f68" b="f69"/>
+            <a:pathLst>
+              <a:path>
+                <a:moveTo>
+                  <a:pt x="f37" y="f50"/>
+                </a:moveTo>
+                <a:arcTo wR="f47" hR="f48" stAng="f1" swAng="f0"/>
+                <a:close/>
+              </a:path>
+            </a:pathLst>
+          </a:custGeom>
+          <a:solidFill>
+            <a:srgbClr val="A9D18E">
+              <a:alpha val="34000"/>
+            </a:srgbClr>
+          </a:solidFill>
+          <a:ln w="12701" cap="flat">
+            <a:solidFill>
+              <a:srgbClr val="404040"/>
+            </a:solidFill>
+            <a:prstDash val="solid"/>
+            <a:miter/>
+          </a:ln>
+        </p:spPr>
+        <p:txBody>
+          <a:bodyPr vert="horz" wrap="square" lIns="91440" tIns="45720" rIns="91440" bIns="45720" anchor="ctr" anchorCtr="1" compatLnSpc="1">
+            <a:noAutofit/>
+          </a:bodyPr>
+          <a:lstStyle/>
+          <a:p>
+            <a:pPr marL="0" marR="0" lvl="0" indent="0" algn="ctr" defTabSz="914400" rtl="0" fontAlgn="auto" hangingPunct="1">
+              <a:lnSpc>
+                <a:spcPct val="100000"/>
+              </a:lnSpc>
+              <a:spcBef>
+                <a:spcPts val="0"/>
+              </a:spcBef>
+              <a:spcAft>
+                <a:spcPts val="0"/>
+              </a:spcAft>
+              <a:buNone/>
+              <a:tabLst/>
+              <a:defRPr sz="1800" b="0" i="0" u="none" strike="noStrike" kern="0" cap="none" spc="0" baseline="0">
+                <a:solidFill>
+                  <a:srgbClr val="000000"/>
+                </a:solidFill>
+                <a:uFillTx/>
+              </a:defRPr>
             </a:pPr>
-            <a:r>
-              <a:rPr lang="en-NZ" sz="2400" dirty="0"/>
-              <a:t>Inter-site algorithm</a:t>
-            </a:r>
-          </a:p>
-          <a:p>
-            <a:pPr marL="342900" lvl="0" indent="-342900">
-              <a:buSzPct val="100000"/>
-              <a:buFont typeface="Arial" pitchFamily="34"/>
-              <a:buChar char="•"/>
-            </a:pPr>
-            <a:r>
-              <a:rPr lang="en-NZ" sz="2400" dirty="0"/>
-              <a:t>Removing unneeded connections</a:t>
-            </a:r>
-          </a:p>
-          <a:p>
-            <a:pPr marL="342900" lvl="0" indent="-342900">
-              <a:buSzPct val="100000"/>
-              <a:buFont typeface="Arial" pitchFamily="34"/>
-              <a:buChar char="•"/>
-            </a:pPr>
-            <a:r>
-              <a:rPr lang="en-NZ" sz="2400" dirty="0"/>
-              <a:t>Translate connections</a:t>
-            </a:r>
+            <a:endParaRPr lang="en-NZ" sz="1800" b="0" i="0" u="none" strike="noStrike" kern="1200" cap="none" spc="0" baseline="0">
+              <a:solidFill>
+                <a:srgbClr val="FFFFFF"/>
+              </a:solidFill>
+              <a:uFillTx/>
+              <a:latin typeface="Calibri"/>
+            </a:endParaRPr>
           </a:p>
         </p:txBody>
       </p:sp>
+      <p:cxnSp>
+        <p:nvCxnSpPr>
+          <p:cNvPr id="6" name="Straight Connector 21"/>
+          <p:cNvCxnSpPr/>
+          <p:nvPr/>
+        </p:nvCxnSpPr>
+        <p:spPr>
+          <a:xfrm flipV="1">
+            <a:off x="3701975" y="3356872"/>
+            <a:ext cx="904772" cy="869923"/>
+          </a:xfrm>
+          <a:prstGeom prst="straightConnector1">
+            <a:avLst/>
+          </a:prstGeom>
+          <a:noFill/>
+          <a:ln w="38103" cap="flat">
+            <a:solidFill>
+              <a:srgbClr val="92D050"/>
+            </a:solidFill>
+            <a:prstDash val="solid"/>
+            <a:miter/>
+            <a:headEnd type="arrow"/>
+            <a:tailEnd type="arrow"/>
+          </a:ln>
+        </p:spPr>
+      </p:cxnSp>
+      <p:pic>
+        <p:nvPicPr>
+          <p:cNvPr id="7" name="Picture 6"/>
+          <p:cNvPicPr>
+            <a:picLocks noChangeAspect="1"/>
+          </p:cNvPicPr>
+          <p:nvPr/>
+        </p:nvPicPr>
+        <p:blipFill>
+          <a:blip r:embed="rId3"/>
+          <a:stretch>
+            <a:fillRect/>
+          </a:stretch>
+        </p:blipFill>
+        <p:spPr>
+          <a:xfrm>
+            <a:off x="4524780" y="2806668"/>
+            <a:ext cx="684675" cy="923681"/>
+          </a:xfrm>
+          <a:prstGeom prst="rect">
+            <a:avLst/>
+          </a:prstGeom>
+          <a:noFill/>
+          <a:ln cap="flat">
+            <a:noFill/>
+          </a:ln>
+        </p:spPr>
+      </p:pic>
+      <p:pic>
+        <p:nvPicPr>
+          <p:cNvPr id="8" name="Picture 6"/>
+          <p:cNvPicPr>
+            <a:picLocks noChangeAspect="1"/>
+          </p:cNvPicPr>
+          <p:nvPr/>
+        </p:nvPicPr>
+        <p:blipFill>
+          <a:blip r:embed="rId3"/>
+          <a:stretch>
+            <a:fillRect/>
+          </a:stretch>
+        </p:blipFill>
+        <p:spPr>
+          <a:xfrm>
+            <a:off x="4829266" y="4555257"/>
+            <a:ext cx="726957" cy="980721"/>
+          </a:xfrm>
+          <a:prstGeom prst="rect">
+            <a:avLst/>
+          </a:prstGeom>
+          <a:noFill/>
+          <a:ln cap="flat">
+            <a:noFill/>
+          </a:ln>
+        </p:spPr>
+      </p:pic>
+      <p:cxnSp>
+        <p:nvCxnSpPr>
+          <p:cNvPr id="9" name="Straight Connector 20"/>
+          <p:cNvCxnSpPr/>
+          <p:nvPr/>
+        </p:nvCxnSpPr>
+        <p:spPr>
+          <a:xfrm>
+            <a:off x="4990182" y="3417542"/>
+            <a:ext cx="800374" cy="435318"/>
+          </a:xfrm>
+          <a:prstGeom prst="straightConnector1">
+            <a:avLst/>
+          </a:prstGeom>
+          <a:noFill/>
+          <a:ln w="38103" cap="flat">
+            <a:solidFill>
+              <a:srgbClr val="92D050"/>
+            </a:solidFill>
+            <a:prstDash val="solid"/>
+            <a:miter/>
+            <a:headEnd type="arrow"/>
+            <a:tailEnd type="arrow"/>
+          </a:ln>
+        </p:spPr>
+      </p:cxnSp>
+      <p:cxnSp>
+        <p:nvCxnSpPr>
+          <p:cNvPr id="10" name="Straight Connector 24"/>
+          <p:cNvCxnSpPr/>
+          <p:nvPr/>
+        </p:nvCxnSpPr>
+        <p:spPr>
+          <a:xfrm flipV="1">
+            <a:off x="5360084" y="4154814"/>
+            <a:ext cx="904781" cy="869932"/>
+          </a:xfrm>
+          <a:prstGeom prst="straightConnector1">
+            <a:avLst/>
+          </a:prstGeom>
+          <a:noFill/>
+          <a:ln w="38103" cap="flat">
+            <a:solidFill>
+              <a:srgbClr val="92D050"/>
+            </a:solidFill>
+            <a:prstDash val="solid"/>
+            <a:miter/>
+            <a:headEnd type="arrow"/>
+            <a:tailEnd type="arrow"/>
+          </a:ln>
+        </p:spPr>
+      </p:cxnSp>
+      <p:pic>
+        <p:nvPicPr>
+          <p:cNvPr id="11" name="Picture 6"/>
+          <p:cNvPicPr>
+            <a:picLocks noChangeAspect="1"/>
+          </p:cNvPicPr>
+          <p:nvPr/>
+        </p:nvPicPr>
+        <p:blipFill>
+          <a:blip r:embed="rId3"/>
+          <a:stretch>
+            <a:fillRect/>
+          </a:stretch>
+        </p:blipFill>
+        <p:spPr>
+          <a:xfrm>
+            <a:off x="3504803" y="3831957"/>
+            <a:ext cx="726957" cy="980721"/>
+          </a:xfrm>
+          <a:prstGeom prst="rect">
+            <a:avLst/>
+          </a:prstGeom>
+          <a:noFill/>
+          <a:ln cap="flat">
+            <a:noFill/>
+          </a:ln>
+        </p:spPr>
+      </p:pic>
+      <p:cxnSp>
+        <p:nvCxnSpPr>
+          <p:cNvPr id="12" name="Straight Connector 23"/>
+          <p:cNvCxnSpPr/>
+          <p:nvPr/>
+        </p:nvCxnSpPr>
+        <p:spPr>
+          <a:xfrm>
+            <a:off x="4013731" y="4524853"/>
+            <a:ext cx="800127" cy="520760"/>
+          </a:xfrm>
+          <a:prstGeom prst="straightConnector1">
+            <a:avLst/>
+          </a:prstGeom>
+          <a:noFill/>
+          <a:ln w="38103" cap="flat">
+            <a:solidFill>
+              <a:srgbClr val="92D050"/>
+            </a:solidFill>
+            <a:prstDash val="solid"/>
+            <a:miter/>
+            <a:headEnd type="arrow"/>
+            <a:tailEnd type="arrow"/>
+          </a:ln>
+        </p:spPr>
+      </p:cxnSp>
+      <p:pic>
+        <p:nvPicPr>
+          <p:cNvPr id="2" name="Picture 6"/>
+          <p:cNvPicPr>
+            <a:picLocks noChangeAspect="1"/>
+          </p:cNvPicPr>
+          <p:nvPr/>
+        </p:nvPicPr>
+        <p:blipFill>
+          <a:blip r:embed="rId3"/>
+          <a:stretch>
+            <a:fillRect/>
+          </a:stretch>
+        </p:blipFill>
+        <p:spPr>
+          <a:xfrm>
+            <a:off x="5790556" y="3473174"/>
+            <a:ext cx="726957" cy="980721"/>
+          </a:xfrm>
+          <a:prstGeom prst="rect">
+            <a:avLst/>
+          </a:prstGeom>
+          <a:noFill/>
+          <a:ln cap="flat">
+            <a:noFill/>
+          </a:ln>
+        </p:spPr>
+      </p:pic>
     </p:spTree>
-    <p:extLst>
-      <p:ext uri="{BB962C8B-B14F-4D97-AF65-F5344CB8AC3E}">
-        <p14:creationId xmlns:p14="http://schemas.microsoft.com/office/powerpoint/2010/main" val="1762937167"/>
-      </p:ext>
-    </p:extLst>
   </p:cSld>
   <p:clrMapOvr>
     <a:masterClrMapping/>

--- a/Samba KCC.pptx
+++ b/Samba KCC.pptx
@@ -6,10 +6,10 @@
     <p:sldMasterId id="2147483660" r:id="rId2"/>
   </p:sldMasterIdLst>
   <p:notesMasterIdLst>
-    <p:notesMasterId r:id="rId37"/>
+    <p:notesMasterId r:id="rId39"/>
   </p:notesMasterIdLst>
   <p:handoutMasterIdLst>
-    <p:handoutMasterId r:id="rId38"/>
+    <p:handoutMasterId r:id="rId40"/>
   </p:handoutMasterIdLst>
   <p:sldIdLst>
     <p:sldId id="256" r:id="rId3"/>
@@ -23,29 +23,31 @@
     <p:sldId id="269" r:id="rId11"/>
     <p:sldId id="282" r:id="rId12"/>
     <p:sldId id="290" r:id="rId13"/>
-    <p:sldId id="280" r:id="rId14"/>
-    <p:sldId id="266" r:id="rId15"/>
-    <p:sldId id="271" r:id="rId16"/>
-    <p:sldId id="281" r:id="rId17"/>
-    <p:sldId id="270" r:id="rId18"/>
-    <p:sldId id="283" r:id="rId19"/>
-    <p:sldId id="286" r:id="rId20"/>
-    <p:sldId id="287" r:id="rId21"/>
-    <p:sldId id="288" r:id="rId22"/>
-    <p:sldId id="289" r:id="rId23"/>
-    <p:sldId id="285" r:id="rId24"/>
-    <p:sldId id="284" r:id="rId25"/>
-    <p:sldId id="268" r:id="rId26"/>
-    <p:sldId id="277" r:id="rId27"/>
-    <p:sldId id="278" r:id="rId28"/>
-    <p:sldId id="257" r:id="rId29"/>
-    <p:sldId id="258" r:id="rId30"/>
-    <p:sldId id="259" r:id="rId31"/>
-    <p:sldId id="260" r:id="rId32"/>
-    <p:sldId id="261" r:id="rId33"/>
-    <p:sldId id="262" r:id="rId34"/>
-    <p:sldId id="263" r:id="rId35"/>
-    <p:sldId id="264" r:id="rId36"/>
+    <p:sldId id="291" r:id="rId14"/>
+    <p:sldId id="280" r:id="rId15"/>
+    <p:sldId id="266" r:id="rId16"/>
+    <p:sldId id="271" r:id="rId17"/>
+    <p:sldId id="281" r:id="rId18"/>
+    <p:sldId id="270" r:id="rId19"/>
+    <p:sldId id="283" r:id="rId20"/>
+    <p:sldId id="286" r:id="rId21"/>
+    <p:sldId id="287" r:id="rId22"/>
+    <p:sldId id="288" r:id="rId23"/>
+    <p:sldId id="289" r:id="rId24"/>
+    <p:sldId id="285" r:id="rId25"/>
+    <p:sldId id="284" r:id="rId26"/>
+    <p:sldId id="268" r:id="rId27"/>
+    <p:sldId id="277" r:id="rId28"/>
+    <p:sldId id="278" r:id="rId29"/>
+    <p:sldId id="292" r:id="rId30"/>
+    <p:sldId id="293" r:id="rId31"/>
+    <p:sldId id="258" r:id="rId32"/>
+    <p:sldId id="259" r:id="rId33"/>
+    <p:sldId id="260" r:id="rId34"/>
+    <p:sldId id="261" r:id="rId35"/>
+    <p:sldId id="262" r:id="rId36"/>
+    <p:sldId id="263" r:id="rId37"/>
+    <p:sldId id="264" r:id="rId38"/>
   </p:sldIdLst>
   <p:sldSz cx="10080625" cy="7559675"/>
   <p:notesSz cx="7559675" cy="10691813"/>
@@ -1497,7 +1499,7 @@
                 <a:uFillTx/>
               </a:defRPr>
             </a:pPr>
-            <a:fld id="{CF0A81AA-8700-4881-81ED-A9A44CB52632}" type="slidenum">
+            <a:fld id="{2EDBE238-B750-4D8A-90B8-9DA44F87284D}" type="slidenum">
               <a:t>12</a:t>
             </a:fld>
             <a:endParaRPr lang="en-NZ" sz="1400" b="0" i="0" u="none" strike="noStrike" kern="1200" cap="none" spc="0" baseline="0">
@@ -1556,7 +1558,7 @@
                 <a:uFillTx/>
               </a:defRPr>
             </a:pPr>
-            <a:fld id="{FA7FB445-E8F2-4DBD-B0AF-DB29FC589CF1}" type="slidenum">
+            <a:fld id="{697E85B5-6BE2-4159-967C-C523EF37BB82}" type="slidenum">
               <a:t>12</a:t>
             </a:fld>
             <a:endParaRPr lang="en-NZ" sz="1400" b="0" i="0" u="none" strike="noStrike" kern="1200" cap="none" spc="0" baseline="0">
@@ -1620,7 +1622,7 @@
     </p:spTree>
     <p:extLst>
       <p:ext uri="{BB962C8B-B14F-4D97-AF65-F5344CB8AC3E}">
-        <p14:creationId xmlns:p14="http://schemas.microsoft.com/office/powerpoint/2010/main" val="2996002707"/>
+        <p14:creationId xmlns:p14="http://schemas.microsoft.com/office/powerpoint/2010/main" val="2528990572"/>
       </p:ext>
     </p:extLst>
   </p:cSld>
@@ -1691,7 +1693,7 @@
                 <a:uFillTx/>
               </a:defRPr>
             </a:pPr>
-            <a:fld id="{DB39CE4C-9187-46EF-9A89-A3E35021D733}" type="slidenum">
+            <a:fld id="{CF0A81AA-8700-4881-81ED-A9A44CB52632}" type="slidenum">
               <a:t>13</a:t>
             </a:fld>
             <a:endParaRPr lang="en-NZ" sz="1400" b="0" i="0" u="none" strike="noStrike" kern="1200" cap="none" spc="0" baseline="0">
@@ -1750,7 +1752,7 @@
                 <a:uFillTx/>
               </a:defRPr>
             </a:pPr>
-            <a:fld id="{A98AB782-0BC3-42D3-AD88-1CDF4EE96A2D}" type="slidenum">
+            <a:fld id="{FA7FB445-E8F2-4DBD-B0AF-DB29FC589CF1}" type="slidenum">
               <a:t>13</a:t>
             </a:fld>
             <a:endParaRPr lang="en-NZ" sz="1400" b="0" i="0" u="none" strike="noStrike" kern="1200" cap="none" spc="0" baseline="0">
@@ -1812,6 +1814,11 @@
         </p:txBody>
       </p:sp>
     </p:spTree>
+    <p:extLst>
+      <p:ext uri="{BB962C8B-B14F-4D97-AF65-F5344CB8AC3E}">
+        <p14:creationId xmlns:p14="http://schemas.microsoft.com/office/powerpoint/2010/main" val="2996002707"/>
+      </p:ext>
+    </p:extLst>
   </p:cSld>
   <p:clrMapOvr>
     <a:masterClrMapping/>
@@ -1880,7 +1887,7 @@
                 <a:uFillTx/>
               </a:defRPr>
             </a:pPr>
-            <a:fld id="{606CF5B7-B7F1-4EDA-89E0-1FB7714AD606}" type="slidenum">
+            <a:fld id="{DB39CE4C-9187-46EF-9A89-A3E35021D733}" type="slidenum">
               <a:t>14</a:t>
             </a:fld>
             <a:endParaRPr lang="en-NZ" sz="1400" b="0" i="0" u="none" strike="noStrike" kern="1200" cap="none" spc="0" baseline="0">
@@ -1939,7 +1946,7 @@
                 <a:uFillTx/>
               </a:defRPr>
             </a:pPr>
-            <a:fld id="{863C7C25-44B6-40E2-AD5A-FED345940C3A}" type="slidenum">
+            <a:fld id="{A98AB782-0BC3-42D3-AD88-1CDF4EE96A2D}" type="slidenum">
               <a:t>14</a:t>
             </a:fld>
             <a:endParaRPr lang="en-NZ" sz="1400" b="0" i="0" u="none" strike="noStrike" kern="1200" cap="none" spc="0" baseline="0">
@@ -2190,11 +2197,6 @@
         </p:txBody>
       </p:sp>
     </p:spTree>
-    <p:extLst>
-      <p:ext uri="{BB962C8B-B14F-4D97-AF65-F5344CB8AC3E}">
-        <p14:creationId xmlns:p14="http://schemas.microsoft.com/office/powerpoint/2010/main" val="1028703589"/>
-      </p:ext>
-    </p:extLst>
   </p:cSld>
   <p:clrMapOvr>
     <a:masterClrMapping/>
@@ -2263,7 +2265,7 @@
                 <a:uFillTx/>
               </a:defRPr>
             </a:pPr>
-            <a:fld id="{5E53B425-2352-4303-891A-A6358B994A24}" type="slidenum">
+            <a:fld id="{606CF5B7-B7F1-4EDA-89E0-1FB7714AD606}" type="slidenum">
               <a:t>16</a:t>
             </a:fld>
             <a:endParaRPr lang="en-NZ" sz="1400" b="0" i="0" u="none" strike="noStrike" kern="1200" cap="none" spc="0" baseline="0">
@@ -2322,7 +2324,7 @@
                 <a:uFillTx/>
               </a:defRPr>
             </a:pPr>
-            <a:fld id="{3A2EA5CD-E144-45FA-8121-B30DF773FFFB}" type="slidenum">
+            <a:fld id="{863C7C25-44B6-40E2-AD5A-FED345940C3A}" type="slidenum">
               <a:t>16</a:t>
             </a:fld>
             <a:endParaRPr lang="en-NZ" sz="1400" b="0" i="0" u="none" strike="noStrike" kern="1200" cap="none" spc="0" baseline="0">
@@ -2384,6 +2386,11 @@
         </p:txBody>
       </p:sp>
     </p:spTree>
+    <p:extLst>
+      <p:ext uri="{BB962C8B-B14F-4D97-AF65-F5344CB8AC3E}">
+        <p14:creationId xmlns:p14="http://schemas.microsoft.com/office/powerpoint/2010/main" val="1028703589"/>
+      </p:ext>
+    </p:extLst>
   </p:cSld>
   <p:clrMapOvr>
     <a:masterClrMapping/>
@@ -2573,11 +2580,6 @@
         </p:txBody>
       </p:sp>
     </p:spTree>
-    <p:extLst>
-      <p:ext uri="{BB962C8B-B14F-4D97-AF65-F5344CB8AC3E}">
-        <p14:creationId xmlns:p14="http://schemas.microsoft.com/office/powerpoint/2010/main" val="1751062652"/>
-      </p:ext>
-    </p:extLst>
   </p:cSld>
   <p:clrMapOvr>
     <a:masterClrMapping/>
@@ -2769,7 +2771,7 @@
     </p:spTree>
     <p:extLst>
       <p:ext uri="{BB962C8B-B14F-4D97-AF65-F5344CB8AC3E}">
-        <p14:creationId xmlns:p14="http://schemas.microsoft.com/office/powerpoint/2010/main" val="2164758113"/>
+        <p14:creationId xmlns:p14="http://schemas.microsoft.com/office/powerpoint/2010/main" val="1751062652"/>
       </p:ext>
     </p:extLst>
   </p:cSld>
@@ -2963,7 +2965,7 @@
     </p:spTree>
     <p:extLst>
       <p:ext uri="{BB962C8B-B14F-4D97-AF65-F5344CB8AC3E}">
-        <p14:creationId xmlns:p14="http://schemas.microsoft.com/office/powerpoint/2010/main" val="160687490"/>
+        <p14:creationId xmlns:p14="http://schemas.microsoft.com/office/powerpoint/2010/main" val="2164758113"/>
       </p:ext>
     </p:extLst>
   </p:cSld>
@@ -3346,7 +3348,7 @@
     </p:spTree>
     <p:extLst>
       <p:ext uri="{BB962C8B-B14F-4D97-AF65-F5344CB8AC3E}">
-        <p14:creationId xmlns:p14="http://schemas.microsoft.com/office/powerpoint/2010/main" val="1149472035"/>
+        <p14:creationId xmlns:p14="http://schemas.microsoft.com/office/powerpoint/2010/main" val="160687490"/>
       </p:ext>
     </p:extLst>
   </p:cSld>
@@ -3540,7 +3542,7 @@
     </p:spTree>
     <p:extLst>
       <p:ext uri="{BB962C8B-B14F-4D97-AF65-F5344CB8AC3E}">
-        <p14:creationId xmlns:p14="http://schemas.microsoft.com/office/powerpoint/2010/main" val="523227784"/>
+        <p14:creationId xmlns:p14="http://schemas.microsoft.com/office/powerpoint/2010/main" val="1149472035"/>
       </p:ext>
     </p:extLst>
   </p:cSld>
@@ -3611,7 +3613,7 @@
                 <a:uFillTx/>
               </a:defRPr>
             </a:pPr>
-            <a:fld id="{69D600D6-0C92-48D1-82A9-DB3322E2A1BF}" type="slidenum">
+            <a:fld id="{5E53B425-2352-4303-891A-A6358B994A24}" type="slidenum">
               <a:t>22</a:t>
             </a:fld>
             <a:endParaRPr lang="en-NZ" sz="1400" b="0" i="0" u="none" strike="noStrike" kern="1200" cap="none" spc="0" baseline="0">
@@ -3670,7 +3672,7 @@
                 <a:uFillTx/>
               </a:defRPr>
             </a:pPr>
-            <a:fld id="{9D449FC5-867B-43AA-94F7-664EBA03580E}" type="slidenum">
+            <a:fld id="{3A2EA5CD-E144-45FA-8121-B30DF773FFFB}" type="slidenum">
               <a:t>22</a:t>
             </a:fld>
             <a:endParaRPr lang="en-NZ" sz="1400" b="0" i="0" u="none" strike="noStrike" kern="1200" cap="none" spc="0" baseline="0">
@@ -3734,7 +3736,7 @@
     </p:spTree>
     <p:extLst>
       <p:ext uri="{BB962C8B-B14F-4D97-AF65-F5344CB8AC3E}">
-        <p14:creationId xmlns:p14="http://schemas.microsoft.com/office/powerpoint/2010/main" val="520948548"/>
+        <p14:creationId xmlns:p14="http://schemas.microsoft.com/office/powerpoint/2010/main" val="523227784"/>
       </p:ext>
     </p:extLst>
   </p:cSld>
@@ -3805,7 +3807,7 @@
                 <a:uFillTx/>
               </a:defRPr>
             </a:pPr>
-            <a:fld id="{E07804F2-1004-48FC-A309-4A02D208F313}" type="slidenum">
+            <a:fld id="{69D600D6-0C92-48D1-82A9-DB3322E2A1BF}" type="slidenum">
               <a:t>23</a:t>
             </a:fld>
             <a:endParaRPr lang="en-NZ" sz="1400" b="0" i="0" u="none" strike="noStrike" kern="1200" cap="none" spc="0" baseline="0">
@@ -3864,7 +3866,7 @@
                 <a:uFillTx/>
               </a:defRPr>
             </a:pPr>
-            <a:fld id="{588F9D95-14EC-41EA-BD71-2A1BB271DC90}" type="slidenum">
+            <a:fld id="{9D449FC5-867B-43AA-94F7-664EBA03580E}" type="slidenum">
               <a:t>23</a:t>
             </a:fld>
             <a:endParaRPr lang="en-NZ" sz="1400" b="0" i="0" u="none" strike="noStrike" kern="1200" cap="none" spc="0" baseline="0">
@@ -3928,7 +3930,7 @@
     </p:spTree>
     <p:extLst>
       <p:ext uri="{BB962C8B-B14F-4D97-AF65-F5344CB8AC3E}">
-        <p14:creationId xmlns:p14="http://schemas.microsoft.com/office/powerpoint/2010/main" val="4037223513"/>
+        <p14:creationId xmlns:p14="http://schemas.microsoft.com/office/powerpoint/2010/main" val="520948548"/>
       </p:ext>
     </p:extLst>
   </p:cSld>
@@ -3999,7 +4001,7 @@
                 <a:uFillTx/>
               </a:defRPr>
             </a:pPr>
-            <a:fld id="{094BBDE3-104D-4E11-BAEE-4FA9483F2E6F}" type="slidenum">
+            <a:fld id="{E07804F2-1004-48FC-A309-4A02D208F313}" type="slidenum">
               <a:t>24</a:t>
             </a:fld>
             <a:endParaRPr lang="en-NZ" sz="1400" b="0" i="0" u="none" strike="noStrike" kern="1200" cap="none" spc="0" baseline="0">
@@ -4058,7 +4060,7 @@
                 <a:uFillTx/>
               </a:defRPr>
             </a:pPr>
-            <a:fld id="{201A4D39-07AB-4670-8920-2D323DB570EC}" type="slidenum">
+            <a:fld id="{588F9D95-14EC-41EA-BD71-2A1BB271DC90}" type="slidenum">
               <a:t>24</a:t>
             </a:fld>
             <a:endParaRPr lang="en-NZ" sz="1400" b="0" i="0" u="none" strike="noStrike" kern="1200" cap="none" spc="0" baseline="0">
@@ -4085,8 +4087,8 @@
         </p:nvSpPr>
         <p:spPr>
           <a:xfrm>
-            <a:off x="1106488" y="812801"/>
-            <a:ext cx="5345116" cy="4008436"/>
+            <a:off x="1106488" y="812800"/>
+            <a:ext cx="5345112" cy="4008438"/>
           </a:xfrm>
           <a:solidFill>
             <a:srgbClr val="5B9BD5"/>
@@ -4120,6 +4122,11 @@
         </p:txBody>
       </p:sp>
     </p:spTree>
+    <p:extLst>
+      <p:ext uri="{BB962C8B-B14F-4D97-AF65-F5344CB8AC3E}">
+        <p14:creationId xmlns:p14="http://schemas.microsoft.com/office/powerpoint/2010/main" val="4037223513"/>
+      </p:ext>
+    </p:extLst>
   </p:cSld>
   <p:clrMapOvr>
     <a:masterClrMapping/>
@@ -4274,8 +4281,8 @@
         </p:nvSpPr>
         <p:spPr>
           <a:xfrm>
-            <a:off x="1106488" y="812800"/>
-            <a:ext cx="5345112" cy="4008438"/>
+            <a:off x="1106488" y="812801"/>
+            <a:ext cx="5345116" cy="4008436"/>
           </a:xfrm>
           <a:solidFill>
             <a:srgbClr val="5B9BD5"/>
@@ -4309,11 +4316,6 @@
         </p:txBody>
       </p:sp>
     </p:spTree>
-    <p:extLst>
-      <p:ext uri="{BB962C8B-B14F-4D97-AF65-F5344CB8AC3E}">
-        <p14:creationId xmlns:p14="http://schemas.microsoft.com/office/powerpoint/2010/main" val="2148235567"/>
-      </p:ext>
-    </p:extLst>
   </p:cSld>
   <p:clrMapOvr>
     <a:masterClrMapping/>
@@ -4505,7 +4507,7 @@
     </p:spTree>
     <p:extLst>
       <p:ext uri="{BB962C8B-B14F-4D97-AF65-F5344CB8AC3E}">
-        <p14:creationId xmlns:p14="http://schemas.microsoft.com/office/powerpoint/2010/main" val="281072244"/>
+        <p14:creationId xmlns:p14="http://schemas.microsoft.com/office/powerpoint/2010/main" val="2148235567"/>
       </p:ext>
     </p:extLst>
   </p:cSld>
@@ -4576,7 +4578,7 @@
                 <a:uFillTx/>
               </a:defRPr>
             </a:pPr>
-            <a:fld id="{6C98130F-D7DE-4EB1-B7F6-8E40EFEC5E84}" type="slidenum">
+            <a:fld id="{094BBDE3-104D-4E11-BAEE-4FA9483F2E6F}" type="slidenum">
               <a:t>27</a:t>
             </a:fld>
             <a:endParaRPr lang="en-NZ" sz="1400" b="0" i="0" u="none" strike="noStrike" kern="1200" cap="none" spc="0" baseline="0">
@@ -4635,7 +4637,7 @@
                 <a:uFillTx/>
               </a:defRPr>
             </a:pPr>
-            <a:fld id="{1A394901-0413-4828-9A43-6B6C347413D0}" type="slidenum">
+            <a:fld id="{201A4D39-07AB-4670-8920-2D323DB570EC}" type="slidenum">
               <a:t>27</a:t>
             </a:fld>
             <a:endParaRPr lang="en-NZ" sz="1400" b="0" i="0" u="none" strike="noStrike" kern="1200" cap="none" spc="0" baseline="0">
@@ -4662,8 +4664,8 @@
         </p:nvSpPr>
         <p:spPr>
           <a:xfrm>
-            <a:off x="1106488" y="812801"/>
-            <a:ext cx="5345116" cy="4008436"/>
+            <a:off x="1106488" y="812800"/>
+            <a:ext cx="5345112" cy="4008438"/>
           </a:xfrm>
           <a:solidFill>
             <a:srgbClr val="5B9BD5"/>
@@ -4697,6 +4699,11 @@
         </p:txBody>
       </p:sp>
     </p:spTree>
+    <p:extLst>
+      <p:ext uri="{BB962C8B-B14F-4D97-AF65-F5344CB8AC3E}">
+        <p14:creationId xmlns:p14="http://schemas.microsoft.com/office/powerpoint/2010/main" val="281072244"/>
+      </p:ext>
+    </p:extLst>
   </p:cSld>
   <p:clrMapOvr>
     <a:masterClrMapping/>
@@ -4765,7 +4772,7 @@
                 <a:uFillTx/>
               </a:defRPr>
             </a:pPr>
-            <a:fld id="{49C68ABB-10FB-41C9-A59D-A5723A060D75}" type="slidenum">
+            <a:fld id="{094BBDE3-104D-4E11-BAEE-4FA9483F2E6F}" type="slidenum">
               <a:t>28</a:t>
             </a:fld>
             <a:endParaRPr lang="en-NZ" sz="1400" b="0" i="0" u="none" strike="noStrike" kern="1200" cap="none" spc="0" baseline="0">
@@ -4824,7 +4831,7 @@
                 <a:uFillTx/>
               </a:defRPr>
             </a:pPr>
-            <a:fld id="{8DD9A074-D987-40B6-97F2-17C15392431D}" type="slidenum">
+            <a:fld id="{201A4D39-07AB-4670-8920-2D323DB570EC}" type="slidenum">
               <a:t>28</a:t>
             </a:fld>
             <a:endParaRPr lang="en-NZ" sz="1400" b="0" i="0" u="none" strike="noStrike" kern="1200" cap="none" spc="0" baseline="0">
@@ -4851,8 +4858,8 @@
         </p:nvSpPr>
         <p:spPr>
           <a:xfrm>
-            <a:off x="1106488" y="812801"/>
-            <a:ext cx="5345116" cy="4008436"/>
+            <a:off x="1106488" y="812800"/>
+            <a:ext cx="5345112" cy="4008438"/>
           </a:xfrm>
           <a:solidFill>
             <a:srgbClr val="5B9BD5"/>
@@ -4886,6 +4893,11 @@
         </p:txBody>
       </p:sp>
     </p:spTree>
+    <p:extLst>
+      <p:ext uri="{BB962C8B-B14F-4D97-AF65-F5344CB8AC3E}">
+        <p14:creationId xmlns:p14="http://schemas.microsoft.com/office/powerpoint/2010/main" val="1308900672"/>
+      </p:ext>
+    </p:extLst>
   </p:cSld>
   <p:clrMapOvr>
     <a:masterClrMapping/>
@@ -4954,7 +4966,7 @@
                 <a:uFillTx/>
               </a:defRPr>
             </a:pPr>
-            <a:fld id="{C24BEE23-50A3-4728-BACD-DB13D0D751EB}" type="slidenum">
+            <a:fld id="{094BBDE3-104D-4E11-BAEE-4FA9483F2E6F}" type="slidenum">
               <a:t>29</a:t>
             </a:fld>
             <a:endParaRPr lang="en-NZ" sz="1400" b="0" i="0" u="none" strike="noStrike" kern="1200" cap="none" spc="0" baseline="0">
@@ -5013,7 +5025,7 @@
                 <a:uFillTx/>
               </a:defRPr>
             </a:pPr>
-            <a:fld id="{AE5BAAFB-EA41-4973-9F00-9EEEDD491570}" type="slidenum">
+            <a:fld id="{201A4D39-07AB-4670-8920-2D323DB570EC}" type="slidenum">
               <a:t>29</a:t>
             </a:fld>
             <a:endParaRPr lang="en-NZ" sz="1400" b="0" i="0" u="none" strike="noStrike" kern="1200" cap="none" spc="0" baseline="0">
@@ -5040,8 +5052,8 @@
         </p:nvSpPr>
         <p:spPr>
           <a:xfrm>
-            <a:off x="1106488" y="812801"/>
-            <a:ext cx="5345116" cy="4008436"/>
+            <a:off x="1106488" y="812800"/>
+            <a:ext cx="5345112" cy="4008438"/>
           </a:xfrm>
           <a:solidFill>
             <a:srgbClr val="5B9BD5"/>
@@ -5075,6 +5087,11 @@
         </p:txBody>
       </p:sp>
     </p:spTree>
+    <p:extLst>
+      <p:ext uri="{BB962C8B-B14F-4D97-AF65-F5344CB8AC3E}">
+        <p14:creationId xmlns:p14="http://schemas.microsoft.com/office/powerpoint/2010/main" val="2045040604"/>
+      </p:ext>
+    </p:extLst>
   </p:cSld>
   <p:clrMapOvr>
     <a:masterClrMapping/>
@@ -5332,7 +5349,7 @@
                 <a:uFillTx/>
               </a:defRPr>
             </a:pPr>
-            <a:fld id="{2EF2692C-6AFC-4035-9070-85412B1FB20A}" type="slidenum">
+            <a:fld id="{49C68ABB-10FB-41C9-A59D-A5723A060D75}" type="slidenum">
               <a:t>30</a:t>
             </a:fld>
             <a:endParaRPr lang="en-NZ" sz="1400" b="0" i="0" u="none" strike="noStrike" kern="1200" cap="none" spc="0" baseline="0">
@@ -5391,7 +5408,7 @@
                 <a:uFillTx/>
               </a:defRPr>
             </a:pPr>
-            <a:fld id="{4C5373CE-5463-4EF6-BFCD-7809A59515D3}" type="slidenum">
+            <a:fld id="{8DD9A074-D987-40B6-97F2-17C15392431D}" type="slidenum">
               <a:t>30</a:t>
             </a:fld>
             <a:endParaRPr lang="en-NZ" sz="1400" b="0" i="0" u="none" strike="noStrike" kern="1200" cap="none" spc="0" baseline="0">
@@ -5521,7 +5538,7 @@
                 <a:uFillTx/>
               </a:defRPr>
             </a:pPr>
-            <a:fld id="{C3E1E518-6AE3-4679-8B85-58756417B71A}" type="slidenum">
+            <a:fld id="{C24BEE23-50A3-4728-BACD-DB13D0D751EB}" type="slidenum">
               <a:t>31</a:t>
             </a:fld>
             <a:endParaRPr lang="en-NZ" sz="1400" b="0" i="0" u="none" strike="noStrike" kern="1200" cap="none" spc="0" baseline="0">
@@ -5580,7 +5597,7 @@
                 <a:uFillTx/>
               </a:defRPr>
             </a:pPr>
-            <a:fld id="{0826726E-05C2-4E27-B03B-6B6D617357C0}" type="slidenum">
+            <a:fld id="{AE5BAAFB-EA41-4973-9F00-9EEEDD491570}" type="slidenum">
               <a:t>31</a:t>
             </a:fld>
             <a:endParaRPr lang="en-NZ" sz="1400" b="0" i="0" u="none" strike="noStrike" kern="1200" cap="none" spc="0" baseline="0">
@@ -5710,7 +5727,7 @@
                 <a:uFillTx/>
               </a:defRPr>
             </a:pPr>
-            <a:fld id="{99D040D3-60FF-4D3A-8F04-DC5256BD7485}" type="slidenum">
+            <a:fld id="{2EF2692C-6AFC-4035-9070-85412B1FB20A}" type="slidenum">
               <a:t>32</a:t>
             </a:fld>
             <a:endParaRPr lang="en-NZ" sz="1400" b="0" i="0" u="none" strike="noStrike" kern="1200" cap="none" spc="0" baseline="0">
@@ -5769,7 +5786,7 @@
                 <a:uFillTx/>
               </a:defRPr>
             </a:pPr>
-            <a:fld id="{A5C2506B-087E-4026-AF3F-04C455DD9D36}" type="slidenum">
+            <a:fld id="{4C5373CE-5463-4EF6-BFCD-7809A59515D3}" type="slidenum">
               <a:t>32</a:t>
             </a:fld>
             <a:endParaRPr lang="en-NZ" sz="1400" b="0" i="0" u="none" strike="noStrike" kern="1200" cap="none" spc="0" baseline="0">
@@ -5899,7 +5916,7 @@
                 <a:uFillTx/>
               </a:defRPr>
             </a:pPr>
-            <a:fld id="{FBDC3CEA-D1C2-416B-96E2-BE677EAEA120}" type="slidenum">
+            <a:fld id="{C3E1E518-6AE3-4679-8B85-58756417B71A}" type="slidenum">
               <a:t>33</a:t>
             </a:fld>
             <a:endParaRPr lang="en-NZ" sz="1400" b="0" i="0" u="none" strike="noStrike" kern="1200" cap="none" spc="0" baseline="0">
@@ -5958,7 +5975,7 @@
                 <a:uFillTx/>
               </a:defRPr>
             </a:pPr>
-            <a:fld id="{66961107-6156-4542-827E-D352CC731626}" type="slidenum">
+            <a:fld id="{0826726E-05C2-4E27-B03B-6B6D617357C0}" type="slidenum">
               <a:t>33</a:t>
             </a:fld>
             <a:endParaRPr lang="en-NZ" sz="1400" b="0" i="0" u="none" strike="noStrike" kern="1200" cap="none" spc="0" baseline="0">
@@ -6088,8 +6105,386 @@
                 <a:uFillTx/>
               </a:defRPr>
             </a:pPr>
+            <a:fld id="{99D040D3-60FF-4D3A-8F04-DC5256BD7485}" type="slidenum">
+              <a:t>34</a:t>
+            </a:fld>
+            <a:endParaRPr lang="en-NZ" sz="1400" b="0" i="0" u="none" strike="noStrike" kern="1200" cap="none" spc="0" baseline="0">
+              <a:solidFill>
+                <a:srgbClr val="000000"/>
+              </a:solidFill>
+              <a:uFillTx/>
+              <a:latin typeface="Times New Roman" pitchFamily="18"/>
+              <a:ea typeface="Segoe UI" pitchFamily="2"/>
+              <a:cs typeface="Tahoma" pitchFamily="2"/>
+            </a:endParaRPr>
+          </a:p>
+        </p:txBody>
+      </p:sp>
+      <p:sp>
+        <p:nvSpPr>
+          <p:cNvPr id="3" name="Slide Number Placeholder 6"/>
+          <p:cNvSpPr txBox="1"/>
+          <p:nvPr/>
+        </p:nvSpPr>
+        <p:spPr>
+          <a:xfrm>
+            <a:off x="4278962" y="10157402"/>
+            <a:ext cx="3280684" cy="534238"/>
+          </a:xfrm>
+          <a:prstGeom prst="rect">
+            <a:avLst/>
+          </a:prstGeom>
+          <a:noFill/>
+          <a:ln cap="flat">
+            <a:noFill/>
+          </a:ln>
+        </p:spPr>
+        <p:txBody>
+          <a:bodyPr vert="horz" wrap="square" lIns="0" tIns="0" rIns="0" bIns="0" anchor="b" anchorCtr="0" compatLnSpc="0">
+            <a:noAutofit/>
+          </a:bodyPr>
+          <a:lstStyle/>
+          <a:p>
+            <a:pPr marL="0" marR="0" lvl="0" indent="0" algn="r" defTabSz="914400" rtl="0" fontAlgn="auto" hangingPunct="0">
+              <a:lnSpc>
+                <a:spcPct val="100000"/>
+              </a:lnSpc>
+              <a:spcBef>
+                <a:spcPts val="0"/>
+              </a:spcBef>
+              <a:spcAft>
+                <a:spcPts val="0"/>
+              </a:spcAft>
+              <a:buNone/>
+              <a:tabLst/>
+              <a:defRPr sz="1800" b="0" i="0" u="none" strike="noStrike" kern="0" cap="none" spc="0" baseline="0">
+                <a:solidFill>
+                  <a:srgbClr val="000000"/>
+                </a:solidFill>
+                <a:uFillTx/>
+              </a:defRPr>
+            </a:pPr>
+            <a:fld id="{A5C2506B-087E-4026-AF3F-04C455DD9D36}" type="slidenum">
+              <a:t>34</a:t>
+            </a:fld>
+            <a:endParaRPr lang="en-NZ" sz="1400" b="0" i="0" u="none" strike="noStrike" kern="1200" cap="none" spc="0" baseline="0">
+              <a:solidFill>
+                <a:srgbClr val="000000"/>
+              </a:solidFill>
+              <a:uFillTx/>
+              <a:latin typeface="Times New Roman" pitchFamily="18"/>
+              <a:ea typeface="Segoe UI" pitchFamily="2"/>
+              <a:cs typeface="Tahoma" pitchFamily="2"/>
+            </a:endParaRPr>
+          </a:p>
+        </p:txBody>
+      </p:sp>
+      <p:sp>
+        <p:nvSpPr>
+          <p:cNvPr id="4" name="Slide Image Placeholder 1"/>
+          <p:cNvSpPr>
+            <a:spLocks noGrp="1" noRot="1" noChangeAspect="1"/>
+          </p:cNvSpPr>
+          <p:nvPr>
+            <p:ph type="sldImg"/>
+          </p:nvPr>
+        </p:nvSpPr>
+        <p:spPr>
+          <a:xfrm>
+            <a:off x="1106488" y="812801"/>
+            <a:ext cx="5345116" cy="4008436"/>
+          </a:xfrm>
+          <a:solidFill>
+            <a:srgbClr val="5B9BD5"/>
+          </a:solidFill>
+          <a:ln w="12701" cap="flat">
+            <a:solidFill>
+              <a:srgbClr val="41719C"/>
+            </a:solidFill>
+            <a:prstDash val="solid"/>
+            <a:miter/>
+          </a:ln>
+        </p:spPr>
+      </p:sp>
+      <p:sp>
+        <p:nvSpPr>
+          <p:cNvPr id="5" name="Notes Placeholder 2"/>
+          <p:cNvSpPr txBox="1">
+            <a:spLocks noGrp="1"/>
+          </p:cNvSpPr>
+          <p:nvPr>
+            <p:ph type="body" sz="quarter" idx="1"/>
+          </p:nvPr>
+        </p:nvSpPr>
+        <p:spPr/>
+        <p:txBody>
+          <a:bodyPr/>
+          <a:lstStyle/>
+          <a:p>
+            <a:endParaRPr lang="en-NZ"/>
+          </a:p>
+        </p:txBody>
+      </p:sp>
+    </p:spTree>
+  </p:cSld>
+  <p:clrMapOvr>
+    <a:masterClrMapping/>
+  </p:clrMapOvr>
+</p:notes>
+</file>
+
+<file path=ppt/notesSlides/notesSlide35.xml><?xml version="1.0" encoding="utf-8"?>
+<p:notes xmlns:a="http://schemas.openxmlformats.org/drawingml/2006/main" xmlns:r="http://schemas.openxmlformats.org/officeDocument/2006/relationships" xmlns:p="http://schemas.openxmlformats.org/presentationml/2006/main">
+  <p:cSld>
+    <p:spTree>
+      <p:nvGrpSpPr>
+        <p:cNvPr id="1" name=""/>
+        <p:cNvGrpSpPr/>
+        <p:nvPr/>
+      </p:nvGrpSpPr>
+      <p:grpSpPr>
+        <a:xfrm>
+          <a:off x="0" y="0"/>
+          <a:ext cx="0" cy="0"/>
+          <a:chOff x="0" y="0"/>
+          <a:chExt cx="0" cy="0"/>
+        </a:xfrm>
+      </p:grpSpPr>
+      <p:sp>
+        <p:nvSpPr>
+          <p:cNvPr id="2" name="Slide Number Placeholder 6"/>
+          <p:cNvSpPr txBox="1"/>
+          <p:nvPr/>
+        </p:nvSpPr>
+        <p:spPr>
+          <a:xfrm>
+            <a:off x="4278962" y="10157402"/>
+            <a:ext cx="3280684" cy="534238"/>
+          </a:xfrm>
+          <a:prstGeom prst="rect">
+            <a:avLst/>
+          </a:prstGeom>
+          <a:noFill/>
+          <a:ln cap="flat">
+            <a:noFill/>
+          </a:ln>
+        </p:spPr>
+        <p:txBody>
+          <a:bodyPr vert="horz" wrap="square" lIns="0" tIns="0" rIns="0" bIns="0" anchor="b" anchorCtr="0" compatLnSpc="1">
+            <a:noAutofit/>
+          </a:bodyPr>
+          <a:lstStyle/>
+          <a:p>
+            <a:pPr marL="0" marR="0" lvl="0" indent="0" algn="r" defTabSz="914400" rtl="0" fontAlgn="auto" hangingPunct="0">
+              <a:lnSpc>
+                <a:spcPct val="100000"/>
+              </a:lnSpc>
+              <a:spcBef>
+                <a:spcPts val="0"/>
+              </a:spcBef>
+              <a:spcAft>
+                <a:spcPts val="0"/>
+              </a:spcAft>
+              <a:buNone/>
+              <a:tabLst/>
+              <a:defRPr sz="1800" b="0" i="0" u="none" strike="noStrike" kern="0" cap="none" spc="0" baseline="0">
+                <a:solidFill>
+                  <a:srgbClr val="000000"/>
+                </a:solidFill>
+                <a:uFillTx/>
+              </a:defRPr>
+            </a:pPr>
+            <a:fld id="{FBDC3CEA-D1C2-416B-96E2-BE677EAEA120}" type="slidenum">
+              <a:t>35</a:t>
+            </a:fld>
+            <a:endParaRPr lang="en-NZ" sz="1400" b="0" i="0" u="none" strike="noStrike" kern="1200" cap="none" spc="0" baseline="0">
+              <a:solidFill>
+                <a:srgbClr val="000000"/>
+              </a:solidFill>
+              <a:uFillTx/>
+              <a:latin typeface="Times New Roman" pitchFamily="18"/>
+              <a:ea typeface="Segoe UI" pitchFamily="2"/>
+              <a:cs typeface="Tahoma" pitchFamily="2"/>
+            </a:endParaRPr>
+          </a:p>
+        </p:txBody>
+      </p:sp>
+      <p:sp>
+        <p:nvSpPr>
+          <p:cNvPr id="3" name="Slide Number Placeholder 6"/>
+          <p:cNvSpPr txBox="1"/>
+          <p:nvPr/>
+        </p:nvSpPr>
+        <p:spPr>
+          <a:xfrm>
+            <a:off x="4278962" y="10157402"/>
+            <a:ext cx="3280684" cy="534238"/>
+          </a:xfrm>
+          <a:prstGeom prst="rect">
+            <a:avLst/>
+          </a:prstGeom>
+          <a:noFill/>
+          <a:ln cap="flat">
+            <a:noFill/>
+          </a:ln>
+        </p:spPr>
+        <p:txBody>
+          <a:bodyPr vert="horz" wrap="square" lIns="0" tIns="0" rIns="0" bIns="0" anchor="b" anchorCtr="0" compatLnSpc="0">
+            <a:noAutofit/>
+          </a:bodyPr>
+          <a:lstStyle/>
+          <a:p>
+            <a:pPr marL="0" marR="0" lvl="0" indent="0" algn="r" defTabSz="914400" rtl="0" fontAlgn="auto" hangingPunct="0">
+              <a:lnSpc>
+                <a:spcPct val="100000"/>
+              </a:lnSpc>
+              <a:spcBef>
+                <a:spcPts val="0"/>
+              </a:spcBef>
+              <a:spcAft>
+                <a:spcPts val="0"/>
+              </a:spcAft>
+              <a:buNone/>
+              <a:tabLst/>
+              <a:defRPr sz="1800" b="0" i="0" u="none" strike="noStrike" kern="0" cap="none" spc="0" baseline="0">
+                <a:solidFill>
+                  <a:srgbClr val="000000"/>
+                </a:solidFill>
+                <a:uFillTx/>
+              </a:defRPr>
+            </a:pPr>
+            <a:fld id="{66961107-6156-4542-827E-D352CC731626}" type="slidenum">
+              <a:t>35</a:t>
+            </a:fld>
+            <a:endParaRPr lang="en-NZ" sz="1400" b="0" i="0" u="none" strike="noStrike" kern="1200" cap="none" spc="0" baseline="0">
+              <a:solidFill>
+                <a:srgbClr val="000000"/>
+              </a:solidFill>
+              <a:uFillTx/>
+              <a:latin typeface="Times New Roman" pitchFamily="18"/>
+              <a:ea typeface="Segoe UI" pitchFamily="2"/>
+              <a:cs typeface="Tahoma" pitchFamily="2"/>
+            </a:endParaRPr>
+          </a:p>
+        </p:txBody>
+      </p:sp>
+      <p:sp>
+        <p:nvSpPr>
+          <p:cNvPr id="4" name="Slide Image Placeholder 1"/>
+          <p:cNvSpPr>
+            <a:spLocks noGrp="1" noRot="1" noChangeAspect="1"/>
+          </p:cNvSpPr>
+          <p:nvPr>
+            <p:ph type="sldImg"/>
+          </p:nvPr>
+        </p:nvSpPr>
+        <p:spPr>
+          <a:xfrm>
+            <a:off x="1106488" y="812801"/>
+            <a:ext cx="5345116" cy="4008436"/>
+          </a:xfrm>
+          <a:solidFill>
+            <a:srgbClr val="5B9BD5"/>
+          </a:solidFill>
+          <a:ln w="12701" cap="flat">
+            <a:solidFill>
+              <a:srgbClr val="41719C"/>
+            </a:solidFill>
+            <a:prstDash val="solid"/>
+            <a:miter/>
+          </a:ln>
+        </p:spPr>
+      </p:sp>
+      <p:sp>
+        <p:nvSpPr>
+          <p:cNvPr id="5" name="Notes Placeholder 2"/>
+          <p:cNvSpPr txBox="1">
+            <a:spLocks noGrp="1"/>
+          </p:cNvSpPr>
+          <p:nvPr>
+            <p:ph type="body" sz="quarter" idx="1"/>
+          </p:nvPr>
+        </p:nvSpPr>
+        <p:spPr/>
+        <p:txBody>
+          <a:bodyPr/>
+          <a:lstStyle/>
+          <a:p>
+            <a:endParaRPr lang="en-NZ"/>
+          </a:p>
+        </p:txBody>
+      </p:sp>
+    </p:spTree>
+  </p:cSld>
+  <p:clrMapOvr>
+    <a:masterClrMapping/>
+  </p:clrMapOvr>
+</p:notes>
+</file>
+
+<file path=ppt/notesSlides/notesSlide36.xml><?xml version="1.0" encoding="utf-8"?>
+<p:notes xmlns:a="http://schemas.openxmlformats.org/drawingml/2006/main" xmlns:r="http://schemas.openxmlformats.org/officeDocument/2006/relationships" xmlns:p="http://schemas.openxmlformats.org/presentationml/2006/main">
+  <p:cSld>
+    <p:spTree>
+      <p:nvGrpSpPr>
+        <p:cNvPr id="1" name=""/>
+        <p:cNvGrpSpPr/>
+        <p:nvPr/>
+      </p:nvGrpSpPr>
+      <p:grpSpPr>
+        <a:xfrm>
+          <a:off x="0" y="0"/>
+          <a:ext cx="0" cy="0"/>
+          <a:chOff x="0" y="0"/>
+          <a:chExt cx="0" cy="0"/>
+        </a:xfrm>
+      </p:grpSpPr>
+      <p:sp>
+        <p:nvSpPr>
+          <p:cNvPr id="2" name="Slide Number Placeholder 6"/>
+          <p:cNvSpPr txBox="1"/>
+          <p:nvPr/>
+        </p:nvSpPr>
+        <p:spPr>
+          <a:xfrm>
+            <a:off x="4278962" y="10157402"/>
+            <a:ext cx="3280684" cy="534238"/>
+          </a:xfrm>
+          <a:prstGeom prst="rect">
+            <a:avLst/>
+          </a:prstGeom>
+          <a:noFill/>
+          <a:ln cap="flat">
+            <a:noFill/>
+          </a:ln>
+        </p:spPr>
+        <p:txBody>
+          <a:bodyPr vert="horz" wrap="square" lIns="0" tIns="0" rIns="0" bIns="0" anchor="b" anchorCtr="0" compatLnSpc="1">
+            <a:noAutofit/>
+          </a:bodyPr>
+          <a:lstStyle/>
+          <a:p>
+            <a:pPr marL="0" marR="0" lvl="0" indent="0" algn="r" defTabSz="914400" rtl="0" fontAlgn="auto" hangingPunct="0">
+              <a:lnSpc>
+                <a:spcPct val="100000"/>
+              </a:lnSpc>
+              <a:spcBef>
+                <a:spcPts val="0"/>
+              </a:spcBef>
+              <a:spcAft>
+                <a:spcPts val="0"/>
+              </a:spcAft>
+              <a:buNone/>
+              <a:tabLst/>
+              <a:defRPr sz="1800" b="0" i="0" u="none" strike="noStrike" kern="0" cap="none" spc="0" baseline="0">
+                <a:solidFill>
+                  <a:srgbClr val="000000"/>
+                </a:solidFill>
+                <a:uFillTx/>
+              </a:defRPr>
+            </a:pPr>
             <a:fld id="{DD0AE3C7-712B-423A-9193-4E06D5164807}" type="slidenum">
-              <a:t>34</a:t>
+              <a:t>36</a:t>
             </a:fld>
             <a:endParaRPr lang="en-NZ" sz="1400" b="0" i="0" u="none" strike="noStrike" kern="1200" cap="none" spc="0" baseline="0">
               <a:solidFill>
@@ -6148,7 +6543,7 @@
               </a:defRPr>
             </a:pPr>
             <a:fld id="{DEFA93FA-1F67-424E-8F86-CAD4FF1238D4}" type="slidenum">
-              <a:t>34</a:t>
+              <a:t>36</a:t>
             </a:fld>
             <a:endParaRPr lang="en-NZ" sz="1400" b="0" i="0" u="none" strike="noStrike" kern="1200" cap="none" spc="0" baseline="0">
               <a:solidFill>
@@ -14563,6 +14958,144 @@
       </p:grpSpPr>
       <p:sp>
         <p:nvSpPr>
+          <p:cNvPr id="3" name="Title 1"/>
+          <p:cNvSpPr txBox="1">
+            <a:spLocks noGrp="1"/>
+          </p:cNvSpPr>
+          <p:nvPr>
+            <p:ph type="title" idx="4294967295"/>
+          </p:nvPr>
+        </p:nvSpPr>
+        <p:spPr>
+          <a:xfrm>
+            <a:off x="503998" y="301322"/>
+            <a:ext cx="9072000" cy="1261798"/>
+          </a:xfrm>
+        </p:spPr>
+        <p:txBody>
+          <a:bodyPr/>
+          <a:lstStyle/>
+          <a:p>
+            <a:pPr lvl="0"/>
+            <a:r>
+              <a:rPr lang="en-NZ" sz="3200" b="1">
+                <a:solidFill>
+                  <a:srgbClr val="BB2025"/>
+                </a:solidFill>
+                <a:latin typeface="Lato" pitchFamily="34"/>
+                <a:ea typeface="Lato" pitchFamily="34"/>
+                <a:cs typeface="Lato" pitchFamily="34"/>
+              </a:rPr>
+              <a:t>Intra-site algorithm</a:t>
+            </a:r>
+          </a:p>
+        </p:txBody>
+      </p:sp>
+      <p:sp>
+        <p:nvSpPr>
+          <p:cNvPr id="4" name="Text Placeholder 2"/>
+          <p:cNvSpPr txBox="1">
+            <a:spLocks noGrp="1"/>
+          </p:cNvSpPr>
+          <p:nvPr>
+            <p:ph type="body" idx="4294967295"/>
+          </p:nvPr>
+        </p:nvSpPr>
+        <p:spPr>
+          <a:xfrm>
+            <a:off x="685800" y="1443215"/>
+            <a:ext cx="8667753" cy="4384081"/>
+          </a:xfrm>
+        </p:spPr>
+        <p:txBody>
+          <a:bodyPr/>
+          <a:lstStyle/>
+          <a:p>
+            <a:pPr marL="342900" lvl="0" indent="-342900">
+              <a:buSzPct val="100000"/>
+              <a:buFont typeface="Arial" pitchFamily="34"/>
+              <a:buChar char="•"/>
+            </a:pPr>
+            <a:r>
+              <a:rPr lang="en-NZ" sz="2400" dirty="0"/>
+              <a:t>Compared to the old KCC, there are fewer connections</a:t>
+            </a:r>
+          </a:p>
+          <a:p>
+            <a:pPr marL="342900" lvl="0" indent="-342900">
+              <a:buSzPct val="100000"/>
+              <a:buFont typeface="Arial" pitchFamily="34"/>
+              <a:buChar char="•"/>
+            </a:pPr>
+            <a:r>
+              <a:rPr lang="en-NZ" sz="2400" dirty="0"/>
+              <a:t>The algorithm is quite reliable, adding additional connections</a:t>
+            </a:r>
+          </a:p>
+          <a:p>
+            <a:pPr marL="342900" lvl="0" indent="-342900">
+              <a:buSzPct val="100000"/>
+              <a:buFont typeface="Arial" pitchFamily="34"/>
+              <a:buChar char="•"/>
+            </a:pPr>
+            <a:r>
+              <a:rPr lang="en-NZ" sz="2400" dirty="0"/>
+              <a:t>Information propagates in a more controlled manner</a:t>
+            </a:r>
+          </a:p>
+          <a:p>
+            <a:pPr marL="342900" lvl="0" indent="-342900">
+              <a:buSzPct val="100000"/>
+              <a:buFont typeface="Arial" pitchFamily="34"/>
+              <a:buChar char="•"/>
+            </a:pPr>
+            <a:endParaRPr lang="en-NZ" sz="2400" dirty="0"/>
+          </a:p>
+          <a:p>
+            <a:pPr marL="342900" lvl="0" indent="-342900">
+              <a:buSzPct val="100000"/>
+              <a:buFont typeface="Arial" pitchFamily="34"/>
+              <a:buChar char="•"/>
+            </a:pPr>
+            <a:r>
+              <a:rPr lang="en-NZ" sz="2400" dirty="0"/>
+              <a:t>In a single-site use-case, with not that many DCs, behaviour should be quite similar to the old code.</a:t>
+            </a:r>
+          </a:p>
+        </p:txBody>
+      </p:sp>
+    </p:spTree>
+    <p:extLst>
+      <p:ext uri="{BB962C8B-B14F-4D97-AF65-F5344CB8AC3E}">
+        <p14:creationId xmlns:p14="http://schemas.microsoft.com/office/powerpoint/2010/main" val="3736748022"/>
+      </p:ext>
+    </p:extLst>
+  </p:cSld>
+  <p:clrMapOvr>
+    <a:masterClrMapping/>
+  </p:clrMapOvr>
+</p:sld>
+</file>
+
+<file path=ppt/slides/slide13.xml><?xml version="1.0" encoding="utf-8"?>
+<p:sld xmlns:a="http://schemas.openxmlformats.org/drawingml/2006/main" xmlns:r="http://schemas.openxmlformats.org/officeDocument/2006/relationships" xmlns:p="http://schemas.openxmlformats.org/presentationml/2006/main">
+  <p:cSld>
+    <p:spTree>
+      <p:nvGrpSpPr>
+        <p:cNvPr id="1" name=""/>
+        <p:cNvGrpSpPr/>
+        <p:nvPr/>
+      </p:nvGrpSpPr>
+      <p:grpSpPr>
+        <a:xfrm>
+          <a:off x="0" y="0"/>
+          <a:ext cx="0" cy="0"/>
+          <a:chOff x="0" y="0"/>
+          <a:chExt cx="0" cy="0"/>
+        </a:xfrm>
+      </p:grpSpPr>
+      <p:sp>
+        <p:nvSpPr>
           <p:cNvPr id="2" name="Title 1"/>
           <p:cNvSpPr txBox="1">
             <a:spLocks noGrp="1"/>
@@ -15088,7 +15621,7 @@
 </p:sld>
 </file>
 
-<file path=ppt/slides/slide13.xml><?xml version="1.0" encoding="utf-8"?>
+<file path=ppt/slides/slide14.xml><?xml version="1.0" encoding="utf-8"?>
 <p:sld xmlns:a="http://schemas.openxmlformats.org/drawingml/2006/main" xmlns:r="http://schemas.openxmlformats.org/officeDocument/2006/relationships" xmlns:p="http://schemas.openxmlformats.org/presentationml/2006/main">
   <p:cSld name="Slide11">
     <p:spTree>
@@ -15213,7 +15746,7 @@
 </p:sld>
 </file>
 
-<file path=ppt/slides/slide14.xml><?xml version="1.0" encoding="utf-8"?>
+<file path=ppt/slides/slide15.xml><?xml version="1.0" encoding="utf-8"?>
 <p:sld xmlns:a="http://schemas.openxmlformats.org/drawingml/2006/main" xmlns:r="http://schemas.openxmlformats.org/officeDocument/2006/relationships" xmlns:p="http://schemas.openxmlformats.org/presentationml/2006/main">
   <p:cSld name="Slide16">
     <p:spTree>
@@ -16109,7 +16642,7 @@
 </p:sld>
 </file>
 
-<file path=ppt/slides/slide15.xml><?xml version="1.0" encoding="utf-8"?>
+<file path=ppt/slides/slide16.xml><?xml version="1.0" encoding="utf-8"?>
 <p:sld xmlns:a="http://schemas.openxmlformats.org/drawingml/2006/main" xmlns:r="http://schemas.openxmlformats.org/officeDocument/2006/relationships" xmlns:p="http://schemas.openxmlformats.org/presentationml/2006/main">
   <p:cSld>
     <p:spTree>
@@ -17010,7 +17543,7 @@
 </p:sld>
 </file>
 
-<file path=ppt/slides/slide16.xml><?xml version="1.0" encoding="utf-8"?>
+<file path=ppt/slides/slide17.xml><?xml version="1.0" encoding="utf-8"?>
 <p:sld xmlns:a="http://schemas.openxmlformats.org/drawingml/2006/main" xmlns:r="http://schemas.openxmlformats.org/officeDocument/2006/relationships" xmlns:p="http://schemas.openxmlformats.org/presentationml/2006/main">
   <p:cSld name="Slide15">
     <p:spTree>
@@ -17930,7 +18463,335 @@
 </p:sld>
 </file>
 
-<file path=ppt/slides/slide17.xml><?xml version="1.0" encoding="utf-8"?>
+<file path=ppt/slides/slide18.xml><?xml version="1.0" encoding="utf-8"?>
+<p:sld xmlns:a="http://schemas.openxmlformats.org/drawingml/2006/main" xmlns:r="http://schemas.openxmlformats.org/officeDocument/2006/relationships" xmlns:p="http://schemas.openxmlformats.org/presentationml/2006/main">
+  <p:cSld>
+    <p:spTree>
+      <p:nvGrpSpPr>
+        <p:cNvPr id="1" name=""/>
+        <p:cNvGrpSpPr/>
+        <p:nvPr/>
+      </p:nvGrpSpPr>
+      <p:grpSpPr>
+        <a:xfrm>
+          <a:off x="0" y="0"/>
+          <a:ext cx="0" cy="0"/>
+          <a:chOff x="0" y="0"/>
+          <a:chExt cx="0" cy="0"/>
+        </a:xfrm>
+      </p:grpSpPr>
+      <p:sp>
+        <p:nvSpPr>
+          <p:cNvPr id="4" name="Title 1"/>
+          <p:cNvSpPr txBox="1">
+            <a:spLocks noGrp="1"/>
+          </p:cNvSpPr>
+          <p:nvPr>
+            <p:ph type="title" idx="4294967295"/>
+          </p:nvPr>
+        </p:nvSpPr>
+        <p:spPr>
+          <a:xfrm>
+            <a:off x="503998" y="301322"/>
+            <a:ext cx="9072000" cy="1261798"/>
+          </a:xfrm>
+        </p:spPr>
+        <p:txBody>
+          <a:bodyPr/>
+          <a:lstStyle/>
+          <a:p>
+            <a:pPr lvl="0"/>
+            <a:r>
+              <a:rPr lang="en-NZ" sz="3200" b="1">
+                <a:solidFill>
+                  <a:srgbClr val="BB2025"/>
+                </a:solidFill>
+                <a:latin typeface="Lato" pitchFamily="34"/>
+                <a:ea typeface="Lato" pitchFamily="34"/>
+                <a:cs typeface="Lato" pitchFamily="34"/>
+              </a:rPr>
+              <a:t>Inter-site algorithm</a:t>
+            </a:r>
+          </a:p>
+        </p:txBody>
+      </p:sp>
+      <p:pic>
+        <p:nvPicPr>
+          <p:cNvPr id="10" name="Picture 6"/>
+          <p:cNvPicPr>
+            <a:picLocks noChangeAspect="1"/>
+          </p:cNvPicPr>
+          <p:nvPr/>
+        </p:nvPicPr>
+        <p:blipFill>
+          <a:blip r:embed="rId3"/>
+          <a:stretch>
+            <a:fillRect/>
+          </a:stretch>
+        </p:blipFill>
+        <p:spPr>
+          <a:xfrm>
+            <a:off x="2242190" y="2764343"/>
+            <a:ext cx="1547036" cy="2087071"/>
+          </a:xfrm>
+          <a:prstGeom prst="rect">
+            <a:avLst/>
+          </a:prstGeom>
+          <a:noFill/>
+          <a:ln cap="flat">
+            <a:noFill/>
+          </a:ln>
+        </p:spPr>
+      </p:pic>
+      <p:pic>
+        <p:nvPicPr>
+          <p:cNvPr id="13" name="Picture 6"/>
+          <p:cNvPicPr>
+            <a:picLocks noChangeAspect="1"/>
+          </p:cNvPicPr>
+          <p:nvPr/>
+        </p:nvPicPr>
+        <p:blipFill>
+          <a:blip r:embed="rId3"/>
+          <a:stretch>
+            <a:fillRect/>
+          </a:stretch>
+        </p:blipFill>
+        <p:spPr>
+          <a:xfrm>
+            <a:off x="6374060" y="2711422"/>
+            <a:ext cx="1499652" cy="2023147"/>
+          </a:xfrm>
+          <a:prstGeom prst="rect">
+            <a:avLst/>
+          </a:prstGeom>
+          <a:noFill/>
+          <a:ln cap="flat">
+            <a:noFill/>
+          </a:ln>
+        </p:spPr>
+      </p:pic>
+      <p:cxnSp>
+        <p:nvCxnSpPr>
+          <p:cNvPr id="15" name="Straight Connector 24"/>
+          <p:cNvCxnSpPr/>
+          <p:nvPr/>
+        </p:nvCxnSpPr>
+        <p:spPr>
+          <a:xfrm>
+            <a:off x="4270486" y="3477890"/>
+            <a:ext cx="1622314" cy="3754"/>
+          </a:xfrm>
+          <a:prstGeom prst="straightConnector1">
+            <a:avLst/>
+          </a:prstGeom>
+          <a:noFill/>
+          <a:ln w="38103" cap="flat">
+            <a:solidFill>
+              <a:srgbClr val="2E75B6"/>
+            </a:solidFill>
+            <a:prstDash val="solid"/>
+            <a:miter/>
+            <a:tailEnd type="arrow"/>
+          </a:ln>
+        </p:spPr>
+      </p:cxnSp>
+      <p:sp>
+        <p:nvSpPr>
+          <p:cNvPr id="22" name="TextBox 21"/>
+          <p:cNvSpPr txBox="1"/>
+          <p:nvPr/>
+        </p:nvSpPr>
+        <p:spPr>
+          <a:xfrm>
+            <a:off x="1936558" y="5935792"/>
+            <a:ext cx="6709850" cy="646331"/>
+          </a:xfrm>
+          <a:prstGeom prst="rect">
+            <a:avLst/>
+          </a:prstGeom>
+          <a:noFill/>
+          <a:ln cap="flat">
+            <a:noFill/>
+          </a:ln>
+        </p:spPr>
+        <p:txBody>
+          <a:bodyPr vert="horz" wrap="none" lIns="91440" tIns="45720" rIns="91440" bIns="45720" anchor="t" anchorCtr="0" compatLnSpc="1">
+            <a:spAutoFit/>
+          </a:bodyPr>
+          <a:lstStyle/>
+          <a:p>
+            <a:pPr marL="0" marR="0" lvl="0" indent="0" algn="l" defTabSz="914400" rtl="0" fontAlgn="auto" hangingPunct="1">
+              <a:lnSpc>
+                <a:spcPct val="100000"/>
+              </a:lnSpc>
+              <a:spcBef>
+                <a:spcPts val="0"/>
+              </a:spcBef>
+              <a:spcAft>
+                <a:spcPts val="0"/>
+              </a:spcAft>
+              <a:buNone/>
+              <a:tabLst/>
+              <a:defRPr sz="1800" b="0" i="0" u="none" strike="noStrike" kern="0" cap="none" spc="0" baseline="0">
+                <a:solidFill>
+                  <a:srgbClr val="000000"/>
+                </a:solidFill>
+                <a:uFillTx/>
+              </a:defRPr>
+            </a:pPr>
+            <a:r>
+              <a:rPr lang="en-NZ" sz="1800" b="0" i="0" u="none" strike="noStrike" kern="1200" cap="none" spc="0" baseline="0" dirty="0">
+                <a:solidFill>
+                  <a:srgbClr val="000000"/>
+                </a:solidFill>
+                <a:uFillTx/>
+                <a:latin typeface="Calibri"/>
+              </a:rPr>
+              <a:t>There is only pull replication. </a:t>
+            </a:r>
+            <a:br>
+              <a:rPr lang="en-NZ" sz="1800" b="0" i="0" u="none" strike="noStrike" kern="1200" cap="none" spc="0" baseline="0" dirty="0">
+                <a:solidFill>
+                  <a:srgbClr val="000000"/>
+                </a:solidFill>
+                <a:uFillTx/>
+                <a:latin typeface="Calibri"/>
+              </a:rPr>
+            </a:br>
+            <a:r>
+              <a:rPr lang="en-NZ" sz="1800" b="0" i="0" u="none" strike="noStrike" kern="1200" cap="none" spc="0" baseline="0" dirty="0">
+                <a:solidFill>
+                  <a:srgbClr val="000000"/>
+                </a:solidFill>
+                <a:uFillTx/>
+                <a:latin typeface="Calibri"/>
+              </a:rPr>
+              <a:t>Bi-directional replication must be done with two </a:t>
+            </a:r>
+            <a:r>
+              <a:rPr lang="en-NZ" dirty="0">
+                <a:solidFill>
+                  <a:srgbClr val="000000"/>
+                </a:solidFill>
+                <a:latin typeface="Calibri"/>
+              </a:rPr>
+              <a:t>distinct </a:t>
+            </a:r>
+            <a:r>
+              <a:rPr lang="en-NZ" sz="1800" b="0" i="0" u="none" strike="noStrike" kern="1200" cap="none" spc="0" baseline="0" dirty="0">
+                <a:solidFill>
+                  <a:srgbClr val="000000"/>
+                </a:solidFill>
+                <a:uFillTx/>
+                <a:latin typeface="Calibri"/>
+              </a:rPr>
+              <a:t>connections.</a:t>
+            </a:r>
+          </a:p>
+        </p:txBody>
+      </p:sp>
+      <p:sp>
+        <p:nvSpPr>
+          <p:cNvPr id="25" name="TextBox 24"/>
+          <p:cNvSpPr txBox="1"/>
+          <p:nvPr/>
+        </p:nvSpPr>
+        <p:spPr>
+          <a:xfrm>
+            <a:off x="2733040" y="2296160"/>
+            <a:ext cx="567784" cy="369332"/>
+          </a:xfrm>
+          <a:prstGeom prst="rect">
+            <a:avLst/>
+          </a:prstGeom>
+          <a:noFill/>
+        </p:spPr>
+        <p:txBody>
+          <a:bodyPr wrap="none" rtlCol="0">
+            <a:spAutoFit/>
+          </a:bodyPr>
+          <a:lstStyle/>
+          <a:p>
+            <a:r>
+              <a:rPr lang="en-NZ" dirty="0"/>
+              <a:t>DC1</a:t>
+            </a:r>
+          </a:p>
+        </p:txBody>
+      </p:sp>
+      <p:sp>
+        <p:nvSpPr>
+          <p:cNvPr id="26" name="TextBox 25"/>
+          <p:cNvSpPr txBox="1"/>
+          <p:nvPr/>
+        </p:nvSpPr>
+        <p:spPr>
+          <a:xfrm>
+            <a:off x="6664960" y="2287786"/>
+            <a:ext cx="567784" cy="369332"/>
+          </a:xfrm>
+          <a:prstGeom prst="rect">
+            <a:avLst/>
+          </a:prstGeom>
+          <a:noFill/>
+        </p:spPr>
+        <p:txBody>
+          <a:bodyPr wrap="none" rtlCol="0">
+            <a:spAutoFit/>
+          </a:bodyPr>
+          <a:lstStyle/>
+          <a:p>
+            <a:r>
+              <a:rPr lang="en-NZ" dirty="0"/>
+              <a:t>DC2</a:t>
+            </a:r>
+          </a:p>
+        </p:txBody>
+      </p:sp>
+      <p:sp>
+        <p:nvSpPr>
+          <p:cNvPr id="28" name="TextBox 27"/>
+          <p:cNvSpPr txBox="1"/>
+          <p:nvPr/>
+        </p:nvSpPr>
+        <p:spPr>
+          <a:xfrm>
+            <a:off x="4515675" y="2845623"/>
+            <a:ext cx="1129925" cy="369332"/>
+          </a:xfrm>
+          <a:prstGeom prst="rect">
+            <a:avLst/>
+          </a:prstGeom>
+          <a:noFill/>
+        </p:spPr>
+        <p:txBody>
+          <a:bodyPr wrap="none" rtlCol="0">
+            <a:spAutoFit/>
+          </a:bodyPr>
+          <a:lstStyle/>
+          <a:p>
+            <a:r>
+              <a:rPr lang="en-NZ" dirty="0"/>
+              <a:t>pulls from</a:t>
+            </a:r>
+          </a:p>
+        </p:txBody>
+      </p:sp>
+    </p:spTree>
+    <p:extLst>
+      <p:ext uri="{BB962C8B-B14F-4D97-AF65-F5344CB8AC3E}">
+        <p14:creationId xmlns:p14="http://schemas.microsoft.com/office/powerpoint/2010/main" val="2153463680"/>
+      </p:ext>
+    </p:extLst>
+  </p:cSld>
+  <p:clrMapOvr>
+    <a:masterClrMapping/>
+  </p:clrMapOvr>
+</p:sld>
+</file>
+
+<file path=ppt/slides/slide19.xml><?xml version="1.0" encoding="utf-8"?>
 <p:sld xmlns:a="http://schemas.openxmlformats.org/drawingml/2006/main" xmlns:r="http://schemas.openxmlformats.org/officeDocument/2006/relationships" xmlns:p="http://schemas.openxmlformats.org/presentationml/2006/main">
   <p:cSld>
     <p:spTree>
@@ -18341,6 +19202,14 @@
           <a:ln cap="flat">
             <a:noFill/>
           </a:ln>
+          <a:effectLst>
+            <a:glow rad="228600">
+              <a:schemeClr val="accent1">
+                <a:satMod val="175000"/>
+                <a:alpha val="40000"/>
+              </a:schemeClr>
+            </a:glow>
+          </a:effectLst>
         </p:spPr>
       </p:pic>
       <p:cxnSp>
@@ -18395,6 +19264,14 @@
           <a:ln cap="flat">
             <a:noFill/>
           </a:ln>
+          <a:effectLst>
+            <a:glow rad="228600">
+              <a:schemeClr val="accent1">
+                <a:satMod val="175000"/>
+                <a:alpha val="40000"/>
+              </a:schemeClr>
+            </a:glow>
+          </a:effectLst>
         </p:spPr>
       </p:pic>
       <p:pic>
@@ -18423,6 +19300,14 @@
           <a:ln cap="flat">
             <a:noFill/>
           </a:ln>
+          <a:effectLst>
+            <a:glow rad="228600">
+              <a:schemeClr val="accent1">
+                <a:satMod val="175000"/>
+                <a:alpha val="40000"/>
+              </a:schemeClr>
+            </a:glow>
+          </a:effectLst>
         </p:spPr>
       </p:pic>
       <p:pic>
@@ -18451,6 +19336,14 @@
           <a:ln cap="flat">
             <a:noFill/>
           </a:ln>
+          <a:effectLst>
+            <a:glow rad="228600">
+              <a:schemeClr val="accent1">
+                <a:satMod val="175000"/>
+                <a:alpha val="40000"/>
+              </a:schemeClr>
+            </a:glow>
+          </a:effectLst>
         </p:spPr>
       </p:pic>
       <p:cxnSp>
@@ -18769,7 +19662,7 @@
         <p:spPr>
           <a:xfrm>
             <a:off x="2842988" y="6221184"/>
-            <a:ext cx="4897233" cy="369335"/>
+            <a:ext cx="4509311" cy="369332"/>
           </a:xfrm>
           <a:prstGeom prst="rect">
             <a:avLst/>
@@ -18812,8 +19705,25 @@
                 <a:uFillTx/>
                 <a:latin typeface="Calibri"/>
               </a:rPr>
-              <a:t>There is not necessarily a single bridgehead server.</a:t>
+              <a:t>The inter-site</a:t>
             </a:r>
+            <a:r>
+              <a:rPr lang="en-NZ" sz="1800" b="0" i="0" u="none" strike="noStrike" kern="1200" cap="none" spc="0" dirty="0">
+                <a:solidFill>
+                  <a:srgbClr val="000000"/>
+                </a:solidFill>
+                <a:uFillTx/>
+                <a:latin typeface="Calibri"/>
+              </a:rPr>
+              <a:t> algorithm only runs on the ITSG.</a:t>
+            </a:r>
+            <a:endParaRPr lang="en-NZ" sz="1800" b="0" i="0" u="none" strike="noStrike" kern="1200" cap="none" spc="0" baseline="0" dirty="0">
+              <a:solidFill>
+                <a:srgbClr val="000000"/>
+              </a:solidFill>
+              <a:uFillTx/>
+              <a:latin typeface="Calibri"/>
+            </a:endParaRPr>
           </a:p>
         </p:txBody>
       </p:sp>
@@ -18845,7 +19755,7 @@
     </p:spTree>
     <p:extLst>
       <p:ext uri="{BB962C8B-B14F-4D97-AF65-F5344CB8AC3E}">
-        <p14:creationId xmlns:p14="http://schemas.microsoft.com/office/powerpoint/2010/main" val="2153463680"/>
+        <p14:creationId xmlns:p14="http://schemas.microsoft.com/office/powerpoint/2010/main" val="1695989699"/>
       </p:ext>
     </p:extLst>
   </p:cSld>
@@ -18855,7 +19765,541 @@
 </p:sld>
 </file>
 
-<file path=ppt/slides/slide18.xml><?xml version="1.0" encoding="utf-8"?>
+<file path=ppt/slides/slide2.xml><?xml version="1.0" encoding="utf-8"?>
+<p:sld xmlns:a="http://schemas.openxmlformats.org/drawingml/2006/main" xmlns:r="http://schemas.openxmlformats.org/officeDocument/2006/relationships" xmlns:p="http://schemas.openxmlformats.org/presentationml/2006/main">
+  <p:cSld name="Slide10">
+    <p:spTree>
+      <p:nvGrpSpPr>
+        <p:cNvPr id="1" name=""/>
+        <p:cNvGrpSpPr/>
+        <p:nvPr/>
+      </p:nvGrpSpPr>
+      <p:grpSpPr>
+        <a:xfrm>
+          <a:off x="0" y="0"/>
+          <a:ext cx="0" cy="0"/>
+          <a:chOff x="0" y="0"/>
+          <a:chExt cx="0" cy="0"/>
+        </a:xfrm>
+      </p:grpSpPr>
+      <p:sp>
+        <p:nvSpPr>
+          <p:cNvPr id="2" name="Title 1"/>
+          <p:cNvSpPr txBox="1">
+            <a:spLocks noGrp="1"/>
+          </p:cNvSpPr>
+          <p:nvPr>
+            <p:ph type="title" idx="4294967295"/>
+          </p:nvPr>
+        </p:nvSpPr>
+        <p:spPr>
+          <a:xfrm>
+            <a:off x="503998" y="301322"/>
+            <a:ext cx="9072000" cy="1261798"/>
+          </a:xfrm>
+        </p:spPr>
+        <p:txBody>
+          <a:bodyPr/>
+          <a:lstStyle/>
+          <a:p>
+            <a:pPr lvl="0"/>
+            <a:r>
+              <a:rPr lang="en-NZ" sz="3200" b="1">
+                <a:solidFill>
+                  <a:srgbClr val="BB2025"/>
+                </a:solidFill>
+                <a:latin typeface="Lato" pitchFamily="34"/>
+                <a:ea typeface="Lato" pitchFamily="34"/>
+                <a:cs typeface="Lato" pitchFamily="34"/>
+              </a:rPr>
+              <a:t>What is the KCC?</a:t>
+            </a:r>
+          </a:p>
+        </p:txBody>
+      </p:sp>
+      <p:sp>
+        <p:nvSpPr>
+          <p:cNvPr id="3" name="Text Placeholder 2"/>
+          <p:cNvSpPr txBox="1">
+            <a:spLocks noGrp="1"/>
+          </p:cNvSpPr>
+          <p:nvPr>
+            <p:ph type="body" idx="4294967295"/>
+          </p:nvPr>
+        </p:nvSpPr>
+        <p:spPr>
+          <a:xfrm>
+            <a:off x="685800" y="1443215"/>
+            <a:ext cx="8667753" cy="4384081"/>
+          </a:xfrm>
+        </p:spPr>
+        <p:txBody>
+          <a:bodyPr/>
+          <a:lstStyle/>
+          <a:p>
+            <a:pPr marL="342900" lvl="0" indent="-342900">
+              <a:buSzPct val="100000"/>
+              <a:buFont typeface="Arial" pitchFamily="34"/>
+              <a:buChar char="•"/>
+            </a:pPr>
+            <a:r>
+              <a:rPr lang="en-NZ" sz="2400"/>
+              <a:t>Knowledge consistency checker</a:t>
+            </a:r>
+          </a:p>
+          <a:p>
+            <a:pPr marL="342900" lvl="0" indent="-342900">
+              <a:buSzPct val="100000"/>
+              <a:buFont typeface="Arial" pitchFamily="34"/>
+              <a:buChar char="•"/>
+            </a:pPr>
+            <a:r>
+              <a:rPr lang="en-NZ" sz="2400"/>
+              <a:t>Used to manage replication connections in AD</a:t>
+            </a:r>
+          </a:p>
+          <a:p>
+            <a:pPr marL="342900" lvl="0" indent="-342900">
+              <a:buSzPct val="100000"/>
+              <a:buFont typeface="Arial" pitchFamily="34"/>
+              <a:buChar char="•"/>
+            </a:pPr>
+            <a:r>
+              <a:rPr lang="en-NZ" sz="2400"/>
+              <a:t>Set of algorithms to produce efficient network topologies</a:t>
+            </a:r>
+          </a:p>
+        </p:txBody>
+      </p:sp>
+      <p:pic>
+        <p:nvPicPr>
+          <p:cNvPr id="4" name="Picture 6"/>
+          <p:cNvPicPr>
+            <a:picLocks noChangeAspect="1"/>
+          </p:cNvPicPr>
+          <p:nvPr/>
+        </p:nvPicPr>
+        <p:blipFill>
+          <a:blip r:embed="rId3"/>
+          <a:stretch>
+            <a:fillRect/>
+          </a:stretch>
+        </p:blipFill>
+        <p:spPr>
+          <a:xfrm>
+            <a:off x="2376799" y="4600931"/>
+            <a:ext cx="726957" cy="980721"/>
+          </a:xfrm>
+          <a:prstGeom prst="rect">
+            <a:avLst/>
+          </a:prstGeom>
+          <a:noFill/>
+          <a:ln cap="flat">
+            <a:noFill/>
+          </a:ln>
+        </p:spPr>
+      </p:pic>
+      <p:pic>
+        <p:nvPicPr>
+          <p:cNvPr id="5" name="Picture 6"/>
+          <p:cNvPicPr>
+            <a:picLocks noChangeAspect="1"/>
+          </p:cNvPicPr>
+          <p:nvPr/>
+        </p:nvPicPr>
+        <p:blipFill>
+          <a:blip r:embed="rId3"/>
+          <a:stretch>
+            <a:fillRect/>
+          </a:stretch>
+        </p:blipFill>
+        <p:spPr>
+          <a:xfrm>
+            <a:off x="4240008" y="4462061"/>
+            <a:ext cx="704691" cy="950683"/>
+          </a:xfrm>
+          <a:prstGeom prst="rect">
+            <a:avLst/>
+          </a:prstGeom>
+          <a:noFill/>
+          <a:ln cap="flat">
+            <a:noFill/>
+          </a:ln>
+        </p:spPr>
+      </p:pic>
+      <p:pic>
+        <p:nvPicPr>
+          <p:cNvPr id="6" name="Picture 6"/>
+          <p:cNvPicPr>
+            <a:picLocks noChangeAspect="1"/>
+          </p:cNvPicPr>
+          <p:nvPr/>
+        </p:nvPicPr>
+        <p:blipFill>
+          <a:blip r:embed="rId3"/>
+          <a:stretch>
+            <a:fillRect/>
+          </a:stretch>
+        </p:blipFill>
+        <p:spPr>
+          <a:xfrm>
+            <a:off x="5372520" y="5493733"/>
+            <a:ext cx="704691" cy="950683"/>
+          </a:xfrm>
+          <a:prstGeom prst="rect">
+            <a:avLst/>
+          </a:prstGeom>
+          <a:noFill/>
+          <a:ln cap="flat">
+            <a:noFill/>
+          </a:ln>
+        </p:spPr>
+      </p:pic>
+      <p:pic>
+        <p:nvPicPr>
+          <p:cNvPr id="7" name="Picture 6"/>
+          <p:cNvPicPr>
+            <a:picLocks noChangeAspect="1"/>
+          </p:cNvPicPr>
+          <p:nvPr/>
+        </p:nvPicPr>
+        <p:blipFill>
+          <a:blip r:embed="rId3"/>
+          <a:stretch>
+            <a:fillRect/>
+          </a:stretch>
+        </p:blipFill>
+        <p:spPr>
+          <a:xfrm>
+            <a:off x="6002917" y="3986719"/>
+            <a:ext cx="704691" cy="950683"/>
+          </a:xfrm>
+          <a:prstGeom prst="rect">
+            <a:avLst/>
+          </a:prstGeom>
+          <a:noFill/>
+          <a:ln cap="flat">
+            <a:noFill/>
+          </a:ln>
+        </p:spPr>
+      </p:pic>
+      <p:cxnSp>
+        <p:nvCxnSpPr>
+          <p:cNvPr id="8" name="Straight Connector 24"/>
+          <p:cNvCxnSpPr>
+            <a:endCxn id="5" idx="1"/>
+          </p:cNvCxnSpPr>
+          <p:nvPr/>
+        </p:nvCxnSpPr>
+        <p:spPr>
+          <a:xfrm flipV="1">
+            <a:off x="2999350" y="4937403"/>
+            <a:ext cx="1240658" cy="98490"/>
+          </a:xfrm>
+          <a:prstGeom prst="straightConnector1">
+            <a:avLst/>
+          </a:prstGeom>
+          <a:noFill/>
+          <a:ln w="38103" cap="flat">
+            <a:solidFill>
+              <a:srgbClr val="2E75B6"/>
+            </a:solidFill>
+            <a:prstDash val="solid"/>
+            <a:miter/>
+            <a:headEnd type="arrow"/>
+            <a:tailEnd type="arrow"/>
+          </a:ln>
+        </p:spPr>
+      </p:cxnSp>
+      <p:cxnSp>
+        <p:nvCxnSpPr>
+          <p:cNvPr id="9" name="Straight Connector 24"/>
+          <p:cNvCxnSpPr/>
+          <p:nvPr/>
+        </p:nvCxnSpPr>
+        <p:spPr>
+          <a:xfrm>
+            <a:off x="4592354" y="5035893"/>
+            <a:ext cx="780166" cy="877102"/>
+          </a:xfrm>
+          <a:prstGeom prst="straightConnector1">
+            <a:avLst/>
+          </a:prstGeom>
+          <a:noFill/>
+          <a:ln w="38103" cap="flat">
+            <a:solidFill>
+              <a:srgbClr val="2E75B6"/>
+            </a:solidFill>
+            <a:prstDash val="solid"/>
+            <a:miter/>
+            <a:headEnd type="arrow"/>
+            <a:tailEnd type="arrow"/>
+          </a:ln>
+        </p:spPr>
+      </p:cxnSp>
+      <p:cxnSp>
+        <p:nvCxnSpPr>
+          <p:cNvPr id="10" name="Straight Connector 24"/>
+          <p:cNvCxnSpPr/>
+          <p:nvPr/>
+        </p:nvCxnSpPr>
+        <p:spPr>
+          <a:xfrm flipV="1">
+            <a:off x="4869207" y="4545299"/>
+            <a:ext cx="1208005" cy="243907"/>
+          </a:xfrm>
+          <a:prstGeom prst="straightConnector1">
+            <a:avLst/>
+          </a:prstGeom>
+          <a:noFill/>
+          <a:ln w="38103" cap="flat">
+            <a:solidFill>
+              <a:srgbClr val="2E75B6"/>
+            </a:solidFill>
+            <a:prstDash val="solid"/>
+            <a:miter/>
+            <a:headEnd type="arrow"/>
+            <a:tailEnd type="arrow"/>
+          </a:ln>
+        </p:spPr>
+      </p:cxnSp>
+      <p:sp>
+        <p:nvSpPr>
+          <p:cNvPr id="11" name="TextBox 26"/>
+          <p:cNvSpPr txBox="1"/>
+          <p:nvPr/>
+        </p:nvSpPr>
+        <p:spPr>
+          <a:xfrm>
+            <a:off x="4205243" y="4007732"/>
+            <a:ext cx="719166" cy="369335"/>
+          </a:xfrm>
+          <a:prstGeom prst="rect">
+            <a:avLst/>
+          </a:prstGeom>
+          <a:noFill/>
+          <a:ln cap="flat">
+            <a:noFill/>
+          </a:ln>
+        </p:spPr>
+        <p:txBody>
+          <a:bodyPr vert="horz" wrap="none" lIns="91440" tIns="45720" rIns="91440" bIns="45720" anchor="t" anchorCtr="0" compatLnSpc="1">
+            <a:spAutoFit/>
+          </a:bodyPr>
+          <a:lstStyle/>
+          <a:p>
+            <a:pPr marL="0" marR="0" lvl="0" indent="0" algn="l" defTabSz="914400" rtl="0" fontAlgn="auto" hangingPunct="1">
+              <a:lnSpc>
+                <a:spcPct val="100000"/>
+              </a:lnSpc>
+              <a:spcBef>
+                <a:spcPts val="0"/>
+              </a:spcBef>
+              <a:spcAft>
+                <a:spcPts val="0"/>
+              </a:spcAft>
+              <a:buNone/>
+              <a:tabLst/>
+              <a:defRPr sz="1800" b="0" i="0" u="none" strike="noStrike" kern="0" cap="none" spc="0" baseline="0">
+                <a:solidFill>
+                  <a:srgbClr val="000000"/>
+                </a:solidFill>
+                <a:uFillTx/>
+              </a:defRPr>
+            </a:pPr>
+            <a:r>
+              <a:rPr lang="en-NZ" sz="1800" b="0" i="0" u="none" strike="noStrike" kern="1200" cap="none" spc="0" baseline="0">
+                <a:solidFill>
+                  <a:srgbClr val="000000"/>
+                </a:solidFill>
+                <a:uFillTx/>
+                <a:latin typeface="Calibri"/>
+              </a:rPr>
+              <a:t>Site A</a:t>
+            </a:r>
+          </a:p>
+        </p:txBody>
+      </p:sp>
+      <p:sp>
+        <p:nvSpPr>
+          <p:cNvPr id="12" name="TextBox 27"/>
+          <p:cNvSpPr txBox="1"/>
+          <p:nvPr/>
+        </p:nvSpPr>
+        <p:spPr>
+          <a:xfrm>
+            <a:off x="6002917" y="3565090"/>
+            <a:ext cx="711156" cy="369335"/>
+          </a:xfrm>
+          <a:prstGeom prst="rect">
+            <a:avLst/>
+          </a:prstGeom>
+          <a:noFill/>
+          <a:ln cap="flat">
+            <a:noFill/>
+          </a:ln>
+        </p:spPr>
+        <p:txBody>
+          <a:bodyPr vert="horz" wrap="none" lIns="91440" tIns="45720" rIns="91440" bIns="45720" anchor="t" anchorCtr="0" compatLnSpc="1">
+            <a:spAutoFit/>
+          </a:bodyPr>
+          <a:lstStyle/>
+          <a:p>
+            <a:pPr marL="0" marR="0" lvl="0" indent="0" algn="l" defTabSz="914400" rtl="0" fontAlgn="auto" hangingPunct="1">
+              <a:lnSpc>
+                <a:spcPct val="100000"/>
+              </a:lnSpc>
+              <a:spcBef>
+                <a:spcPts val="0"/>
+              </a:spcBef>
+              <a:spcAft>
+                <a:spcPts val="0"/>
+              </a:spcAft>
+              <a:buNone/>
+              <a:tabLst/>
+              <a:defRPr sz="1800" b="0" i="0" u="none" strike="noStrike" kern="0" cap="none" spc="0" baseline="0">
+                <a:solidFill>
+                  <a:srgbClr val="000000"/>
+                </a:solidFill>
+                <a:uFillTx/>
+              </a:defRPr>
+            </a:pPr>
+            <a:r>
+              <a:rPr lang="en-NZ" sz="1800" b="0" i="0" u="none" strike="noStrike" kern="1200" cap="none" spc="0" baseline="0">
+                <a:solidFill>
+                  <a:srgbClr val="000000"/>
+                </a:solidFill>
+                <a:uFillTx/>
+                <a:latin typeface="Calibri"/>
+              </a:rPr>
+              <a:t>Site B</a:t>
+            </a:r>
+          </a:p>
+        </p:txBody>
+      </p:sp>
+      <p:sp>
+        <p:nvSpPr>
+          <p:cNvPr id="13" name="TextBox 28"/>
+          <p:cNvSpPr txBox="1"/>
+          <p:nvPr/>
+        </p:nvSpPr>
+        <p:spPr>
+          <a:xfrm>
+            <a:off x="5423251" y="5142073"/>
+            <a:ext cx="709556" cy="369335"/>
+          </a:xfrm>
+          <a:prstGeom prst="rect">
+            <a:avLst/>
+          </a:prstGeom>
+          <a:noFill/>
+          <a:ln cap="flat">
+            <a:noFill/>
+          </a:ln>
+        </p:spPr>
+        <p:txBody>
+          <a:bodyPr vert="horz" wrap="none" lIns="91440" tIns="45720" rIns="91440" bIns="45720" anchor="t" anchorCtr="0" compatLnSpc="1">
+            <a:spAutoFit/>
+          </a:bodyPr>
+          <a:lstStyle/>
+          <a:p>
+            <a:pPr marL="0" marR="0" lvl="0" indent="0" algn="l" defTabSz="914400" rtl="0" fontAlgn="auto" hangingPunct="1">
+              <a:lnSpc>
+                <a:spcPct val="100000"/>
+              </a:lnSpc>
+              <a:spcBef>
+                <a:spcPts val="0"/>
+              </a:spcBef>
+              <a:spcAft>
+                <a:spcPts val="0"/>
+              </a:spcAft>
+              <a:buNone/>
+              <a:tabLst/>
+              <a:defRPr sz="1800" b="0" i="0" u="none" strike="noStrike" kern="0" cap="none" spc="0" baseline="0">
+                <a:solidFill>
+                  <a:srgbClr val="000000"/>
+                </a:solidFill>
+                <a:uFillTx/>
+              </a:defRPr>
+            </a:pPr>
+            <a:r>
+              <a:rPr lang="en-NZ" sz="1800" b="0" i="0" u="none" strike="noStrike" kern="1200" cap="none" spc="0" baseline="0">
+                <a:solidFill>
+                  <a:srgbClr val="000000"/>
+                </a:solidFill>
+                <a:uFillTx/>
+                <a:latin typeface="Calibri"/>
+              </a:rPr>
+              <a:t>Site C</a:t>
+            </a:r>
+          </a:p>
+        </p:txBody>
+      </p:sp>
+      <p:sp>
+        <p:nvSpPr>
+          <p:cNvPr id="14" name="TextBox 30"/>
+          <p:cNvSpPr txBox="1"/>
+          <p:nvPr/>
+        </p:nvSpPr>
+        <p:spPr>
+          <a:xfrm>
+            <a:off x="2270564" y="4145734"/>
+            <a:ext cx="728785" cy="369335"/>
+          </a:xfrm>
+          <a:prstGeom prst="rect">
+            <a:avLst/>
+          </a:prstGeom>
+          <a:noFill/>
+          <a:ln cap="flat">
+            <a:noFill/>
+          </a:ln>
+        </p:spPr>
+        <p:txBody>
+          <a:bodyPr vert="horz" wrap="none" lIns="91440" tIns="45720" rIns="91440" bIns="45720" anchor="t" anchorCtr="0" compatLnSpc="1">
+            <a:spAutoFit/>
+          </a:bodyPr>
+          <a:lstStyle/>
+          <a:p>
+            <a:pPr marL="0" marR="0" lvl="0" indent="0" algn="l" defTabSz="914400" rtl="0" fontAlgn="auto" hangingPunct="1">
+              <a:lnSpc>
+                <a:spcPct val="100000"/>
+              </a:lnSpc>
+              <a:spcBef>
+                <a:spcPts val="0"/>
+              </a:spcBef>
+              <a:spcAft>
+                <a:spcPts val="0"/>
+              </a:spcAft>
+              <a:buNone/>
+              <a:tabLst/>
+              <a:defRPr sz="1800" b="0" i="0" u="none" strike="noStrike" kern="0" cap="none" spc="0" baseline="0">
+                <a:solidFill>
+                  <a:srgbClr val="000000"/>
+                </a:solidFill>
+                <a:uFillTx/>
+              </a:defRPr>
+            </a:pPr>
+            <a:r>
+              <a:rPr lang="en-NZ" sz="1800" b="0" i="0" u="none" strike="noStrike" kern="1200" cap="none" spc="0" baseline="0">
+                <a:solidFill>
+                  <a:srgbClr val="000000"/>
+                </a:solidFill>
+                <a:uFillTx/>
+                <a:latin typeface="Calibri"/>
+              </a:rPr>
+              <a:t>Site D</a:t>
+            </a:r>
+          </a:p>
+        </p:txBody>
+      </p:sp>
+    </p:spTree>
+  </p:cSld>
+  <p:clrMapOvr>
+    <a:masterClrMapping/>
+  </p:clrMapOvr>
+</p:sld>
+</file>
+
+<file path=ppt/slides/slide20.xml><?xml version="1.0" encoding="utf-8"?>
 <p:sld xmlns:a="http://schemas.openxmlformats.org/drawingml/2006/main" xmlns:r="http://schemas.openxmlformats.org/officeDocument/2006/relationships" xmlns:p="http://schemas.openxmlformats.org/presentationml/2006/main">
   <p:cSld>
     <p:spTree>
@@ -18888,7 +20332,7 @@
         </p:blipFill>
         <p:spPr>
           <a:xfrm>
-            <a:off x="2441667" y="4037096"/>
+            <a:off x="2441667" y="4057416"/>
             <a:ext cx="726957" cy="980721"/>
           </a:xfrm>
           <a:prstGeom prst="rect">
@@ -18916,7 +20360,7 @@
         </p:blipFill>
         <p:spPr>
           <a:xfrm>
-            <a:off x="3402957" y="2955013"/>
+            <a:off x="3402957" y="2975333"/>
             <a:ext cx="726957" cy="980721"/>
           </a:xfrm>
           <a:prstGeom prst="rect">
@@ -18971,7 +20415,7 @@
         </p:nvSpPr>
         <p:spPr>
           <a:xfrm>
-            <a:off x="823362" y="1930483"/>
+            <a:off x="823362" y="1950803"/>
             <a:ext cx="3600001" cy="3600001"/>
           </a:xfrm>
           <a:custGeom>
@@ -19142,7 +20586,7 @@
         </p:nvCxnSpPr>
         <p:spPr>
           <a:xfrm flipV="1">
-            <a:off x="1314376" y="2838711"/>
+            <a:off x="1314376" y="2859031"/>
             <a:ext cx="904772" cy="869923"/>
           </a:xfrm>
           <a:prstGeom prst="straightConnector1">
@@ -19176,7 +20620,7 @@
         </p:blipFill>
         <p:spPr>
           <a:xfrm>
-            <a:off x="2137181" y="2288507"/>
+            <a:off x="2137181" y="2308827"/>
             <a:ext cx="684675" cy="923681"/>
           </a:xfrm>
           <a:prstGeom prst="rect">
@@ -19196,7 +20640,7 @@
         </p:nvCxnSpPr>
         <p:spPr>
           <a:xfrm>
-            <a:off x="2602583" y="2899381"/>
+            <a:off x="2602583" y="2919701"/>
             <a:ext cx="800374" cy="435318"/>
           </a:xfrm>
           <a:prstGeom prst="straightConnector1">
@@ -19222,7 +20666,7 @@
         </p:nvCxnSpPr>
         <p:spPr>
           <a:xfrm flipV="1">
-            <a:off x="2972485" y="3636653"/>
+            <a:off x="2972485" y="3656973"/>
             <a:ext cx="904781" cy="869932"/>
           </a:xfrm>
           <a:prstGeom prst="straightConnector1">
@@ -19256,7 +20700,7 @@
         </p:blipFill>
         <p:spPr>
           <a:xfrm>
-            <a:off x="1117204" y="3313796"/>
+            <a:off x="1117204" y="3334116"/>
             <a:ext cx="726957" cy="980721"/>
           </a:xfrm>
           <a:prstGeom prst="rect">
@@ -19284,7 +20728,7 @@
         </p:nvCxnSpPr>
         <p:spPr>
           <a:xfrm>
-            <a:off x="1626132" y="4006692"/>
+            <a:off x="1626132" y="4027012"/>
             <a:ext cx="800127" cy="520760"/>
           </a:xfrm>
           <a:prstGeom prst="straightConnector1">
@@ -19318,7 +20762,7 @@
         </p:blipFill>
         <p:spPr>
           <a:xfrm>
-            <a:off x="5266166" y="2816143"/>
+            <a:off x="5266166" y="2836463"/>
             <a:ext cx="704691" cy="950683"/>
           </a:xfrm>
           <a:prstGeom prst="rect">
@@ -19354,7 +20798,7 @@
         </p:blipFill>
         <p:spPr>
           <a:xfrm>
-            <a:off x="6398678" y="3847815"/>
+            <a:off x="6398678" y="3868135"/>
             <a:ext cx="704691" cy="950683"/>
           </a:xfrm>
           <a:prstGeom prst="rect">
@@ -19390,7 +20834,7 @@
         </p:blipFill>
         <p:spPr>
           <a:xfrm>
-            <a:off x="7029075" y="2340802"/>
+            <a:off x="7029075" y="2361122"/>
             <a:ext cx="704691" cy="950683"/>
           </a:xfrm>
           <a:prstGeom prst="rect">
@@ -19412,40 +20856,13 @@
       </p:pic>
       <p:cxnSp>
         <p:nvCxnSpPr>
-          <p:cNvPr id="15" name="Straight Connector 24"/>
-          <p:cNvCxnSpPr>
-            <a:endCxn id="12" idx="1"/>
-          </p:cNvCxnSpPr>
-          <p:nvPr/>
-        </p:nvCxnSpPr>
-        <p:spPr>
-          <a:xfrm flipV="1">
-            <a:off x="4025508" y="3291485"/>
-            <a:ext cx="1240658" cy="98490"/>
-          </a:xfrm>
-          <a:prstGeom prst="straightConnector1">
-            <a:avLst/>
-          </a:prstGeom>
-          <a:noFill/>
-          <a:ln w="38103" cap="flat">
-            <a:solidFill>
-              <a:srgbClr val="2E75B6"/>
-            </a:solidFill>
-            <a:prstDash val="solid"/>
-            <a:miter/>
-            <a:tailEnd type="arrow"/>
-          </a:ln>
-        </p:spPr>
-      </p:cxnSp>
-      <p:cxnSp>
-        <p:nvCxnSpPr>
           <p:cNvPr id="16" name="Straight Connector 24"/>
           <p:cNvCxnSpPr/>
           <p:nvPr/>
         </p:nvCxnSpPr>
         <p:spPr>
           <a:xfrm>
-            <a:off x="5618512" y="3389975"/>
+            <a:off x="5618512" y="3410295"/>
             <a:ext cx="780166" cy="877102"/>
           </a:xfrm>
           <a:prstGeom prst="straightConnector1">
@@ -19471,7 +20888,7 @@
         </p:nvCxnSpPr>
         <p:spPr>
           <a:xfrm flipV="1">
-            <a:off x="5895365" y="2899381"/>
+            <a:off x="5895365" y="2919701"/>
             <a:ext cx="1208005" cy="243907"/>
           </a:xfrm>
           <a:prstGeom prst="straightConnector1">
@@ -19497,7 +20914,7 @@
         </p:nvSpPr>
         <p:spPr>
           <a:xfrm>
-            <a:off x="5231401" y="2361814"/>
+            <a:off x="5231401" y="2382134"/>
             <a:ext cx="719166" cy="369335"/>
           </a:xfrm>
           <a:prstGeom prst="rect">
@@ -19554,7 +20971,7 @@
         </p:nvSpPr>
         <p:spPr>
           <a:xfrm>
-            <a:off x="7029075" y="1919172"/>
+            <a:off x="7029075" y="1939492"/>
             <a:ext cx="711156" cy="369335"/>
           </a:xfrm>
           <a:prstGeom prst="rect">
@@ -19611,7 +21028,7 @@
         </p:nvSpPr>
         <p:spPr>
           <a:xfrm>
-            <a:off x="6449409" y="3496155"/>
+            <a:off x="6449409" y="3516475"/>
             <a:ext cx="709556" cy="369335"/>
           </a:xfrm>
           <a:prstGeom prst="rect">
@@ -19668,7 +21085,7 @@
         </p:nvSpPr>
         <p:spPr>
           <a:xfrm>
-            <a:off x="1407179" y="4609245"/>
+            <a:off x="1407179" y="4629565"/>
             <a:ext cx="728785" cy="369335"/>
           </a:xfrm>
           <a:prstGeom prst="rect">
@@ -19717,80 +21134,6 @@
           </a:p>
         </p:txBody>
       </p:sp>
-      <p:sp>
-        <p:nvSpPr>
-          <p:cNvPr id="22" name="TextBox 21"/>
-          <p:cNvSpPr txBox="1"/>
-          <p:nvPr/>
-        </p:nvSpPr>
-        <p:spPr>
-          <a:xfrm>
-            <a:off x="2842988" y="6221184"/>
-            <a:ext cx="4509311" cy="369332"/>
-          </a:xfrm>
-          <a:prstGeom prst="rect">
-            <a:avLst/>
-          </a:prstGeom>
-          <a:noFill/>
-          <a:ln cap="flat">
-            <a:noFill/>
-          </a:ln>
-        </p:spPr>
-        <p:txBody>
-          <a:bodyPr vert="horz" wrap="none" lIns="91440" tIns="45720" rIns="91440" bIns="45720" anchor="t" anchorCtr="0" compatLnSpc="1">
-            <a:spAutoFit/>
-          </a:bodyPr>
-          <a:lstStyle/>
-          <a:p>
-            <a:pPr marL="0" marR="0" lvl="0" indent="0" algn="l" defTabSz="914400" rtl="0" fontAlgn="auto" hangingPunct="1">
-              <a:lnSpc>
-                <a:spcPct val="100000"/>
-              </a:lnSpc>
-              <a:spcBef>
-                <a:spcPts val="0"/>
-              </a:spcBef>
-              <a:spcAft>
-                <a:spcPts val="0"/>
-              </a:spcAft>
-              <a:buNone/>
-              <a:tabLst/>
-              <a:defRPr sz="1800" b="0" i="0" u="none" strike="noStrike" kern="0" cap="none" spc="0" baseline="0">
-                <a:solidFill>
-                  <a:srgbClr val="000000"/>
-                </a:solidFill>
-                <a:uFillTx/>
-              </a:defRPr>
-            </a:pPr>
-            <a:r>
-              <a:rPr lang="en-NZ" sz="1800" b="0" i="0" u="none" strike="noStrike" kern="1200" cap="none" spc="0" baseline="0" dirty="0">
-                <a:solidFill>
-                  <a:srgbClr val="000000"/>
-                </a:solidFill>
-                <a:uFillTx/>
-                <a:latin typeface="Calibri"/>
-              </a:rPr>
-              <a:t>The inter-site</a:t>
-            </a:r>
-            <a:r>
-              <a:rPr lang="en-NZ" sz="1800" b="0" i="0" u="none" strike="noStrike" kern="1200" cap="none" spc="0" dirty="0">
-                <a:solidFill>
-                  <a:srgbClr val="000000"/>
-                </a:solidFill>
-                <a:uFillTx/>
-                <a:latin typeface="Calibri"/>
-              </a:rPr>
-              <a:t> algorithm only runs on the ITSG.</a:t>
-            </a:r>
-            <a:endParaRPr lang="en-NZ" sz="1800" b="0" i="0" u="none" strike="noStrike" kern="1200" cap="none" spc="0" baseline="0" dirty="0">
-              <a:solidFill>
-                <a:srgbClr val="000000"/>
-              </a:solidFill>
-              <a:uFillTx/>
-              <a:latin typeface="Calibri"/>
-            </a:endParaRPr>
-          </a:p>
-        </p:txBody>
-      </p:sp>
       <p:cxnSp>
         <p:nvCxnSpPr>
           <p:cNvPr id="23" name="Straight Connector 24"/>
@@ -19799,7 +21142,7 @@
         </p:nvCxnSpPr>
         <p:spPr>
           <a:xfrm flipV="1">
-            <a:off x="2956017" y="3410814"/>
+            <a:off x="2956017" y="3431134"/>
             <a:ext cx="2247513" cy="1120268"/>
           </a:xfrm>
           <a:prstGeom prst="straightConnector1">
@@ -19819,7 +21162,7 @@
     </p:spTree>
     <p:extLst>
       <p:ext uri="{BB962C8B-B14F-4D97-AF65-F5344CB8AC3E}">
-        <p14:creationId xmlns:p14="http://schemas.microsoft.com/office/powerpoint/2010/main" val="1695989699"/>
+        <p14:creationId xmlns:p14="http://schemas.microsoft.com/office/powerpoint/2010/main" val="836648"/>
       </p:ext>
     </p:extLst>
   </p:cSld>
@@ -19829,7 +21172,7 @@
 </p:sld>
 </file>
 
-<file path=ppt/slides/slide19.xml><?xml version="1.0" encoding="utf-8"?>
+<file path=ppt/slides/slide21.xml><?xml version="1.0" encoding="utf-8"?>
 <p:sld xmlns:a="http://schemas.openxmlformats.org/drawingml/2006/main" xmlns:r="http://schemas.openxmlformats.org/officeDocument/2006/relationships" xmlns:p="http://schemas.openxmlformats.org/presentationml/2006/main">
   <p:cSld>
     <p:spTree>
@@ -20386,14 +21729,16 @@
       </p:pic>
       <p:cxnSp>
         <p:nvCxnSpPr>
-          <p:cNvPr id="16" name="Straight Connector 24"/>
-          <p:cNvCxnSpPr/>
+          <p:cNvPr id="15" name="Straight Connector 24"/>
+          <p:cNvCxnSpPr>
+            <a:endCxn id="12" idx="1"/>
+          </p:cNvCxnSpPr>
           <p:nvPr/>
         </p:nvCxnSpPr>
         <p:spPr>
-          <a:xfrm>
-            <a:off x="5618512" y="3410295"/>
-            <a:ext cx="780166" cy="877102"/>
+          <a:xfrm flipV="1">
+            <a:off x="4025508" y="3311805"/>
+            <a:ext cx="1240658" cy="98490"/>
           </a:xfrm>
           <a:prstGeom prst="straightConnector1">
             <a:avLst/>
@@ -20403,6 +21748,33 @@
             <a:solidFill>
               <a:srgbClr val="2E75B6"/>
             </a:solidFill>
+            <a:prstDash val="sysDash"/>
+            <a:miter/>
+            <a:tailEnd type="arrow"/>
+          </a:ln>
+        </p:spPr>
+      </p:cxnSp>
+      <p:cxnSp>
+        <p:nvCxnSpPr>
+          <p:cNvPr id="16" name="Straight Connector 24"/>
+          <p:cNvCxnSpPr/>
+          <p:nvPr/>
+        </p:nvCxnSpPr>
+        <p:spPr>
+          <a:xfrm>
+            <a:off x="5618512" y="3410295"/>
+            <a:ext cx="780166" cy="877102"/>
+          </a:xfrm>
+          <a:prstGeom prst="straightConnector1">
+            <a:avLst/>
+          </a:prstGeom>
+          <a:noFill/>
+          <a:ln w="38103" cap="flat">
+            <a:solidFill>
+              <a:schemeClr val="bg1">
+                <a:lumMod val="65000"/>
+              </a:schemeClr>
+            </a:solidFill>
             <a:prstDash val="solid"/>
             <a:miter/>
             <a:headEnd type="arrow"/>
@@ -20427,7 +21799,9 @@
           <a:noFill/>
           <a:ln w="38103" cap="flat">
             <a:solidFill>
-              <a:srgbClr val="2E75B6"/>
+              <a:schemeClr val="bg1">
+                <a:lumMod val="65000"/>
+              </a:schemeClr>
             </a:solidFill>
             <a:prstDash val="solid"/>
             <a:miter/>
@@ -20664,352 +22038,16 @@
           </a:p>
         </p:txBody>
       </p:sp>
-      <p:cxnSp>
-        <p:nvCxnSpPr>
-          <p:cNvPr id="23" name="Straight Connector 24"/>
-          <p:cNvCxnSpPr/>
-          <p:nvPr/>
-        </p:nvCxnSpPr>
-        <p:spPr>
-          <a:xfrm flipV="1">
-            <a:off x="2956017" y="3431134"/>
-            <a:ext cx="2247513" cy="1120268"/>
-          </a:xfrm>
-          <a:prstGeom prst="straightConnector1">
-            <a:avLst/>
-          </a:prstGeom>
-          <a:noFill/>
-          <a:ln w="38103" cap="flat">
-            <a:solidFill>
-              <a:srgbClr val="2E75B6"/>
-            </a:solidFill>
-            <a:prstDash val="solid"/>
-            <a:miter/>
-            <a:headEnd type="arrow"/>
-          </a:ln>
-        </p:spPr>
-      </p:cxnSp>
-    </p:spTree>
-    <p:extLst>
-      <p:ext uri="{BB962C8B-B14F-4D97-AF65-F5344CB8AC3E}">
-        <p14:creationId xmlns:p14="http://schemas.microsoft.com/office/powerpoint/2010/main" val="836648"/>
-      </p:ext>
-    </p:extLst>
-  </p:cSld>
-  <p:clrMapOvr>
-    <a:masterClrMapping/>
-  </p:clrMapOvr>
-</p:sld>
-</file>
-
-<file path=ppt/slides/slide2.xml><?xml version="1.0" encoding="utf-8"?>
-<p:sld xmlns:a="http://schemas.openxmlformats.org/drawingml/2006/main" xmlns:r="http://schemas.openxmlformats.org/officeDocument/2006/relationships" xmlns:p="http://schemas.openxmlformats.org/presentationml/2006/main">
-  <p:cSld name="Slide10">
-    <p:spTree>
-      <p:nvGrpSpPr>
-        <p:cNvPr id="1" name=""/>
-        <p:cNvGrpSpPr/>
-        <p:nvPr/>
-      </p:nvGrpSpPr>
-      <p:grpSpPr>
-        <a:xfrm>
-          <a:off x="0" y="0"/>
-          <a:ext cx="0" cy="0"/>
-          <a:chOff x="0" y="0"/>
-          <a:chExt cx="0" cy="0"/>
-        </a:xfrm>
-      </p:grpSpPr>
-      <p:sp>
-        <p:nvSpPr>
-          <p:cNvPr id="2" name="Title 1"/>
-          <p:cNvSpPr txBox="1">
-            <a:spLocks noGrp="1"/>
-          </p:cNvSpPr>
-          <p:nvPr>
-            <p:ph type="title" idx="4294967295"/>
-          </p:nvPr>
-        </p:nvSpPr>
-        <p:spPr>
-          <a:xfrm>
-            <a:off x="503998" y="301322"/>
-            <a:ext cx="9072000" cy="1261798"/>
-          </a:xfrm>
-        </p:spPr>
-        <p:txBody>
-          <a:bodyPr/>
-          <a:lstStyle/>
-          <a:p>
-            <a:pPr lvl="0"/>
-            <a:r>
-              <a:rPr lang="en-NZ" sz="3200" b="1">
-                <a:solidFill>
-                  <a:srgbClr val="BB2025"/>
-                </a:solidFill>
-                <a:latin typeface="Lato" pitchFamily="34"/>
-                <a:ea typeface="Lato" pitchFamily="34"/>
-                <a:cs typeface="Lato" pitchFamily="34"/>
-              </a:rPr>
-              <a:t>What is the KCC?</a:t>
-            </a:r>
-          </a:p>
-        </p:txBody>
-      </p:sp>
-      <p:sp>
-        <p:nvSpPr>
-          <p:cNvPr id="3" name="Text Placeholder 2"/>
-          <p:cNvSpPr txBox="1">
-            <a:spLocks noGrp="1"/>
-          </p:cNvSpPr>
-          <p:nvPr>
-            <p:ph type="body" idx="4294967295"/>
-          </p:nvPr>
-        </p:nvSpPr>
-        <p:spPr>
-          <a:xfrm>
-            <a:off x="685800" y="1443215"/>
-            <a:ext cx="8667753" cy="4384081"/>
-          </a:xfrm>
-        </p:spPr>
-        <p:txBody>
-          <a:bodyPr/>
-          <a:lstStyle/>
-          <a:p>
-            <a:pPr marL="342900" lvl="0" indent="-342900">
-              <a:buSzPct val="100000"/>
-              <a:buFont typeface="Arial" pitchFamily="34"/>
-              <a:buChar char="•"/>
-            </a:pPr>
-            <a:r>
-              <a:rPr lang="en-NZ" sz="2400"/>
-              <a:t>Knowledge consistency checker</a:t>
-            </a:r>
-          </a:p>
-          <a:p>
-            <a:pPr marL="342900" lvl="0" indent="-342900">
-              <a:buSzPct val="100000"/>
-              <a:buFont typeface="Arial" pitchFamily="34"/>
-              <a:buChar char="•"/>
-            </a:pPr>
-            <a:r>
-              <a:rPr lang="en-NZ" sz="2400"/>
-              <a:t>Used to manage replication connections in AD</a:t>
-            </a:r>
-          </a:p>
-          <a:p>
-            <a:pPr marL="342900" lvl="0" indent="-342900">
-              <a:buSzPct val="100000"/>
-              <a:buFont typeface="Arial" pitchFamily="34"/>
-              <a:buChar char="•"/>
-            </a:pPr>
-            <a:r>
-              <a:rPr lang="en-NZ" sz="2400"/>
-              <a:t>Set of algorithms to produce efficient network topologies</a:t>
-            </a:r>
-          </a:p>
-        </p:txBody>
-      </p:sp>
-      <p:pic>
-        <p:nvPicPr>
-          <p:cNvPr id="4" name="Picture 6"/>
-          <p:cNvPicPr>
-            <a:picLocks noChangeAspect="1"/>
-          </p:cNvPicPr>
-          <p:nvPr/>
-        </p:nvPicPr>
-        <p:blipFill>
-          <a:blip r:embed="rId3"/>
-          <a:stretch>
-            <a:fillRect/>
-          </a:stretch>
-        </p:blipFill>
-        <p:spPr>
-          <a:xfrm>
-            <a:off x="2376799" y="4600931"/>
-            <a:ext cx="726957" cy="980721"/>
-          </a:xfrm>
-          <a:prstGeom prst="rect">
-            <a:avLst/>
-          </a:prstGeom>
-          <a:noFill/>
-          <a:ln cap="flat">
-            <a:noFill/>
-          </a:ln>
-        </p:spPr>
-      </p:pic>
-      <p:pic>
-        <p:nvPicPr>
-          <p:cNvPr id="5" name="Picture 6"/>
-          <p:cNvPicPr>
-            <a:picLocks noChangeAspect="1"/>
-          </p:cNvPicPr>
-          <p:nvPr/>
-        </p:nvPicPr>
-        <p:blipFill>
-          <a:blip r:embed="rId3"/>
-          <a:stretch>
-            <a:fillRect/>
-          </a:stretch>
-        </p:blipFill>
-        <p:spPr>
-          <a:xfrm>
-            <a:off x="4240008" y="4462061"/>
-            <a:ext cx="704691" cy="950683"/>
-          </a:xfrm>
-          <a:prstGeom prst="rect">
-            <a:avLst/>
-          </a:prstGeom>
-          <a:noFill/>
-          <a:ln cap="flat">
-            <a:noFill/>
-          </a:ln>
-        </p:spPr>
-      </p:pic>
-      <p:pic>
-        <p:nvPicPr>
-          <p:cNvPr id="6" name="Picture 6"/>
-          <p:cNvPicPr>
-            <a:picLocks noChangeAspect="1"/>
-          </p:cNvPicPr>
-          <p:nvPr/>
-        </p:nvPicPr>
-        <p:blipFill>
-          <a:blip r:embed="rId3"/>
-          <a:stretch>
-            <a:fillRect/>
-          </a:stretch>
-        </p:blipFill>
-        <p:spPr>
-          <a:xfrm>
-            <a:off x="5372520" y="5493733"/>
-            <a:ext cx="704691" cy="950683"/>
-          </a:xfrm>
-          <a:prstGeom prst="rect">
-            <a:avLst/>
-          </a:prstGeom>
-          <a:noFill/>
-          <a:ln cap="flat">
-            <a:noFill/>
-          </a:ln>
-        </p:spPr>
-      </p:pic>
-      <p:pic>
-        <p:nvPicPr>
-          <p:cNvPr id="7" name="Picture 6"/>
-          <p:cNvPicPr>
-            <a:picLocks noChangeAspect="1"/>
-          </p:cNvPicPr>
-          <p:nvPr/>
-        </p:nvPicPr>
-        <p:blipFill>
-          <a:blip r:embed="rId3"/>
-          <a:stretch>
-            <a:fillRect/>
-          </a:stretch>
-        </p:blipFill>
-        <p:spPr>
-          <a:xfrm>
-            <a:off x="6002917" y="3986719"/>
-            <a:ext cx="704691" cy="950683"/>
-          </a:xfrm>
-          <a:prstGeom prst="rect">
-            <a:avLst/>
-          </a:prstGeom>
-          <a:noFill/>
-          <a:ln cap="flat">
-            <a:noFill/>
-          </a:ln>
-        </p:spPr>
-      </p:pic>
-      <p:cxnSp>
-        <p:nvCxnSpPr>
-          <p:cNvPr id="8" name="Straight Connector 24"/>
-          <p:cNvCxnSpPr>
-            <a:endCxn id="5" idx="1"/>
-          </p:cNvCxnSpPr>
-          <p:nvPr/>
-        </p:nvCxnSpPr>
-        <p:spPr>
-          <a:xfrm flipV="1">
-            <a:off x="2999350" y="4937403"/>
-            <a:ext cx="1240658" cy="98490"/>
-          </a:xfrm>
-          <a:prstGeom prst="straightConnector1">
-            <a:avLst/>
-          </a:prstGeom>
-          <a:noFill/>
-          <a:ln w="38103" cap="flat">
-            <a:solidFill>
-              <a:srgbClr val="2E75B6"/>
-            </a:solidFill>
-            <a:prstDash val="solid"/>
-            <a:miter/>
-            <a:headEnd type="arrow"/>
-            <a:tailEnd type="arrow"/>
-          </a:ln>
-        </p:spPr>
-      </p:cxnSp>
-      <p:cxnSp>
-        <p:nvCxnSpPr>
-          <p:cNvPr id="9" name="Straight Connector 24"/>
-          <p:cNvCxnSpPr/>
-          <p:nvPr/>
-        </p:nvCxnSpPr>
-        <p:spPr>
-          <a:xfrm>
-            <a:off x="4592354" y="5035893"/>
-            <a:ext cx="780166" cy="877102"/>
-          </a:xfrm>
-          <a:prstGeom prst="straightConnector1">
-            <a:avLst/>
-          </a:prstGeom>
-          <a:noFill/>
-          <a:ln w="38103" cap="flat">
-            <a:solidFill>
-              <a:srgbClr val="2E75B6"/>
-            </a:solidFill>
-            <a:prstDash val="solid"/>
-            <a:miter/>
-            <a:headEnd type="arrow"/>
-            <a:tailEnd type="arrow"/>
-          </a:ln>
-        </p:spPr>
-      </p:cxnSp>
-      <p:cxnSp>
-        <p:nvCxnSpPr>
-          <p:cNvPr id="10" name="Straight Connector 24"/>
-          <p:cNvCxnSpPr/>
-          <p:nvPr/>
-        </p:nvCxnSpPr>
-        <p:spPr>
-          <a:xfrm flipV="1">
-            <a:off x="4869207" y="4545299"/>
-            <a:ext cx="1208005" cy="243907"/>
-          </a:xfrm>
-          <a:prstGeom prst="straightConnector1">
-            <a:avLst/>
-          </a:prstGeom>
-          <a:noFill/>
-          <a:ln w="38103" cap="flat">
-            <a:solidFill>
-              <a:srgbClr val="2E75B6"/>
-            </a:solidFill>
-            <a:prstDash val="solid"/>
-            <a:miter/>
-            <a:headEnd type="arrow"/>
-            <a:tailEnd type="arrow"/>
-          </a:ln>
-        </p:spPr>
-      </p:cxnSp>
-      <p:sp>
-        <p:nvSpPr>
-          <p:cNvPr id="11" name="TextBox 26"/>
+      <p:sp>
+        <p:nvSpPr>
+          <p:cNvPr id="22" name="TextBox 21"/>
           <p:cNvSpPr txBox="1"/>
           <p:nvPr/>
         </p:nvSpPr>
         <p:spPr>
           <a:xfrm>
-            <a:off x="4205243" y="4007732"/>
-            <a:ext cx="719166" cy="369335"/>
+            <a:off x="709460" y="5935260"/>
+            <a:ext cx="8835047" cy="646331"/>
           </a:xfrm>
           <a:prstGeom prst="rect">
             <a:avLst/>
@@ -21045,190 +22083,87 @@
               </a:defRPr>
             </a:pPr>
             <a:r>
-              <a:rPr lang="en-NZ" sz="1800" b="0" i="0" u="none" strike="noStrike" kern="1200" cap="none" spc="0" baseline="0">
+              <a:rPr lang="en-NZ" sz="1800" b="0" i="0" u="none" strike="noStrike" kern="1200" cap="none" spc="0" baseline="0" dirty="0">
                 <a:solidFill>
                   <a:srgbClr val="000000"/>
                 </a:solidFill>
                 <a:uFillTx/>
                 <a:latin typeface="Calibri"/>
               </a:rPr>
-              <a:t>Site A</a:t>
+              <a:t>A new connection</a:t>
             </a:r>
-          </a:p>
-        </p:txBody>
-      </p:sp>
-      <p:sp>
-        <p:nvSpPr>
-          <p:cNvPr id="12" name="TextBox 27"/>
-          <p:cNvSpPr txBox="1"/>
-          <p:nvPr/>
-        </p:nvSpPr>
-        <p:spPr>
-          <a:xfrm>
-            <a:off x="6002917" y="3565090"/>
-            <a:ext cx="711156" cy="369335"/>
-          </a:xfrm>
-          <a:prstGeom prst="rect">
-            <a:avLst/>
-          </a:prstGeom>
-          <a:noFill/>
-          <a:ln cap="flat">
-            <a:noFill/>
-          </a:ln>
-        </p:spPr>
-        <p:txBody>
-          <a:bodyPr vert="horz" wrap="none" lIns="91440" tIns="45720" rIns="91440" bIns="45720" anchor="t" anchorCtr="0" compatLnSpc="1">
-            <a:spAutoFit/>
-          </a:bodyPr>
-          <a:lstStyle/>
-          <a:p>
-            <a:pPr marL="0" marR="0" lvl="0" indent="0" algn="l" defTabSz="914400" rtl="0" fontAlgn="auto" hangingPunct="1">
-              <a:lnSpc>
-                <a:spcPct val="100000"/>
-              </a:lnSpc>
-              <a:spcBef>
-                <a:spcPts val="0"/>
-              </a:spcBef>
-              <a:spcAft>
-                <a:spcPts val="0"/>
-              </a:spcAft>
-              <a:buNone/>
-              <a:tabLst/>
-              <a:defRPr sz="1800" b="0" i="0" u="none" strike="noStrike" kern="0" cap="none" spc="0" baseline="0">
-                <a:solidFill>
-                  <a:srgbClr val="000000"/>
-                </a:solidFill>
-                <a:uFillTx/>
-              </a:defRPr>
-            </a:pPr>
             <a:r>
-              <a:rPr lang="en-NZ" sz="1800" b="0" i="0" u="none" strike="noStrike" kern="1200" cap="none" spc="0" baseline="0">
+              <a:rPr lang="en-NZ" sz="1800" b="0" i="0" u="none" strike="noStrike" kern="1200" cap="none" spc="0" dirty="0">
                 <a:solidFill>
                   <a:srgbClr val="000000"/>
                 </a:solidFill>
                 <a:uFillTx/>
                 <a:latin typeface="Calibri"/>
               </a:rPr>
-              <a:t>Site B</a:t>
+              <a:t> will be created in the database pointing to a randomly chosen bridgehead</a:t>
             </a:r>
-          </a:p>
-        </p:txBody>
-      </p:sp>
-      <p:sp>
-        <p:nvSpPr>
-          <p:cNvPr id="13" name="TextBox 28"/>
-          <p:cNvSpPr txBox="1"/>
-          <p:nvPr/>
-        </p:nvSpPr>
-        <p:spPr>
-          <a:xfrm>
-            <a:off x="5423251" y="5142073"/>
-            <a:ext cx="709556" cy="369335"/>
-          </a:xfrm>
-          <a:prstGeom prst="rect">
-            <a:avLst/>
-          </a:prstGeom>
-          <a:noFill/>
-          <a:ln cap="flat">
-            <a:noFill/>
-          </a:ln>
-        </p:spPr>
-        <p:txBody>
-          <a:bodyPr vert="horz" wrap="none" lIns="91440" tIns="45720" rIns="91440" bIns="45720" anchor="t" anchorCtr="0" compatLnSpc="1">
-            <a:spAutoFit/>
-          </a:bodyPr>
-          <a:lstStyle/>
-          <a:p>
-            <a:pPr marL="0" marR="0" lvl="0" indent="0" algn="l" defTabSz="914400" rtl="0" fontAlgn="auto" hangingPunct="1">
-              <a:lnSpc>
-                <a:spcPct val="100000"/>
-              </a:lnSpc>
-              <a:spcBef>
-                <a:spcPts val="0"/>
-              </a:spcBef>
-              <a:spcAft>
-                <a:spcPts val="0"/>
-              </a:spcAft>
-              <a:buNone/>
-              <a:tabLst/>
-              <a:defRPr sz="1800" b="0" i="0" u="none" strike="noStrike" kern="0" cap="none" spc="0" baseline="0">
-                <a:solidFill>
-                  <a:srgbClr val="000000"/>
-                </a:solidFill>
-                <a:uFillTx/>
-              </a:defRPr>
-            </a:pPr>
-            <a:r>
-              <a:rPr lang="en-NZ" sz="1800" b="0" i="0" u="none" strike="noStrike" kern="1200" cap="none" spc="0" baseline="0">
+            <a:br>
+              <a:rPr lang="en-NZ" sz="1800" b="0" i="0" u="none" strike="noStrike" kern="1200" cap="none" spc="0" dirty="0">
                 <a:solidFill>
                   <a:srgbClr val="000000"/>
                 </a:solidFill>
                 <a:uFillTx/>
                 <a:latin typeface="Calibri"/>
               </a:rPr>
-              <a:t>Site C</a:t>
-            </a:r>
-          </a:p>
-        </p:txBody>
-      </p:sp>
-      <p:sp>
-        <p:nvSpPr>
-          <p:cNvPr id="14" name="TextBox 30"/>
-          <p:cNvSpPr txBox="1"/>
-          <p:nvPr/>
-        </p:nvSpPr>
-        <p:spPr>
-          <a:xfrm>
-            <a:off x="2270564" y="4145734"/>
-            <a:ext cx="728785" cy="369335"/>
-          </a:xfrm>
-          <a:prstGeom prst="rect">
-            <a:avLst/>
-          </a:prstGeom>
-          <a:noFill/>
-          <a:ln cap="flat">
-            <a:noFill/>
-          </a:ln>
-        </p:spPr>
-        <p:txBody>
-          <a:bodyPr vert="horz" wrap="none" lIns="91440" tIns="45720" rIns="91440" bIns="45720" anchor="t" anchorCtr="0" compatLnSpc="1">
-            <a:spAutoFit/>
-          </a:bodyPr>
-          <a:lstStyle/>
-          <a:p>
-            <a:pPr marL="0" marR="0" lvl="0" indent="0" algn="l" defTabSz="914400" rtl="0" fontAlgn="auto" hangingPunct="1">
-              <a:lnSpc>
-                <a:spcPct val="100000"/>
-              </a:lnSpc>
-              <a:spcBef>
-                <a:spcPts val="0"/>
-              </a:spcBef>
-              <a:spcAft>
-                <a:spcPts val="0"/>
-              </a:spcAft>
-              <a:buNone/>
-              <a:tabLst/>
-              <a:defRPr sz="1800" b="0" i="0" u="none" strike="noStrike" kern="0" cap="none" spc="0" baseline="0">
-                <a:solidFill>
-                  <a:srgbClr val="000000"/>
-                </a:solidFill>
-                <a:uFillTx/>
-              </a:defRPr>
-            </a:pPr>
+            </a:br>
             <a:r>
-              <a:rPr lang="en-NZ" sz="1800" b="0" i="0" u="none" strike="noStrike" kern="1200" cap="none" spc="0" baseline="0">
+              <a:rPr lang="en-NZ" sz="1800" b="0" i="0" u="none" strike="noStrike" kern="1200" cap="none" spc="0" dirty="0">
                 <a:solidFill>
                   <a:srgbClr val="000000"/>
                 </a:solidFill>
                 <a:uFillTx/>
                 <a:latin typeface="Calibri"/>
               </a:rPr>
-              <a:t>Site D</a:t>
+              <a:t>in Site A. Intra-site replication will propagate this to the necessary bridgehead in Site D.</a:t>
             </a:r>
+            <a:endParaRPr lang="en-NZ" sz="1800" b="0" i="0" u="none" strike="noStrike" kern="1200" cap="none" spc="0" baseline="0" dirty="0">
+              <a:solidFill>
+                <a:srgbClr val="000000"/>
+              </a:solidFill>
+              <a:uFillTx/>
+              <a:latin typeface="Calibri"/>
+            </a:endParaRPr>
           </a:p>
         </p:txBody>
       </p:sp>
+      <p:cxnSp>
+        <p:nvCxnSpPr>
+          <p:cNvPr id="23" name="Straight Connector 24"/>
+          <p:cNvCxnSpPr/>
+          <p:nvPr/>
+        </p:nvCxnSpPr>
+        <p:spPr>
+          <a:xfrm flipV="1">
+            <a:off x="2956017" y="3431134"/>
+            <a:ext cx="2247513" cy="1120268"/>
+          </a:xfrm>
+          <a:prstGeom prst="straightConnector1">
+            <a:avLst/>
+          </a:prstGeom>
+          <a:noFill/>
+          <a:ln w="38103" cap="flat">
+            <a:solidFill>
+              <a:schemeClr val="bg1">
+                <a:lumMod val="65000"/>
+              </a:schemeClr>
+            </a:solidFill>
+            <a:prstDash val="solid"/>
+            <a:miter/>
+            <a:headEnd type="arrow"/>
+          </a:ln>
+        </p:spPr>
+      </p:cxnSp>
     </p:spTree>
+    <p:extLst>
+      <p:ext uri="{BB962C8B-B14F-4D97-AF65-F5344CB8AC3E}">
+        <p14:creationId xmlns:p14="http://schemas.microsoft.com/office/powerpoint/2010/main" val="3010821240"/>
+      </p:ext>
+    </p:extLst>
   </p:cSld>
   <p:clrMapOvr>
     <a:masterClrMapping/>
@@ -21236,7 +22171,7 @@
 </p:sld>
 </file>
 
-<file path=ppt/slides/slide20.xml><?xml version="1.0" encoding="utf-8"?>
+<file path=ppt/slides/slide22.xml><?xml version="1.0" encoding="utf-8"?>
 <p:sld xmlns:a="http://schemas.openxmlformats.org/drawingml/2006/main" xmlns:r="http://schemas.openxmlformats.org/officeDocument/2006/relationships" xmlns:p="http://schemas.openxmlformats.org/presentationml/2006/main">
   <p:cSld>
     <p:spTree>
@@ -21307,6 +22242,14 @@
           <a:ln cap="flat">
             <a:noFill/>
           </a:ln>
+          <a:effectLst>
+            <a:glow rad="228600">
+              <a:schemeClr val="accent2">
+                <a:satMod val="175000"/>
+                <a:alpha val="40000"/>
+              </a:schemeClr>
+            </a:glow>
+          </a:effectLst>
         </p:spPr>
       </p:pic>
       <p:sp>
@@ -21647,1013 +22590,6 @@
           <a:ln cap="flat">
             <a:noFill/>
           </a:ln>
-          <a:effectLst>
-            <a:glow rad="228600">
-              <a:schemeClr val="accent1">
-                <a:satMod val="175000"/>
-                <a:alpha val="40000"/>
-              </a:schemeClr>
-            </a:glow>
-          </a:effectLst>
-        </p:spPr>
-      </p:pic>
-      <p:cxnSp>
-        <p:nvCxnSpPr>
-          <p:cNvPr id="11" name="Straight Connector 23"/>
-          <p:cNvCxnSpPr/>
-          <p:nvPr/>
-        </p:nvCxnSpPr>
-        <p:spPr>
-          <a:xfrm>
-            <a:off x="1626132" y="4027012"/>
-            <a:ext cx="800127" cy="520760"/>
-          </a:xfrm>
-          <a:prstGeom prst="straightConnector1">
-            <a:avLst/>
-          </a:prstGeom>
-          <a:noFill/>
-          <a:ln w="38103" cap="flat">
-            <a:solidFill>
-              <a:srgbClr val="92D050"/>
-            </a:solidFill>
-            <a:prstDash val="solid"/>
-            <a:miter/>
-            <a:headEnd type="arrow"/>
-            <a:tailEnd type="arrow"/>
-          </a:ln>
-        </p:spPr>
-      </p:cxnSp>
-      <p:pic>
-        <p:nvPicPr>
-          <p:cNvPr id="12" name="Picture 6"/>
-          <p:cNvPicPr>
-            <a:picLocks noChangeAspect="1"/>
-          </p:cNvPicPr>
-          <p:nvPr/>
-        </p:nvPicPr>
-        <p:blipFill>
-          <a:blip r:embed="rId3"/>
-          <a:stretch>
-            <a:fillRect/>
-          </a:stretch>
-        </p:blipFill>
-        <p:spPr>
-          <a:xfrm>
-            <a:off x="5266166" y="2836463"/>
-            <a:ext cx="704691" cy="950683"/>
-          </a:xfrm>
-          <a:prstGeom prst="rect">
-            <a:avLst/>
-          </a:prstGeom>
-          <a:noFill/>
-          <a:ln cap="flat">
-            <a:noFill/>
-          </a:ln>
-          <a:effectLst>
-            <a:glow rad="228600">
-              <a:schemeClr val="accent1">
-                <a:satMod val="175000"/>
-                <a:alpha val="40000"/>
-              </a:schemeClr>
-            </a:glow>
-          </a:effectLst>
-        </p:spPr>
-      </p:pic>
-      <p:pic>
-        <p:nvPicPr>
-          <p:cNvPr id="13" name="Picture 6"/>
-          <p:cNvPicPr>
-            <a:picLocks noChangeAspect="1"/>
-          </p:cNvPicPr>
-          <p:nvPr/>
-        </p:nvPicPr>
-        <p:blipFill>
-          <a:blip r:embed="rId3"/>
-          <a:stretch>
-            <a:fillRect/>
-          </a:stretch>
-        </p:blipFill>
-        <p:spPr>
-          <a:xfrm>
-            <a:off x="6398678" y="3868135"/>
-            <a:ext cx="704691" cy="950683"/>
-          </a:xfrm>
-          <a:prstGeom prst="rect">
-            <a:avLst/>
-          </a:prstGeom>
-          <a:noFill/>
-          <a:ln cap="flat">
-            <a:noFill/>
-          </a:ln>
-          <a:effectLst>
-            <a:glow rad="228600">
-              <a:schemeClr val="accent1">
-                <a:satMod val="175000"/>
-                <a:alpha val="40000"/>
-              </a:schemeClr>
-            </a:glow>
-          </a:effectLst>
-        </p:spPr>
-      </p:pic>
-      <p:pic>
-        <p:nvPicPr>
-          <p:cNvPr id="14" name="Picture 6"/>
-          <p:cNvPicPr>
-            <a:picLocks noChangeAspect="1"/>
-          </p:cNvPicPr>
-          <p:nvPr/>
-        </p:nvPicPr>
-        <p:blipFill>
-          <a:blip r:embed="rId3"/>
-          <a:stretch>
-            <a:fillRect/>
-          </a:stretch>
-        </p:blipFill>
-        <p:spPr>
-          <a:xfrm>
-            <a:off x="7029075" y="2361122"/>
-            <a:ext cx="704691" cy="950683"/>
-          </a:xfrm>
-          <a:prstGeom prst="rect">
-            <a:avLst/>
-          </a:prstGeom>
-          <a:noFill/>
-          <a:ln cap="flat">
-            <a:noFill/>
-          </a:ln>
-          <a:effectLst>
-            <a:glow rad="228600">
-              <a:schemeClr val="accent1">
-                <a:satMod val="175000"/>
-                <a:alpha val="40000"/>
-              </a:schemeClr>
-            </a:glow>
-          </a:effectLst>
-        </p:spPr>
-      </p:pic>
-      <p:cxnSp>
-        <p:nvCxnSpPr>
-          <p:cNvPr id="15" name="Straight Connector 24"/>
-          <p:cNvCxnSpPr>
-            <a:endCxn id="12" idx="1"/>
-          </p:cNvCxnSpPr>
-          <p:nvPr/>
-        </p:nvCxnSpPr>
-        <p:spPr>
-          <a:xfrm flipV="1">
-            <a:off x="4025508" y="3311805"/>
-            <a:ext cx="1240658" cy="98490"/>
-          </a:xfrm>
-          <a:prstGeom prst="straightConnector1">
-            <a:avLst/>
-          </a:prstGeom>
-          <a:noFill/>
-          <a:ln w="38103" cap="flat">
-            <a:solidFill>
-              <a:srgbClr val="2E75B6"/>
-            </a:solidFill>
-            <a:prstDash val="sysDash"/>
-            <a:miter/>
-            <a:tailEnd type="arrow"/>
-          </a:ln>
-        </p:spPr>
-      </p:cxnSp>
-      <p:cxnSp>
-        <p:nvCxnSpPr>
-          <p:cNvPr id="16" name="Straight Connector 24"/>
-          <p:cNvCxnSpPr/>
-          <p:nvPr/>
-        </p:nvCxnSpPr>
-        <p:spPr>
-          <a:xfrm>
-            <a:off x="5618512" y="3410295"/>
-            <a:ext cx="780166" cy="877102"/>
-          </a:xfrm>
-          <a:prstGeom prst="straightConnector1">
-            <a:avLst/>
-          </a:prstGeom>
-          <a:noFill/>
-          <a:ln w="38103" cap="flat">
-            <a:solidFill>
-              <a:schemeClr val="bg1">
-                <a:lumMod val="65000"/>
-              </a:schemeClr>
-            </a:solidFill>
-            <a:prstDash val="solid"/>
-            <a:miter/>
-            <a:headEnd type="arrow"/>
-            <a:tailEnd type="arrow"/>
-          </a:ln>
-        </p:spPr>
-      </p:cxnSp>
-      <p:cxnSp>
-        <p:nvCxnSpPr>
-          <p:cNvPr id="17" name="Straight Connector 24"/>
-          <p:cNvCxnSpPr/>
-          <p:nvPr/>
-        </p:nvCxnSpPr>
-        <p:spPr>
-          <a:xfrm flipV="1">
-            <a:off x="5895365" y="2919701"/>
-            <a:ext cx="1208005" cy="243907"/>
-          </a:xfrm>
-          <a:prstGeom prst="straightConnector1">
-            <a:avLst/>
-          </a:prstGeom>
-          <a:noFill/>
-          <a:ln w="38103" cap="flat">
-            <a:solidFill>
-              <a:schemeClr val="bg1">
-                <a:lumMod val="65000"/>
-              </a:schemeClr>
-            </a:solidFill>
-            <a:prstDash val="solid"/>
-            <a:miter/>
-            <a:headEnd type="arrow"/>
-            <a:tailEnd type="arrow"/>
-          </a:ln>
-        </p:spPr>
-      </p:cxnSp>
-      <p:sp>
-        <p:nvSpPr>
-          <p:cNvPr id="18" name="TextBox 26"/>
-          <p:cNvSpPr txBox="1"/>
-          <p:nvPr/>
-        </p:nvSpPr>
-        <p:spPr>
-          <a:xfrm>
-            <a:off x="5231401" y="2382134"/>
-            <a:ext cx="719166" cy="369335"/>
-          </a:xfrm>
-          <a:prstGeom prst="rect">
-            <a:avLst/>
-          </a:prstGeom>
-          <a:noFill/>
-          <a:ln cap="flat">
-            <a:noFill/>
-          </a:ln>
-        </p:spPr>
-        <p:txBody>
-          <a:bodyPr vert="horz" wrap="none" lIns="91440" tIns="45720" rIns="91440" bIns="45720" anchor="t" anchorCtr="0" compatLnSpc="1">
-            <a:spAutoFit/>
-          </a:bodyPr>
-          <a:lstStyle/>
-          <a:p>
-            <a:pPr marL="0" marR="0" lvl="0" indent="0" algn="l" defTabSz="914400" rtl="0" fontAlgn="auto" hangingPunct="1">
-              <a:lnSpc>
-                <a:spcPct val="100000"/>
-              </a:lnSpc>
-              <a:spcBef>
-                <a:spcPts val="0"/>
-              </a:spcBef>
-              <a:spcAft>
-                <a:spcPts val="0"/>
-              </a:spcAft>
-              <a:buNone/>
-              <a:tabLst/>
-              <a:defRPr sz="1800" b="0" i="0" u="none" strike="noStrike" kern="0" cap="none" spc="0" baseline="0">
-                <a:solidFill>
-                  <a:srgbClr val="000000"/>
-                </a:solidFill>
-                <a:uFillTx/>
-              </a:defRPr>
-            </a:pPr>
-            <a:r>
-              <a:rPr lang="en-NZ" sz="1800" b="0" i="0" u="none" strike="noStrike" kern="1200" cap="none" spc="0" baseline="0">
-                <a:solidFill>
-                  <a:srgbClr val="000000"/>
-                </a:solidFill>
-                <a:uFillTx/>
-                <a:latin typeface="Calibri"/>
-              </a:rPr>
-              <a:t>Site A</a:t>
-            </a:r>
-          </a:p>
-        </p:txBody>
-      </p:sp>
-      <p:sp>
-        <p:nvSpPr>
-          <p:cNvPr id="19" name="TextBox 27"/>
-          <p:cNvSpPr txBox="1"/>
-          <p:nvPr/>
-        </p:nvSpPr>
-        <p:spPr>
-          <a:xfrm>
-            <a:off x="7029075" y="1939492"/>
-            <a:ext cx="711156" cy="369335"/>
-          </a:xfrm>
-          <a:prstGeom prst="rect">
-            <a:avLst/>
-          </a:prstGeom>
-          <a:noFill/>
-          <a:ln cap="flat">
-            <a:noFill/>
-          </a:ln>
-        </p:spPr>
-        <p:txBody>
-          <a:bodyPr vert="horz" wrap="none" lIns="91440" tIns="45720" rIns="91440" bIns="45720" anchor="t" anchorCtr="0" compatLnSpc="1">
-            <a:spAutoFit/>
-          </a:bodyPr>
-          <a:lstStyle/>
-          <a:p>
-            <a:pPr marL="0" marR="0" lvl="0" indent="0" algn="l" defTabSz="914400" rtl="0" fontAlgn="auto" hangingPunct="1">
-              <a:lnSpc>
-                <a:spcPct val="100000"/>
-              </a:lnSpc>
-              <a:spcBef>
-                <a:spcPts val="0"/>
-              </a:spcBef>
-              <a:spcAft>
-                <a:spcPts val="0"/>
-              </a:spcAft>
-              <a:buNone/>
-              <a:tabLst/>
-              <a:defRPr sz="1800" b="0" i="0" u="none" strike="noStrike" kern="0" cap="none" spc="0" baseline="0">
-                <a:solidFill>
-                  <a:srgbClr val="000000"/>
-                </a:solidFill>
-                <a:uFillTx/>
-              </a:defRPr>
-            </a:pPr>
-            <a:r>
-              <a:rPr lang="en-NZ" sz="1800" b="0" i="0" u="none" strike="noStrike" kern="1200" cap="none" spc="0" baseline="0">
-                <a:solidFill>
-                  <a:srgbClr val="000000"/>
-                </a:solidFill>
-                <a:uFillTx/>
-                <a:latin typeface="Calibri"/>
-              </a:rPr>
-              <a:t>Site B</a:t>
-            </a:r>
-          </a:p>
-        </p:txBody>
-      </p:sp>
-      <p:sp>
-        <p:nvSpPr>
-          <p:cNvPr id="20" name="TextBox 28"/>
-          <p:cNvSpPr txBox="1"/>
-          <p:nvPr/>
-        </p:nvSpPr>
-        <p:spPr>
-          <a:xfrm>
-            <a:off x="6449409" y="3516475"/>
-            <a:ext cx="709556" cy="369335"/>
-          </a:xfrm>
-          <a:prstGeom prst="rect">
-            <a:avLst/>
-          </a:prstGeom>
-          <a:noFill/>
-          <a:ln cap="flat">
-            <a:noFill/>
-          </a:ln>
-        </p:spPr>
-        <p:txBody>
-          <a:bodyPr vert="horz" wrap="none" lIns="91440" tIns="45720" rIns="91440" bIns="45720" anchor="t" anchorCtr="0" compatLnSpc="1">
-            <a:spAutoFit/>
-          </a:bodyPr>
-          <a:lstStyle/>
-          <a:p>
-            <a:pPr marL="0" marR="0" lvl="0" indent="0" algn="l" defTabSz="914400" rtl="0" fontAlgn="auto" hangingPunct="1">
-              <a:lnSpc>
-                <a:spcPct val="100000"/>
-              </a:lnSpc>
-              <a:spcBef>
-                <a:spcPts val="0"/>
-              </a:spcBef>
-              <a:spcAft>
-                <a:spcPts val="0"/>
-              </a:spcAft>
-              <a:buNone/>
-              <a:tabLst/>
-              <a:defRPr sz="1800" b="0" i="0" u="none" strike="noStrike" kern="0" cap="none" spc="0" baseline="0">
-                <a:solidFill>
-                  <a:srgbClr val="000000"/>
-                </a:solidFill>
-                <a:uFillTx/>
-              </a:defRPr>
-            </a:pPr>
-            <a:r>
-              <a:rPr lang="en-NZ" sz="1800" b="0" i="0" u="none" strike="noStrike" kern="1200" cap="none" spc="0" baseline="0">
-                <a:solidFill>
-                  <a:srgbClr val="000000"/>
-                </a:solidFill>
-                <a:uFillTx/>
-                <a:latin typeface="Calibri"/>
-              </a:rPr>
-              <a:t>Site C</a:t>
-            </a:r>
-          </a:p>
-        </p:txBody>
-      </p:sp>
-      <p:sp>
-        <p:nvSpPr>
-          <p:cNvPr id="21" name="TextBox 30"/>
-          <p:cNvSpPr txBox="1"/>
-          <p:nvPr/>
-        </p:nvSpPr>
-        <p:spPr>
-          <a:xfrm>
-            <a:off x="1407179" y="4629565"/>
-            <a:ext cx="728785" cy="369335"/>
-          </a:xfrm>
-          <a:prstGeom prst="rect">
-            <a:avLst/>
-          </a:prstGeom>
-          <a:noFill/>
-          <a:ln cap="flat">
-            <a:noFill/>
-          </a:ln>
-        </p:spPr>
-        <p:txBody>
-          <a:bodyPr vert="horz" wrap="none" lIns="91440" tIns="45720" rIns="91440" bIns="45720" anchor="t" anchorCtr="0" compatLnSpc="1">
-            <a:spAutoFit/>
-          </a:bodyPr>
-          <a:lstStyle/>
-          <a:p>
-            <a:pPr marL="0" marR="0" lvl="0" indent="0" algn="l" defTabSz="914400" rtl="0" fontAlgn="auto" hangingPunct="1">
-              <a:lnSpc>
-                <a:spcPct val="100000"/>
-              </a:lnSpc>
-              <a:spcBef>
-                <a:spcPts val="0"/>
-              </a:spcBef>
-              <a:spcAft>
-                <a:spcPts val="0"/>
-              </a:spcAft>
-              <a:buNone/>
-              <a:tabLst/>
-              <a:defRPr sz="1800" b="0" i="0" u="none" strike="noStrike" kern="0" cap="none" spc="0" baseline="0">
-                <a:solidFill>
-                  <a:srgbClr val="000000"/>
-                </a:solidFill>
-                <a:uFillTx/>
-              </a:defRPr>
-            </a:pPr>
-            <a:r>
-              <a:rPr lang="en-NZ" sz="1800" b="0" i="0" u="none" strike="noStrike" kern="1200" cap="none" spc="0" baseline="0">
-                <a:solidFill>
-                  <a:srgbClr val="000000"/>
-                </a:solidFill>
-                <a:uFillTx/>
-                <a:latin typeface="Calibri"/>
-              </a:rPr>
-              <a:t>Site D</a:t>
-            </a:r>
-          </a:p>
-        </p:txBody>
-      </p:sp>
-      <p:sp>
-        <p:nvSpPr>
-          <p:cNvPr id="22" name="TextBox 21"/>
-          <p:cNvSpPr txBox="1"/>
-          <p:nvPr/>
-        </p:nvSpPr>
-        <p:spPr>
-          <a:xfrm>
-            <a:off x="709460" y="5935260"/>
-            <a:ext cx="8835047" cy="646331"/>
-          </a:xfrm>
-          <a:prstGeom prst="rect">
-            <a:avLst/>
-          </a:prstGeom>
-          <a:noFill/>
-          <a:ln cap="flat">
-            <a:noFill/>
-          </a:ln>
-        </p:spPr>
-        <p:txBody>
-          <a:bodyPr vert="horz" wrap="none" lIns="91440" tIns="45720" rIns="91440" bIns="45720" anchor="t" anchorCtr="0" compatLnSpc="1">
-            <a:spAutoFit/>
-          </a:bodyPr>
-          <a:lstStyle/>
-          <a:p>
-            <a:pPr marL="0" marR="0" lvl="0" indent="0" algn="l" defTabSz="914400" rtl="0" fontAlgn="auto" hangingPunct="1">
-              <a:lnSpc>
-                <a:spcPct val="100000"/>
-              </a:lnSpc>
-              <a:spcBef>
-                <a:spcPts val="0"/>
-              </a:spcBef>
-              <a:spcAft>
-                <a:spcPts val="0"/>
-              </a:spcAft>
-              <a:buNone/>
-              <a:tabLst/>
-              <a:defRPr sz="1800" b="0" i="0" u="none" strike="noStrike" kern="0" cap="none" spc="0" baseline="0">
-                <a:solidFill>
-                  <a:srgbClr val="000000"/>
-                </a:solidFill>
-                <a:uFillTx/>
-              </a:defRPr>
-            </a:pPr>
-            <a:r>
-              <a:rPr lang="en-NZ" sz="1800" b="0" i="0" u="none" strike="noStrike" kern="1200" cap="none" spc="0" baseline="0" dirty="0">
-                <a:solidFill>
-                  <a:srgbClr val="000000"/>
-                </a:solidFill>
-                <a:uFillTx/>
-                <a:latin typeface="Calibri"/>
-              </a:rPr>
-              <a:t>A new connection</a:t>
-            </a:r>
-            <a:r>
-              <a:rPr lang="en-NZ" sz="1800" b="0" i="0" u="none" strike="noStrike" kern="1200" cap="none" spc="0" dirty="0">
-                <a:solidFill>
-                  <a:srgbClr val="000000"/>
-                </a:solidFill>
-                <a:uFillTx/>
-                <a:latin typeface="Calibri"/>
-              </a:rPr>
-              <a:t> will be created in the database pointing to a randomly chosen bridgehead</a:t>
-            </a:r>
-            <a:br>
-              <a:rPr lang="en-NZ" sz="1800" b="0" i="0" u="none" strike="noStrike" kern="1200" cap="none" spc="0" dirty="0">
-                <a:solidFill>
-                  <a:srgbClr val="000000"/>
-                </a:solidFill>
-                <a:uFillTx/>
-                <a:latin typeface="Calibri"/>
-              </a:rPr>
-            </a:br>
-            <a:r>
-              <a:rPr lang="en-NZ" sz="1800" b="0" i="0" u="none" strike="noStrike" kern="1200" cap="none" spc="0" dirty="0">
-                <a:solidFill>
-                  <a:srgbClr val="000000"/>
-                </a:solidFill>
-                <a:uFillTx/>
-                <a:latin typeface="Calibri"/>
-              </a:rPr>
-              <a:t>in Site A. Normal replication will propagate this to the necessary bridgehead in Site D.</a:t>
-            </a:r>
-            <a:endParaRPr lang="en-NZ" sz="1800" b="0" i="0" u="none" strike="noStrike" kern="1200" cap="none" spc="0" baseline="0" dirty="0">
-              <a:solidFill>
-                <a:srgbClr val="000000"/>
-              </a:solidFill>
-              <a:uFillTx/>
-              <a:latin typeface="Calibri"/>
-            </a:endParaRPr>
-          </a:p>
-        </p:txBody>
-      </p:sp>
-      <p:cxnSp>
-        <p:nvCxnSpPr>
-          <p:cNvPr id="23" name="Straight Connector 24"/>
-          <p:cNvCxnSpPr/>
-          <p:nvPr/>
-        </p:nvCxnSpPr>
-        <p:spPr>
-          <a:xfrm flipV="1">
-            <a:off x="2956017" y="3431134"/>
-            <a:ext cx="2247513" cy="1120268"/>
-          </a:xfrm>
-          <a:prstGeom prst="straightConnector1">
-            <a:avLst/>
-          </a:prstGeom>
-          <a:noFill/>
-          <a:ln w="38103" cap="flat">
-            <a:solidFill>
-              <a:schemeClr val="bg1">
-                <a:lumMod val="65000"/>
-              </a:schemeClr>
-            </a:solidFill>
-            <a:prstDash val="solid"/>
-            <a:miter/>
-            <a:headEnd type="arrow"/>
-          </a:ln>
-        </p:spPr>
-      </p:cxnSp>
-    </p:spTree>
-    <p:extLst>
-      <p:ext uri="{BB962C8B-B14F-4D97-AF65-F5344CB8AC3E}">
-        <p14:creationId xmlns:p14="http://schemas.microsoft.com/office/powerpoint/2010/main" val="3010821240"/>
-      </p:ext>
-    </p:extLst>
-  </p:cSld>
-  <p:clrMapOvr>
-    <a:masterClrMapping/>
-  </p:clrMapOvr>
-</p:sld>
-</file>
-
-<file path=ppt/slides/slide21.xml><?xml version="1.0" encoding="utf-8"?>
-<p:sld xmlns:a="http://schemas.openxmlformats.org/drawingml/2006/main" xmlns:r="http://schemas.openxmlformats.org/officeDocument/2006/relationships" xmlns:p="http://schemas.openxmlformats.org/presentationml/2006/main">
-  <p:cSld>
-    <p:spTree>
-      <p:nvGrpSpPr>
-        <p:cNvPr id="1" name=""/>
-        <p:cNvGrpSpPr/>
-        <p:nvPr/>
-      </p:nvGrpSpPr>
-      <p:grpSpPr>
-        <a:xfrm>
-          <a:off x="0" y="0"/>
-          <a:ext cx="0" cy="0"/>
-          <a:chOff x="0" y="0"/>
-          <a:chExt cx="0" cy="0"/>
-        </a:xfrm>
-      </p:grpSpPr>
-      <p:pic>
-        <p:nvPicPr>
-          <p:cNvPr id="2" name="Picture 6"/>
-          <p:cNvPicPr>
-            <a:picLocks noChangeAspect="1"/>
-          </p:cNvPicPr>
-          <p:nvPr/>
-        </p:nvPicPr>
-        <p:blipFill>
-          <a:blip r:embed="rId3"/>
-          <a:stretch>
-            <a:fillRect/>
-          </a:stretch>
-        </p:blipFill>
-        <p:spPr>
-          <a:xfrm>
-            <a:off x="2441667" y="4057416"/>
-            <a:ext cx="726957" cy="980721"/>
-          </a:xfrm>
-          <a:prstGeom prst="rect">
-            <a:avLst/>
-          </a:prstGeom>
-          <a:noFill/>
-          <a:ln cap="flat">
-            <a:noFill/>
-          </a:ln>
-        </p:spPr>
-      </p:pic>
-      <p:pic>
-        <p:nvPicPr>
-          <p:cNvPr id="3" name="Picture 6"/>
-          <p:cNvPicPr>
-            <a:picLocks noChangeAspect="1"/>
-          </p:cNvPicPr>
-          <p:nvPr/>
-        </p:nvPicPr>
-        <p:blipFill>
-          <a:blip r:embed="rId3"/>
-          <a:stretch>
-            <a:fillRect/>
-          </a:stretch>
-        </p:blipFill>
-        <p:spPr>
-          <a:xfrm>
-            <a:off x="3402957" y="2975333"/>
-            <a:ext cx="726957" cy="980721"/>
-          </a:xfrm>
-          <a:prstGeom prst="rect">
-            <a:avLst/>
-          </a:prstGeom>
-          <a:noFill/>
-          <a:ln cap="flat">
-            <a:noFill/>
-          </a:ln>
-          <a:effectLst>
-            <a:glow rad="228600">
-              <a:schemeClr val="accent2">
-                <a:satMod val="175000"/>
-                <a:alpha val="40000"/>
-              </a:schemeClr>
-            </a:glow>
-          </a:effectLst>
-        </p:spPr>
-      </p:pic>
-      <p:sp>
-        <p:nvSpPr>
-          <p:cNvPr id="4" name="Title 1"/>
-          <p:cNvSpPr txBox="1">
-            <a:spLocks noGrp="1"/>
-          </p:cNvSpPr>
-          <p:nvPr>
-            <p:ph type="title" idx="4294967295"/>
-          </p:nvPr>
-        </p:nvSpPr>
-        <p:spPr>
-          <a:xfrm>
-            <a:off x="503998" y="301322"/>
-            <a:ext cx="9072000" cy="1261798"/>
-          </a:xfrm>
-        </p:spPr>
-        <p:txBody>
-          <a:bodyPr/>
-          <a:lstStyle/>
-          <a:p>
-            <a:pPr lvl="0"/>
-            <a:r>
-              <a:rPr lang="en-NZ" sz="3200" b="1">
-                <a:solidFill>
-                  <a:srgbClr val="BB2025"/>
-                </a:solidFill>
-                <a:latin typeface="Lato" pitchFamily="34"/>
-                <a:ea typeface="Lato" pitchFamily="34"/>
-                <a:cs typeface="Lato" pitchFamily="34"/>
-              </a:rPr>
-              <a:t>Inter-site algorithm</a:t>
-            </a:r>
-          </a:p>
-        </p:txBody>
-      </p:sp>
-      <p:sp>
-        <p:nvSpPr>
-          <p:cNvPr id="5" name="Oval 17"/>
-          <p:cNvSpPr/>
-          <p:nvPr/>
-        </p:nvSpPr>
-        <p:spPr>
-          <a:xfrm>
-            <a:off x="823362" y="1950803"/>
-            <a:ext cx="3600001" cy="3600001"/>
-          </a:xfrm>
-          <a:custGeom>
-            <a:avLst/>
-            <a:gdLst>
-              <a:gd name="f0" fmla="val 21600000"/>
-              <a:gd name="f1" fmla="val 10800000"/>
-              <a:gd name="f2" fmla="val 5400000"/>
-              <a:gd name="f3" fmla="val 180"/>
-              <a:gd name="f4" fmla="val w"/>
-              <a:gd name="f5" fmla="val h"/>
-              <a:gd name="f6" fmla="val ss"/>
-              <a:gd name="f7" fmla="val 0"/>
-              <a:gd name="f8" fmla="*/ 5419351 1 1725033"/>
-              <a:gd name="f9" fmla="+- 0 0 -360"/>
-              <a:gd name="f10" fmla="+- 0 0 -180"/>
-              <a:gd name="f11" fmla="abs f4"/>
-              <a:gd name="f12" fmla="abs f5"/>
-              <a:gd name="f13" fmla="abs f6"/>
-              <a:gd name="f14" fmla="+- 2700000 f2 0"/>
-              <a:gd name="f15" fmla="*/ f9 f1 1"/>
-              <a:gd name="f16" fmla="*/ f10 f1 1"/>
-              <a:gd name="f17" fmla="?: f11 f4 1"/>
-              <a:gd name="f18" fmla="?: f12 f5 1"/>
-              <a:gd name="f19" fmla="?: f13 f6 1"/>
-              <a:gd name="f20" fmla="+- f14 0 f2"/>
-              <a:gd name="f21" fmla="*/ f15 1 f3"/>
-              <a:gd name="f22" fmla="*/ f16 1 f3"/>
-              <a:gd name="f23" fmla="*/ f17 1 21600"/>
-              <a:gd name="f24" fmla="*/ f18 1 21600"/>
-              <a:gd name="f25" fmla="*/ 21600 f17 1"/>
-              <a:gd name="f26" fmla="*/ 21600 f18 1"/>
-              <a:gd name="f27" fmla="+- f20 f2 0"/>
-              <a:gd name="f28" fmla="+- f21 0 f2"/>
-              <a:gd name="f29" fmla="+- f22 0 f2"/>
-              <a:gd name="f30" fmla="min f24 f23"/>
-              <a:gd name="f31" fmla="*/ f25 1 f19"/>
-              <a:gd name="f32" fmla="*/ f26 1 f19"/>
-              <a:gd name="f33" fmla="*/ f27 f8 1"/>
-              <a:gd name="f34" fmla="val f31"/>
-              <a:gd name="f35" fmla="val f32"/>
-              <a:gd name="f36" fmla="*/ f33 1 f1"/>
-              <a:gd name="f37" fmla="*/ f7 f30 1"/>
-              <a:gd name="f38" fmla="+- f35 0 f7"/>
-              <a:gd name="f39" fmla="+- f34 0 f7"/>
-              <a:gd name="f40" fmla="+- 0 0 f36"/>
-              <a:gd name="f41" fmla="*/ f38 1 2"/>
-              <a:gd name="f42" fmla="*/ f39 1 2"/>
-              <a:gd name="f43" fmla="+- 0 0 f40"/>
-              <a:gd name="f44" fmla="+- f7 f41 0"/>
-              <a:gd name="f45" fmla="+- f7 f42 0"/>
-              <a:gd name="f46" fmla="*/ f43 f1 1"/>
-              <a:gd name="f47" fmla="*/ f42 f30 1"/>
-              <a:gd name="f48" fmla="*/ f41 f30 1"/>
-              <a:gd name="f49" fmla="*/ f46 1 f8"/>
-              <a:gd name="f50" fmla="*/ f44 f30 1"/>
-              <a:gd name="f51" fmla="+- f49 0 f2"/>
-              <a:gd name="f52" fmla="cos 1 f51"/>
-              <a:gd name="f53" fmla="sin 1 f51"/>
-              <a:gd name="f54" fmla="+- 0 0 f52"/>
-              <a:gd name="f55" fmla="+- 0 0 f53"/>
-              <a:gd name="f56" fmla="+- 0 0 f54"/>
-              <a:gd name="f57" fmla="+- 0 0 f55"/>
-              <a:gd name="f58" fmla="val f56"/>
-              <a:gd name="f59" fmla="val f57"/>
-              <a:gd name="f60" fmla="*/ f58 f42 1"/>
-              <a:gd name="f61" fmla="*/ f59 f41 1"/>
-              <a:gd name="f62" fmla="+- f45 0 f60"/>
-              <a:gd name="f63" fmla="+- f45 f60 0"/>
-              <a:gd name="f64" fmla="+- f44 0 f61"/>
-              <a:gd name="f65" fmla="+- f44 f61 0"/>
-              <a:gd name="f66" fmla="*/ f62 f30 1"/>
-              <a:gd name="f67" fmla="*/ f64 f30 1"/>
-              <a:gd name="f68" fmla="*/ f63 f30 1"/>
-              <a:gd name="f69" fmla="*/ f65 f30 1"/>
-            </a:gdLst>
-            <a:ahLst/>
-            <a:cxnLst>
-              <a:cxn ang="3cd4">
-                <a:pos x="hc" y="t"/>
-              </a:cxn>
-              <a:cxn ang="0">
-                <a:pos x="r" y="vc"/>
-              </a:cxn>
-              <a:cxn ang="cd4">
-                <a:pos x="hc" y="b"/>
-              </a:cxn>
-              <a:cxn ang="cd2">
-                <a:pos x="l" y="vc"/>
-              </a:cxn>
-              <a:cxn ang="f28">
-                <a:pos x="f66" y="f67"/>
-              </a:cxn>
-              <a:cxn ang="f29">
-                <a:pos x="f66" y="f69"/>
-              </a:cxn>
-              <a:cxn ang="f29">
-                <a:pos x="f68" y="f69"/>
-              </a:cxn>
-              <a:cxn ang="f28">
-                <a:pos x="f68" y="f67"/>
-              </a:cxn>
-            </a:cxnLst>
-            <a:rect l="f66" t="f67" r="f68" b="f69"/>
-            <a:pathLst>
-              <a:path>
-                <a:moveTo>
-                  <a:pt x="f37" y="f50"/>
-                </a:moveTo>
-                <a:arcTo wR="f47" hR="f48" stAng="f1" swAng="f0"/>
-                <a:close/>
-              </a:path>
-            </a:pathLst>
-          </a:custGeom>
-          <a:solidFill>
-            <a:srgbClr val="A9D18E">
-              <a:alpha val="34000"/>
-            </a:srgbClr>
-          </a:solidFill>
-          <a:ln w="12701" cap="flat">
-            <a:solidFill>
-              <a:srgbClr val="404040"/>
-            </a:solidFill>
-            <a:prstDash val="solid"/>
-            <a:miter/>
-          </a:ln>
-        </p:spPr>
-        <p:txBody>
-          <a:bodyPr vert="horz" wrap="square" lIns="91440" tIns="45720" rIns="91440" bIns="45720" anchor="ctr" anchorCtr="1" compatLnSpc="1">
-            <a:noAutofit/>
-          </a:bodyPr>
-          <a:lstStyle/>
-          <a:p>
-            <a:pPr marL="0" marR="0" lvl="0" indent="0" algn="ctr" defTabSz="914400" rtl="0" fontAlgn="auto" hangingPunct="1">
-              <a:lnSpc>
-                <a:spcPct val="100000"/>
-              </a:lnSpc>
-              <a:spcBef>
-                <a:spcPts val="0"/>
-              </a:spcBef>
-              <a:spcAft>
-                <a:spcPts val="0"/>
-              </a:spcAft>
-              <a:buNone/>
-              <a:tabLst/>
-              <a:defRPr sz="1800" b="0" i="0" u="none" strike="noStrike" kern="0" cap="none" spc="0" baseline="0">
-                <a:solidFill>
-                  <a:srgbClr val="000000"/>
-                </a:solidFill>
-                <a:uFillTx/>
-              </a:defRPr>
-            </a:pPr>
-            <a:endParaRPr lang="en-NZ" sz="1800" b="0" i="0" u="none" strike="noStrike" kern="1200" cap="none" spc="0" baseline="0">
-              <a:solidFill>
-                <a:srgbClr val="FFFFFF"/>
-              </a:solidFill>
-              <a:uFillTx/>
-              <a:latin typeface="Calibri"/>
-            </a:endParaRPr>
-          </a:p>
-        </p:txBody>
-      </p:sp>
-      <p:cxnSp>
-        <p:nvCxnSpPr>
-          <p:cNvPr id="6" name="Straight Connector 21"/>
-          <p:cNvCxnSpPr/>
-          <p:nvPr/>
-        </p:nvCxnSpPr>
-        <p:spPr>
-          <a:xfrm flipV="1">
-            <a:off x="1314376" y="2859031"/>
-            <a:ext cx="904772" cy="869923"/>
-          </a:xfrm>
-          <a:prstGeom prst="straightConnector1">
-            <a:avLst/>
-          </a:prstGeom>
-          <a:noFill/>
-          <a:ln w="38103" cap="flat">
-            <a:solidFill>
-              <a:srgbClr val="92D050"/>
-            </a:solidFill>
-            <a:prstDash val="solid"/>
-            <a:miter/>
-            <a:headEnd type="arrow"/>
-            <a:tailEnd type="arrow"/>
-          </a:ln>
-        </p:spPr>
-      </p:cxnSp>
-      <p:pic>
-        <p:nvPicPr>
-          <p:cNvPr id="7" name="Picture 6"/>
-          <p:cNvPicPr>
-            <a:picLocks noChangeAspect="1"/>
-          </p:cNvPicPr>
-          <p:nvPr/>
-        </p:nvPicPr>
-        <p:blipFill>
-          <a:blip r:embed="rId3"/>
-          <a:stretch>
-            <a:fillRect/>
-          </a:stretch>
-        </p:blipFill>
-        <p:spPr>
-          <a:xfrm>
-            <a:off x="2137181" y="2308827"/>
-            <a:ext cx="684675" cy="923681"/>
-          </a:xfrm>
-          <a:prstGeom prst="rect">
-            <a:avLst/>
-          </a:prstGeom>
-          <a:noFill/>
-          <a:ln cap="flat">
-            <a:noFill/>
-          </a:ln>
-        </p:spPr>
-      </p:pic>
-      <p:cxnSp>
-        <p:nvCxnSpPr>
-          <p:cNvPr id="8" name="Straight Connector 20"/>
-          <p:cNvCxnSpPr/>
-          <p:nvPr/>
-        </p:nvCxnSpPr>
-        <p:spPr>
-          <a:xfrm>
-            <a:off x="2602583" y="2919701"/>
-            <a:ext cx="800374" cy="435318"/>
-          </a:xfrm>
-          <a:prstGeom prst="straightConnector1">
-            <a:avLst/>
-          </a:prstGeom>
-          <a:noFill/>
-          <a:ln w="38103" cap="flat">
-            <a:solidFill>
-              <a:srgbClr val="92D050"/>
-            </a:solidFill>
-            <a:prstDash val="solid"/>
-            <a:miter/>
-            <a:headEnd type="arrow"/>
-            <a:tailEnd type="arrow"/>
-          </a:ln>
-        </p:spPr>
-      </p:cxnSp>
-      <p:cxnSp>
-        <p:nvCxnSpPr>
-          <p:cNvPr id="9" name="Straight Connector 24"/>
-          <p:cNvCxnSpPr/>
-          <p:nvPr/>
-        </p:nvCxnSpPr>
-        <p:spPr>
-          <a:xfrm flipV="1">
-            <a:off x="2972485" y="3656973"/>
-            <a:ext cx="904781" cy="869932"/>
-          </a:xfrm>
-          <a:prstGeom prst="straightConnector1">
-            <a:avLst/>
-          </a:prstGeom>
-          <a:noFill/>
-          <a:ln w="38103" cap="flat">
-            <a:solidFill>
-              <a:srgbClr val="92D050"/>
-            </a:solidFill>
-            <a:prstDash val="solid"/>
-            <a:miter/>
-            <a:headEnd type="arrow"/>
-            <a:tailEnd type="arrow"/>
-          </a:ln>
-        </p:spPr>
-      </p:cxnSp>
-      <p:pic>
-        <p:nvPicPr>
-          <p:cNvPr id="10" name="Picture 6"/>
-          <p:cNvPicPr>
-            <a:picLocks noChangeAspect="1"/>
-          </p:cNvPicPr>
-          <p:nvPr/>
-        </p:nvPicPr>
-        <p:blipFill>
-          <a:blip r:embed="rId3"/>
-          <a:stretch>
-            <a:fillRect/>
-          </a:stretch>
-        </p:blipFill>
-        <p:spPr>
-          <a:xfrm>
-            <a:off x="1117204" y="3334116"/>
-            <a:ext cx="726957" cy="980721"/>
-          </a:xfrm>
-          <a:prstGeom prst="rect">
-            <a:avLst/>
-          </a:prstGeom>
-          <a:noFill/>
-          <a:ln cap="flat">
-            <a:noFill/>
-          </a:ln>
           <a:effectLst/>
         </p:spPr>
       </p:pic>
@@ -23222,7 +23158,7 @@
 </p:sld>
 </file>
 
-<file path=ppt/slides/slide22.xml><?xml version="1.0" encoding="utf-8"?>
+<file path=ppt/slides/slide23.xml><?xml version="1.0" encoding="utf-8"?>
 <p:sld xmlns:a="http://schemas.openxmlformats.org/drawingml/2006/main" xmlns:r="http://schemas.openxmlformats.org/officeDocument/2006/relationships" xmlns:p="http://schemas.openxmlformats.org/presentationml/2006/main">
   <p:cSld>
     <p:spTree>
@@ -23375,6 +23311,17 @@
               <a:t>Overlapping schedule…</a:t>
             </a:r>
           </a:p>
+          <a:p>
+            <a:pPr marL="342900" lvl="0" indent="-342900">
+              <a:buSzPct val="100000"/>
+              <a:buFont typeface="Arial" pitchFamily="34"/>
+              <a:buChar char="•"/>
+            </a:pPr>
+            <a:r>
+              <a:rPr lang="en-NZ" sz="2400" dirty="0"/>
+              <a:t>One dc per site… you might want more connections (old KCC)</a:t>
+            </a:r>
+          </a:p>
         </p:txBody>
       </p:sp>
     </p:spTree>
@@ -23390,7 +23337,7 @@
 </p:sld>
 </file>
 
-<file path=ppt/slides/slide23.xml><?xml version="1.0" encoding="utf-8"?>
+<file path=ppt/slides/slide24.xml><?xml version="1.0" encoding="utf-8"?>
 <p:sld xmlns:a="http://schemas.openxmlformats.org/drawingml/2006/main" xmlns:r="http://schemas.openxmlformats.org/officeDocument/2006/relationships" xmlns:p="http://schemas.openxmlformats.org/presentationml/2006/main">
   <p:cSld>
     <p:spTree>
@@ -23620,7 +23567,7 @@
 </p:sld>
 </file>
 
-<file path=ppt/slides/slide24.xml><?xml version="1.0" encoding="utf-8"?>
+<file path=ppt/slides/slide25.xml><?xml version="1.0" encoding="utf-8"?>
 <p:sld xmlns:a="http://schemas.openxmlformats.org/drawingml/2006/main" xmlns:r="http://schemas.openxmlformats.org/officeDocument/2006/relationships" xmlns:p="http://schemas.openxmlformats.org/presentationml/2006/main">
   <p:cSld name="Slide13">
     <p:spTree>
@@ -23734,7 +23681,7 @@
 </p:sld>
 </file>
 
-<file path=ppt/slides/slide25.xml><?xml version="1.0" encoding="utf-8"?>
+<file path=ppt/slides/slide26.xml><?xml version="1.0" encoding="utf-8"?>
 <p:sld xmlns:a="http://schemas.openxmlformats.org/drawingml/2006/main" xmlns:r="http://schemas.openxmlformats.org/officeDocument/2006/relationships" xmlns:p="http://schemas.openxmlformats.org/presentationml/2006/main">
   <p:cSld>
     <p:spTree>
@@ -24379,7 +24326,7 @@
 </p:sld>
 </file>
 
-<file path=ppt/slides/slide26.xml><?xml version="1.0" encoding="utf-8"?>
+<file path=ppt/slides/slide27.xml><?xml version="1.0" encoding="utf-8"?>
 <p:sld xmlns:a="http://schemas.openxmlformats.org/drawingml/2006/main" xmlns:r="http://schemas.openxmlformats.org/officeDocument/2006/relationships" xmlns:p="http://schemas.openxmlformats.org/presentationml/2006/main">
   <p:cSld>
     <p:spTree>
@@ -24458,7 +24405,7 @@
             </a:pPr>
             <a:r>
               <a:rPr lang="en-NZ" sz="2400" dirty="0"/>
-              <a:t>Logical inconsistencies and omissions</a:t>
+              <a:t>Logical inconsistencies, ambiguities and omissions</a:t>
             </a:r>
           </a:p>
           <a:p>
@@ -24471,6 +24418,74 @@
               <a:rPr lang="en-NZ" sz="2400" dirty="0"/>
               <a:t>Pseudo-code vs textual description</a:t>
             </a:r>
+          </a:p>
+          <a:p>
+            <a:pPr marL="342900" indent="-342900">
+              <a:buSzPct val="100000"/>
+              <a:buFont typeface="Arial" pitchFamily="34"/>
+              <a:buChar char="•"/>
+            </a:pPr>
+            <a:r>
+              <a:rPr lang="en-NZ" sz="2400" dirty="0"/>
+              <a:t>Easy to debug your own bugs</a:t>
+            </a:r>
+          </a:p>
+          <a:p>
+            <a:pPr marL="1028700" lvl="1" indent="-342900"/>
+            <a:r>
+              <a:rPr lang="en-NZ" dirty="0">
+                <a:latin typeface="Lato" pitchFamily="18"/>
+              </a:rPr>
+              <a:t>Testing?</a:t>
+            </a:r>
+          </a:p>
+          <a:p>
+            <a:pPr marL="1028700" lvl="1" indent="-342900"/>
+            <a:r>
+              <a:rPr lang="en-NZ" dirty="0">
+                <a:latin typeface="Lato" pitchFamily="18"/>
+              </a:rPr>
+              <a:t>--dot-file-</a:t>
+            </a:r>
+            <a:r>
+              <a:rPr lang="en-NZ" dirty="0" err="1">
+                <a:latin typeface="Lato" pitchFamily="18"/>
+              </a:rPr>
+              <a:t>dir</a:t>
+            </a:r>
+            <a:endParaRPr lang="en-NZ" dirty="0">
+              <a:latin typeface="Lato" pitchFamily="18"/>
+            </a:endParaRPr>
+          </a:p>
+          <a:p>
+            <a:pPr marL="1028700" lvl="1" indent="-342900"/>
+            <a:r>
+              <a:rPr lang="en-NZ" dirty="0">
+                <a:latin typeface="Lato" pitchFamily="18"/>
+              </a:rPr>
+              <a:t>--export-</a:t>
+            </a:r>
+            <a:r>
+              <a:rPr lang="en-NZ" dirty="0" err="1">
+                <a:latin typeface="Lato" pitchFamily="18"/>
+              </a:rPr>
+              <a:t>ldif</a:t>
+            </a:r>
+            <a:r>
+              <a:rPr lang="en-NZ" dirty="0">
+                <a:latin typeface="Lato" pitchFamily="18"/>
+              </a:rPr>
+              <a:t>, --import-</a:t>
+            </a:r>
+            <a:r>
+              <a:rPr lang="en-NZ" dirty="0" err="1">
+                <a:latin typeface="Lato" pitchFamily="18"/>
+              </a:rPr>
+              <a:t>ldif</a:t>
+            </a:r>
+            <a:endParaRPr lang="en-NZ" dirty="0">
+              <a:latin typeface="Lato" pitchFamily="18"/>
+            </a:endParaRPr>
           </a:p>
           <a:p>
             <a:pPr marL="342900" lvl="0" indent="-342900">
@@ -24503,9 +24518,9 @@
 </p:sld>
 </file>
 
-<file path=ppt/slides/slide27.xml><?xml version="1.0" encoding="utf-8"?>
+<file path=ppt/slides/slide28.xml><?xml version="1.0" encoding="utf-8"?>
 <p:sld xmlns:a="http://schemas.openxmlformats.org/drawingml/2006/main" xmlns:r="http://schemas.openxmlformats.org/officeDocument/2006/relationships" xmlns:p="http://schemas.openxmlformats.org/presentationml/2006/main">
-  <p:cSld name="page2">
+  <p:cSld>
     <p:spTree>
       <p:nvGrpSpPr>
         <p:cNvPr id="1" name=""/>
@@ -24530,20 +24545,27 @@
             <p:ph type="title" idx="4294967295"/>
           </p:nvPr>
         </p:nvSpPr>
-        <p:spPr/>
+        <p:spPr>
+          <a:xfrm>
+            <a:off x="503998" y="301322"/>
+            <a:ext cx="9072000" cy="1261798"/>
+          </a:xfrm>
+        </p:spPr>
         <p:txBody>
-          <a:bodyPr anchorCtr="0"/>
+          <a:bodyPr/>
           <a:lstStyle/>
           <a:p>
-            <a:pPr lvl="0" algn="l"/>
+            <a:pPr lvl="0"/>
             <a:r>
-              <a:rPr lang="en-NZ" sz="3200" b="1">
+              <a:rPr lang="en-NZ" sz="3200" b="1" dirty="0">
                 <a:solidFill>
                   <a:srgbClr val="BB2025"/>
                 </a:solidFill>
-                <a:latin typeface="Lato" pitchFamily="18"/>
+                <a:latin typeface="Lato" pitchFamily="34"/>
+                <a:ea typeface="Lato" pitchFamily="34"/>
+                <a:cs typeface="Lato" pitchFamily="34"/>
               </a:rPr>
-              <a:t>History of the Samba KCC</a:t>
+              <a:t>Incomplete features</a:t>
             </a:r>
           </a:p>
         </p:txBody>
@@ -24558,46 +24580,83 @@
             <p:ph type="body" idx="4294967295"/>
           </p:nvPr>
         </p:nvSpPr>
-        <p:spPr/>
+        <p:spPr>
+          <a:xfrm>
+            <a:off x="685800" y="1443215"/>
+            <a:ext cx="8667753" cy="4384081"/>
+          </a:xfrm>
+        </p:spPr>
         <p:txBody>
           <a:bodyPr/>
           <a:lstStyle/>
           <a:p>
-            <a:pPr lvl="0">
-              <a:buSzPct val="45000"/>
-              <a:buFont typeface="StarSymbol"/>
-              <a:buChar char="●"/>
+            <a:pPr marL="342900" lvl="0" indent="-342900">
+              <a:buSzPct val="100000"/>
+              <a:buFont typeface="Arial" pitchFamily="34"/>
+              <a:buChar char="•"/>
             </a:pPr>
             <a:r>
-              <a:rPr lang="en-NZ"/>
-              <a:t>Easy to debug your own bugs, not someone else</a:t>
+              <a:rPr lang="en-NZ" sz="2400" dirty="0"/>
+              <a:t>Trusted domains and global </a:t>
             </a:r>
-          </a:p>
-          <a:p>
-            <a:pPr lvl="0">
-              <a:buSzPct val="45000"/>
-              <a:buFont typeface="StarSymbol"/>
-              <a:buChar char="●"/>
+            <a:r>
+              <a:rPr lang="en-NZ" sz="2400" dirty="0" err="1"/>
+              <a:t>catalog</a:t>
+            </a:r>
+            <a:r>
+              <a:rPr lang="en-NZ" sz="2400" dirty="0"/>
+              <a:t> replication</a:t>
+            </a:r>
+          </a:p>
+          <a:p>
+            <a:pPr marL="342900" lvl="0" indent="-342900">
+              <a:buSzPct val="100000"/>
+              <a:buFont typeface="Arial" pitchFamily="34"/>
+              <a:buChar char="•"/>
             </a:pPr>
             <a:r>
-              <a:rPr lang="en-NZ"/>
-              <a:t>Dot graph</a:t>
+              <a:rPr lang="en-NZ" sz="2400" dirty="0"/>
+              <a:t>RODC self-management</a:t>
             </a:r>
           </a:p>
           <a:p>
-            <a:pPr lvl="0">
-              <a:buSzPct val="45000"/>
-              <a:buFont typeface="StarSymbol"/>
-              <a:buChar char="●"/>
+            <a:pPr marL="342900" lvl="0" indent="-342900">
+              <a:buSzPct val="100000"/>
+              <a:buFont typeface="Arial" pitchFamily="34"/>
+              <a:buChar char="•"/>
             </a:pPr>
             <a:r>
-              <a:rPr lang="en-NZ"/>
-              <a:t>Avert some of these bounces outside of KCC</a:t>
+              <a:rPr lang="en-NZ" sz="2400" dirty="0"/>
+              <a:t>Site-Link-Bridge Topologies</a:t>
             </a:r>
           </a:p>
+          <a:p>
+            <a:pPr marL="342900" lvl="0" indent="-342900">
+              <a:buSzPct val="100000"/>
+              <a:buFont typeface="Arial" pitchFamily="34"/>
+              <a:buChar char="•"/>
+            </a:pPr>
+            <a:r>
+              <a:rPr lang="en-NZ" sz="2400" dirty="0"/>
+              <a:t>Respecting schedules and other AD attributes</a:t>
+            </a:r>
+          </a:p>
+          <a:p>
+            <a:pPr marL="342900" lvl="0" indent="-342900">
+              <a:buSzPct val="100000"/>
+              <a:buFont typeface="Arial" pitchFamily="34"/>
+              <a:buChar char="•"/>
+            </a:pPr>
+            <a:endParaRPr lang="en-NZ" sz="2400" dirty="0"/>
+          </a:p>
         </p:txBody>
       </p:sp>
     </p:spTree>
+    <p:extLst>
+      <p:ext uri="{BB962C8B-B14F-4D97-AF65-F5344CB8AC3E}">
+        <p14:creationId xmlns:p14="http://schemas.microsoft.com/office/powerpoint/2010/main" val="2088696549"/>
+      </p:ext>
+    </p:extLst>
   </p:cSld>
   <p:clrMapOvr>
     <a:masterClrMapping/>
@@ -24605,9 +24664,9 @@
 </p:sld>
 </file>
 
-<file path=ppt/slides/slide28.xml><?xml version="1.0" encoding="utf-8"?>
+<file path=ppt/slides/slide29.xml><?xml version="1.0" encoding="utf-8"?>
 <p:sld xmlns:a="http://schemas.openxmlformats.org/drawingml/2006/main" xmlns:r="http://schemas.openxmlformats.org/officeDocument/2006/relationships" xmlns:p="http://schemas.openxmlformats.org/presentationml/2006/main">
-  <p:cSld name="page3">
+  <p:cSld>
     <p:spTree>
       <p:nvGrpSpPr>
         <p:cNvPr id="1" name=""/>
@@ -24632,12 +24691,28 @@
             <p:ph type="title" idx="4294967295"/>
           </p:nvPr>
         </p:nvSpPr>
-        <p:spPr/>
+        <p:spPr>
+          <a:xfrm>
+            <a:off x="503998" y="301322"/>
+            <a:ext cx="9072000" cy="1261798"/>
+          </a:xfrm>
+        </p:spPr>
         <p:txBody>
           <a:bodyPr/>
           <a:lstStyle/>
           <a:p>
-            <a:endParaRPr lang="en-NZ"/>
+            <a:pPr lvl="0"/>
+            <a:r>
+              <a:rPr lang="en-NZ" sz="3200" b="1" dirty="0">
+                <a:solidFill>
+                  <a:srgbClr val="BB2025"/>
+                </a:solidFill>
+                <a:latin typeface="Lato" pitchFamily="34"/>
+                <a:ea typeface="Lato" pitchFamily="34"/>
+                <a:cs typeface="Lato" pitchFamily="34"/>
+              </a:rPr>
+              <a:t>Incomplete features</a:t>
+            </a:r>
           </a:p>
         </p:txBody>
       </p:sp>
@@ -24651,123 +24726,94 @@
             <p:ph type="body" idx="4294967295"/>
           </p:nvPr>
         </p:nvSpPr>
-        <p:spPr/>
+        <p:spPr>
+          <a:xfrm>
+            <a:off x="685800" y="1443215"/>
+            <a:ext cx="8667753" cy="4384081"/>
+          </a:xfrm>
+        </p:spPr>
         <p:txBody>
           <a:bodyPr/>
           <a:lstStyle/>
           <a:p>
-            <a:pPr lvl="0">
-              <a:buSzPct val="45000"/>
-              <a:buFont typeface="StarSymbol"/>
-              <a:buChar char="●"/>
+            <a:pPr marL="342900" lvl="0" indent="-342900">
+              <a:buSzPct val="100000"/>
+              <a:buFont typeface="Arial" pitchFamily="34"/>
+              <a:buChar char="•"/>
             </a:pPr>
             <a:r>
-              <a:rPr lang="en-NZ"/>
-              <a:t>With Samba 4.5, the new site-aware Samba Knowledge Consistency Checker (KCC) has been turned on by default. Instead of using full mesh replication between every DC, the KCC will set up connections to optimize replication latency and cost (using site links to calculate the routes). Although there is more effort required in establishing effective site topologies, it has enabled users to create larger and more distributed networks without any of the previous replication penalties. It has also meant that Samba AD can be aware of particular details of a network (such as satellite links or certain firewall restrictions) to ensure that information flows through the network in a reasonable way. The aim is to look at how sites in AD generally work, what role the KCC performs, and what implications this new feature has on a range of different networks.</a:t>
+              <a:rPr lang="en-NZ" sz="2400" dirty="0"/>
+              <a:t>Failed connection and failed DC failover</a:t>
             </a:r>
           </a:p>
-        </p:txBody>
-      </p:sp>
-    </p:spTree>
-  </p:cSld>
-  <p:clrMapOvr>
-    <a:masterClrMapping/>
-  </p:clrMapOvr>
-</p:sld>
-</file>
-
-<file path=ppt/slides/slide29.xml><?xml version="1.0" encoding="utf-8"?>
-<p:sld xmlns:a="http://schemas.openxmlformats.org/drawingml/2006/main" xmlns:r="http://schemas.openxmlformats.org/officeDocument/2006/relationships" xmlns:p="http://schemas.openxmlformats.org/presentationml/2006/main">
-  <p:cSld name="page4">
-    <p:spTree>
-      <p:nvGrpSpPr>
-        <p:cNvPr id="1" name=""/>
-        <p:cNvGrpSpPr/>
-        <p:nvPr/>
-      </p:nvGrpSpPr>
-      <p:grpSpPr>
-        <a:xfrm>
-          <a:off x="0" y="0"/>
-          <a:ext cx="0" cy="0"/>
-          <a:chOff x="0" y="0"/>
-          <a:chExt cx="0" cy="0"/>
-        </a:xfrm>
-      </p:grpSpPr>
-      <p:sp>
-        <p:nvSpPr>
-          <p:cNvPr id="2" name="Title 1"/>
-          <p:cNvSpPr txBox="1">
-            <a:spLocks noGrp="1"/>
-          </p:cNvSpPr>
-          <p:nvPr>
-            <p:ph type="title" idx="4294967295"/>
-          </p:nvPr>
-        </p:nvSpPr>
-        <p:spPr/>
-        <p:txBody>
-          <a:bodyPr/>
-          <a:lstStyle/>
-          <a:p>
-            <a:endParaRPr lang="en-NZ"/>
-          </a:p>
-        </p:txBody>
-      </p:sp>
-      <p:sp>
-        <p:nvSpPr>
-          <p:cNvPr id="3" name="Text Placeholder 2"/>
-          <p:cNvSpPr txBox="1">
-            <a:spLocks noGrp="1"/>
-          </p:cNvSpPr>
-          <p:nvPr>
-            <p:ph type="body" idx="4294967295"/>
-          </p:nvPr>
-        </p:nvSpPr>
-        <p:spPr/>
-        <p:txBody>
-          <a:bodyPr/>
-          <a:lstStyle/>
-          <a:p>
-            <a:pPr lvl="0">
-              <a:buSzPct val="45000"/>
-              <a:buFont typeface="StarSymbol"/>
-              <a:buChar char="●"/>
+          <a:p>
+            <a:pPr marL="342900" lvl="0" indent="-342900">
+              <a:buSzPct val="100000"/>
+              <a:buFont typeface="Arial" pitchFamily="34"/>
+              <a:buChar char="•"/>
             </a:pPr>
             <a:r>
-              <a:rPr lang="en-NZ" dirty="0"/>
-              <a:t>Hyperedge and hypergraphs</a:t>
+              <a:rPr lang="en-NZ" sz="2400" dirty="0"/>
+              <a:t>Better stale connection clean-up</a:t>
             </a:r>
           </a:p>
+          <a:p>
+            <a:pPr marL="1028700" lvl="1" indent="-342900"/>
+            <a:r>
+              <a:rPr lang="en-NZ" dirty="0">
+                <a:latin typeface="Lato" pitchFamily="18"/>
+              </a:rPr>
+              <a:t>MS-DS-Replicates-NC-Reason</a:t>
+            </a:r>
+          </a:p>
+          <a:p>
+            <a:pPr marL="1028700" lvl="1" indent="-342900"/>
+            <a:r>
+              <a:rPr lang="en-NZ" dirty="0">
+                <a:latin typeface="Lato" pitchFamily="18"/>
+              </a:rPr>
+              <a:t>Use normal replication to propagate failure info</a:t>
+            </a:r>
+          </a:p>
+          <a:p>
+            <a:pPr marL="1028700" lvl="1" indent="-342900"/>
+            <a:endParaRPr lang="en-NZ" sz="2800" dirty="0"/>
+          </a:p>
+          <a:p>
+            <a:pPr marL="342900" lvl="0" indent="-342900">
+              <a:buSzPct val="100000"/>
+              <a:buFont typeface="Arial" pitchFamily="34"/>
+              <a:buChar char="•"/>
+            </a:pPr>
+            <a:r>
+              <a:rPr lang="en-NZ" sz="2400" dirty="0"/>
+              <a:t>Better debugging and failure information</a:t>
+            </a:r>
+          </a:p>
+          <a:p>
+            <a:pPr marL="342900" lvl="0" indent="-342900">
+              <a:buSzPct val="100000"/>
+              <a:buFont typeface="Arial" pitchFamily="34"/>
+              <a:buChar char="•"/>
+            </a:pPr>
+            <a:endParaRPr lang="en-NZ" sz="2400" dirty="0"/>
+          </a:p>
+          <a:p>
+            <a:pPr marL="342900" lvl="0" indent="-342900">
+              <a:buSzPct val="100000"/>
+              <a:buFont typeface="Arial" pitchFamily="34"/>
+              <a:buChar char="•"/>
+            </a:pPr>
+            <a:endParaRPr lang="en-NZ" sz="2400" dirty="0"/>
+          </a:p>
         </p:txBody>
       </p:sp>
-      <p:pic>
-        <p:nvPicPr>
-          <p:cNvPr id="4" name="Picture 3"/>
-          <p:cNvPicPr>
-            <a:picLocks noChangeAspect="1"/>
-          </p:cNvPicPr>
-          <p:nvPr/>
-        </p:nvPicPr>
-        <p:blipFill>
-          <a:blip r:embed="rId3"/>
-          <a:stretch>
-            <a:fillRect/>
-          </a:stretch>
-        </p:blipFill>
-        <p:spPr>
-          <a:xfrm>
-            <a:off x="6868789" y="3860797"/>
-            <a:ext cx="1006480" cy="1006480"/>
-          </a:xfrm>
-          <a:prstGeom prst="rect">
-            <a:avLst/>
-          </a:prstGeom>
-          <a:noFill/>
-          <a:ln cap="flat">
-            <a:noFill/>
-          </a:ln>
-        </p:spPr>
-      </p:pic>
     </p:spTree>
+    <p:extLst>
+      <p:ext uri="{BB962C8B-B14F-4D97-AF65-F5344CB8AC3E}">
+        <p14:creationId xmlns:p14="http://schemas.microsoft.com/office/powerpoint/2010/main" val="2923405137"/>
+      </p:ext>
+    </p:extLst>
   </p:cSld>
   <p:clrMapOvr>
     <a:masterClrMapping/>
@@ -26165,6 +26211,176 @@
 
 <file path=ppt/slides/slide30.xml><?xml version="1.0" encoding="utf-8"?>
 <p:sld xmlns:a="http://schemas.openxmlformats.org/drawingml/2006/main" xmlns:r="http://schemas.openxmlformats.org/officeDocument/2006/relationships" xmlns:p="http://schemas.openxmlformats.org/presentationml/2006/main">
+  <p:cSld name="page3">
+    <p:spTree>
+      <p:nvGrpSpPr>
+        <p:cNvPr id="1" name=""/>
+        <p:cNvGrpSpPr/>
+        <p:nvPr/>
+      </p:nvGrpSpPr>
+      <p:grpSpPr>
+        <a:xfrm>
+          <a:off x="0" y="0"/>
+          <a:ext cx="0" cy="0"/>
+          <a:chOff x="0" y="0"/>
+          <a:chExt cx="0" cy="0"/>
+        </a:xfrm>
+      </p:grpSpPr>
+      <p:sp>
+        <p:nvSpPr>
+          <p:cNvPr id="2" name="Title 1"/>
+          <p:cNvSpPr txBox="1">
+            <a:spLocks noGrp="1"/>
+          </p:cNvSpPr>
+          <p:nvPr>
+            <p:ph type="title" idx="4294967295"/>
+          </p:nvPr>
+        </p:nvSpPr>
+        <p:spPr/>
+        <p:txBody>
+          <a:bodyPr/>
+          <a:lstStyle/>
+          <a:p>
+            <a:endParaRPr lang="en-NZ"/>
+          </a:p>
+        </p:txBody>
+      </p:sp>
+      <p:sp>
+        <p:nvSpPr>
+          <p:cNvPr id="3" name="Text Placeholder 2"/>
+          <p:cNvSpPr txBox="1">
+            <a:spLocks noGrp="1"/>
+          </p:cNvSpPr>
+          <p:nvPr>
+            <p:ph type="body" idx="4294967295"/>
+          </p:nvPr>
+        </p:nvSpPr>
+        <p:spPr/>
+        <p:txBody>
+          <a:bodyPr/>
+          <a:lstStyle/>
+          <a:p>
+            <a:pPr lvl="0">
+              <a:buSzPct val="45000"/>
+              <a:buFont typeface="StarSymbol"/>
+              <a:buChar char="●"/>
+            </a:pPr>
+            <a:r>
+              <a:rPr lang="en-NZ" dirty="0"/>
+              <a:t>With Samba 4.5, the new site-aware Samba Knowledge Consistency Checker (KCC) has been turned on by default. Instead of using full mesh replication between every DC, the KCC will set up connections to optimize replication latency and cost (using site links to calculate the routes). Although there is more effort required in establishing effective site topologies, it has enabled users to create larger and more distributed networks without any of the previous replication penalties. It has also meant that Samba AD can be aware of particular details of a network (such as satellite links or certain firewall restrictions) to ensure that information flows through the network in a reasonable way. The aim is to look at how sites in AD generally work, what role the KCC performs, and what implications this new feature has on a range of different networks.</a:t>
+            </a:r>
+          </a:p>
+        </p:txBody>
+      </p:sp>
+    </p:spTree>
+  </p:cSld>
+  <p:clrMapOvr>
+    <a:masterClrMapping/>
+  </p:clrMapOvr>
+</p:sld>
+</file>
+
+<file path=ppt/slides/slide31.xml><?xml version="1.0" encoding="utf-8"?>
+<p:sld xmlns:a="http://schemas.openxmlformats.org/drawingml/2006/main" xmlns:r="http://schemas.openxmlformats.org/officeDocument/2006/relationships" xmlns:p="http://schemas.openxmlformats.org/presentationml/2006/main">
+  <p:cSld name="page4">
+    <p:spTree>
+      <p:nvGrpSpPr>
+        <p:cNvPr id="1" name=""/>
+        <p:cNvGrpSpPr/>
+        <p:nvPr/>
+      </p:nvGrpSpPr>
+      <p:grpSpPr>
+        <a:xfrm>
+          <a:off x="0" y="0"/>
+          <a:ext cx="0" cy="0"/>
+          <a:chOff x="0" y="0"/>
+          <a:chExt cx="0" cy="0"/>
+        </a:xfrm>
+      </p:grpSpPr>
+      <p:sp>
+        <p:nvSpPr>
+          <p:cNvPr id="2" name="Title 1"/>
+          <p:cNvSpPr txBox="1">
+            <a:spLocks noGrp="1"/>
+          </p:cNvSpPr>
+          <p:nvPr>
+            <p:ph type="title" idx="4294967295"/>
+          </p:nvPr>
+        </p:nvSpPr>
+        <p:spPr/>
+        <p:txBody>
+          <a:bodyPr/>
+          <a:lstStyle/>
+          <a:p>
+            <a:endParaRPr lang="en-NZ"/>
+          </a:p>
+        </p:txBody>
+      </p:sp>
+      <p:sp>
+        <p:nvSpPr>
+          <p:cNvPr id="3" name="Text Placeholder 2"/>
+          <p:cNvSpPr txBox="1">
+            <a:spLocks noGrp="1"/>
+          </p:cNvSpPr>
+          <p:nvPr>
+            <p:ph type="body" idx="4294967295"/>
+          </p:nvPr>
+        </p:nvSpPr>
+        <p:spPr/>
+        <p:txBody>
+          <a:bodyPr/>
+          <a:lstStyle/>
+          <a:p>
+            <a:pPr lvl="0">
+              <a:buSzPct val="45000"/>
+              <a:buFont typeface="StarSymbol"/>
+              <a:buChar char="●"/>
+            </a:pPr>
+            <a:r>
+              <a:rPr lang="en-NZ" dirty="0"/>
+              <a:t>Hyperedge and hypergraphs</a:t>
+            </a:r>
+          </a:p>
+        </p:txBody>
+      </p:sp>
+      <p:pic>
+        <p:nvPicPr>
+          <p:cNvPr id="4" name="Picture 3"/>
+          <p:cNvPicPr>
+            <a:picLocks noChangeAspect="1"/>
+          </p:cNvPicPr>
+          <p:nvPr/>
+        </p:nvPicPr>
+        <p:blipFill>
+          <a:blip r:embed="rId3"/>
+          <a:stretch>
+            <a:fillRect/>
+          </a:stretch>
+        </p:blipFill>
+        <p:spPr>
+          <a:xfrm>
+            <a:off x="6868789" y="3860797"/>
+            <a:ext cx="1006480" cy="1006480"/>
+          </a:xfrm>
+          <a:prstGeom prst="rect">
+            <a:avLst/>
+          </a:prstGeom>
+          <a:noFill/>
+          <a:ln cap="flat">
+            <a:noFill/>
+          </a:ln>
+        </p:spPr>
+      </p:pic>
+    </p:spTree>
+  </p:cSld>
+  <p:clrMapOvr>
+    <a:masterClrMapping/>
+  </p:clrMapOvr>
+</p:sld>
+</file>
+
+<file path=ppt/slides/slide32.xml><?xml version="1.0" encoding="utf-8"?>
+<p:sld xmlns:a="http://schemas.openxmlformats.org/drawingml/2006/main" xmlns:r="http://schemas.openxmlformats.org/officeDocument/2006/relationships" xmlns:p="http://schemas.openxmlformats.org/presentationml/2006/main">
   <p:cSld name="page5">
     <p:spTree>
       <p:nvGrpSpPr>
@@ -26278,7 +26494,7 @@
 </p:sld>
 </file>
 
-<file path=ppt/slides/slide31.xml><?xml version="1.0" encoding="utf-8"?>
+<file path=ppt/slides/slide33.xml><?xml version="1.0" encoding="utf-8"?>
 <p:sld xmlns:a="http://schemas.openxmlformats.org/drawingml/2006/main" xmlns:r="http://schemas.openxmlformats.org/officeDocument/2006/relationships" xmlns:p="http://schemas.openxmlformats.org/presentationml/2006/main">
   <p:cSld name="page6">
     <p:spTree>
@@ -26492,7 +26708,7 @@
 </p:sld>
 </file>
 
-<file path=ppt/slides/slide32.xml><?xml version="1.0" encoding="utf-8"?>
+<file path=ppt/slides/slide34.xml><?xml version="1.0" encoding="utf-8"?>
 <p:sld xmlns:a="http://schemas.openxmlformats.org/drawingml/2006/main" xmlns:r="http://schemas.openxmlformats.org/officeDocument/2006/relationships" xmlns:p="http://schemas.openxmlformats.org/presentationml/2006/main">
   <p:cSld name="page7">
     <p:spTree>
@@ -26607,7 +26823,7 @@
 </p:sld>
 </file>
 
-<file path=ppt/slides/slide33.xml><?xml version="1.0" encoding="utf-8"?>
+<file path=ppt/slides/slide35.xml><?xml version="1.0" encoding="utf-8"?>
 <p:sld xmlns:a="http://schemas.openxmlformats.org/drawingml/2006/main" xmlns:r="http://schemas.openxmlformats.org/officeDocument/2006/relationships" xmlns:p="http://schemas.openxmlformats.org/presentationml/2006/main">
   <p:cSld name="page8">
     <p:spTree>
@@ -26733,7 +26949,7 @@
 </p:sld>
 </file>
 
-<file path=ppt/slides/slide34.xml><?xml version="1.0" encoding="utf-8"?>
+<file path=ppt/slides/slide36.xml><?xml version="1.0" encoding="utf-8"?>
 <p:sld xmlns:a="http://schemas.openxmlformats.org/drawingml/2006/main" xmlns:r="http://schemas.openxmlformats.org/officeDocument/2006/relationships" xmlns:p="http://schemas.openxmlformats.org/presentationml/2006/main">
   <p:cSld name="page9">
     <p:spTree>

--- a/Samba KCC.pptx
+++ b/Samba KCC.pptx
@@ -6,10 +6,10 @@
     <p:sldMasterId id="2147483660" r:id="rId2"/>
   </p:sldMasterIdLst>
   <p:notesMasterIdLst>
-    <p:notesMasterId r:id="rId39"/>
+    <p:notesMasterId r:id="rId42"/>
   </p:notesMasterIdLst>
   <p:handoutMasterIdLst>
-    <p:handoutMasterId r:id="rId40"/>
+    <p:handoutMasterId r:id="rId43"/>
   </p:handoutMasterIdLst>
   <p:sldIdLst>
     <p:sldId id="256" r:id="rId3"/>
@@ -34,20 +34,23 @@
     <p:sldId id="287" r:id="rId22"/>
     <p:sldId id="288" r:id="rId23"/>
     <p:sldId id="289" r:id="rId24"/>
-    <p:sldId id="285" r:id="rId25"/>
-    <p:sldId id="284" r:id="rId26"/>
-    <p:sldId id="268" r:id="rId27"/>
-    <p:sldId id="277" r:id="rId28"/>
-    <p:sldId id="278" r:id="rId29"/>
-    <p:sldId id="292" r:id="rId30"/>
-    <p:sldId id="293" r:id="rId31"/>
-    <p:sldId id="258" r:id="rId32"/>
-    <p:sldId id="259" r:id="rId33"/>
-    <p:sldId id="260" r:id="rId34"/>
-    <p:sldId id="261" r:id="rId35"/>
-    <p:sldId id="262" r:id="rId36"/>
-    <p:sldId id="263" r:id="rId37"/>
-    <p:sldId id="264" r:id="rId38"/>
+    <p:sldId id="296" r:id="rId25"/>
+    <p:sldId id="285" r:id="rId26"/>
+    <p:sldId id="284" r:id="rId27"/>
+    <p:sldId id="268" r:id="rId28"/>
+    <p:sldId id="295" r:id="rId29"/>
+    <p:sldId id="277" r:id="rId30"/>
+    <p:sldId id="278" r:id="rId31"/>
+    <p:sldId id="292" r:id="rId32"/>
+    <p:sldId id="293" r:id="rId33"/>
+    <p:sldId id="294" r:id="rId34"/>
+    <p:sldId id="258" r:id="rId35"/>
+    <p:sldId id="259" r:id="rId36"/>
+    <p:sldId id="260" r:id="rId37"/>
+    <p:sldId id="261" r:id="rId38"/>
+    <p:sldId id="262" r:id="rId39"/>
+    <p:sldId id="263" r:id="rId40"/>
+    <p:sldId id="264" r:id="rId41"/>
   </p:sldIdLst>
   <p:sldSz cx="10080625" cy="7559675"/>
   <p:notesSz cx="7559675" cy="10691813"/>
@@ -3807,7 +3810,7 @@
                 <a:uFillTx/>
               </a:defRPr>
             </a:pPr>
-            <a:fld id="{69D600D6-0C92-48D1-82A9-DB3322E2A1BF}" type="slidenum">
+            <a:fld id="{5E53B425-2352-4303-891A-A6358B994A24}" type="slidenum">
               <a:t>23</a:t>
             </a:fld>
             <a:endParaRPr lang="en-NZ" sz="1400" b="0" i="0" u="none" strike="noStrike" kern="1200" cap="none" spc="0" baseline="0">
@@ -3866,7 +3869,7 @@
                 <a:uFillTx/>
               </a:defRPr>
             </a:pPr>
-            <a:fld id="{9D449FC5-867B-43AA-94F7-664EBA03580E}" type="slidenum">
+            <a:fld id="{3A2EA5CD-E144-45FA-8121-B30DF773FFFB}" type="slidenum">
               <a:t>23</a:t>
             </a:fld>
             <a:endParaRPr lang="en-NZ" sz="1400" b="0" i="0" u="none" strike="noStrike" kern="1200" cap="none" spc="0" baseline="0">
@@ -3930,7 +3933,7 @@
     </p:spTree>
     <p:extLst>
       <p:ext uri="{BB962C8B-B14F-4D97-AF65-F5344CB8AC3E}">
-        <p14:creationId xmlns:p14="http://schemas.microsoft.com/office/powerpoint/2010/main" val="520948548"/>
+        <p14:creationId xmlns:p14="http://schemas.microsoft.com/office/powerpoint/2010/main" val="1984228594"/>
       </p:ext>
     </p:extLst>
   </p:cSld>
@@ -4001,7 +4004,7 @@
                 <a:uFillTx/>
               </a:defRPr>
             </a:pPr>
-            <a:fld id="{E07804F2-1004-48FC-A309-4A02D208F313}" type="slidenum">
+            <a:fld id="{69D600D6-0C92-48D1-82A9-DB3322E2A1BF}" type="slidenum">
               <a:t>24</a:t>
             </a:fld>
             <a:endParaRPr lang="en-NZ" sz="1400" b="0" i="0" u="none" strike="noStrike" kern="1200" cap="none" spc="0" baseline="0">
@@ -4060,7 +4063,7 @@
                 <a:uFillTx/>
               </a:defRPr>
             </a:pPr>
-            <a:fld id="{588F9D95-14EC-41EA-BD71-2A1BB271DC90}" type="slidenum">
+            <a:fld id="{9D449FC5-867B-43AA-94F7-664EBA03580E}" type="slidenum">
               <a:t>24</a:t>
             </a:fld>
             <a:endParaRPr lang="en-NZ" sz="1400" b="0" i="0" u="none" strike="noStrike" kern="1200" cap="none" spc="0" baseline="0">
@@ -4124,7 +4127,7 @@
     </p:spTree>
     <p:extLst>
       <p:ext uri="{BB962C8B-B14F-4D97-AF65-F5344CB8AC3E}">
-        <p14:creationId xmlns:p14="http://schemas.microsoft.com/office/powerpoint/2010/main" val="4037223513"/>
+        <p14:creationId xmlns:p14="http://schemas.microsoft.com/office/powerpoint/2010/main" val="520948548"/>
       </p:ext>
     </p:extLst>
   </p:cSld>
@@ -4195,7 +4198,7 @@
                 <a:uFillTx/>
               </a:defRPr>
             </a:pPr>
-            <a:fld id="{094BBDE3-104D-4E11-BAEE-4FA9483F2E6F}" type="slidenum">
+            <a:fld id="{E07804F2-1004-48FC-A309-4A02D208F313}" type="slidenum">
               <a:t>25</a:t>
             </a:fld>
             <a:endParaRPr lang="en-NZ" sz="1400" b="0" i="0" u="none" strike="noStrike" kern="1200" cap="none" spc="0" baseline="0">
@@ -4254,7 +4257,7 @@
                 <a:uFillTx/>
               </a:defRPr>
             </a:pPr>
-            <a:fld id="{201A4D39-07AB-4670-8920-2D323DB570EC}" type="slidenum">
+            <a:fld id="{588F9D95-14EC-41EA-BD71-2A1BB271DC90}" type="slidenum">
               <a:t>25</a:t>
             </a:fld>
             <a:endParaRPr lang="en-NZ" sz="1400" b="0" i="0" u="none" strike="noStrike" kern="1200" cap="none" spc="0" baseline="0">
@@ -4281,8 +4284,8 @@
         </p:nvSpPr>
         <p:spPr>
           <a:xfrm>
-            <a:off x="1106488" y="812801"/>
-            <a:ext cx="5345116" cy="4008436"/>
+            <a:off x="1106488" y="812800"/>
+            <a:ext cx="5345112" cy="4008438"/>
           </a:xfrm>
           <a:solidFill>
             <a:srgbClr val="5B9BD5"/>
@@ -4316,6 +4319,11 @@
         </p:txBody>
       </p:sp>
     </p:spTree>
+    <p:extLst>
+      <p:ext uri="{BB962C8B-B14F-4D97-AF65-F5344CB8AC3E}">
+        <p14:creationId xmlns:p14="http://schemas.microsoft.com/office/powerpoint/2010/main" val="4037223513"/>
+      </p:ext>
+    </p:extLst>
   </p:cSld>
   <p:clrMapOvr>
     <a:masterClrMapping/>
@@ -4505,11 +4513,6 @@
         </p:txBody>
       </p:sp>
     </p:spTree>
-    <p:extLst>
-      <p:ext uri="{BB962C8B-B14F-4D97-AF65-F5344CB8AC3E}">
-        <p14:creationId xmlns:p14="http://schemas.microsoft.com/office/powerpoint/2010/main" val="2148235567"/>
-      </p:ext>
-    </p:extLst>
   </p:cSld>
   <p:clrMapOvr>
     <a:masterClrMapping/>
@@ -4701,7 +4704,7 @@
     </p:spTree>
     <p:extLst>
       <p:ext uri="{BB962C8B-B14F-4D97-AF65-F5344CB8AC3E}">
-        <p14:creationId xmlns:p14="http://schemas.microsoft.com/office/powerpoint/2010/main" val="281072244"/>
+        <p14:creationId xmlns:p14="http://schemas.microsoft.com/office/powerpoint/2010/main" val="2032241159"/>
       </p:ext>
     </p:extLst>
   </p:cSld>
@@ -4895,7 +4898,7 @@
     </p:spTree>
     <p:extLst>
       <p:ext uri="{BB962C8B-B14F-4D97-AF65-F5344CB8AC3E}">
-        <p14:creationId xmlns:p14="http://schemas.microsoft.com/office/powerpoint/2010/main" val="1308900672"/>
+        <p14:creationId xmlns:p14="http://schemas.microsoft.com/office/powerpoint/2010/main" val="2148235567"/>
       </p:ext>
     </p:extLst>
   </p:cSld>
@@ -5089,7 +5092,7 @@
     </p:spTree>
     <p:extLst>
       <p:ext uri="{BB962C8B-B14F-4D97-AF65-F5344CB8AC3E}">
-        <p14:creationId xmlns:p14="http://schemas.microsoft.com/office/powerpoint/2010/main" val="2045040604"/>
+        <p14:creationId xmlns:p14="http://schemas.microsoft.com/office/powerpoint/2010/main" val="281072244"/>
       </p:ext>
     </p:extLst>
   </p:cSld>
@@ -5349,7 +5352,7 @@
                 <a:uFillTx/>
               </a:defRPr>
             </a:pPr>
-            <a:fld id="{49C68ABB-10FB-41C9-A59D-A5723A060D75}" type="slidenum">
+            <a:fld id="{094BBDE3-104D-4E11-BAEE-4FA9483F2E6F}" type="slidenum">
               <a:t>30</a:t>
             </a:fld>
             <a:endParaRPr lang="en-NZ" sz="1400" b="0" i="0" u="none" strike="noStrike" kern="1200" cap="none" spc="0" baseline="0">
@@ -5408,7 +5411,7 @@
                 <a:uFillTx/>
               </a:defRPr>
             </a:pPr>
-            <a:fld id="{8DD9A074-D987-40B6-97F2-17C15392431D}" type="slidenum">
+            <a:fld id="{201A4D39-07AB-4670-8920-2D323DB570EC}" type="slidenum">
               <a:t>30</a:t>
             </a:fld>
             <a:endParaRPr lang="en-NZ" sz="1400" b="0" i="0" u="none" strike="noStrike" kern="1200" cap="none" spc="0" baseline="0">
@@ -5435,8 +5438,8 @@
         </p:nvSpPr>
         <p:spPr>
           <a:xfrm>
-            <a:off x="1106488" y="812801"/>
-            <a:ext cx="5345116" cy="4008436"/>
+            <a:off x="1106488" y="812800"/>
+            <a:ext cx="5345112" cy="4008438"/>
           </a:xfrm>
           <a:solidFill>
             <a:srgbClr val="5B9BD5"/>
@@ -5470,6 +5473,11 @@
         </p:txBody>
       </p:sp>
     </p:spTree>
+    <p:extLst>
+      <p:ext uri="{BB962C8B-B14F-4D97-AF65-F5344CB8AC3E}">
+        <p14:creationId xmlns:p14="http://schemas.microsoft.com/office/powerpoint/2010/main" val="1308900672"/>
+      </p:ext>
+    </p:extLst>
   </p:cSld>
   <p:clrMapOvr>
     <a:masterClrMapping/>
@@ -5538,7 +5546,7 @@
                 <a:uFillTx/>
               </a:defRPr>
             </a:pPr>
-            <a:fld id="{C24BEE23-50A3-4728-BACD-DB13D0D751EB}" type="slidenum">
+            <a:fld id="{094BBDE3-104D-4E11-BAEE-4FA9483F2E6F}" type="slidenum">
               <a:t>31</a:t>
             </a:fld>
             <a:endParaRPr lang="en-NZ" sz="1400" b="0" i="0" u="none" strike="noStrike" kern="1200" cap="none" spc="0" baseline="0">
@@ -5597,7 +5605,7 @@
                 <a:uFillTx/>
               </a:defRPr>
             </a:pPr>
-            <a:fld id="{AE5BAAFB-EA41-4973-9F00-9EEEDD491570}" type="slidenum">
+            <a:fld id="{201A4D39-07AB-4670-8920-2D323DB570EC}" type="slidenum">
               <a:t>31</a:t>
             </a:fld>
             <a:endParaRPr lang="en-NZ" sz="1400" b="0" i="0" u="none" strike="noStrike" kern="1200" cap="none" spc="0" baseline="0">
@@ -5624,8 +5632,8 @@
         </p:nvSpPr>
         <p:spPr>
           <a:xfrm>
-            <a:off x="1106488" y="812801"/>
-            <a:ext cx="5345116" cy="4008436"/>
+            <a:off x="1106488" y="812800"/>
+            <a:ext cx="5345112" cy="4008438"/>
           </a:xfrm>
           <a:solidFill>
             <a:srgbClr val="5B9BD5"/>
@@ -5659,6 +5667,11 @@
         </p:txBody>
       </p:sp>
     </p:spTree>
+    <p:extLst>
+      <p:ext uri="{BB962C8B-B14F-4D97-AF65-F5344CB8AC3E}">
+        <p14:creationId xmlns:p14="http://schemas.microsoft.com/office/powerpoint/2010/main" val="2045040604"/>
+      </p:ext>
+    </p:extLst>
   </p:cSld>
   <p:clrMapOvr>
     <a:masterClrMapping/>
@@ -5727,7 +5740,7 @@
                 <a:uFillTx/>
               </a:defRPr>
             </a:pPr>
-            <a:fld id="{2EF2692C-6AFC-4035-9070-85412B1FB20A}" type="slidenum">
+            <a:fld id="{094BBDE3-104D-4E11-BAEE-4FA9483F2E6F}" type="slidenum">
               <a:t>32</a:t>
             </a:fld>
             <a:endParaRPr lang="en-NZ" sz="1400" b="0" i="0" u="none" strike="noStrike" kern="1200" cap="none" spc="0" baseline="0">
@@ -5786,7 +5799,7 @@
                 <a:uFillTx/>
               </a:defRPr>
             </a:pPr>
-            <a:fld id="{4C5373CE-5463-4EF6-BFCD-7809A59515D3}" type="slidenum">
+            <a:fld id="{201A4D39-07AB-4670-8920-2D323DB570EC}" type="slidenum">
               <a:t>32</a:t>
             </a:fld>
             <a:endParaRPr lang="en-NZ" sz="1400" b="0" i="0" u="none" strike="noStrike" kern="1200" cap="none" spc="0" baseline="0">
@@ -5813,8 +5826,8 @@
         </p:nvSpPr>
         <p:spPr>
           <a:xfrm>
-            <a:off x="1106488" y="812801"/>
-            <a:ext cx="5345116" cy="4008436"/>
+            <a:off x="1106488" y="812800"/>
+            <a:ext cx="5345112" cy="4008438"/>
           </a:xfrm>
           <a:solidFill>
             <a:srgbClr val="5B9BD5"/>
@@ -5848,6 +5861,11 @@
         </p:txBody>
       </p:sp>
     </p:spTree>
+    <p:extLst>
+      <p:ext uri="{BB962C8B-B14F-4D97-AF65-F5344CB8AC3E}">
+        <p14:creationId xmlns:p14="http://schemas.microsoft.com/office/powerpoint/2010/main" val="756634453"/>
+      </p:ext>
+    </p:extLst>
   </p:cSld>
   <p:clrMapOvr>
     <a:masterClrMapping/>
@@ -5916,7 +5934,7 @@
                 <a:uFillTx/>
               </a:defRPr>
             </a:pPr>
-            <a:fld id="{C3E1E518-6AE3-4679-8B85-58756417B71A}" type="slidenum">
+            <a:fld id="{49C68ABB-10FB-41C9-A59D-A5723A060D75}" type="slidenum">
               <a:t>33</a:t>
             </a:fld>
             <a:endParaRPr lang="en-NZ" sz="1400" b="0" i="0" u="none" strike="noStrike" kern="1200" cap="none" spc="0" baseline="0">
@@ -5975,7 +5993,7 @@
                 <a:uFillTx/>
               </a:defRPr>
             </a:pPr>
-            <a:fld id="{0826726E-05C2-4E27-B03B-6B6D617357C0}" type="slidenum">
+            <a:fld id="{8DD9A074-D987-40B6-97F2-17C15392431D}" type="slidenum">
               <a:t>33</a:t>
             </a:fld>
             <a:endParaRPr lang="en-NZ" sz="1400" b="0" i="0" u="none" strike="noStrike" kern="1200" cap="none" spc="0" baseline="0">
@@ -6105,7 +6123,7 @@
                 <a:uFillTx/>
               </a:defRPr>
             </a:pPr>
-            <a:fld id="{99D040D3-60FF-4D3A-8F04-DC5256BD7485}" type="slidenum">
+            <a:fld id="{C24BEE23-50A3-4728-BACD-DB13D0D751EB}" type="slidenum">
               <a:t>34</a:t>
             </a:fld>
             <a:endParaRPr lang="en-NZ" sz="1400" b="0" i="0" u="none" strike="noStrike" kern="1200" cap="none" spc="0" baseline="0">
@@ -6164,7 +6182,7 @@
                 <a:uFillTx/>
               </a:defRPr>
             </a:pPr>
-            <a:fld id="{A5C2506B-087E-4026-AF3F-04C455DD9D36}" type="slidenum">
+            <a:fld id="{AE5BAAFB-EA41-4973-9F00-9EEEDD491570}" type="slidenum">
               <a:t>34</a:t>
             </a:fld>
             <a:endParaRPr lang="en-NZ" sz="1400" b="0" i="0" u="none" strike="noStrike" kern="1200" cap="none" spc="0" baseline="0">
@@ -6191,8 +6209,8 @@
         </p:nvSpPr>
         <p:spPr>
           <a:xfrm>
-            <a:off x="1106488" y="812801"/>
-            <a:ext cx="5345116" cy="4008436"/>
+            <a:off x="1106488" y="812800"/>
+            <a:ext cx="5345112" cy="4008438"/>
           </a:xfrm>
           <a:solidFill>
             <a:srgbClr val="5B9BD5"/>
@@ -6294,7 +6312,7 @@
                 <a:uFillTx/>
               </a:defRPr>
             </a:pPr>
-            <a:fld id="{FBDC3CEA-D1C2-416B-96E2-BE677EAEA120}" type="slidenum">
+            <a:fld id="{2EF2692C-6AFC-4035-9070-85412B1FB20A}" type="slidenum">
               <a:t>35</a:t>
             </a:fld>
             <a:endParaRPr lang="en-NZ" sz="1400" b="0" i="0" u="none" strike="noStrike" kern="1200" cap="none" spc="0" baseline="0">
@@ -6353,7 +6371,7 @@
                 <a:uFillTx/>
               </a:defRPr>
             </a:pPr>
-            <a:fld id="{66961107-6156-4542-827E-D352CC731626}" type="slidenum">
+            <a:fld id="{4C5373CE-5463-4EF6-BFCD-7809A59515D3}" type="slidenum">
               <a:t>35</a:t>
             </a:fld>
             <a:endParaRPr lang="en-NZ" sz="1400" b="0" i="0" u="none" strike="noStrike" kern="1200" cap="none" spc="0" baseline="0">
@@ -6483,8 +6501,575 @@
                 <a:uFillTx/>
               </a:defRPr>
             </a:pPr>
+            <a:fld id="{C3E1E518-6AE3-4679-8B85-58756417B71A}" type="slidenum">
+              <a:t>36</a:t>
+            </a:fld>
+            <a:endParaRPr lang="en-NZ" sz="1400" b="0" i="0" u="none" strike="noStrike" kern="1200" cap="none" spc="0" baseline="0">
+              <a:solidFill>
+                <a:srgbClr val="000000"/>
+              </a:solidFill>
+              <a:uFillTx/>
+              <a:latin typeface="Times New Roman" pitchFamily="18"/>
+              <a:ea typeface="Segoe UI" pitchFamily="2"/>
+              <a:cs typeface="Tahoma" pitchFamily="2"/>
+            </a:endParaRPr>
+          </a:p>
+        </p:txBody>
+      </p:sp>
+      <p:sp>
+        <p:nvSpPr>
+          <p:cNvPr id="3" name="Slide Number Placeholder 6"/>
+          <p:cNvSpPr txBox="1"/>
+          <p:nvPr/>
+        </p:nvSpPr>
+        <p:spPr>
+          <a:xfrm>
+            <a:off x="4278962" y="10157402"/>
+            <a:ext cx="3280684" cy="534238"/>
+          </a:xfrm>
+          <a:prstGeom prst="rect">
+            <a:avLst/>
+          </a:prstGeom>
+          <a:noFill/>
+          <a:ln cap="flat">
+            <a:noFill/>
+          </a:ln>
+        </p:spPr>
+        <p:txBody>
+          <a:bodyPr vert="horz" wrap="square" lIns="0" tIns="0" rIns="0" bIns="0" anchor="b" anchorCtr="0" compatLnSpc="0">
+            <a:noAutofit/>
+          </a:bodyPr>
+          <a:lstStyle/>
+          <a:p>
+            <a:pPr marL="0" marR="0" lvl="0" indent="0" algn="r" defTabSz="914400" rtl="0" fontAlgn="auto" hangingPunct="0">
+              <a:lnSpc>
+                <a:spcPct val="100000"/>
+              </a:lnSpc>
+              <a:spcBef>
+                <a:spcPts val="0"/>
+              </a:spcBef>
+              <a:spcAft>
+                <a:spcPts val="0"/>
+              </a:spcAft>
+              <a:buNone/>
+              <a:tabLst/>
+              <a:defRPr sz="1800" b="0" i="0" u="none" strike="noStrike" kern="0" cap="none" spc="0" baseline="0">
+                <a:solidFill>
+                  <a:srgbClr val="000000"/>
+                </a:solidFill>
+                <a:uFillTx/>
+              </a:defRPr>
+            </a:pPr>
+            <a:fld id="{0826726E-05C2-4E27-B03B-6B6D617357C0}" type="slidenum">
+              <a:t>36</a:t>
+            </a:fld>
+            <a:endParaRPr lang="en-NZ" sz="1400" b="0" i="0" u="none" strike="noStrike" kern="1200" cap="none" spc="0" baseline="0">
+              <a:solidFill>
+                <a:srgbClr val="000000"/>
+              </a:solidFill>
+              <a:uFillTx/>
+              <a:latin typeface="Times New Roman" pitchFamily="18"/>
+              <a:ea typeface="Segoe UI" pitchFamily="2"/>
+              <a:cs typeface="Tahoma" pitchFamily="2"/>
+            </a:endParaRPr>
+          </a:p>
+        </p:txBody>
+      </p:sp>
+      <p:sp>
+        <p:nvSpPr>
+          <p:cNvPr id="4" name="Slide Image Placeholder 1"/>
+          <p:cNvSpPr>
+            <a:spLocks noGrp="1" noRot="1" noChangeAspect="1"/>
+          </p:cNvSpPr>
+          <p:nvPr>
+            <p:ph type="sldImg"/>
+          </p:nvPr>
+        </p:nvSpPr>
+        <p:spPr>
+          <a:xfrm>
+            <a:off x="1106488" y="812801"/>
+            <a:ext cx="5345116" cy="4008436"/>
+          </a:xfrm>
+          <a:solidFill>
+            <a:srgbClr val="5B9BD5"/>
+          </a:solidFill>
+          <a:ln w="12701" cap="flat">
+            <a:solidFill>
+              <a:srgbClr val="41719C"/>
+            </a:solidFill>
+            <a:prstDash val="solid"/>
+            <a:miter/>
+          </a:ln>
+        </p:spPr>
+      </p:sp>
+      <p:sp>
+        <p:nvSpPr>
+          <p:cNvPr id="5" name="Notes Placeholder 2"/>
+          <p:cNvSpPr txBox="1">
+            <a:spLocks noGrp="1"/>
+          </p:cNvSpPr>
+          <p:nvPr>
+            <p:ph type="body" sz="quarter" idx="1"/>
+          </p:nvPr>
+        </p:nvSpPr>
+        <p:spPr/>
+        <p:txBody>
+          <a:bodyPr/>
+          <a:lstStyle/>
+          <a:p>
+            <a:endParaRPr lang="en-NZ"/>
+          </a:p>
+        </p:txBody>
+      </p:sp>
+    </p:spTree>
+  </p:cSld>
+  <p:clrMapOvr>
+    <a:masterClrMapping/>
+  </p:clrMapOvr>
+</p:notes>
+</file>
+
+<file path=ppt/notesSlides/notesSlide37.xml><?xml version="1.0" encoding="utf-8"?>
+<p:notes xmlns:a="http://schemas.openxmlformats.org/drawingml/2006/main" xmlns:r="http://schemas.openxmlformats.org/officeDocument/2006/relationships" xmlns:p="http://schemas.openxmlformats.org/presentationml/2006/main">
+  <p:cSld>
+    <p:spTree>
+      <p:nvGrpSpPr>
+        <p:cNvPr id="1" name=""/>
+        <p:cNvGrpSpPr/>
+        <p:nvPr/>
+      </p:nvGrpSpPr>
+      <p:grpSpPr>
+        <a:xfrm>
+          <a:off x="0" y="0"/>
+          <a:ext cx="0" cy="0"/>
+          <a:chOff x="0" y="0"/>
+          <a:chExt cx="0" cy="0"/>
+        </a:xfrm>
+      </p:grpSpPr>
+      <p:sp>
+        <p:nvSpPr>
+          <p:cNvPr id="2" name="Slide Number Placeholder 6"/>
+          <p:cNvSpPr txBox="1"/>
+          <p:nvPr/>
+        </p:nvSpPr>
+        <p:spPr>
+          <a:xfrm>
+            <a:off x="4278962" y="10157402"/>
+            <a:ext cx="3280684" cy="534238"/>
+          </a:xfrm>
+          <a:prstGeom prst="rect">
+            <a:avLst/>
+          </a:prstGeom>
+          <a:noFill/>
+          <a:ln cap="flat">
+            <a:noFill/>
+          </a:ln>
+        </p:spPr>
+        <p:txBody>
+          <a:bodyPr vert="horz" wrap="square" lIns="0" tIns="0" rIns="0" bIns="0" anchor="b" anchorCtr="0" compatLnSpc="1">
+            <a:noAutofit/>
+          </a:bodyPr>
+          <a:lstStyle/>
+          <a:p>
+            <a:pPr marL="0" marR="0" lvl="0" indent="0" algn="r" defTabSz="914400" rtl="0" fontAlgn="auto" hangingPunct="0">
+              <a:lnSpc>
+                <a:spcPct val="100000"/>
+              </a:lnSpc>
+              <a:spcBef>
+                <a:spcPts val="0"/>
+              </a:spcBef>
+              <a:spcAft>
+                <a:spcPts val="0"/>
+              </a:spcAft>
+              <a:buNone/>
+              <a:tabLst/>
+              <a:defRPr sz="1800" b="0" i="0" u="none" strike="noStrike" kern="0" cap="none" spc="0" baseline="0">
+                <a:solidFill>
+                  <a:srgbClr val="000000"/>
+                </a:solidFill>
+                <a:uFillTx/>
+              </a:defRPr>
+            </a:pPr>
+            <a:fld id="{99D040D3-60FF-4D3A-8F04-DC5256BD7485}" type="slidenum">
+              <a:t>37</a:t>
+            </a:fld>
+            <a:endParaRPr lang="en-NZ" sz="1400" b="0" i="0" u="none" strike="noStrike" kern="1200" cap="none" spc="0" baseline="0">
+              <a:solidFill>
+                <a:srgbClr val="000000"/>
+              </a:solidFill>
+              <a:uFillTx/>
+              <a:latin typeface="Times New Roman" pitchFamily="18"/>
+              <a:ea typeface="Segoe UI" pitchFamily="2"/>
+              <a:cs typeface="Tahoma" pitchFamily="2"/>
+            </a:endParaRPr>
+          </a:p>
+        </p:txBody>
+      </p:sp>
+      <p:sp>
+        <p:nvSpPr>
+          <p:cNvPr id="3" name="Slide Number Placeholder 6"/>
+          <p:cNvSpPr txBox="1"/>
+          <p:nvPr/>
+        </p:nvSpPr>
+        <p:spPr>
+          <a:xfrm>
+            <a:off x="4278962" y="10157402"/>
+            <a:ext cx="3280684" cy="534238"/>
+          </a:xfrm>
+          <a:prstGeom prst="rect">
+            <a:avLst/>
+          </a:prstGeom>
+          <a:noFill/>
+          <a:ln cap="flat">
+            <a:noFill/>
+          </a:ln>
+        </p:spPr>
+        <p:txBody>
+          <a:bodyPr vert="horz" wrap="square" lIns="0" tIns="0" rIns="0" bIns="0" anchor="b" anchorCtr="0" compatLnSpc="0">
+            <a:noAutofit/>
+          </a:bodyPr>
+          <a:lstStyle/>
+          <a:p>
+            <a:pPr marL="0" marR="0" lvl="0" indent="0" algn="r" defTabSz="914400" rtl="0" fontAlgn="auto" hangingPunct="0">
+              <a:lnSpc>
+                <a:spcPct val="100000"/>
+              </a:lnSpc>
+              <a:spcBef>
+                <a:spcPts val="0"/>
+              </a:spcBef>
+              <a:spcAft>
+                <a:spcPts val="0"/>
+              </a:spcAft>
+              <a:buNone/>
+              <a:tabLst/>
+              <a:defRPr sz="1800" b="0" i="0" u="none" strike="noStrike" kern="0" cap="none" spc="0" baseline="0">
+                <a:solidFill>
+                  <a:srgbClr val="000000"/>
+                </a:solidFill>
+                <a:uFillTx/>
+              </a:defRPr>
+            </a:pPr>
+            <a:fld id="{A5C2506B-087E-4026-AF3F-04C455DD9D36}" type="slidenum">
+              <a:t>37</a:t>
+            </a:fld>
+            <a:endParaRPr lang="en-NZ" sz="1400" b="0" i="0" u="none" strike="noStrike" kern="1200" cap="none" spc="0" baseline="0">
+              <a:solidFill>
+                <a:srgbClr val="000000"/>
+              </a:solidFill>
+              <a:uFillTx/>
+              <a:latin typeface="Times New Roman" pitchFamily="18"/>
+              <a:ea typeface="Segoe UI" pitchFamily="2"/>
+              <a:cs typeface="Tahoma" pitchFamily="2"/>
+            </a:endParaRPr>
+          </a:p>
+        </p:txBody>
+      </p:sp>
+      <p:sp>
+        <p:nvSpPr>
+          <p:cNvPr id="4" name="Slide Image Placeholder 1"/>
+          <p:cNvSpPr>
+            <a:spLocks noGrp="1" noRot="1" noChangeAspect="1"/>
+          </p:cNvSpPr>
+          <p:nvPr>
+            <p:ph type="sldImg"/>
+          </p:nvPr>
+        </p:nvSpPr>
+        <p:spPr>
+          <a:xfrm>
+            <a:off x="1106488" y="812801"/>
+            <a:ext cx="5345116" cy="4008436"/>
+          </a:xfrm>
+          <a:solidFill>
+            <a:srgbClr val="5B9BD5"/>
+          </a:solidFill>
+          <a:ln w="12701" cap="flat">
+            <a:solidFill>
+              <a:srgbClr val="41719C"/>
+            </a:solidFill>
+            <a:prstDash val="solid"/>
+            <a:miter/>
+          </a:ln>
+        </p:spPr>
+      </p:sp>
+      <p:sp>
+        <p:nvSpPr>
+          <p:cNvPr id="5" name="Notes Placeholder 2"/>
+          <p:cNvSpPr txBox="1">
+            <a:spLocks noGrp="1"/>
+          </p:cNvSpPr>
+          <p:nvPr>
+            <p:ph type="body" sz="quarter" idx="1"/>
+          </p:nvPr>
+        </p:nvSpPr>
+        <p:spPr/>
+        <p:txBody>
+          <a:bodyPr/>
+          <a:lstStyle/>
+          <a:p>
+            <a:endParaRPr lang="en-NZ"/>
+          </a:p>
+        </p:txBody>
+      </p:sp>
+    </p:spTree>
+  </p:cSld>
+  <p:clrMapOvr>
+    <a:masterClrMapping/>
+  </p:clrMapOvr>
+</p:notes>
+</file>
+
+<file path=ppt/notesSlides/notesSlide38.xml><?xml version="1.0" encoding="utf-8"?>
+<p:notes xmlns:a="http://schemas.openxmlformats.org/drawingml/2006/main" xmlns:r="http://schemas.openxmlformats.org/officeDocument/2006/relationships" xmlns:p="http://schemas.openxmlformats.org/presentationml/2006/main">
+  <p:cSld>
+    <p:spTree>
+      <p:nvGrpSpPr>
+        <p:cNvPr id="1" name=""/>
+        <p:cNvGrpSpPr/>
+        <p:nvPr/>
+      </p:nvGrpSpPr>
+      <p:grpSpPr>
+        <a:xfrm>
+          <a:off x="0" y="0"/>
+          <a:ext cx="0" cy="0"/>
+          <a:chOff x="0" y="0"/>
+          <a:chExt cx="0" cy="0"/>
+        </a:xfrm>
+      </p:grpSpPr>
+      <p:sp>
+        <p:nvSpPr>
+          <p:cNvPr id="2" name="Slide Number Placeholder 6"/>
+          <p:cNvSpPr txBox="1"/>
+          <p:nvPr/>
+        </p:nvSpPr>
+        <p:spPr>
+          <a:xfrm>
+            <a:off x="4278962" y="10157402"/>
+            <a:ext cx="3280684" cy="534238"/>
+          </a:xfrm>
+          <a:prstGeom prst="rect">
+            <a:avLst/>
+          </a:prstGeom>
+          <a:noFill/>
+          <a:ln cap="flat">
+            <a:noFill/>
+          </a:ln>
+        </p:spPr>
+        <p:txBody>
+          <a:bodyPr vert="horz" wrap="square" lIns="0" tIns="0" rIns="0" bIns="0" anchor="b" anchorCtr="0" compatLnSpc="1">
+            <a:noAutofit/>
+          </a:bodyPr>
+          <a:lstStyle/>
+          <a:p>
+            <a:pPr marL="0" marR="0" lvl="0" indent="0" algn="r" defTabSz="914400" rtl="0" fontAlgn="auto" hangingPunct="0">
+              <a:lnSpc>
+                <a:spcPct val="100000"/>
+              </a:lnSpc>
+              <a:spcBef>
+                <a:spcPts val="0"/>
+              </a:spcBef>
+              <a:spcAft>
+                <a:spcPts val="0"/>
+              </a:spcAft>
+              <a:buNone/>
+              <a:tabLst/>
+              <a:defRPr sz="1800" b="0" i="0" u="none" strike="noStrike" kern="0" cap="none" spc="0" baseline="0">
+                <a:solidFill>
+                  <a:srgbClr val="000000"/>
+                </a:solidFill>
+                <a:uFillTx/>
+              </a:defRPr>
+            </a:pPr>
+            <a:fld id="{FBDC3CEA-D1C2-416B-96E2-BE677EAEA120}" type="slidenum">
+              <a:t>38</a:t>
+            </a:fld>
+            <a:endParaRPr lang="en-NZ" sz="1400" b="0" i="0" u="none" strike="noStrike" kern="1200" cap="none" spc="0" baseline="0">
+              <a:solidFill>
+                <a:srgbClr val="000000"/>
+              </a:solidFill>
+              <a:uFillTx/>
+              <a:latin typeface="Times New Roman" pitchFamily="18"/>
+              <a:ea typeface="Segoe UI" pitchFamily="2"/>
+              <a:cs typeface="Tahoma" pitchFamily="2"/>
+            </a:endParaRPr>
+          </a:p>
+        </p:txBody>
+      </p:sp>
+      <p:sp>
+        <p:nvSpPr>
+          <p:cNvPr id="3" name="Slide Number Placeholder 6"/>
+          <p:cNvSpPr txBox="1"/>
+          <p:nvPr/>
+        </p:nvSpPr>
+        <p:spPr>
+          <a:xfrm>
+            <a:off x="4278962" y="10157402"/>
+            <a:ext cx="3280684" cy="534238"/>
+          </a:xfrm>
+          <a:prstGeom prst="rect">
+            <a:avLst/>
+          </a:prstGeom>
+          <a:noFill/>
+          <a:ln cap="flat">
+            <a:noFill/>
+          </a:ln>
+        </p:spPr>
+        <p:txBody>
+          <a:bodyPr vert="horz" wrap="square" lIns="0" tIns="0" rIns="0" bIns="0" anchor="b" anchorCtr="0" compatLnSpc="0">
+            <a:noAutofit/>
+          </a:bodyPr>
+          <a:lstStyle/>
+          <a:p>
+            <a:pPr marL="0" marR="0" lvl="0" indent="0" algn="r" defTabSz="914400" rtl="0" fontAlgn="auto" hangingPunct="0">
+              <a:lnSpc>
+                <a:spcPct val="100000"/>
+              </a:lnSpc>
+              <a:spcBef>
+                <a:spcPts val="0"/>
+              </a:spcBef>
+              <a:spcAft>
+                <a:spcPts val="0"/>
+              </a:spcAft>
+              <a:buNone/>
+              <a:tabLst/>
+              <a:defRPr sz="1800" b="0" i="0" u="none" strike="noStrike" kern="0" cap="none" spc="0" baseline="0">
+                <a:solidFill>
+                  <a:srgbClr val="000000"/>
+                </a:solidFill>
+                <a:uFillTx/>
+              </a:defRPr>
+            </a:pPr>
+            <a:fld id="{66961107-6156-4542-827E-D352CC731626}" type="slidenum">
+              <a:t>38</a:t>
+            </a:fld>
+            <a:endParaRPr lang="en-NZ" sz="1400" b="0" i="0" u="none" strike="noStrike" kern="1200" cap="none" spc="0" baseline="0">
+              <a:solidFill>
+                <a:srgbClr val="000000"/>
+              </a:solidFill>
+              <a:uFillTx/>
+              <a:latin typeface="Times New Roman" pitchFamily="18"/>
+              <a:ea typeface="Segoe UI" pitchFamily="2"/>
+              <a:cs typeface="Tahoma" pitchFamily="2"/>
+            </a:endParaRPr>
+          </a:p>
+        </p:txBody>
+      </p:sp>
+      <p:sp>
+        <p:nvSpPr>
+          <p:cNvPr id="4" name="Slide Image Placeholder 1"/>
+          <p:cNvSpPr>
+            <a:spLocks noGrp="1" noRot="1" noChangeAspect="1"/>
+          </p:cNvSpPr>
+          <p:nvPr>
+            <p:ph type="sldImg"/>
+          </p:nvPr>
+        </p:nvSpPr>
+        <p:spPr>
+          <a:xfrm>
+            <a:off x="1106488" y="812801"/>
+            <a:ext cx="5345116" cy="4008436"/>
+          </a:xfrm>
+          <a:solidFill>
+            <a:srgbClr val="5B9BD5"/>
+          </a:solidFill>
+          <a:ln w="12701" cap="flat">
+            <a:solidFill>
+              <a:srgbClr val="41719C"/>
+            </a:solidFill>
+            <a:prstDash val="solid"/>
+            <a:miter/>
+          </a:ln>
+        </p:spPr>
+      </p:sp>
+      <p:sp>
+        <p:nvSpPr>
+          <p:cNvPr id="5" name="Notes Placeholder 2"/>
+          <p:cNvSpPr txBox="1">
+            <a:spLocks noGrp="1"/>
+          </p:cNvSpPr>
+          <p:nvPr>
+            <p:ph type="body" sz="quarter" idx="1"/>
+          </p:nvPr>
+        </p:nvSpPr>
+        <p:spPr/>
+        <p:txBody>
+          <a:bodyPr/>
+          <a:lstStyle/>
+          <a:p>
+            <a:endParaRPr lang="en-NZ"/>
+          </a:p>
+        </p:txBody>
+      </p:sp>
+    </p:spTree>
+  </p:cSld>
+  <p:clrMapOvr>
+    <a:masterClrMapping/>
+  </p:clrMapOvr>
+</p:notes>
+</file>
+
+<file path=ppt/notesSlides/notesSlide39.xml><?xml version="1.0" encoding="utf-8"?>
+<p:notes xmlns:a="http://schemas.openxmlformats.org/drawingml/2006/main" xmlns:r="http://schemas.openxmlformats.org/officeDocument/2006/relationships" xmlns:p="http://schemas.openxmlformats.org/presentationml/2006/main">
+  <p:cSld>
+    <p:spTree>
+      <p:nvGrpSpPr>
+        <p:cNvPr id="1" name=""/>
+        <p:cNvGrpSpPr/>
+        <p:nvPr/>
+      </p:nvGrpSpPr>
+      <p:grpSpPr>
+        <a:xfrm>
+          <a:off x="0" y="0"/>
+          <a:ext cx="0" cy="0"/>
+          <a:chOff x="0" y="0"/>
+          <a:chExt cx="0" cy="0"/>
+        </a:xfrm>
+      </p:grpSpPr>
+      <p:sp>
+        <p:nvSpPr>
+          <p:cNvPr id="2" name="Slide Number Placeholder 6"/>
+          <p:cNvSpPr txBox="1"/>
+          <p:nvPr/>
+        </p:nvSpPr>
+        <p:spPr>
+          <a:xfrm>
+            <a:off x="4278962" y="10157402"/>
+            <a:ext cx="3280684" cy="534238"/>
+          </a:xfrm>
+          <a:prstGeom prst="rect">
+            <a:avLst/>
+          </a:prstGeom>
+          <a:noFill/>
+          <a:ln cap="flat">
+            <a:noFill/>
+          </a:ln>
+        </p:spPr>
+        <p:txBody>
+          <a:bodyPr vert="horz" wrap="square" lIns="0" tIns="0" rIns="0" bIns="0" anchor="b" anchorCtr="0" compatLnSpc="1">
+            <a:noAutofit/>
+          </a:bodyPr>
+          <a:lstStyle/>
+          <a:p>
+            <a:pPr marL="0" marR="0" lvl="0" indent="0" algn="r" defTabSz="914400" rtl="0" fontAlgn="auto" hangingPunct="0">
+              <a:lnSpc>
+                <a:spcPct val="100000"/>
+              </a:lnSpc>
+              <a:spcBef>
+                <a:spcPts val="0"/>
+              </a:spcBef>
+              <a:spcAft>
+                <a:spcPts val="0"/>
+              </a:spcAft>
+              <a:buNone/>
+              <a:tabLst/>
+              <a:defRPr sz="1800" b="0" i="0" u="none" strike="noStrike" kern="0" cap="none" spc="0" baseline="0">
+                <a:solidFill>
+                  <a:srgbClr val="000000"/>
+                </a:solidFill>
+                <a:uFillTx/>
+              </a:defRPr>
+            </a:pPr>
             <a:fld id="{DD0AE3C7-712B-423A-9193-4E06D5164807}" type="slidenum">
-              <a:t>36</a:t>
+              <a:t>39</a:t>
             </a:fld>
             <a:endParaRPr lang="en-NZ" sz="1400" b="0" i="0" u="none" strike="noStrike" kern="1200" cap="none" spc="0" baseline="0">
               <a:solidFill>
@@ -6543,7 +7128,7 @@
               </a:defRPr>
             </a:pPr>
             <a:fld id="{DEFA93FA-1F67-424E-8F86-CAD4FF1238D4}" type="slidenum">
-              <a:t>36</a:t>
+              <a:t>39</a:t>
             </a:fld>
             <a:endParaRPr lang="en-NZ" sz="1400" b="0" i="0" u="none" strike="noStrike" kern="1200" cap="none" spc="0" baseline="0">
               <a:solidFill>
@@ -23175,9 +23760,73 @@
           <a:chExt cx="0" cy="0"/>
         </a:xfrm>
       </p:grpSpPr>
-      <p:sp>
-        <p:nvSpPr>
-          <p:cNvPr id="2" name="Title 1"/>
+      <p:pic>
+        <p:nvPicPr>
+          <p:cNvPr id="2" name="Picture 6"/>
+          <p:cNvPicPr>
+            <a:picLocks noChangeAspect="1"/>
+          </p:cNvPicPr>
+          <p:nvPr/>
+        </p:nvPicPr>
+        <p:blipFill>
+          <a:blip r:embed="rId3"/>
+          <a:stretch>
+            <a:fillRect/>
+          </a:stretch>
+        </p:blipFill>
+        <p:spPr>
+          <a:xfrm>
+            <a:off x="2441667" y="4057416"/>
+            <a:ext cx="726957" cy="980721"/>
+          </a:xfrm>
+          <a:prstGeom prst="rect">
+            <a:avLst/>
+          </a:prstGeom>
+          <a:noFill/>
+          <a:ln cap="flat">
+            <a:noFill/>
+          </a:ln>
+        </p:spPr>
+      </p:pic>
+      <p:pic>
+        <p:nvPicPr>
+          <p:cNvPr id="3" name="Picture 6"/>
+          <p:cNvPicPr>
+            <a:picLocks noChangeAspect="1"/>
+          </p:cNvPicPr>
+          <p:nvPr/>
+        </p:nvPicPr>
+        <p:blipFill>
+          <a:blip r:embed="rId3"/>
+          <a:stretch>
+            <a:fillRect/>
+          </a:stretch>
+        </p:blipFill>
+        <p:spPr>
+          <a:xfrm>
+            <a:off x="3402957" y="2975333"/>
+            <a:ext cx="726957" cy="980721"/>
+          </a:xfrm>
+          <a:prstGeom prst="rect">
+            <a:avLst/>
+          </a:prstGeom>
+          <a:noFill/>
+          <a:ln cap="flat">
+            <a:noFill/>
+          </a:ln>
+          <a:effectLst>
+            <a:glow rad="228600">
+              <a:schemeClr val="accent2">
+                <a:satMod val="175000"/>
+                <a:alpha val="40000"/>
+              </a:schemeClr>
+            </a:glow>
+          </a:effectLst>
+        </p:spPr>
+      </p:pic>
+      <p:sp>
+        <p:nvSpPr>
+          <p:cNvPr id="4" name="Title 1"/>
           <p:cNvSpPr txBox="1">
             <a:spLocks noGrp="1"/>
           </p:cNvSpPr>
@@ -23197,7 +23846,7 @@
           <a:p>
             <a:pPr lvl="0"/>
             <a:r>
-              <a:rPr lang="en-NZ" sz="3200" b="1">
+              <a:rPr lang="en-NZ" sz="3200" b="1" dirty="0">
                 <a:solidFill>
                   <a:srgbClr val="BB2025"/>
                 </a:solidFill>
@@ -23205,129 +23854,892 @@
                 <a:ea typeface="Lato" pitchFamily="34"/>
                 <a:cs typeface="Lato" pitchFamily="34"/>
               </a:rPr>
-              <a:t>Remove unneeded connections</a:t>
+              <a:t>Inter-site algorithm – TODO </a:t>
             </a:r>
+            <a:r>
+              <a:rPr lang="en-NZ" sz="3200" b="1" dirty="0" err="1">
+                <a:solidFill>
+                  <a:srgbClr val="BB2025"/>
+                </a:solidFill>
+                <a:latin typeface="Lato" pitchFamily="34"/>
+                <a:ea typeface="Lato" pitchFamily="34"/>
+                <a:cs typeface="Lato" pitchFamily="34"/>
+              </a:rPr>
+              <a:t>kruskal</a:t>
+            </a:r>
+            <a:endParaRPr lang="en-NZ" sz="3200" b="1" dirty="0">
+              <a:solidFill>
+                <a:srgbClr val="BB2025"/>
+              </a:solidFill>
+              <a:latin typeface="Lato" pitchFamily="34"/>
+              <a:ea typeface="Lato" pitchFamily="34"/>
+              <a:cs typeface="Lato" pitchFamily="34"/>
+            </a:endParaRPr>
           </a:p>
         </p:txBody>
       </p:sp>
       <p:sp>
         <p:nvSpPr>
-          <p:cNvPr id="3" name="Text Placeholder 2"/>
-          <p:cNvSpPr txBox="1">
-            <a:spLocks noGrp="1"/>
-          </p:cNvSpPr>
-          <p:nvPr>
-            <p:ph type="body" idx="4294967295"/>
-          </p:nvPr>
-        </p:nvSpPr>
-        <p:spPr>
-          <a:xfrm>
-            <a:off x="685800" y="1443215"/>
-            <a:ext cx="8667753" cy="4384081"/>
-          </a:xfrm>
+          <p:cNvPr id="5" name="Oval 17"/>
+          <p:cNvSpPr/>
+          <p:nvPr/>
+        </p:nvSpPr>
+        <p:spPr>
+          <a:xfrm>
+            <a:off x="823362" y="1950803"/>
+            <a:ext cx="3600001" cy="3600001"/>
+          </a:xfrm>
+          <a:custGeom>
+            <a:avLst/>
+            <a:gdLst>
+              <a:gd name="f0" fmla="val 21600000"/>
+              <a:gd name="f1" fmla="val 10800000"/>
+              <a:gd name="f2" fmla="val 5400000"/>
+              <a:gd name="f3" fmla="val 180"/>
+              <a:gd name="f4" fmla="val w"/>
+              <a:gd name="f5" fmla="val h"/>
+              <a:gd name="f6" fmla="val ss"/>
+              <a:gd name="f7" fmla="val 0"/>
+              <a:gd name="f8" fmla="*/ 5419351 1 1725033"/>
+              <a:gd name="f9" fmla="+- 0 0 -360"/>
+              <a:gd name="f10" fmla="+- 0 0 -180"/>
+              <a:gd name="f11" fmla="abs f4"/>
+              <a:gd name="f12" fmla="abs f5"/>
+              <a:gd name="f13" fmla="abs f6"/>
+              <a:gd name="f14" fmla="+- 2700000 f2 0"/>
+              <a:gd name="f15" fmla="*/ f9 f1 1"/>
+              <a:gd name="f16" fmla="*/ f10 f1 1"/>
+              <a:gd name="f17" fmla="?: f11 f4 1"/>
+              <a:gd name="f18" fmla="?: f12 f5 1"/>
+              <a:gd name="f19" fmla="?: f13 f6 1"/>
+              <a:gd name="f20" fmla="+- f14 0 f2"/>
+              <a:gd name="f21" fmla="*/ f15 1 f3"/>
+              <a:gd name="f22" fmla="*/ f16 1 f3"/>
+              <a:gd name="f23" fmla="*/ f17 1 21600"/>
+              <a:gd name="f24" fmla="*/ f18 1 21600"/>
+              <a:gd name="f25" fmla="*/ 21600 f17 1"/>
+              <a:gd name="f26" fmla="*/ 21600 f18 1"/>
+              <a:gd name="f27" fmla="+- f20 f2 0"/>
+              <a:gd name="f28" fmla="+- f21 0 f2"/>
+              <a:gd name="f29" fmla="+- f22 0 f2"/>
+              <a:gd name="f30" fmla="min f24 f23"/>
+              <a:gd name="f31" fmla="*/ f25 1 f19"/>
+              <a:gd name="f32" fmla="*/ f26 1 f19"/>
+              <a:gd name="f33" fmla="*/ f27 f8 1"/>
+              <a:gd name="f34" fmla="val f31"/>
+              <a:gd name="f35" fmla="val f32"/>
+              <a:gd name="f36" fmla="*/ f33 1 f1"/>
+              <a:gd name="f37" fmla="*/ f7 f30 1"/>
+              <a:gd name="f38" fmla="+- f35 0 f7"/>
+              <a:gd name="f39" fmla="+- f34 0 f7"/>
+              <a:gd name="f40" fmla="+- 0 0 f36"/>
+              <a:gd name="f41" fmla="*/ f38 1 2"/>
+              <a:gd name="f42" fmla="*/ f39 1 2"/>
+              <a:gd name="f43" fmla="+- 0 0 f40"/>
+              <a:gd name="f44" fmla="+- f7 f41 0"/>
+              <a:gd name="f45" fmla="+- f7 f42 0"/>
+              <a:gd name="f46" fmla="*/ f43 f1 1"/>
+              <a:gd name="f47" fmla="*/ f42 f30 1"/>
+              <a:gd name="f48" fmla="*/ f41 f30 1"/>
+              <a:gd name="f49" fmla="*/ f46 1 f8"/>
+              <a:gd name="f50" fmla="*/ f44 f30 1"/>
+              <a:gd name="f51" fmla="+- f49 0 f2"/>
+              <a:gd name="f52" fmla="cos 1 f51"/>
+              <a:gd name="f53" fmla="sin 1 f51"/>
+              <a:gd name="f54" fmla="+- 0 0 f52"/>
+              <a:gd name="f55" fmla="+- 0 0 f53"/>
+              <a:gd name="f56" fmla="+- 0 0 f54"/>
+              <a:gd name="f57" fmla="+- 0 0 f55"/>
+              <a:gd name="f58" fmla="val f56"/>
+              <a:gd name="f59" fmla="val f57"/>
+              <a:gd name="f60" fmla="*/ f58 f42 1"/>
+              <a:gd name="f61" fmla="*/ f59 f41 1"/>
+              <a:gd name="f62" fmla="+- f45 0 f60"/>
+              <a:gd name="f63" fmla="+- f45 f60 0"/>
+              <a:gd name="f64" fmla="+- f44 0 f61"/>
+              <a:gd name="f65" fmla="+- f44 f61 0"/>
+              <a:gd name="f66" fmla="*/ f62 f30 1"/>
+              <a:gd name="f67" fmla="*/ f64 f30 1"/>
+              <a:gd name="f68" fmla="*/ f63 f30 1"/>
+              <a:gd name="f69" fmla="*/ f65 f30 1"/>
+            </a:gdLst>
+            <a:ahLst/>
+            <a:cxnLst>
+              <a:cxn ang="3cd4">
+                <a:pos x="hc" y="t"/>
+              </a:cxn>
+              <a:cxn ang="0">
+                <a:pos x="r" y="vc"/>
+              </a:cxn>
+              <a:cxn ang="cd4">
+                <a:pos x="hc" y="b"/>
+              </a:cxn>
+              <a:cxn ang="cd2">
+                <a:pos x="l" y="vc"/>
+              </a:cxn>
+              <a:cxn ang="f28">
+                <a:pos x="f66" y="f67"/>
+              </a:cxn>
+              <a:cxn ang="f29">
+                <a:pos x="f66" y="f69"/>
+              </a:cxn>
+              <a:cxn ang="f29">
+                <a:pos x="f68" y="f69"/>
+              </a:cxn>
+              <a:cxn ang="f28">
+                <a:pos x="f68" y="f67"/>
+              </a:cxn>
+            </a:cxnLst>
+            <a:rect l="f66" t="f67" r="f68" b="f69"/>
+            <a:pathLst>
+              <a:path>
+                <a:moveTo>
+                  <a:pt x="f37" y="f50"/>
+                </a:moveTo>
+                <a:arcTo wR="f47" hR="f48" stAng="f1" swAng="f0"/>
+                <a:close/>
+              </a:path>
+            </a:pathLst>
+          </a:custGeom>
+          <a:solidFill>
+            <a:srgbClr val="A9D18E">
+              <a:alpha val="34000"/>
+            </a:srgbClr>
+          </a:solidFill>
+          <a:ln w="12701" cap="flat">
+            <a:solidFill>
+              <a:srgbClr val="404040"/>
+            </a:solidFill>
+            <a:prstDash val="solid"/>
+            <a:miter/>
+          </a:ln>
         </p:spPr>
         <p:txBody>
-          <a:bodyPr/>
+          <a:bodyPr vert="horz" wrap="square" lIns="91440" tIns="45720" rIns="91440" bIns="45720" anchor="ctr" anchorCtr="1" compatLnSpc="1">
+            <a:noAutofit/>
+          </a:bodyPr>
           <a:lstStyle/>
           <a:p>
-            <a:pPr marL="342900" lvl="0" indent="-342900">
-              <a:buSzPct val="100000"/>
-              <a:buFont typeface="Arial" pitchFamily="34"/>
-              <a:buChar char="•"/>
+            <a:pPr marL="0" marR="0" lvl="0" indent="0" algn="ctr" defTabSz="914400" rtl="0" fontAlgn="auto" hangingPunct="1">
+              <a:lnSpc>
+                <a:spcPct val="100000"/>
+              </a:lnSpc>
+              <a:spcBef>
+                <a:spcPts val="0"/>
+              </a:spcBef>
+              <a:spcAft>
+                <a:spcPts val="0"/>
+              </a:spcAft>
+              <a:buNone/>
+              <a:tabLst/>
+              <a:defRPr sz="1800" b="0" i="0" u="none" strike="noStrike" kern="0" cap="none" spc="0" baseline="0">
+                <a:solidFill>
+                  <a:srgbClr val="000000"/>
+                </a:solidFill>
+                <a:uFillTx/>
+              </a:defRPr>
+            </a:pPr>
+            <a:endParaRPr lang="en-NZ" sz="1800" b="0" i="0" u="none" strike="noStrike" kern="1200" cap="none" spc="0" baseline="0">
+              <a:solidFill>
+                <a:srgbClr val="FFFFFF"/>
+              </a:solidFill>
+              <a:uFillTx/>
+              <a:latin typeface="Calibri"/>
+            </a:endParaRPr>
+          </a:p>
+        </p:txBody>
+      </p:sp>
+      <p:cxnSp>
+        <p:nvCxnSpPr>
+          <p:cNvPr id="6" name="Straight Connector 21"/>
+          <p:cNvCxnSpPr/>
+          <p:nvPr/>
+        </p:nvCxnSpPr>
+        <p:spPr>
+          <a:xfrm flipV="1">
+            <a:off x="1314376" y="2859031"/>
+            <a:ext cx="904772" cy="869923"/>
+          </a:xfrm>
+          <a:prstGeom prst="straightConnector1">
+            <a:avLst/>
+          </a:prstGeom>
+          <a:noFill/>
+          <a:ln w="38103" cap="flat">
+            <a:solidFill>
+              <a:srgbClr val="92D050"/>
+            </a:solidFill>
+            <a:prstDash val="solid"/>
+            <a:miter/>
+            <a:headEnd type="arrow"/>
+            <a:tailEnd type="arrow"/>
+          </a:ln>
+        </p:spPr>
+      </p:cxnSp>
+      <p:pic>
+        <p:nvPicPr>
+          <p:cNvPr id="7" name="Picture 6"/>
+          <p:cNvPicPr>
+            <a:picLocks noChangeAspect="1"/>
+          </p:cNvPicPr>
+          <p:nvPr/>
+        </p:nvPicPr>
+        <p:blipFill>
+          <a:blip r:embed="rId3"/>
+          <a:stretch>
+            <a:fillRect/>
+          </a:stretch>
+        </p:blipFill>
+        <p:spPr>
+          <a:xfrm>
+            <a:off x="2137181" y="2308827"/>
+            <a:ext cx="684675" cy="923681"/>
+          </a:xfrm>
+          <a:prstGeom prst="rect">
+            <a:avLst/>
+          </a:prstGeom>
+          <a:noFill/>
+          <a:ln cap="flat">
+            <a:noFill/>
+          </a:ln>
+        </p:spPr>
+      </p:pic>
+      <p:cxnSp>
+        <p:nvCxnSpPr>
+          <p:cNvPr id="8" name="Straight Connector 20"/>
+          <p:cNvCxnSpPr/>
+          <p:nvPr/>
+        </p:nvCxnSpPr>
+        <p:spPr>
+          <a:xfrm>
+            <a:off x="2602583" y="2919701"/>
+            <a:ext cx="800374" cy="435318"/>
+          </a:xfrm>
+          <a:prstGeom prst="straightConnector1">
+            <a:avLst/>
+          </a:prstGeom>
+          <a:noFill/>
+          <a:ln w="38103" cap="flat">
+            <a:solidFill>
+              <a:srgbClr val="92D050"/>
+            </a:solidFill>
+            <a:prstDash val="solid"/>
+            <a:miter/>
+            <a:headEnd type="arrow"/>
+            <a:tailEnd type="arrow"/>
+          </a:ln>
+        </p:spPr>
+      </p:cxnSp>
+      <p:cxnSp>
+        <p:nvCxnSpPr>
+          <p:cNvPr id="9" name="Straight Connector 24"/>
+          <p:cNvCxnSpPr/>
+          <p:nvPr/>
+        </p:nvCxnSpPr>
+        <p:spPr>
+          <a:xfrm flipV="1">
+            <a:off x="2972485" y="3656973"/>
+            <a:ext cx="904781" cy="869932"/>
+          </a:xfrm>
+          <a:prstGeom prst="straightConnector1">
+            <a:avLst/>
+          </a:prstGeom>
+          <a:noFill/>
+          <a:ln w="38103" cap="flat">
+            <a:solidFill>
+              <a:srgbClr val="92D050"/>
+            </a:solidFill>
+            <a:prstDash val="solid"/>
+            <a:miter/>
+            <a:headEnd type="arrow"/>
+            <a:tailEnd type="arrow"/>
+          </a:ln>
+        </p:spPr>
+      </p:cxnSp>
+      <p:pic>
+        <p:nvPicPr>
+          <p:cNvPr id="10" name="Picture 6"/>
+          <p:cNvPicPr>
+            <a:picLocks noChangeAspect="1"/>
+          </p:cNvPicPr>
+          <p:nvPr/>
+        </p:nvPicPr>
+        <p:blipFill>
+          <a:blip r:embed="rId3"/>
+          <a:stretch>
+            <a:fillRect/>
+          </a:stretch>
+        </p:blipFill>
+        <p:spPr>
+          <a:xfrm>
+            <a:off x="1117204" y="3334116"/>
+            <a:ext cx="726957" cy="980721"/>
+          </a:xfrm>
+          <a:prstGeom prst="rect">
+            <a:avLst/>
+          </a:prstGeom>
+          <a:noFill/>
+          <a:ln cap="flat">
+            <a:noFill/>
+          </a:ln>
+          <a:effectLst/>
+        </p:spPr>
+      </p:pic>
+      <p:cxnSp>
+        <p:nvCxnSpPr>
+          <p:cNvPr id="11" name="Straight Connector 23"/>
+          <p:cNvCxnSpPr/>
+          <p:nvPr/>
+        </p:nvCxnSpPr>
+        <p:spPr>
+          <a:xfrm>
+            <a:off x="1626132" y="4027012"/>
+            <a:ext cx="800127" cy="520760"/>
+          </a:xfrm>
+          <a:prstGeom prst="straightConnector1">
+            <a:avLst/>
+          </a:prstGeom>
+          <a:noFill/>
+          <a:ln w="38103" cap="flat">
+            <a:solidFill>
+              <a:srgbClr val="92D050"/>
+            </a:solidFill>
+            <a:prstDash val="solid"/>
+            <a:miter/>
+            <a:headEnd type="arrow"/>
+            <a:tailEnd type="arrow"/>
+          </a:ln>
+        </p:spPr>
+      </p:cxnSp>
+      <p:pic>
+        <p:nvPicPr>
+          <p:cNvPr id="12" name="Picture 6"/>
+          <p:cNvPicPr>
+            <a:picLocks noChangeAspect="1"/>
+          </p:cNvPicPr>
+          <p:nvPr/>
+        </p:nvPicPr>
+        <p:blipFill>
+          <a:blip r:embed="rId3"/>
+          <a:stretch>
+            <a:fillRect/>
+          </a:stretch>
+        </p:blipFill>
+        <p:spPr>
+          <a:xfrm>
+            <a:off x="5266166" y="2836463"/>
+            <a:ext cx="704691" cy="950683"/>
+          </a:xfrm>
+          <a:prstGeom prst="rect">
+            <a:avLst/>
+          </a:prstGeom>
+          <a:noFill/>
+          <a:ln cap="flat">
+            <a:noFill/>
+          </a:ln>
+          <a:effectLst/>
+        </p:spPr>
+      </p:pic>
+      <p:pic>
+        <p:nvPicPr>
+          <p:cNvPr id="13" name="Picture 6"/>
+          <p:cNvPicPr>
+            <a:picLocks noChangeAspect="1"/>
+          </p:cNvPicPr>
+          <p:nvPr/>
+        </p:nvPicPr>
+        <p:blipFill>
+          <a:blip r:embed="rId3"/>
+          <a:stretch>
+            <a:fillRect/>
+          </a:stretch>
+        </p:blipFill>
+        <p:spPr>
+          <a:xfrm>
+            <a:off x="6398678" y="3868135"/>
+            <a:ext cx="704691" cy="950683"/>
+          </a:xfrm>
+          <a:prstGeom prst="rect">
+            <a:avLst/>
+          </a:prstGeom>
+          <a:noFill/>
+          <a:ln cap="flat">
+            <a:noFill/>
+          </a:ln>
+          <a:effectLst/>
+        </p:spPr>
+      </p:pic>
+      <p:pic>
+        <p:nvPicPr>
+          <p:cNvPr id="14" name="Picture 6"/>
+          <p:cNvPicPr>
+            <a:picLocks noChangeAspect="1"/>
+          </p:cNvPicPr>
+          <p:nvPr/>
+        </p:nvPicPr>
+        <p:blipFill>
+          <a:blip r:embed="rId3"/>
+          <a:stretch>
+            <a:fillRect/>
+          </a:stretch>
+        </p:blipFill>
+        <p:spPr>
+          <a:xfrm>
+            <a:off x="7029075" y="2361122"/>
+            <a:ext cx="704691" cy="950683"/>
+          </a:xfrm>
+          <a:prstGeom prst="rect">
+            <a:avLst/>
+          </a:prstGeom>
+          <a:noFill/>
+          <a:ln cap="flat">
+            <a:noFill/>
+          </a:ln>
+          <a:effectLst/>
+        </p:spPr>
+      </p:pic>
+      <p:cxnSp>
+        <p:nvCxnSpPr>
+          <p:cNvPr id="15" name="Straight Connector 24"/>
+          <p:cNvCxnSpPr>
+            <a:endCxn id="12" idx="1"/>
+          </p:cNvCxnSpPr>
+          <p:nvPr/>
+        </p:nvCxnSpPr>
+        <p:spPr>
+          <a:xfrm flipV="1">
+            <a:off x="4025508" y="3311805"/>
+            <a:ext cx="1240658" cy="98490"/>
+          </a:xfrm>
+          <a:prstGeom prst="straightConnector1">
+            <a:avLst/>
+          </a:prstGeom>
+          <a:noFill/>
+          <a:ln w="38103" cap="flat">
+            <a:solidFill>
+              <a:srgbClr val="2E75B6"/>
+            </a:solidFill>
+            <a:prstDash val="solid"/>
+            <a:miter/>
+            <a:tailEnd type="arrow"/>
+          </a:ln>
+        </p:spPr>
+      </p:cxnSp>
+      <p:cxnSp>
+        <p:nvCxnSpPr>
+          <p:cNvPr id="16" name="Straight Connector 24"/>
+          <p:cNvCxnSpPr/>
+          <p:nvPr/>
+        </p:nvCxnSpPr>
+        <p:spPr>
+          <a:xfrm>
+            <a:off x="5618512" y="3410295"/>
+            <a:ext cx="780166" cy="877102"/>
+          </a:xfrm>
+          <a:prstGeom prst="straightConnector1">
+            <a:avLst/>
+          </a:prstGeom>
+          <a:noFill/>
+          <a:ln w="38103" cap="flat">
+            <a:solidFill>
+              <a:schemeClr val="bg1">
+                <a:lumMod val="65000"/>
+              </a:schemeClr>
+            </a:solidFill>
+            <a:prstDash val="solid"/>
+            <a:miter/>
+            <a:headEnd type="arrow"/>
+            <a:tailEnd type="arrow"/>
+          </a:ln>
+        </p:spPr>
+      </p:cxnSp>
+      <p:cxnSp>
+        <p:nvCxnSpPr>
+          <p:cNvPr id="17" name="Straight Connector 24"/>
+          <p:cNvCxnSpPr/>
+          <p:nvPr/>
+        </p:nvCxnSpPr>
+        <p:spPr>
+          <a:xfrm flipV="1">
+            <a:off x="5895365" y="2919701"/>
+            <a:ext cx="1208005" cy="243907"/>
+          </a:xfrm>
+          <a:prstGeom prst="straightConnector1">
+            <a:avLst/>
+          </a:prstGeom>
+          <a:noFill/>
+          <a:ln w="38103" cap="flat">
+            <a:solidFill>
+              <a:schemeClr val="bg1">
+                <a:lumMod val="65000"/>
+              </a:schemeClr>
+            </a:solidFill>
+            <a:prstDash val="solid"/>
+            <a:miter/>
+            <a:headEnd type="arrow"/>
+            <a:tailEnd type="arrow"/>
+          </a:ln>
+        </p:spPr>
+      </p:cxnSp>
+      <p:sp>
+        <p:nvSpPr>
+          <p:cNvPr id="18" name="TextBox 26"/>
+          <p:cNvSpPr txBox="1"/>
+          <p:nvPr/>
+        </p:nvSpPr>
+        <p:spPr>
+          <a:xfrm>
+            <a:off x="5231401" y="2382134"/>
+            <a:ext cx="719166" cy="369335"/>
+          </a:xfrm>
+          <a:prstGeom prst="rect">
+            <a:avLst/>
+          </a:prstGeom>
+          <a:noFill/>
+          <a:ln cap="flat">
+            <a:noFill/>
+          </a:ln>
+        </p:spPr>
+        <p:txBody>
+          <a:bodyPr vert="horz" wrap="none" lIns="91440" tIns="45720" rIns="91440" bIns="45720" anchor="t" anchorCtr="0" compatLnSpc="1">
+            <a:spAutoFit/>
+          </a:bodyPr>
+          <a:lstStyle/>
+          <a:p>
+            <a:pPr marL="0" marR="0" lvl="0" indent="0" algn="l" defTabSz="914400" rtl="0" fontAlgn="auto" hangingPunct="1">
+              <a:lnSpc>
+                <a:spcPct val="100000"/>
+              </a:lnSpc>
+              <a:spcBef>
+                <a:spcPts val="0"/>
+              </a:spcBef>
+              <a:spcAft>
+                <a:spcPts val="0"/>
+              </a:spcAft>
+              <a:buNone/>
+              <a:tabLst/>
+              <a:defRPr sz="1800" b="0" i="0" u="none" strike="noStrike" kern="0" cap="none" spc="0" baseline="0">
+                <a:solidFill>
+                  <a:srgbClr val="000000"/>
+                </a:solidFill>
+                <a:uFillTx/>
+              </a:defRPr>
             </a:pPr>
             <a:r>
-              <a:rPr lang="en-NZ" sz="2400" dirty="0"/>
-              <a:t>Stable answer across entire DC network</a:t>
+              <a:rPr lang="en-NZ" sz="1800" b="0" i="0" u="none" strike="noStrike" kern="1200" cap="none" spc="0" baseline="0">
+                <a:solidFill>
+                  <a:srgbClr val="000000"/>
+                </a:solidFill>
+                <a:uFillTx/>
+                <a:latin typeface="Calibri"/>
+              </a:rPr>
+              <a:t>Site A</a:t>
             </a:r>
           </a:p>
-          <a:p>
-            <a:pPr marL="342900" lvl="0" indent="-342900">
-              <a:buSzPct val="100000"/>
-              <a:buFont typeface="Arial" pitchFamily="34"/>
-              <a:buChar char="•"/>
+        </p:txBody>
+      </p:sp>
+      <p:sp>
+        <p:nvSpPr>
+          <p:cNvPr id="19" name="TextBox 27"/>
+          <p:cNvSpPr txBox="1"/>
+          <p:nvPr/>
+        </p:nvSpPr>
+        <p:spPr>
+          <a:xfrm>
+            <a:off x="7029075" y="1939492"/>
+            <a:ext cx="711156" cy="369335"/>
+          </a:xfrm>
+          <a:prstGeom prst="rect">
+            <a:avLst/>
+          </a:prstGeom>
+          <a:noFill/>
+          <a:ln cap="flat">
+            <a:noFill/>
+          </a:ln>
+        </p:spPr>
+        <p:txBody>
+          <a:bodyPr vert="horz" wrap="none" lIns="91440" tIns="45720" rIns="91440" bIns="45720" anchor="t" anchorCtr="0" compatLnSpc="1">
+            <a:spAutoFit/>
+          </a:bodyPr>
+          <a:lstStyle/>
+          <a:p>
+            <a:pPr marL="0" marR="0" lvl="0" indent="0" algn="l" defTabSz="914400" rtl="0" fontAlgn="auto" hangingPunct="1">
+              <a:lnSpc>
+                <a:spcPct val="100000"/>
+              </a:lnSpc>
+              <a:spcBef>
+                <a:spcPts val="0"/>
+              </a:spcBef>
+              <a:spcAft>
+                <a:spcPts val="0"/>
+              </a:spcAft>
+              <a:buNone/>
+              <a:tabLst/>
+              <a:defRPr sz="1800" b="0" i="0" u="none" strike="noStrike" kern="0" cap="none" spc="0" baseline="0">
+                <a:solidFill>
+                  <a:srgbClr val="000000"/>
+                </a:solidFill>
+                <a:uFillTx/>
+              </a:defRPr>
             </a:pPr>
             <a:r>
-              <a:rPr lang="en-NZ" sz="2400" dirty="0"/>
-              <a:t>Used to manage replication connections in AD</a:t>
+              <a:rPr lang="en-NZ" sz="1800" b="0" i="0" u="none" strike="noStrike" kern="1200" cap="none" spc="0" baseline="0">
+                <a:solidFill>
+                  <a:srgbClr val="000000"/>
+                </a:solidFill>
+                <a:uFillTx/>
+                <a:latin typeface="Calibri"/>
+              </a:rPr>
+              <a:t>Site B</a:t>
             </a:r>
           </a:p>
-          <a:p>
-            <a:pPr marL="342900" lvl="0" indent="-342900">
-              <a:buSzPct val="100000"/>
-              <a:buFont typeface="Arial" pitchFamily="34"/>
-              <a:buChar char="•"/>
+        </p:txBody>
+      </p:sp>
+      <p:sp>
+        <p:nvSpPr>
+          <p:cNvPr id="20" name="TextBox 28"/>
+          <p:cNvSpPr txBox="1"/>
+          <p:nvPr/>
+        </p:nvSpPr>
+        <p:spPr>
+          <a:xfrm>
+            <a:off x="6449409" y="3516475"/>
+            <a:ext cx="709556" cy="369335"/>
+          </a:xfrm>
+          <a:prstGeom prst="rect">
+            <a:avLst/>
+          </a:prstGeom>
+          <a:noFill/>
+          <a:ln cap="flat">
+            <a:noFill/>
+          </a:ln>
+        </p:spPr>
+        <p:txBody>
+          <a:bodyPr vert="horz" wrap="none" lIns="91440" tIns="45720" rIns="91440" bIns="45720" anchor="t" anchorCtr="0" compatLnSpc="1">
+            <a:spAutoFit/>
+          </a:bodyPr>
+          <a:lstStyle/>
+          <a:p>
+            <a:pPr marL="0" marR="0" lvl="0" indent="0" algn="l" defTabSz="914400" rtl="0" fontAlgn="auto" hangingPunct="1">
+              <a:lnSpc>
+                <a:spcPct val="100000"/>
+              </a:lnSpc>
+              <a:spcBef>
+                <a:spcPts val="0"/>
+              </a:spcBef>
+              <a:spcAft>
+                <a:spcPts val="0"/>
+              </a:spcAft>
+              <a:buNone/>
+              <a:tabLst/>
+              <a:defRPr sz="1800" b="0" i="0" u="none" strike="noStrike" kern="0" cap="none" spc="0" baseline="0">
+                <a:solidFill>
+                  <a:srgbClr val="000000"/>
+                </a:solidFill>
+                <a:uFillTx/>
+              </a:defRPr>
             </a:pPr>
             <a:r>
-              <a:rPr lang="en-NZ" sz="2400" dirty="0"/>
-              <a:t>Set of algorithms to calculate efficient network topologies</a:t>
+              <a:rPr lang="en-NZ" sz="1800" b="0" i="0" u="none" strike="noStrike" kern="1200" cap="none" spc="0" baseline="0">
+                <a:solidFill>
+                  <a:srgbClr val="000000"/>
+                </a:solidFill>
+                <a:uFillTx/>
+                <a:latin typeface="Calibri"/>
+              </a:rPr>
+              <a:t>Site C</a:t>
             </a:r>
           </a:p>
-          <a:p>
-            <a:pPr marL="342900" lvl="0" indent="-342900">
-              <a:buSzPct val="100000"/>
-              <a:buFont typeface="Arial" pitchFamily="34"/>
-              <a:buChar char="•"/>
+        </p:txBody>
+      </p:sp>
+      <p:sp>
+        <p:nvSpPr>
+          <p:cNvPr id="21" name="TextBox 30"/>
+          <p:cNvSpPr txBox="1"/>
+          <p:nvPr/>
+        </p:nvSpPr>
+        <p:spPr>
+          <a:xfrm>
+            <a:off x="1407179" y="4629565"/>
+            <a:ext cx="728785" cy="369335"/>
+          </a:xfrm>
+          <a:prstGeom prst="rect">
+            <a:avLst/>
+          </a:prstGeom>
+          <a:noFill/>
+          <a:ln cap="flat">
+            <a:noFill/>
+          </a:ln>
+        </p:spPr>
+        <p:txBody>
+          <a:bodyPr vert="horz" wrap="none" lIns="91440" tIns="45720" rIns="91440" bIns="45720" anchor="t" anchorCtr="0" compatLnSpc="1">
+            <a:spAutoFit/>
+          </a:bodyPr>
+          <a:lstStyle/>
+          <a:p>
+            <a:pPr marL="0" marR="0" lvl="0" indent="0" algn="l" defTabSz="914400" rtl="0" fontAlgn="auto" hangingPunct="1">
+              <a:lnSpc>
+                <a:spcPct val="100000"/>
+              </a:lnSpc>
+              <a:spcBef>
+                <a:spcPts val="0"/>
+              </a:spcBef>
+              <a:spcAft>
+                <a:spcPts val="0"/>
+              </a:spcAft>
+              <a:buNone/>
+              <a:tabLst/>
+              <a:defRPr sz="1800" b="0" i="0" u="none" strike="noStrike" kern="0" cap="none" spc="0" baseline="0">
+                <a:solidFill>
+                  <a:srgbClr val="000000"/>
+                </a:solidFill>
+                <a:uFillTx/>
+              </a:defRPr>
             </a:pPr>
             <a:r>
-              <a:rPr lang="en-NZ" sz="2400" dirty="0"/>
-              <a:t>ascending </a:t>
+              <a:rPr lang="en-NZ" sz="1800" b="0" i="0" u="none" strike="noStrike" kern="1200" cap="none" spc="0" baseline="0">
+                <a:solidFill>
+                  <a:srgbClr val="000000"/>
+                </a:solidFill>
+                <a:uFillTx/>
+                <a:latin typeface="Calibri"/>
+              </a:rPr>
+              <a:t>Site D</a:t>
+            </a:r>
+          </a:p>
+        </p:txBody>
+      </p:sp>
+      <p:sp>
+        <p:nvSpPr>
+          <p:cNvPr id="22" name="TextBox 21"/>
+          <p:cNvSpPr txBox="1"/>
+          <p:nvPr/>
+        </p:nvSpPr>
+        <p:spPr>
+          <a:xfrm>
+            <a:off x="1766793" y="5878771"/>
+            <a:ext cx="6930423" cy="646331"/>
+          </a:xfrm>
+          <a:prstGeom prst="rect">
+            <a:avLst/>
+          </a:prstGeom>
+          <a:noFill/>
+          <a:ln cap="flat">
+            <a:noFill/>
+          </a:ln>
+        </p:spPr>
+        <p:txBody>
+          <a:bodyPr vert="horz" wrap="none" lIns="91440" tIns="45720" rIns="91440" bIns="45720" anchor="t" anchorCtr="0" compatLnSpc="1">
+            <a:spAutoFit/>
+          </a:bodyPr>
+          <a:lstStyle/>
+          <a:p>
+            <a:pPr marL="0" marR="0" lvl="0" indent="0" algn="l" defTabSz="914400" rtl="0" fontAlgn="auto" hangingPunct="1">
+              <a:lnSpc>
+                <a:spcPct val="100000"/>
+              </a:lnSpc>
+              <a:spcBef>
+                <a:spcPts val="0"/>
+              </a:spcBef>
+              <a:spcAft>
+                <a:spcPts val="0"/>
+              </a:spcAft>
+              <a:buNone/>
+              <a:tabLst/>
+              <a:defRPr sz="1800" b="0" i="0" u="none" strike="noStrike" kern="0" cap="none" spc="0" baseline="0">
+                <a:solidFill>
+                  <a:srgbClr val="000000"/>
+                </a:solidFill>
+                <a:uFillTx/>
+              </a:defRPr>
+            </a:pPr>
+            <a:r>
+              <a:rPr lang="en-NZ" sz="1800" b="0" i="0" u="none" strike="noStrike" kern="1200" cap="none" spc="0" baseline="0" dirty="0">
+                <a:solidFill>
+                  <a:srgbClr val="000000"/>
+                </a:solidFill>
+                <a:uFillTx/>
+                <a:latin typeface="Calibri"/>
+              </a:rPr>
+              <a:t>The incoming</a:t>
             </a:r>
             <a:r>
-              <a:rPr lang="en-NZ" sz="2400" dirty="0" err="1"/>
-              <a:t>ReplInfo.Cost</a:t>
+              <a:rPr lang="en-NZ" sz="1800" b="0" i="0" u="none" strike="noStrike" kern="1200" cap="none" spc="0" dirty="0">
+                <a:solidFill>
+                  <a:srgbClr val="000000"/>
+                </a:solidFill>
+                <a:uFillTx/>
+                <a:latin typeface="Calibri"/>
+              </a:rPr>
+              <a:t> bridgehead runs the KCC and notices the new connection.</a:t>
+            </a:r>
+            <a:br>
+              <a:rPr lang="en-NZ" sz="1800" b="0" i="0" u="none" strike="noStrike" kern="1200" cap="none" spc="0" dirty="0">
+                <a:solidFill>
+                  <a:srgbClr val="000000"/>
+                </a:solidFill>
+                <a:uFillTx/>
+                <a:latin typeface="Calibri"/>
+              </a:rPr>
+            </a:br>
+            <a:r>
+              <a:rPr lang="en-NZ" baseline="0" dirty="0">
+                <a:solidFill>
+                  <a:srgbClr val="000000"/>
+                </a:solidFill>
+                <a:latin typeface="Calibri"/>
+              </a:rPr>
+              <a:t>It</a:t>
             </a:r>
             <a:r>
-              <a:rPr lang="en-NZ" sz="2400" dirty="0"/>
-              <a:t>,</a:t>
+              <a:rPr lang="en-NZ" dirty="0">
+                <a:solidFill>
+                  <a:srgbClr val="000000"/>
+                </a:solidFill>
+                <a:latin typeface="Calibri"/>
+              </a:rPr>
+              <a:t> has no idea why it connects to the DC, that’s the role of the ITSG.</a:t>
             </a:r>
-          </a:p>
-          <a:p>
-            <a:pPr marL="342900" lvl="0" indent="-342900">
-              <a:buSzPct val="100000"/>
-              <a:buFont typeface="Arial" pitchFamily="34"/>
-              <a:buChar char="•"/>
-            </a:pPr>
-            <a:r>
-              <a:rPr lang="en-NZ" sz="2400" dirty="0"/>
-              <a:t>descending available time in </a:t>
-            </a:r>
-            <a:r>
-              <a:rPr lang="en-NZ" sz="2400" dirty="0" err="1"/>
-              <a:t>ReplInfo.Schedule</a:t>
-            </a:r>
-            <a:r>
-              <a:rPr lang="en-NZ" sz="2400" dirty="0"/>
-              <a:t>,</a:t>
-            </a:r>
-          </a:p>
-          <a:p>
-            <a:pPr marL="342900" lvl="0" indent="-342900">
-              <a:buSzPct val="100000"/>
-              <a:buFont typeface="Arial" pitchFamily="34"/>
-              <a:buChar char="•"/>
-            </a:pPr>
-            <a:r>
-              <a:rPr lang="en-NZ" sz="2400" dirty="0"/>
-              <a:t>Overlapping schedule…</a:t>
-            </a:r>
-          </a:p>
-          <a:p>
-            <a:pPr marL="342900" lvl="0" indent="-342900">
-              <a:buSzPct val="100000"/>
-              <a:buFont typeface="Arial" pitchFamily="34"/>
-              <a:buChar char="•"/>
-            </a:pPr>
-            <a:r>
-              <a:rPr lang="en-NZ" sz="2400" dirty="0"/>
-              <a:t>One dc per site… you might want more connections (old KCC)</a:t>
-            </a:r>
+            <a:endParaRPr lang="en-NZ" sz="1800" b="0" i="0" u="none" strike="noStrike" kern="1200" cap="none" spc="0" baseline="0" dirty="0">
+              <a:solidFill>
+                <a:srgbClr val="000000"/>
+              </a:solidFill>
+              <a:uFillTx/>
+              <a:latin typeface="Calibri"/>
+            </a:endParaRPr>
           </a:p>
         </p:txBody>
       </p:sp>
+      <p:cxnSp>
+        <p:nvCxnSpPr>
+          <p:cNvPr id="23" name="Straight Connector 24"/>
+          <p:cNvCxnSpPr/>
+          <p:nvPr/>
+        </p:nvCxnSpPr>
+        <p:spPr>
+          <a:xfrm flipV="1">
+            <a:off x="2956017" y="3431134"/>
+            <a:ext cx="2247513" cy="1120268"/>
+          </a:xfrm>
+          <a:prstGeom prst="straightConnector1">
+            <a:avLst/>
+          </a:prstGeom>
+          <a:noFill/>
+          <a:ln w="38103" cap="flat">
+            <a:solidFill>
+              <a:schemeClr val="bg1">
+                <a:lumMod val="65000"/>
+              </a:schemeClr>
+            </a:solidFill>
+            <a:prstDash val="solid"/>
+            <a:miter/>
+            <a:headEnd type="arrow"/>
+          </a:ln>
+        </p:spPr>
+      </p:cxnSp>
     </p:spTree>
     <p:extLst>
       <p:ext uri="{BB962C8B-B14F-4D97-AF65-F5344CB8AC3E}">
-        <p14:creationId xmlns:p14="http://schemas.microsoft.com/office/powerpoint/2010/main" val="1603445794"/>
+        <p14:creationId xmlns:p14="http://schemas.microsoft.com/office/powerpoint/2010/main" val="2645946850"/>
       </p:ext>
     </p:extLst>
   </p:cSld>
@@ -23384,6 +24796,185 @@
                 <a:ea typeface="Lato" pitchFamily="34"/>
                 <a:cs typeface="Lato" pitchFamily="34"/>
               </a:rPr>
+              <a:t>Remove unneeded connections - TODO</a:t>
+            </a:r>
+          </a:p>
+        </p:txBody>
+      </p:sp>
+      <p:sp>
+        <p:nvSpPr>
+          <p:cNvPr id="3" name="Text Placeholder 2"/>
+          <p:cNvSpPr txBox="1">
+            <a:spLocks noGrp="1"/>
+          </p:cNvSpPr>
+          <p:nvPr>
+            <p:ph type="body" idx="4294967295"/>
+          </p:nvPr>
+        </p:nvSpPr>
+        <p:spPr>
+          <a:xfrm>
+            <a:off x="685800" y="1443215"/>
+            <a:ext cx="8667753" cy="4384081"/>
+          </a:xfrm>
+        </p:spPr>
+        <p:txBody>
+          <a:bodyPr/>
+          <a:lstStyle/>
+          <a:p>
+            <a:pPr marL="342900" lvl="0" indent="-342900">
+              <a:buSzPct val="100000"/>
+              <a:buFont typeface="Arial" pitchFamily="34"/>
+              <a:buChar char="•"/>
+            </a:pPr>
+            <a:r>
+              <a:rPr lang="en-NZ" sz="2400" dirty="0"/>
+              <a:t>Stable answer across entire DC network</a:t>
+            </a:r>
+          </a:p>
+          <a:p>
+            <a:pPr marL="342900" lvl="0" indent="-342900">
+              <a:buSzPct val="100000"/>
+              <a:buFont typeface="Arial" pitchFamily="34"/>
+              <a:buChar char="•"/>
+            </a:pPr>
+            <a:r>
+              <a:rPr lang="en-NZ" sz="2400" dirty="0"/>
+              <a:t>Used to manage replication connections in AD</a:t>
+            </a:r>
+          </a:p>
+          <a:p>
+            <a:pPr marL="342900" lvl="0" indent="-342900">
+              <a:buSzPct val="100000"/>
+              <a:buFont typeface="Arial" pitchFamily="34"/>
+              <a:buChar char="•"/>
+            </a:pPr>
+            <a:r>
+              <a:rPr lang="en-NZ" sz="2400" dirty="0"/>
+              <a:t>Set of algorithms to calculate efficient network topologies</a:t>
+            </a:r>
+          </a:p>
+          <a:p>
+            <a:pPr marL="342900" lvl="0" indent="-342900">
+              <a:buSzPct val="100000"/>
+              <a:buFont typeface="Arial" pitchFamily="34"/>
+              <a:buChar char="•"/>
+            </a:pPr>
+            <a:r>
+              <a:rPr lang="en-NZ" sz="2400" dirty="0"/>
+              <a:t>ascending </a:t>
+            </a:r>
+            <a:r>
+              <a:rPr lang="en-NZ" sz="2400" dirty="0" err="1"/>
+              <a:t>ReplInfo.Cost</a:t>
+            </a:r>
+            <a:r>
+              <a:rPr lang="en-NZ" sz="2400" dirty="0"/>
+              <a:t>,</a:t>
+            </a:r>
+          </a:p>
+          <a:p>
+            <a:pPr marL="342900" lvl="0" indent="-342900">
+              <a:buSzPct val="100000"/>
+              <a:buFont typeface="Arial" pitchFamily="34"/>
+              <a:buChar char="•"/>
+            </a:pPr>
+            <a:r>
+              <a:rPr lang="en-NZ" sz="2400" dirty="0"/>
+              <a:t>descending available time in </a:t>
+            </a:r>
+            <a:r>
+              <a:rPr lang="en-NZ" sz="2400" dirty="0" err="1"/>
+              <a:t>ReplInfo.Schedule</a:t>
+            </a:r>
+            <a:r>
+              <a:rPr lang="en-NZ" sz="2400" dirty="0"/>
+              <a:t>,</a:t>
+            </a:r>
+          </a:p>
+          <a:p>
+            <a:pPr marL="342900" lvl="0" indent="-342900">
+              <a:buSzPct val="100000"/>
+              <a:buFont typeface="Arial" pitchFamily="34"/>
+              <a:buChar char="•"/>
+            </a:pPr>
+            <a:r>
+              <a:rPr lang="en-NZ" sz="2400" dirty="0"/>
+              <a:t>Overlapping schedule…</a:t>
+            </a:r>
+          </a:p>
+          <a:p>
+            <a:pPr marL="342900" lvl="0" indent="-342900">
+              <a:buSzPct val="100000"/>
+              <a:buFont typeface="Arial" pitchFamily="34"/>
+              <a:buChar char="•"/>
+            </a:pPr>
+            <a:r>
+              <a:rPr lang="en-NZ" sz="2400" dirty="0"/>
+              <a:t>One dc per site… you might want more connections (old KCC)</a:t>
+            </a:r>
+          </a:p>
+        </p:txBody>
+      </p:sp>
+    </p:spTree>
+    <p:extLst>
+      <p:ext uri="{BB962C8B-B14F-4D97-AF65-F5344CB8AC3E}">
+        <p14:creationId xmlns:p14="http://schemas.microsoft.com/office/powerpoint/2010/main" val="1603445794"/>
+      </p:ext>
+    </p:extLst>
+  </p:cSld>
+  <p:clrMapOvr>
+    <a:masterClrMapping/>
+  </p:clrMapOvr>
+</p:sld>
+</file>
+
+<file path=ppt/slides/slide25.xml><?xml version="1.0" encoding="utf-8"?>
+<p:sld xmlns:a="http://schemas.openxmlformats.org/drawingml/2006/main" xmlns:r="http://schemas.openxmlformats.org/officeDocument/2006/relationships" xmlns:p="http://schemas.openxmlformats.org/presentationml/2006/main">
+  <p:cSld>
+    <p:spTree>
+      <p:nvGrpSpPr>
+        <p:cNvPr id="1" name=""/>
+        <p:cNvGrpSpPr/>
+        <p:nvPr/>
+      </p:nvGrpSpPr>
+      <p:grpSpPr>
+        <a:xfrm>
+          <a:off x="0" y="0"/>
+          <a:ext cx="0" cy="0"/>
+          <a:chOff x="0" y="0"/>
+          <a:chExt cx="0" cy="0"/>
+        </a:xfrm>
+      </p:grpSpPr>
+      <p:sp>
+        <p:nvSpPr>
+          <p:cNvPr id="2" name="Title 1"/>
+          <p:cNvSpPr txBox="1">
+            <a:spLocks noGrp="1"/>
+          </p:cNvSpPr>
+          <p:nvPr>
+            <p:ph type="title" idx="4294967295"/>
+          </p:nvPr>
+        </p:nvSpPr>
+        <p:spPr>
+          <a:xfrm>
+            <a:off x="503998" y="301322"/>
+            <a:ext cx="9072000" cy="1261798"/>
+          </a:xfrm>
+        </p:spPr>
+        <p:txBody>
+          <a:bodyPr/>
+          <a:lstStyle/>
+          <a:p>
+            <a:pPr lvl="0"/>
+            <a:r>
+              <a:rPr lang="en-NZ" sz="3200" b="1" dirty="0">
+                <a:solidFill>
+                  <a:srgbClr val="BB2025"/>
+                </a:solidFill>
+                <a:latin typeface="Lato" pitchFamily="34"/>
+                <a:ea typeface="Lato" pitchFamily="34"/>
+                <a:cs typeface="Lato" pitchFamily="34"/>
+              </a:rPr>
               <a:t>Two independent tasks running</a:t>
             </a:r>
           </a:p>
@@ -23567,7 +25158,7 @@
 </p:sld>
 </file>
 
-<file path=ppt/slides/slide25.xml><?xml version="1.0" encoding="utf-8"?>
+<file path=ppt/slides/slide26.xml><?xml version="1.0" encoding="utf-8"?>
 <p:sld xmlns:a="http://schemas.openxmlformats.org/drawingml/2006/main" xmlns:r="http://schemas.openxmlformats.org/officeDocument/2006/relationships" xmlns:p="http://schemas.openxmlformats.org/presentationml/2006/main">
   <p:cSld name="Slide13">
     <p:spTree>
@@ -23606,7 +25197,7 @@
           <a:p>
             <a:pPr lvl="0"/>
             <a:r>
-              <a:rPr lang="en-NZ" sz="3200" b="1">
+              <a:rPr lang="en-NZ" sz="3200" b="1" dirty="0">
                 <a:solidFill>
                   <a:srgbClr val="BB2025"/>
                 </a:solidFill>
@@ -23614,7 +25205,7 @@
                 <a:ea typeface="Lato" pitchFamily="34"/>
                 <a:cs typeface="Lato" pitchFamily="34"/>
               </a:rPr>
-              <a:t>Translate connections</a:t>
+              <a:t>Translate connections - TODO</a:t>
             </a:r>
           </a:p>
         </p:txBody>
@@ -23681,7 +25272,7 @@
 </p:sld>
 </file>
 
-<file path=ppt/slides/slide26.xml><?xml version="1.0" encoding="utf-8"?>
+<file path=ppt/slides/slide27.xml><?xml version="1.0" encoding="utf-8"?>
 <p:sld xmlns:a="http://schemas.openxmlformats.org/drawingml/2006/main" xmlns:r="http://schemas.openxmlformats.org/officeDocument/2006/relationships" xmlns:p="http://schemas.openxmlformats.org/presentationml/2006/main">
   <p:cSld>
     <p:spTree>
@@ -23728,6 +25319,171 @@
                 <a:ea typeface="Lato" pitchFamily="34"/>
                 <a:cs typeface="Lato" pitchFamily="34"/>
               </a:rPr>
+              <a:t>The overall effect</a:t>
+            </a:r>
+          </a:p>
+        </p:txBody>
+      </p:sp>
+      <p:sp>
+        <p:nvSpPr>
+          <p:cNvPr id="3" name="Text Placeholder 2"/>
+          <p:cNvSpPr txBox="1">
+            <a:spLocks noGrp="1"/>
+          </p:cNvSpPr>
+          <p:nvPr>
+            <p:ph type="body" idx="4294967295"/>
+          </p:nvPr>
+        </p:nvSpPr>
+        <p:spPr>
+          <a:xfrm>
+            <a:off x="685800" y="1443215"/>
+            <a:ext cx="8667753" cy="4795025"/>
+          </a:xfrm>
+        </p:spPr>
+        <p:txBody>
+          <a:bodyPr/>
+          <a:lstStyle/>
+          <a:p>
+            <a:pPr marL="342900" lvl="0" indent="-342900">
+              <a:buSzPct val="100000"/>
+              <a:buFont typeface="Arial" pitchFamily="34"/>
+              <a:buChar char="•"/>
+            </a:pPr>
+            <a:r>
+              <a:rPr lang="en-NZ" sz="2400" dirty="0"/>
+              <a:t>Single path from any site to any site (property of a tree)</a:t>
+            </a:r>
+          </a:p>
+          <a:p>
+            <a:pPr marL="342900" lvl="0" indent="-342900">
+              <a:buSzPct val="100000"/>
+              <a:buFont typeface="Arial" pitchFamily="34"/>
+              <a:buChar char="•"/>
+            </a:pPr>
+            <a:r>
+              <a:rPr lang="en-NZ" sz="2400" dirty="0"/>
+              <a:t>Changes should not bounce around significantly</a:t>
+            </a:r>
+          </a:p>
+          <a:p>
+            <a:pPr marL="342900" lvl="0" indent="-342900">
+              <a:buSzPct val="100000"/>
+              <a:buFont typeface="Arial" pitchFamily="34"/>
+              <a:buChar char="•"/>
+            </a:pPr>
+            <a:r>
+              <a:rPr lang="en-NZ" sz="2400" dirty="0"/>
+              <a:t>Significantly reduced replication traffic</a:t>
+            </a:r>
+          </a:p>
+          <a:p>
+            <a:pPr marL="342900" lvl="0" indent="-342900">
+              <a:buSzPct val="100000"/>
+              <a:buFont typeface="Arial" pitchFamily="34"/>
+              <a:buChar char="•"/>
+            </a:pPr>
+            <a:r>
+              <a:rPr lang="en-NZ" sz="2400" dirty="0"/>
+              <a:t>Ability to customize who should talk to who</a:t>
+            </a:r>
+          </a:p>
+          <a:p>
+            <a:pPr marL="342900" lvl="0" indent="-342900">
+              <a:buSzPct val="100000"/>
+              <a:buFont typeface="Arial" pitchFamily="34"/>
+              <a:buChar char="•"/>
+            </a:pPr>
+            <a:endParaRPr lang="en-NZ" sz="2400" dirty="0"/>
+          </a:p>
+          <a:p>
+            <a:pPr marL="342900" lvl="0" indent="-342900">
+              <a:buSzPct val="100000"/>
+              <a:buFont typeface="Arial" pitchFamily="34"/>
+              <a:buChar char="•"/>
+            </a:pPr>
+            <a:r>
+              <a:rPr lang="en-NZ" sz="2400" dirty="0"/>
+              <a:t>Small networks (n &lt;= 4) should have no visible effect</a:t>
+            </a:r>
+          </a:p>
+          <a:p>
+            <a:pPr marL="342900" lvl="0" indent="-342900">
+              <a:buSzPct val="100000"/>
+              <a:buFont typeface="Arial" pitchFamily="34"/>
+              <a:buChar char="•"/>
+            </a:pPr>
+            <a:r>
+              <a:rPr lang="en-NZ" sz="2400" dirty="0"/>
+              <a:t>Larger networks with varying connectivity </a:t>
+            </a:r>
+            <a:r>
+              <a:rPr lang="en-NZ" sz="2400"/>
+              <a:t>shows huge effect</a:t>
+            </a:r>
+            <a:endParaRPr lang="en-NZ" sz="2400" dirty="0"/>
+          </a:p>
+        </p:txBody>
+      </p:sp>
+    </p:spTree>
+    <p:extLst>
+      <p:ext uri="{BB962C8B-B14F-4D97-AF65-F5344CB8AC3E}">
+        <p14:creationId xmlns:p14="http://schemas.microsoft.com/office/powerpoint/2010/main" val="1157244219"/>
+      </p:ext>
+    </p:extLst>
+  </p:cSld>
+  <p:clrMapOvr>
+    <a:masterClrMapping/>
+  </p:clrMapOvr>
+</p:sld>
+</file>
+
+<file path=ppt/slides/slide28.xml><?xml version="1.0" encoding="utf-8"?>
+<p:sld xmlns:a="http://schemas.openxmlformats.org/drawingml/2006/main" xmlns:r="http://schemas.openxmlformats.org/officeDocument/2006/relationships" xmlns:p="http://schemas.openxmlformats.org/presentationml/2006/main">
+  <p:cSld>
+    <p:spTree>
+      <p:nvGrpSpPr>
+        <p:cNvPr id="1" name=""/>
+        <p:cNvGrpSpPr/>
+        <p:nvPr/>
+      </p:nvGrpSpPr>
+      <p:grpSpPr>
+        <a:xfrm>
+          <a:off x="0" y="0"/>
+          <a:ext cx="0" cy="0"/>
+          <a:chOff x="0" y="0"/>
+          <a:chExt cx="0" cy="0"/>
+        </a:xfrm>
+      </p:grpSpPr>
+      <p:sp>
+        <p:nvSpPr>
+          <p:cNvPr id="2" name="Title 1"/>
+          <p:cNvSpPr txBox="1">
+            <a:spLocks noGrp="1"/>
+          </p:cNvSpPr>
+          <p:nvPr>
+            <p:ph type="title" idx="4294967295"/>
+          </p:nvPr>
+        </p:nvSpPr>
+        <p:spPr>
+          <a:xfrm>
+            <a:off x="503998" y="301322"/>
+            <a:ext cx="9072000" cy="1261798"/>
+          </a:xfrm>
+        </p:spPr>
+        <p:txBody>
+          <a:bodyPr/>
+          <a:lstStyle/>
+          <a:p>
+            <a:pPr lvl="0"/>
+            <a:r>
+              <a:rPr lang="en-NZ" sz="3200" b="1" dirty="0">
+                <a:solidFill>
+                  <a:srgbClr val="BB2025"/>
+                </a:solidFill>
+                <a:latin typeface="Lato" pitchFamily="34"/>
+                <a:ea typeface="Lato" pitchFamily="34"/>
+                <a:cs typeface="Lato" pitchFamily="34"/>
+              </a:rPr>
               <a:t>Challenges</a:t>
             </a:r>
           </a:p>
@@ -23774,6 +25530,17 @@
               <a:t>‘Multi-edge’, hyper-edge?</a:t>
             </a:r>
           </a:p>
+          <a:p>
+            <a:pPr marL="342900" lvl="0" indent="-342900">
+              <a:buSzPct val="100000"/>
+              <a:buFont typeface="Arial" pitchFamily="34"/>
+              <a:buChar char="•"/>
+            </a:pPr>
+            <a:r>
+              <a:rPr lang="en-NZ" sz="2400" dirty="0"/>
+              <a:t>White, red, black vertices?</a:t>
+            </a:r>
+          </a:p>
         </p:txBody>
       </p:sp>
       <p:grpSp>
@@ -23784,7 +25551,7 @@
         </p:nvGrpSpPr>
         <p:grpSpPr>
           <a:xfrm>
-            <a:off x="1817282" y="3987040"/>
+            <a:off x="1817282" y="4271520"/>
             <a:ext cx="2108200" cy="1778250"/>
             <a:chOff x="1656080" y="4331254"/>
             <a:chExt cx="2108200" cy="1778250"/>
@@ -23997,7 +25764,7 @@
         </p:nvGrpSpPr>
         <p:grpSpPr>
           <a:xfrm>
-            <a:off x="5806649" y="3778760"/>
+            <a:off x="5806649" y="4063240"/>
             <a:ext cx="2062614" cy="1651000"/>
             <a:chOff x="4965336" y="4793534"/>
             <a:chExt cx="2062614" cy="1651000"/>
@@ -24326,7 +26093,7 @@
 </p:sld>
 </file>
 
-<file path=ppt/slides/slide27.xml><?xml version="1.0" encoding="utf-8"?>
+<file path=ppt/slides/slide29.xml><?xml version="1.0" encoding="utf-8"?>
 <p:sld xmlns:a="http://schemas.openxmlformats.org/drawingml/2006/main" xmlns:r="http://schemas.openxmlformats.org/officeDocument/2006/relationships" xmlns:p="http://schemas.openxmlformats.org/presentationml/2006/main">
   <p:cSld>
     <p:spTree>
@@ -24509,309 +26276,6 @@
     <p:extLst>
       <p:ext uri="{BB962C8B-B14F-4D97-AF65-F5344CB8AC3E}">
         <p14:creationId xmlns:p14="http://schemas.microsoft.com/office/powerpoint/2010/main" val="2319713014"/>
-      </p:ext>
-    </p:extLst>
-  </p:cSld>
-  <p:clrMapOvr>
-    <a:masterClrMapping/>
-  </p:clrMapOvr>
-</p:sld>
-</file>
-
-<file path=ppt/slides/slide28.xml><?xml version="1.0" encoding="utf-8"?>
-<p:sld xmlns:a="http://schemas.openxmlformats.org/drawingml/2006/main" xmlns:r="http://schemas.openxmlformats.org/officeDocument/2006/relationships" xmlns:p="http://schemas.openxmlformats.org/presentationml/2006/main">
-  <p:cSld>
-    <p:spTree>
-      <p:nvGrpSpPr>
-        <p:cNvPr id="1" name=""/>
-        <p:cNvGrpSpPr/>
-        <p:nvPr/>
-      </p:nvGrpSpPr>
-      <p:grpSpPr>
-        <a:xfrm>
-          <a:off x="0" y="0"/>
-          <a:ext cx="0" cy="0"/>
-          <a:chOff x="0" y="0"/>
-          <a:chExt cx="0" cy="0"/>
-        </a:xfrm>
-      </p:grpSpPr>
-      <p:sp>
-        <p:nvSpPr>
-          <p:cNvPr id="2" name="Title 1"/>
-          <p:cNvSpPr txBox="1">
-            <a:spLocks noGrp="1"/>
-          </p:cNvSpPr>
-          <p:nvPr>
-            <p:ph type="title" idx="4294967295"/>
-          </p:nvPr>
-        </p:nvSpPr>
-        <p:spPr>
-          <a:xfrm>
-            <a:off x="503998" y="301322"/>
-            <a:ext cx="9072000" cy="1261798"/>
-          </a:xfrm>
-        </p:spPr>
-        <p:txBody>
-          <a:bodyPr/>
-          <a:lstStyle/>
-          <a:p>
-            <a:pPr lvl="0"/>
-            <a:r>
-              <a:rPr lang="en-NZ" sz="3200" b="1" dirty="0">
-                <a:solidFill>
-                  <a:srgbClr val="BB2025"/>
-                </a:solidFill>
-                <a:latin typeface="Lato" pitchFamily="34"/>
-                <a:ea typeface="Lato" pitchFamily="34"/>
-                <a:cs typeface="Lato" pitchFamily="34"/>
-              </a:rPr>
-              <a:t>Incomplete features</a:t>
-            </a:r>
-          </a:p>
-        </p:txBody>
-      </p:sp>
-      <p:sp>
-        <p:nvSpPr>
-          <p:cNvPr id="3" name="Text Placeholder 2"/>
-          <p:cNvSpPr txBox="1">
-            <a:spLocks noGrp="1"/>
-          </p:cNvSpPr>
-          <p:nvPr>
-            <p:ph type="body" idx="4294967295"/>
-          </p:nvPr>
-        </p:nvSpPr>
-        <p:spPr>
-          <a:xfrm>
-            <a:off x="685800" y="1443215"/>
-            <a:ext cx="8667753" cy="4384081"/>
-          </a:xfrm>
-        </p:spPr>
-        <p:txBody>
-          <a:bodyPr/>
-          <a:lstStyle/>
-          <a:p>
-            <a:pPr marL="342900" lvl="0" indent="-342900">
-              <a:buSzPct val="100000"/>
-              <a:buFont typeface="Arial" pitchFamily="34"/>
-              <a:buChar char="•"/>
-            </a:pPr>
-            <a:r>
-              <a:rPr lang="en-NZ" sz="2400" dirty="0"/>
-              <a:t>Trusted domains and global </a:t>
-            </a:r>
-            <a:r>
-              <a:rPr lang="en-NZ" sz="2400" dirty="0" err="1"/>
-              <a:t>catalog</a:t>
-            </a:r>
-            <a:r>
-              <a:rPr lang="en-NZ" sz="2400" dirty="0"/>
-              <a:t> replication</a:t>
-            </a:r>
-          </a:p>
-          <a:p>
-            <a:pPr marL="342900" lvl="0" indent="-342900">
-              <a:buSzPct val="100000"/>
-              <a:buFont typeface="Arial" pitchFamily="34"/>
-              <a:buChar char="•"/>
-            </a:pPr>
-            <a:r>
-              <a:rPr lang="en-NZ" sz="2400" dirty="0"/>
-              <a:t>RODC self-management</a:t>
-            </a:r>
-          </a:p>
-          <a:p>
-            <a:pPr marL="342900" lvl="0" indent="-342900">
-              <a:buSzPct val="100000"/>
-              <a:buFont typeface="Arial" pitchFamily="34"/>
-              <a:buChar char="•"/>
-            </a:pPr>
-            <a:r>
-              <a:rPr lang="en-NZ" sz="2400" dirty="0"/>
-              <a:t>Site-Link-Bridge Topologies</a:t>
-            </a:r>
-          </a:p>
-          <a:p>
-            <a:pPr marL="342900" lvl="0" indent="-342900">
-              <a:buSzPct val="100000"/>
-              <a:buFont typeface="Arial" pitchFamily="34"/>
-              <a:buChar char="•"/>
-            </a:pPr>
-            <a:r>
-              <a:rPr lang="en-NZ" sz="2400" dirty="0"/>
-              <a:t>Respecting schedules and other AD attributes</a:t>
-            </a:r>
-          </a:p>
-          <a:p>
-            <a:pPr marL="342900" lvl="0" indent="-342900">
-              <a:buSzPct val="100000"/>
-              <a:buFont typeface="Arial" pitchFamily="34"/>
-              <a:buChar char="•"/>
-            </a:pPr>
-            <a:endParaRPr lang="en-NZ" sz="2400" dirty="0"/>
-          </a:p>
-        </p:txBody>
-      </p:sp>
-    </p:spTree>
-    <p:extLst>
-      <p:ext uri="{BB962C8B-B14F-4D97-AF65-F5344CB8AC3E}">
-        <p14:creationId xmlns:p14="http://schemas.microsoft.com/office/powerpoint/2010/main" val="2088696549"/>
-      </p:ext>
-    </p:extLst>
-  </p:cSld>
-  <p:clrMapOvr>
-    <a:masterClrMapping/>
-  </p:clrMapOvr>
-</p:sld>
-</file>
-
-<file path=ppt/slides/slide29.xml><?xml version="1.0" encoding="utf-8"?>
-<p:sld xmlns:a="http://schemas.openxmlformats.org/drawingml/2006/main" xmlns:r="http://schemas.openxmlformats.org/officeDocument/2006/relationships" xmlns:p="http://schemas.openxmlformats.org/presentationml/2006/main">
-  <p:cSld>
-    <p:spTree>
-      <p:nvGrpSpPr>
-        <p:cNvPr id="1" name=""/>
-        <p:cNvGrpSpPr/>
-        <p:nvPr/>
-      </p:nvGrpSpPr>
-      <p:grpSpPr>
-        <a:xfrm>
-          <a:off x="0" y="0"/>
-          <a:ext cx="0" cy="0"/>
-          <a:chOff x="0" y="0"/>
-          <a:chExt cx="0" cy="0"/>
-        </a:xfrm>
-      </p:grpSpPr>
-      <p:sp>
-        <p:nvSpPr>
-          <p:cNvPr id="2" name="Title 1"/>
-          <p:cNvSpPr txBox="1">
-            <a:spLocks noGrp="1"/>
-          </p:cNvSpPr>
-          <p:nvPr>
-            <p:ph type="title" idx="4294967295"/>
-          </p:nvPr>
-        </p:nvSpPr>
-        <p:spPr>
-          <a:xfrm>
-            <a:off x="503998" y="301322"/>
-            <a:ext cx="9072000" cy="1261798"/>
-          </a:xfrm>
-        </p:spPr>
-        <p:txBody>
-          <a:bodyPr/>
-          <a:lstStyle/>
-          <a:p>
-            <a:pPr lvl="0"/>
-            <a:r>
-              <a:rPr lang="en-NZ" sz="3200" b="1" dirty="0">
-                <a:solidFill>
-                  <a:srgbClr val="BB2025"/>
-                </a:solidFill>
-                <a:latin typeface="Lato" pitchFamily="34"/>
-                <a:ea typeface="Lato" pitchFamily="34"/>
-                <a:cs typeface="Lato" pitchFamily="34"/>
-              </a:rPr>
-              <a:t>Incomplete features</a:t>
-            </a:r>
-          </a:p>
-        </p:txBody>
-      </p:sp>
-      <p:sp>
-        <p:nvSpPr>
-          <p:cNvPr id="3" name="Text Placeholder 2"/>
-          <p:cNvSpPr txBox="1">
-            <a:spLocks noGrp="1"/>
-          </p:cNvSpPr>
-          <p:nvPr>
-            <p:ph type="body" idx="4294967295"/>
-          </p:nvPr>
-        </p:nvSpPr>
-        <p:spPr>
-          <a:xfrm>
-            <a:off x="685800" y="1443215"/>
-            <a:ext cx="8667753" cy="4384081"/>
-          </a:xfrm>
-        </p:spPr>
-        <p:txBody>
-          <a:bodyPr/>
-          <a:lstStyle/>
-          <a:p>
-            <a:pPr marL="342900" lvl="0" indent="-342900">
-              <a:buSzPct val="100000"/>
-              <a:buFont typeface="Arial" pitchFamily="34"/>
-              <a:buChar char="•"/>
-            </a:pPr>
-            <a:r>
-              <a:rPr lang="en-NZ" sz="2400" dirty="0"/>
-              <a:t>Failed connection and failed DC failover</a:t>
-            </a:r>
-          </a:p>
-          <a:p>
-            <a:pPr marL="342900" lvl="0" indent="-342900">
-              <a:buSzPct val="100000"/>
-              <a:buFont typeface="Arial" pitchFamily="34"/>
-              <a:buChar char="•"/>
-            </a:pPr>
-            <a:r>
-              <a:rPr lang="en-NZ" sz="2400" dirty="0"/>
-              <a:t>Better stale connection clean-up</a:t>
-            </a:r>
-          </a:p>
-          <a:p>
-            <a:pPr marL="1028700" lvl="1" indent="-342900"/>
-            <a:r>
-              <a:rPr lang="en-NZ" dirty="0">
-                <a:latin typeface="Lato" pitchFamily="18"/>
-              </a:rPr>
-              <a:t>MS-DS-Replicates-NC-Reason</a:t>
-            </a:r>
-          </a:p>
-          <a:p>
-            <a:pPr marL="1028700" lvl="1" indent="-342900"/>
-            <a:r>
-              <a:rPr lang="en-NZ" dirty="0">
-                <a:latin typeface="Lato" pitchFamily="18"/>
-              </a:rPr>
-              <a:t>Use normal replication to propagate failure info</a:t>
-            </a:r>
-          </a:p>
-          <a:p>
-            <a:pPr marL="1028700" lvl="1" indent="-342900"/>
-            <a:endParaRPr lang="en-NZ" sz="2800" dirty="0"/>
-          </a:p>
-          <a:p>
-            <a:pPr marL="342900" lvl="0" indent="-342900">
-              <a:buSzPct val="100000"/>
-              <a:buFont typeface="Arial" pitchFamily="34"/>
-              <a:buChar char="•"/>
-            </a:pPr>
-            <a:r>
-              <a:rPr lang="en-NZ" sz="2400" dirty="0"/>
-              <a:t>Better debugging and failure information</a:t>
-            </a:r>
-          </a:p>
-          <a:p>
-            <a:pPr marL="342900" lvl="0" indent="-342900">
-              <a:buSzPct val="100000"/>
-              <a:buFont typeface="Arial" pitchFamily="34"/>
-              <a:buChar char="•"/>
-            </a:pPr>
-            <a:endParaRPr lang="en-NZ" sz="2400" dirty="0"/>
-          </a:p>
-          <a:p>
-            <a:pPr marL="342900" lvl="0" indent="-342900">
-              <a:buSzPct val="100000"/>
-              <a:buFont typeface="Arial" pitchFamily="34"/>
-              <a:buChar char="•"/>
-            </a:pPr>
-            <a:endParaRPr lang="en-NZ" sz="2400" dirty="0"/>
-          </a:p>
-        </p:txBody>
-      </p:sp>
-    </p:spTree>
-    <p:extLst>
-      <p:ext uri="{BB962C8B-B14F-4D97-AF65-F5344CB8AC3E}">
-        <p14:creationId xmlns:p14="http://schemas.microsoft.com/office/powerpoint/2010/main" val="2923405137"/>
       </p:ext>
     </p:extLst>
   </p:cSld>
@@ -26211,6 +27675,480 @@
 
 <file path=ppt/slides/slide30.xml><?xml version="1.0" encoding="utf-8"?>
 <p:sld xmlns:a="http://schemas.openxmlformats.org/drawingml/2006/main" xmlns:r="http://schemas.openxmlformats.org/officeDocument/2006/relationships" xmlns:p="http://schemas.openxmlformats.org/presentationml/2006/main">
+  <p:cSld>
+    <p:spTree>
+      <p:nvGrpSpPr>
+        <p:cNvPr id="1" name=""/>
+        <p:cNvGrpSpPr/>
+        <p:nvPr/>
+      </p:nvGrpSpPr>
+      <p:grpSpPr>
+        <a:xfrm>
+          <a:off x="0" y="0"/>
+          <a:ext cx="0" cy="0"/>
+          <a:chOff x="0" y="0"/>
+          <a:chExt cx="0" cy="0"/>
+        </a:xfrm>
+      </p:grpSpPr>
+      <p:sp>
+        <p:nvSpPr>
+          <p:cNvPr id="2" name="Title 1"/>
+          <p:cNvSpPr txBox="1">
+            <a:spLocks noGrp="1"/>
+          </p:cNvSpPr>
+          <p:nvPr>
+            <p:ph type="title" idx="4294967295"/>
+          </p:nvPr>
+        </p:nvSpPr>
+        <p:spPr>
+          <a:xfrm>
+            <a:off x="503998" y="301322"/>
+            <a:ext cx="9072000" cy="1261798"/>
+          </a:xfrm>
+        </p:spPr>
+        <p:txBody>
+          <a:bodyPr/>
+          <a:lstStyle/>
+          <a:p>
+            <a:pPr lvl="0"/>
+            <a:r>
+              <a:rPr lang="en-NZ" sz="3200" b="1" dirty="0">
+                <a:solidFill>
+                  <a:srgbClr val="BB2025"/>
+                </a:solidFill>
+                <a:latin typeface="Lato" pitchFamily="34"/>
+                <a:ea typeface="Lato" pitchFamily="34"/>
+                <a:cs typeface="Lato" pitchFamily="34"/>
+              </a:rPr>
+              <a:t>Incomplete features</a:t>
+            </a:r>
+          </a:p>
+        </p:txBody>
+      </p:sp>
+      <p:sp>
+        <p:nvSpPr>
+          <p:cNvPr id="3" name="Text Placeholder 2"/>
+          <p:cNvSpPr txBox="1">
+            <a:spLocks noGrp="1"/>
+          </p:cNvSpPr>
+          <p:nvPr>
+            <p:ph type="body" idx="4294967295"/>
+          </p:nvPr>
+        </p:nvSpPr>
+        <p:spPr>
+          <a:xfrm>
+            <a:off x="685800" y="1443215"/>
+            <a:ext cx="8667753" cy="4384081"/>
+          </a:xfrm>
+        </p:spPr>
+        <p:txBody>
+          <a:bodyPr/>
+          <a:lstStyle/>
+          <a:p>
+            <a:pPr marL="342900" lvl="0" indent="-342900">
+              <a:buSzPct val="100000"/>
+              <a:buFont typeface="Arial" pitchFamily="34"/>
+              <a:buChar char="•"/>
+            </a:pPr>
+            <a:r>
+              <a:rPr lang="en-NZ" sz="2400" dirty="0"/>
+              <a:t>Trusted domains and global </a:t>
+            </a:r>
+            <a:r>
+              <a:rPr lang="en-NZ" sz="2400" dirty="0" err="1"/>
+              <a:t>catalog</a:t>
+            </a:r>
+            <a:r>
+              <a:rPr lang="en-NZ" sz="2400" dirty="0"/>
+              <a:t> replication</a:t>
+            </a:r>
+          </a:p>
+          <a:p>
+            <a:pPr marL="342900" lvl="0" indent="-342900">
+              <a:buSzPct val="100000"/>
+              <a:buFont typeface="Arial" pitchFamily="34"/>
+              <a:buChar char="•"/>
+            </a:pPr>
+            <a:r>
+              <a:rPr lang="en-NZ" sz="2400" dirty="0"/>
+              <a:t>RODC self-management</a:t>
+            </a:r>
+          </a:p>
+          <a:p>
+            <a:pPr marL="342900" lvl="0" indent="-342900">
+              <a:buSzPct val="100000"/>
+              <a:buFont typeface="Arial" pitchFamily="34"/>
+              <a:buChar char="•"/>
+            </a:pPr>
+            <a:r>
+              <a:rPr lang="en-NZ" sz="2400" dirty="0"/>
+              <a:t>Site-Link-Bridge Topologies</a:t>
+            </a:r>
+          </a:p>
+          <a:p>
+            <a:pPr marL="342900" lvl="0" indent="-342900">
+              <a:buSzPct val="100000"/>
+              <a:buFont typeface="Arial" pitchFamily="34"/>
+              <a:buChar char="•"/>
+            </a:pPr>
+            <a:r>
+              <a:rPr lang="en-NZ" sz="2400" dirty="0"/>
+              <a:t>Respecting schedules and other AD attributes</a:t>
+            </a:r>
+          </a:p>
+          <a:p>
+            <a:pPr marL="342900" lvl="0" indent="-342900">
+              <a:buSzPct val="100000"/>
+              <a:buFont typeface="Arial" pitchFamily="34"/>
+              <a:buChar char="•"/>
+            </a:pPr>
+            <a:endParaRPr lang="en-NZ" sz="2400" dirty="0"/>
+          </a:p>
+        </p:txBody>
+      </p:sp>
+    </p:spTree>
+    <p:extLst>
+      <p:ext uri="{BB962C8B-B14F-4D97-AF65-F5344CB8AC3E}">
+        <p14:creationId xmlns:p14="http://schemas.microsoft.com/office/powerpoint/2010/main" val="2088696549"/>
+      </p:ext>
+    </p:extLst>
+  </p:cSld>
+  <p:clrMapOvr>
+    <a:masterClrMapping/>
+  </p:clrMapOvr>
+</p:sld>
+</file>
+
+<file path=ppt/slides/slide31.xml><?xml version="1.0" encoding="utf-8"?>
+<p:sld xmlns:a="http://schemas.openxmlformats.org/drawingml/2006/main" xmlns:r="http://schemas.openxmlformats.org/officeDocument/2006/relationships" xmlns:p="http://schemas.openxmlformats.org/presentationml/2006/main">
+  <p:cSld>
+    <p:spTree>
+      <p:nvGrpSpPr>
+        <p:cNvPr id="1" name=""/>
+        <p:cNvGrpSpPr/>
+        <p:nvPr/>
+      </p:nvGrpSpPr>
+      <p:grpSpPr>
+        <a:xfrm>
+          <a:off x="0" y="0"/>
+          <a:ext cx="0" cy="0"/>
+          <a:chOff x="0" y="0"/>
+          <a:chExt cx="0" cy="0"/>
+        </a:xfrm>
+      </p:grpSpPr>
+      <p:sp>
+        <p:nvSpPr>
+          <p:cNvPr id="2" name="Title 1"/>
+          <p:cNvSpPr txBox="1">
+            <a:spLocks noGrp="1"/>
+          </p:cNvSpPr>
+          <p:nvPr>
+            <p:ph type="title" idx="4294967295"/>
+          </p:nvPr>
+        </p:nvSpPr>
+        <p:spPr>
+          <a:xfrm>
+            <a:off x="503998" y="301322"/>
+            <a:ext cx="9072000" cy="1261798"/>
+          </a:xfrm>
+        </p:spPr>
+        <p:txBody>
+          <a:bodyPr/>
+          <a:lstStyle/>
+          <a:p>
+            <a:pPr lvl="0"/>
+            <a:r>
+              <a:rPr lang="en-NZ" sz="3200" b="1" dirty="0">
+                <a:solidFill>
+                  <a:srgbClr val="BB2025"/>
+                </a:solidFill>
+                <a:latin typeface="Lato" pitchFamily="34"/>
+                <a:ea typeface="Lato" pitchFamily="34"/>
+                <a:cs typeface="Lato" pitchFamily="34"/>
+              </a:rPr>
+              <a:t>Incomplete features</a:t>
+            </a:r>
+          </a:p>
+        </p:txBody>
+      </p:sp>
+      <p:sp>
+        <p:nvSpPr>
+          <p:cNvPr id="3" name="Text Placeholder 2"/>
+          <p:cNvSpPr txBox="1">
+            <a:spLocks noGrp="1"/>
+          </p:cNvSpPr>
+          <p:nvPr>
+            <p:ph type="body" idx="4294967295"/>
+          </p:nvPr>
+        </p:nvSpPr>
+        <p:spPr>
+          <a:xfrm>
+            <a:off x="685800" y="1443215"/>
+            <a:ext cx="8667753" cy="4384081"/>
+          </a:xfrm>
+        </p:spPr>
+        <p:txBody>
+          <a:bodyPr/>
+          <a:lstStyle/>
+          <a:p>
+            <a:pPr marL="342900" lvl="0" indent="-342900">
+              <a:buSzPct val="100000"/>
+              <a:buFont typeface="Arial" pitchFamily="34"/>
+              <a:buChar char="•"/>
+            </a:pPr>
+            <a:r>
+              <a:rPr lang="en-NZ" sz="2400" dirty="0"/>
+              <a:t>Failed connection and failed DC failover</a:t>
+            </a:r>
+          </a:p>
+          <a:p>
+            <a:pPr marL="342900" lvl="0" indent="-342900">
+              <a:buSzPct val="100000"/>
+              <a:buFont typeface="Arial" pitchFamily="34"/>
+              <a:buChar char="•"/>
+            </a:pPr>
+            <a:r>
+              <a:rPr lang="en-NZ" sz="2400" dirty="0"/>
+              <a:t>Better stale connection clean-up</a:t>
+            </a:r>
+          </a:p>
+          <a:p>
+            <a:pPr marL="1028700" lvl="1" indent="-342900"/>
+            <a:r>
+              <a:rPr lang="en-NZ" dirty="0">
+                <a:latin typeface="Lato" pitchFamily="18"/>
+              </a:rPr>
+              <a:t>MS-DS-Replicates-NC-Reason</a:t>
+            </a:r>
+          </a:p>
+          <a:p>
+            <a:pPr marL="1028700" lvl="1" indent="-342900"/>
+            <a:r>
+              <a:rPr lang="en-NZ" dirty="0">
+                <a:latin typeface="Lato" pitchFamily="18"/>
+              </a:rPr>
+              <a:t>Use normal replication to propagate failure info</a:t>
+            </a:r>
+          </a:p>
+          <a:p>
+            <a:pPr marL="1028700" lvl="1" indent="-342900"/>
+            <a:endParaRPr lang="en-NZ" sz="2800" dirty="0"/>
+          </a:p>
+          <a:p>
+            <a:pPr marL="342900" lvl="0" indent="-342900">
+              <a:buSzPct val="100000"/>
+              <a:buFont typeface="Arial" pitchFamily="34"/>
+              <a:buChar char="•"/>
+            </a:pPr>
+            <a:r>
+              <a:rPr lang="en-NZ" sz="2400" dirty="0"/>
+              <a:t>Better debugging and failure information</a:t>
+            </a:r>
+          </a:p>
+          <a:p>
+            <a:pPr marL="342900" lvl="0" indent="-342900">
+              <a:buSzPct val="100000"/>
+              <a:buFont typeface="Arial" pitchFamily="34"/>
+              <a:buChar char="•"/>
+            </a:pPr>
+            <a:r>
+              <a:rPr lang="en-NZ" sz="2400" dirty="0"/>
+              <a:t>Better defaults for modern networks</a:t>
+            </a:r>
+          </a:p>
+          <a:p>
+            <a:pPr marL="342900" lvl="0" indent="-342900">
+              <a:buSzPct val="100000"/>
+              <a:buFont typeface="Arial" pitchFamily="34"/>
+              <a:buChar char="•"/>
+            </a:pPr>
+            <a:endParaRPr lang="en-NZ" sz="2400" dirty="0"/>
+          </a:p>
+          <a:p>
+            <a:pPr marL="342900" lvl="0" indent="-342900">
+              <a:buSzPct val="100000"/>
+              <a:buFont typeface="Arial" pitchFamily="34"/>
+              <a:buChar char="•"/>
+            </a:pPr>
+            <a:endParaRPr lang="en-NZ" sz="2400" dirty="0"/>
+          </a:p>
+        </p:txBody>
+      </p:sp>
+    </p:spTree>
+    <p:extLst>
+      <p:ext uri="{BB962C8B-B14F-4D97-AF65-F5344CB8AC3E}">
+        <p14:creationId xmlns:p14="http://schemas.microsoft.com/office/powerpoint/2010/main" val="2923405137"/>
+      </p:ext>
+    </p:extLst>
+  </p:cSld>
+  <p:clrMapOvr>
+    <a:masterClrMapping/>
+  </p:clrMapOvr>
+</p:sld>
+</file>
+
+<file path=ppt/slides/slide32.xml><?xml version="1.0" encoding="utf-8"?>
+<p:sld xmlns:a="http://schemas.openxmlformats.org/drawingml/2006/main" xmlns:r="http://schemas.openxmlformats.org/officeDocument/2006/relationships" xmlns:p="http://schemas.openxmlformats.org/presentationml/2006/main">
+  <p:cSld>
+    <p:spTree>
+      <p:nvGrpSpPr>
+        <p:cNvPr id="1" name=""/>
+        <p:cNvGrpSpPr/>
+        <p:nvPr/>
+      </p:nvGrpSpPr>
+      <p:grpSpPr>
+        <a:xfrm>
+          <a:off x="0" y="0"/>
+          <a:ext cx="0" cy="0"/>
+          <a:chOff x="0" y="0"/>
+          <a:chExt cx="0" cy="0"/>
+        </a:xfrm>
+      </p:grpSpPr>
+      <p:sp>
+        <p:nvSpPr>
+          <p:cNvPr id="2" name="Title 1"/>
+          <p:cNvSpPr txBox="1">
+            <a:spLocks noGrp="1"/>
+          </p:cNvSpPr>
+          <p:nvPr>
+            <p:ph type="title" idx="4294967295"/>
+          </p:nvPr>
+        </p:nvSpPr>
+        <p:spPr>
+          <a:xfrm>
+            <a:off x="503998" y="301322"/>
+            <a:ext cx="9072000" cy="1261798"/>
+          </a:xfrm>
+        </p:spPr>
+        <p:txBody>
+          <a:bodyPr/>
+          <a:lstStyle/>
+          <a:p>
+            <a:pPr lvl="0"/>
+            <a:r>
+              <a:rPr lang="en-NZ" sz="3200" b="1" dirty="0">
+                <a:solidFill>
+                  <a:srgbClr val="BB2025"/>
+                </a:solidFill>
+                <a:latin typeface="Lato" pitchFamily="34"/>
+                <a:ea typeface="Lato" pitchFamily="34"/>
+                <a:cs typeface="Lato" pitchFamily="34"/>
+              </a:rPr>
+              <a:t>Alternative topology strategies</a:t>
+            </a:r>
+          </a:p>
+        </p:txBody>
+      </p:sp>
+      <p:sp>
+        <p:nvSpPr>
+          <p:cNvPr id="3" name="Text Placeholder 2"/>
+          <p:cNvSpPr txBox="1">
+            <a:spLocks noGrp="1"/>
+          </p:cNvSpPr>
+          <p:nvPr>
+            <p:ph type="body" idx="4294967295"/>
+          </p:nvPr>
+        </p:nvSpPr>
+        <p:spPr>
+          <a:xfrm>
+            <a:off x="685800" y="1443215"/>
+            <a:ext cx="8667753" cy="4384081"/>
+          </a:xfrm>
+        </p:spPr>
+        <p:txBody>
+          <a:bodyPr/>
+          <a:lstStyle/>
+          <a:p>
+            <a:pPr marL="342900" lvl="0" indent="-342900">
+              <a:buSzPct val="100000"/>
+              <a:buFont typeface="Arial" pitchFamily="34"/>
+              <a:buChar char="•"/>
+            </a:pPr>
+            <a:r>
+              <a:rPr lang="en-NZ" sz="2400" dirty="0"/>
+              <a:t>What is the best topology for various networks?</a:t>
+            </a:r>
+          </a:p>
+          <a:p>
+            <a:pPr marL="342900" lvl="0" indent="-342900">
+              <a:buSzPct val="100000"/>
+              <a:buFont typeface="Arial" pitchFamily="34"/>
+              <a:buChar char="•"/>
+            </a:pPr>
+            <a:endParaRPr lang="en-NZ" sz="2400" dirty="0"/>
+          </a:p>
+          <a:p>
+            <a:pPr marL="342900" lvl="0" indent="-342900">
+              <a:buSzPct val="100000"/>
+              <a:buFont typeface="Arial" pitchFamily="34"/>
+              <a:buChar char="•"/>
+            </a:pPr>
+            <a:r>
+              <a:rPr lang="en-NZ" sz="2400" dirty="0"/>
+              <a:t>Ring algorithm from intra-site for inter-site</a:t>
+            </a:r>
+          </a:p>
+          <a:p>
+            <a:pPr marL="342900" lvl="0" indent="-342900">
+              <a:buSzPct val="100000"/>
+              <a:buFont typeface="Arial" pitchFamily="34"/>
+              <a:buChar char="•"/>
+            </a:pPr>
+            <a:r>
+              <a:rPr lang="en-NZ" sz="2400" dirty="0"/>
+              <a:t>Minimum cost spanning tree plus additional connections</a:t>
+            </a:r>
+          </a:p>
+          <a:p>
+            <a:pPr marL="342900" lvl="0" indent="-342900">
+              <a:buSzPct val="100000"/>
+              <a:buFont typeface="Arial" pitchFamily="34"/>
+              <a:buChar char="•"/>
+            </a:pPr>
+            <a:r>
+              <a:rPr lang="en-NZ" sz="2400" dirty="0"/>
+              <a:t>Fully connected bridge-head servers</a:t>
+            </a:r>
+          </a:p>
+          <a:p>
+            <a:pPr lvl="0">
+              <a:buSzPct val="100000"/>
+            </a:pPr>
+            <a:endParaRPr lang="en-NZ" sz="2400" dirty="0"/>
+          </a:p>
+          <a:p>
+            <a:pPr marL="342900" lvl="0" indent="-342900">
+              <a:buSzPct val="100000"/>
+              <a:buFont typeface="Arial" pitchFamily="34"/>
+              <a:buChar char="•"/>
+            </a:pPr>
+            <a:endParaRPr lang="en-NZ" sz="2400" dirty="0"/>
+          </a:p>
+          <a:p>
+            <a:pPr marL="342900" lvl="0" indent="-342900">
+              <a:buSzPct val="100000"/>
+              <a:buFont typeface="Arial" pitchFamily="34"/>
+              <a:buChar char="•"/>
+            </a:pPr>
+            <a:endParaRPr lang="en-NZ" sz="2400" dirty="0"/>
+          </a:p>
+        </p:txBody>
+      </p:sp>
+    </p:spTree>
+    <p:extLst>
+      <p:ext uri="{BB962C8B-B14F-4D97-AF65-F5344CB8AC3E}">
+        <p14:creationId xmlns:p14="http://schemas.microsoft.com/office/powerpoint/2010/main" val="685869401"/>
+      </p:ext>
+    </p:extLst>
+  </p:cSld>
+  <p:clrMapOvr>
+    <a:masterClrMapping/>
+  </p:clrMapOvr>
+</p:sld>
+</file>
+
+<file path=ppt/slides/slide33.xml><?xml version="1.0" encoding="utf-8"?>
+<p:sld xmlns:a="http://schemas.openxmlformats.org/drawingml/2006/main" xmlns:r="http://schemas.openxmlformats.org/officeDocument/2006/relationships" xmlns:p="http://schemas.openxmlformats.org/presentationml/2006/main">
   <p:cSld name="page3">
     <p:spTree>
       <p:nvGrpSpPr>
@@ -26280,7 +28218,7 @@
 </p:sld>
 </file>
 
-<file path=ppt/slides/slide31.xml><?xml version="1.0" encoding="utf-8"?>
+<file path=ppt/slides/slide34.xml><?xml version="1.0" encoding="utf-8"?>
 <p:sld xmlns:a="http://schemas.openxmlformats.org/drawingml/2006/main" xmlns:r="http://schemas.openxmlformats.org/officeDocument/2006/relationships" xmlns:p="http://schemas.openxmlformats.org/presentationml/2006/main">
   <p:cSld name="page4">
     <p:spTree>
@@ -26336,10 +28274,7 @@
               <a:buFont typeface="StarSymbol"/>
               <a:buChar char="●"/>
             </a:pPr>
-            <a:r>
-              <a:rPr lang="en-NZ" dirty="0"/>
-              <a:t>Hyperedge and hypergraphs</a:t>
-            </a:r>
+            <a:endParaRPr lang="en-NZ" dirty="0"/>
           </a:p>
         </p:txBody>
       </p:sp>
@@ -26379,7 +28314,7 @@
 </p:sld>
 </file>
 
-<file path=ppt/slides/slide32.xml><?xml version="1.0" encoding="utf-8"?>
+<file path=ppt/slides/slide35.xml><?xml version="1.0" encoding="utf-8"?>
 <p:sld xmlns:a="http://schemas.openxmlformats.org/drawingml/2006/main" xmlns:r="http://schemas.openxmlformats.org/officeDocument/2006/relationships" xmlns:p="http://schemas.openxmlformats.org/presentationml/2006/main">
   <p:cSld name="page5">
     <p:spTree>
@@ -26436,8 +28371,16 @@
               <a:buChar char="●"/>
             </a:pPr>
             <a:r>
-              <a:rPr lang="en-NZ"/>
-              <a:t>Internal consitencies, it's hard to say what actually needs to be corrected.</a:t>
+              <a:rPr lang="en-NZ" dirty="0"/>
+              <a:t>Internal </a:t>
+            </a:r>
+            <a:r>
+              <a:rPr lang="en-NZ" dirty="0" err="1"/>
+              <a:t>consitencies</a:t>
+            </a:r>
+            <a:r>
+              <a:rPr lang="en-NZ" dirty="0"/>
+              <a:t>, it's hard to say what actually needs to be corrected.</a:t>
             </a:r>
           </a:p>
           <a:p>
@@ -26446,7 +28389,7 @@
               <a:buFont typeface="StarSymbol"/>
               <a:buChar char="●"/>
             </a:pPr>
-            <a:endParaRPr lang="en-NZ"/>
+            <a:endParaRPr lang="en-NZ" dirty="0"/>
           </a:p>
           <a:p>
             <a:pPr lvl="0">
@@ -26454,7 +28397,7 @@
               <a:buFont typeface="StarSymbol"/>
               <a:buChar char="●"/>
             </a:pPr>
-            <a:endParaRPr lang="en-NZ"/>
+            <a:endParaRPr lang="en-NZ" dirty="0"/>
           </a:p>
         </p:txBody>
       </p:sp>
@@ -26494,7 +28437,7 @@
 </p:sld>
 </file>
 
-<file path=ppt/slides/slide33.xml><?xml version="1.0" encoding="utf-8"?>
+<file path=ppt/slides/slide36.xml><?xml version="1.0" encoding="utf-8"?>
 <p:sld xmlns:a="http://schemas.openxmlformats.org/drawingml/2006/main" xmlns:r="http://schemas.openxmlformats.org/officeDocument/2006/relationships" xmlns:p="http://schemas.openxmlformats.org/presentationml/2006/main">
   <p:cSld name="page6">
     <p:spTree>
@@ -26708,7 +28651,7 @@
 </p:sld>
 </file>
 
-<file path=ppt/slides/slide34.xml><?xml version="1.0" encoding="utf-8"?>
+<file path=ppt/slides/slide37.xml><?xml version="1.0" encoding="utf-8"?>
 <p:sld xmlns:a="http://schemas.openxmlformats.org/drawingml/2006/main" xmlns:r="http://schemas.openxmlformats.org/officeDocument/2006/relationships" xmlns:p="http://schemas.openxmlformats.org/presentationml/2006/main">
   <p:cSld name="page7">
     <p:spTree>
@@ -26823,7 +28766,7 @@
 </p:sld>
 </file>
 
-<file path=ppt/slides/slide35.xml><?xml version="1.0" encoding="utf-8"?>
+<file path=ppt/slides/slide38.xml><?xml version="1.0" encoding="utf-8"?>
 <p:sld xmlns:a="http://schemas.openxmlformats.org/drawingml/2006/main" xmlns:r="http://schemas.openxmlformats.org/officeDocument/2006/relationships" xmlns:p="http://schemas.openxmlformats.org/presentationml/2006/main">
   <p:cSld name="page8">
     <p:spTree>
@@ -26949,7 +28892,7 @@
 </p:sld>
 </file>
 
-<file path=ppt/slides/slide36.xml><?xml version="1.0" encoding="utf-8"?>
+<file path=ppt/slides/slide39.xml><?xml version="1.0" encoding="utf-8"?>
 <p:sld xmlns:a="http://schemas.openxmlformats.org/drawingml/2006/main" xmlns:r="http://schemas.openxmlformats.org/officeDocument/2006/relationships" xmlns:p="http://schemas.openxmlformats.org/presentationml/2006/main">
   <p:cSld name="page9">
     <p:spTree>
